--- a/Spring Chinook Salmon in the Portland Metro Area.pptx
+++ b/Spring Chinook Salmon in the Portland Metro Area.pptx
@@ -3547,6 +3547,14 @@
 <file path=ppt/slides/slide2.xml><?xml version="1.0" encoding="utf-8"?>
 <p:sld xmlns:a="http://schemas.openxmlformats.org/drawingml/2006/main" xmlns:r="http://schemas.openxmlformats.org/officeDocument/2006/relationships" xmlns:p="http://schemas.openxmlformats.org/presentationml/2006/main">
   <p:cSld>
+    <p:bg>
+      <p:bgPr>
+        <a:solidFill>
+          <a:schemeClr val="bg1"/>
+        </a:solidFill>
+        <a:effectLst/>
+      </p:bgPr>
+    </p:bg>
     <p:spTree>
       <p:nvGrpSpPr>
         <p:cNvPr id="1" name=""/>
@@ -3563,6 +3571,233 @@
       </p:grpSpPr>
       <p:sp>
         <p:nvSpPr>
+          <p:cNvPr id="34" name="Rectangle 23">
+            <a:extLst>
+              <a:ext uri="{FF2B5EF4-FFF2-40B4-BE49-F238E27FC236}">
+                <a16:creationId xmlns:a16="http://schemas.microsoft.com/office/drawing/2014/main" id="{46D56025-432C-47A6-AE3E-5E57DF3E0B0B}"/>
+              </a:ext>
+              <a:ext uri="{C183D7F6-B498-43B3-948B-1728B52AA6E4}">
+                <adec:decorative xmlns:adec="http://schemas.microsoft.com/office/drawing/2017/decorative" val="1"/>
+              </a:ext>
+            </a:extLst>
+          </p:cNvPr>
+          <p:cNvSpPr>
+            <a:spLocks noGrp="1" noRot="1" noChangeAspect="1" noMove="1" noResize="1" noEditPoints="1" noAdjustHandles="1" noChangeArrowheads="1" noChangeShapeType="1" noTextEdit="1"/>
+          </p:cNvSpPr>
+          <p:nvPr>
+            <p:extLst>
+              <p:ext uri="{386F3935-93C4-4BCD-93E2-E3B085C9AB24}">
+                <p16:designElem xmlns:p16="http://schemas.microsoft.com/office/powerpoint/2015/main" val="1"/>
+              </p:ext>
+            </p:extLst>
+          </p:nvPr>
+        </p:nvSpPr>
+        <p:spPr>
+          <a:xfrm>
+            <a:off x="0" y="761999"/>
+            <a:ext cx="9141619" cy="5334001"/>
+          </a:xfrm>
+          <a:prstGeom prst="rect">
+            <a:avLst/>
+          </a:prstGeom>
+          <a:solidFill>
+            <a:schemeClr val="accent1"/>
+          </a:solidFill>
+          <a:ln>
+            <a:noFill/>
+          </a:ln>
+        </p:spPr>
+        <p:style>
+          <a:lnRef idx="2">
+            <a:schemeClr val="accent1">
+              <a:shade val="50000"/>
+            </a:schemeClr>
+          </a:lnRef>
+          <a:fillRef idx="1">
+            <a:schemeClr val="accent1"/>
+          </a:fillRef>
+          <a:effectRef idx="0">
+            <a:schemeClr val="accent1"/>
+          </a:effectRef>
+          <a:fontRef idx="minor">
+            <a:schemeClr val="lt1"/>
+          </a:fontRef>
+        </p:style>
+      </p:sp>
+      <p:sp>
+        <p:nvSpPr>
+          <p:cNvPr id="35" name="Rectangle 25">
+            <a:extLst>
+              <a:ext uri="{FF2B5EF4-FFF2-40B4-BE49-F238E27FC236}">
+                <a16:creationId xmlns:a16="http://schemas.microsoft.com/office/drawing/2014/main" id="{72D1A8B8-7523-49FA-B7DD-AE0B2271C7F9}"/>
+              </a:ext>
+              <a:ext uri="{C183D7F6-B498-43B3-948B-1728B52AA6E4}">
+                <adec:decorative xmlns:adec="http://schemas.microsoft.com/office/drawing/2017/decorative" val="1"/>
+              </a:ext>
+            </a:extLst>
+          </p:cNvPr>
+          <p:cNvSpPr>
+            <a:spLocks noGrp="1" noRot="1" noChangeAspect="1" noMove="1" noResize="1" noEditPoints="1" noAdjustHandles="1" noChangeArrowheads="1" noChangeShapeType="1" noTextEdit="1"/>
+          </p:cNvSpPr>
+          <p:nvPr>
+            <p:extLst>
+              <p:ext uri="{386F3935-93C4-4BCD-93E2-E3B085C9AB24}">
+                <p16:designElem xmlns:p16="http://schemas.microsoft.com/office/powerpoint/2015/main" val="1"/>
+              </p:ext>
+            </p:extLst>
+          </p:nvPr>
+        </p:nvSpPr>
+        <p:spPr>
+          <a:xfrm>
+            <a:off x="9270263" y="761999"/>
+            <a:ext cx="2925318" cy="5334001"/>
+          </a:xfrm>
+          <a:prstGeom prst="rect">
+            <a:avLst/>
+          </a:prstGeom>
+          <a:solidFill>
+            <a:srgbClr val="C8C8C8">
+              <a:alpha val="50000"/>
+            </a:srgbClr>
+          </a:solidFill>
+          <a:ln>
+            <a:noFill/>
+          </a:ln>
+        </p:spPr>
+        <p:style>
+          <a:lnRef idx="2">
+            <a:schemeClr val="accent1">
+              <a:shade val="50000"/>
+            </a:schemeClr>
+          </a:lnRef>
+          <a:fillRef idx="1">
+            <a:schemeClr val="accent1"/>
+          </a:fillRef>
+          <a:effectRef idx="0">
+            <a:schemeClr val="accent1"/>
+          </a:effectRef>
+          <a:fontRef idx="minor">
+            <a:schemeClr val="lt1"/>
+          </a:fontRef>
+        </p:style>
+      </p:sp>
+      <p:sp useBgFill="1">
+        <p:nvSpPr>
+          <p:cNvPr id="36" name="Rectangle 27">
+            <a:extLst>
+              <a:ext uri="{FF2B5EF4-FFF2-40B4-BE49-F238E27FC236}">
+                <a16:creationId xmlns:a16="http://schemas.microsoft.com/office/drawing/2014/main" id="{6A0CEB20-2839-496C-922D-A386524F398B}"/>
+              </a:ext>
+              <a:ext uri="{C183D7F6-B498-43B3-948B-1728B52AA6E4}">
+                <adec:decorative xmlns:adec="http://schemas.microsoft.com/office/drawing/2017/decorative" val="1"/>
+              </a:ext>
+            </a:extLst>
+          </p:cNvPr>
+          <p:cNvSpPr>
+            <a:spLocks noGrp="1" noRot="1" noChangeAspect="1" noMove="1" noResize="1" noEditPoints="1" noAdjustHandles="1" noChangeArrowheads="1" noChangeShapeType="1" noTextEdit="1"/>
+          </p:cNvSpPr>
+          <p:nvPr>
+            <p:extLst>
+              <p:ext uri="{386F3935-93C4-4BCD-93E2-E3B085C9AB24}">
+                <p16:designElem xmlns:p16="http://schemas.microsoft.com/office/powerpoint/2015/main" val="1"/>
+              </p:ext>
+            </p:extLst>
+          </p:nvPr>
+        </p:nvSpPr>
+        <p:spPr>
+          <a:xfrm>
+            <a:off x="0" y="0"/>
+            <a:ext cx="12191999" cy="6858000"/>
+          </a:xfrm>
+          <a:prstGeom prst="rect">
+            <a:avLst/>
+          </a:prstGeom>
+          <a:ln>
+            <a:noFill/>
+          </a:ln>
+        </p:spPr>
+        <p:style>
+          <a:lnRef idx="2">
+            <a:schemeClr val="accent1">
+              <a:shade val="50000"/>
+            </a:schemeClr>
+          </a:lnRef>
+          <a:fillRef idx="1">
+            <a:schemeClr val="accent1"/>
+          </a:fillRef>
+          <a:effectRef idx="0">
+            <a:schemeClr val="accent1"/>
+          </a:effectRef>
+          <a:fontRef idx="minor">
+            <a:schemeClr val="lt1"/>
+          </a:fontRef>
+        </p:style>
+        <p:txBody>
+          <a:bodyPr rtlCol="0" anchor="ctr"/>
+          <a:lstStyle/>
+          <a:p>
+            <a:pPr algn="ctr"/>
+            <a:endParaRPr lang="en-US"/>
+          </a:p>
+        </p:txBody>
+      </p:sp>
+      <p:sp>
+        <p:nvSpPr>
+          <p:cNvPr id="37" name="Rectangle 29">
+            <a:extLst>
+              <a:ext uri="{FF2B5EF4-FFF2-40B4-BE49-F238E27FC236}">
+                <a16:creationId xmlns:a16="http://schemas.microsoft.com/office/drawing/2014/main" id="{4EE33FA5-2378-4F59-8611-CE0F9CA505A9}"/>
+              </a:ext>
+              <a:ext uri="{C183D7F6-B498-43B3-948B-1728B52AA6E4}">
+                <adec:decorative xmlns:adec="http://schemas.microsoft.com/office/drawing/2017/decorative" val="1"/>
+              </a:ext>
+            </a:extLst>
+          </p:cNvPr>
+          <p:cNvSpPr>
+            <a:spLocks noGrp="1" noRot="1" noChangeAspect="1" noMove="1" noResize="1" noEditPoints="1" noAdjustHandles="1" noChangeArrowheads="1" noChangeShapeType="1" noTextEdit="1"/>
+          </p:cNvSpPr>
+          <p:nvPr>
+            <p:extLst>
+              <p:ext uri="{386F3935-93C4-4BCD-93E2-E3B085C9AB24}">
+                <p16:designElem xmlns:p16="http://schemas.microsoft.com/office/powerpoint/2015/main" val="1"/>
+              </p:ext>
+            </p:extLst>
+          </p:nvPr>
+        </p:nvSpPr>
+        <p:spPr>
+          <a:xfrm>
+            <a:off x="1" y="761999"/>
+            <a:ext cx="4642228" cy="5334001"/>
+          </a:xfrm>
+          <a:prstGeom prst="rect">
+            <a:avLst/>
+          </a:prstGeom>
+          <a:solidFill>
+            <a:schemeClr val="accent1"/>
+          </a:solidFill>
+          <a:ln>
+            <a:noFill/>
+          </a:ln>
+        </p:spPr>
+        <p:style>
+          <a:lnRef idx="2">
+            <a:schemeClr val="accent1">
+              <a:shade val="50000"/>
+            </a:schemeClr>
+          </a:lnRef>
+          <a:fillRef idx="1">
+            <a:schemeClr val="accent1"/>
+          </a:fillRef>
+          <a:effectRef idx="0">
+            <a:schemeClr val="accent1"/>
+          </a:effectRef>
+          <a:fontRef idx="minor">
+            <a:schemeClr val="lt1"/>
+          </a:fontRef>
+        </p:style>
+      </p:sp>
+      <p:sp>
+        <p:nvSpPr>
           <p:cNvPr id="2" name="Title 1">
             <a:extLst>
               <a:ext uri="{FF2B5EF4-FFF2-40B4-BE49-F238E27FC236}">
@@ -3577,13 +3812,20 @@
             <p:ph type="title"/>
           </p:nvPr>
         </p:nvSpPr>
-        <p:spPr/>
-        <p:txBody>
-          <a:bodyPr/>
-          <a:lstStyle/>
-          <a:p>
-            <a:r>
-              <a:rPr lang="en-US" dirty="0"/>
+        <p:spPr>
+          <a:xfrm>
+            <a:off x="1069849" y="1298448"/>
+            <a:ext cx="3258688" cy="3255264"/>
+          </a:xfrm>
+        </p:spPr>
+        <p:txBody>
+          <a:bodyPr vert="horz" lIns="91440" tIns="45720" rIns="91440" bIns="45720" rtlCol="0" anchor="b">
+            <a:normAutofit/>
+          </a:bodyPr>
+          <a:lstStyle/>
+          <a:p>
+            <a:r>
+              <a:rPr lang="en-US" sz="5000" spc="-100"/>
               <a:t>Hypothesis</a:t>
             </a:r>
           </a:p>
@@ -3605,17 +3847,121 @@
             <p:ph idx="1"/>
           </p:nvPr>
         </p:nvSpPr>
-        <p:spPr/>
-        <p:txBody>
-          <a:bodyPr/>
-          <a:lstStyle/>
-          <a:p>
-            <a:r>
-              <a:rPr lang="en-US" dirty="0"/>
-              <a:t>Does pollution have an affect on the population?</a:t>
-            </a:r>
-          </a:p>
-        </p:txBody>
+        <p:spPr>
+          <a:xfrm>
+            <a:off x="1100015" y="4670246"/>
+            <a:ext cx="3228521" cy="914400"/>
+          </a:xfrm>
+        </p:spPr>
+        <p:txBody>
+          <a:bodyPr vert="horz" lIns="91440" tIns="45720" rIns="91440" bIns="45720" rtlCol="0" anchor="t">
+            <a:normAutofit fontScale="92500" lnSpcReduction="10000"/>
+          </a:bodyPr>
+          <a:lstStyle/>
+          <a:p>
+            <a:pPr marL="0" indent="0">
+              <a:buNone/>
+            </a:pPr>
+            <a:r>
+              <a:rPr lang="en-US" sz="2400" dirty="0">
+                <a:solidFill>
+                  <a:schemeClr val="bg2">
+                    <a:lumMod val="20000"/>
+                    <a:lumOff val="80000"/>
+                  </a:schemeClr>
+                </a:solidFill>
+              </a:rPr>
+              <a:t>Does pollution have an affect on the salmon population?</a:t>
+            </a:r>
+          </a:p>
+        </p:txBody>
+      </p:sp>
+      <p:pic>
+        <p:nvPicPr>
+          <p:cNvPr id="5" name="Picture 4">
+            <a:extLst>
+              <a:ext uri="{FF2B5EF4-FFF2-40B4-BE49-F238E27FC236}">
+                <a16:creationId xmlns:a16="http://schemas.microsoft.com/office/drawing/2014/main" id="{F7E852AA-2BC1-4E03-9002-CAB1154F661A}"/>
+              </a:ext>
+            </a:extLst>
+          </p:cNvPr>
+          <p:cNvPicPr>
+            <a:picLocks noChangeAspect="1"/>
+          </p:cNvPicPr>
+          <p:nvPr/>
+        </p:nvPicPr>
+        <p:blipFill>
+          <a:blip r:embed="rId2"/>
+          <a:stretch>
+            <a:fillRect/>
+          </a:stretch>
+        </p:blipFill>
+        <p:spPr>
+          <a:xfrm>
+            <a:off x="5120640" y="1642088"/>
+            <a:ext cx="6367271" cy="3565671"/>
+          </a:xfrm>
+          <a:prstGeom prst="rect">
+            <a:avLst/>
+          </a:prstGeom>
+        </p:spPr>
+      </p:pic>
+      <p:sp>
+        <p:nvSpPr>
+          <p:cNvPr id="38" name="Rectangle 31">
+            <a:extLst>
+              <a:ext uri="{FF2B5EF4-FFF2-40B4-BE49-F238E27FC236}">
+                <a16:creationId xmlns:a16="http://schemas.microsoft.com/office/drawing/2014/main" id="{1C368AEB-D83A-432D-818C-3575285B69C7}"/>
+              </a:ext>
+              <a:ext uri="{C183D7F6-B498-43B3-948B-1728B52AA6E4}">
+                <adec:decorative xmlns:adec="http://schemas.microsoft.com/office/drawing/2017/decorative" val="1"/>
+              </a:ext>
+            </a:extLst>
+          </p:cNvPr>
+          <p:cNvSpPr>
+            <a:spLocks noGrp="1" noRot="1" noChangeAspect="1" noMove="1" noResize="1" noEditPoints="1" noAdjustHandles="1" noChangeArrowheads="1" noChangeShapeType="1" noTextEdit="1"/>
+          </p:cNvSpPr>
+          <p:nvPr>
+            <p:extLst>
+              <p:ext uri="{386F3935-93C4-4BCD-93E2-E3B085C9AB24}">
+                <p16:designElem xmlns:p16="http://schemas.microsoft.com/office/powerpoint/2015/main" val="1"/>
+              </p:ext>
+            </p:extLst>
+          </p:nvPr>
+        </p:nvSpPr>
+        <p:spPr>
+          <a:xfrm>
+            <a:off x="11815864" y="758952"/>
+            <a:ext cx="384048" cy="5330952"/>
+          </a:xfrm>
+          <a:prstGeom prst="rect">
+            <a:avLst/>
+          </a:prstGeom>
+          <a:solidFill>
+            <a:srgbClr val="C8C8C8">
+              <a:alpha val="49804"/>
+            </a:srgbClr>
+          </a:solidFill>
+          <a:ln>
+            <a:noFill/>
+          </a:ln>
+        </p:spPr>
+        <p:style>
+          <a:lnRef idx="2">
+            <a:schemeClr val="accent1">
+              <a:shade val="50000"/>
+            </a:schemeClr>
+          </a:lnRef>
+          <a:fillRef idx="1">
+            <a:schemeClr val="accent1"/>
+          </a:fillRef>
+          <a:effectRef idx="0">
+            <a:schemeClr val="accent1"/>
+          </a:effectRef>
+          <a:fontRef idx="minor">
+            <a:schemeClr val="lt1"/>
+          </a:fontRef>
+        </p:style>
       </p:sp>
     </p:spTree>
     <p:extLst>
@@ -3752,6 +4098,14 @@
 <file path=ppt/slides/slide4.xml><?xml version="1.0" encoding="utf-8"?>
 <p:sld xmlns:a="http://schemas.openxmlformats.org/drawingml/2006/main" xmlns:r="http://schemas.openxmlformats.org/officeDocument/2006/relationships" xmlns:p="http://schemas.openxmlformats.org/presentationml/2006/main">
   <p:cSld>
+    <p:bg>
+      <p:bgPr>
+        <a:solidFill>
+          <a:schemeClr val="bg1"/>
+        </a:solidFill>
+        <a:effectLst/>
+      </p:bgPr>
+    </p:bg>
     <p:spTree>
       <p:nvGrpSpPr>
         <p:cNvPr id="1" name=""/>
@@ -3768,6 +4122,233 @@
       </p:grpSpPr>
       <p:sp>
         <p:nvSpPr>
+          <p:cNvPr id="12" name="Rectangle 11">
+            <a:extLst>
+              <a:ext uri="{FF2B5EF4-FFF2-40B4-BE49-F238E27FC236}">
+                <a16:creationId xmlns:a16="http://schemas.microsoft.com/office/drawing/2014/main" id="{949535B8-4DCF-4E8F-87FF-E58E9DAED312}"/>
+              </a:ext>
+              <a:ext uri="{C183D7F6-B498-43B3-948B-1728B52AA6E4}">
+                <adec:decorative xmlns:adec="http://schemas.microsoft.com/office/drawing/2017/decorative" val="1"/>
+              </a:ext>
+            </a:extLst>
+          </p:cNvPr>
+          <p:cNvSpPr>
+            <a:spLocks noGrp="1" noRot="1" noChangeAspect="1" noMove="1" noResize="1" noEditPoints="1" noAdjustHandles="1" noChangeArrowheads="1" noChangeShapeType="1" noTextEdit="1"/>
+          </p:cNvSpPr>
+          <p:nvPr>
+            <p:extLst>
+              <p:ext uri="{386F3935-93C4-4BCD-93E2-E3B085C9AB24}">
+                <p16:designElem xmlns:p16="http://schemas.microsoft.com/office/powerpoint/2015/main" val="1"/>
+              </p:ext>
+            </p:extLst>
+          </p:nvPr>
+        </p:nvSpPr>
+        <p:spPr>
+          <a:xfrm>
+            <a:off x="1" y="758952"/>
+            <a:ext cx="3443590" cy="5330952"/>
+          </a:xfrm>
+          <a:prstGeom prst="rect">
+            <a:avLst/>
+          </a:prstGeom>
+          <a:solidFill>
+            <a:schemeClr val="accent1"/>
+          </a:solidFill>
+          <a:ln>
+            <a:noFill/>
+          </a:ln>
+        </p:spPr>
+        <p:style>
+          <a:lnRef idx="2">
+            <a:schemeClr val="accent1">
+              <a:shade val="50000"/>
+            </a:schemeClr>
+          </a:lnRef>
+          <a:fillRef idx="1">
+            <a:schemeClr val="accent1"/>
+          </a:fillRef>
+          <a:effectRef idx="0">
+            <a:schemeClr val="accent1"/>
+          </a:effectRef>
+          <a:fontRef idx="minor">
+            <a:schemeClr val="lt1"/>
+          </a:fontRef>
+        </p:style>
+      </p:sp>
+      <p:sp>
+        <p:nvSpPr>
+          <p:cNvPr id="14" name="Rectangle 13">
+            <a:extLst>
+              <a:ext uri="{FF2B5EF4-FFF2-40B4-BE49-F238E27FC236}">
+                <a16:creationId xmlns:a16="http://schemas.microsoft.com/office/drawing/2014/main" id="{D30461F7-251F-45DA-9BB7-200A37354E4C}"/>
+              </a:ext>
+              <a:ext uri="{C183D7F6-B498-43B3-948B-1728B52AA6E4}">
+                <adec:decorative xmlns:adec="http://schemas.microsoft.com/office/drawing/2017/decorative" val="1"/>
+              </a:ext>
+            </a:extLst>
+          </p:cNvPr>
+          <p:cNvSpPr>
+            <a:spLocks noGrp="1" noRot="1" noChangeAspect="1" noMove="1" noResize="1" noEditPoints="1" noAdjustHandles="1" noChangeArrowheads="1" noChangeShapeType="1" noTextEdit="1"/>
+          </p:cNvSpPr>
+          <p:nvPr>
+            <p:extLst>
+              <p:ext uri="{386F3935-93C4-4BCD-93E2-E3B085C9AB24}">
+                <p16:designElem xmlns:p16="http://schemas.microsoft.com/office/powerpoint/2015/main" val="1"/>
+              </p:ext>
+            </p:extLst>
+          </p:nvPr>
+        </p:nvSpPr>
+        <p:spPr>
+          <a:xfrm>
+            <a:off x="11815864" y="758952"/>
+            <a:ext cx="384048" cy="5330952"/>
+          </a:xfrm>
+          <a:prstGeom prst="rect">
+            <a:avLst/>
+          </a:prstGeom>
+          <a:solidFill>
+            <a:srgbClr val="C8C8C8">
+              <a:alpha val="49804"/>
+            </a:srgbClr>
+          </a:solidFill>
+          <a:ln>
+            <a:noFill/>
+          </a:ln>
+        </p:spPr>
+        <p:style>
+          <a:lnRef idx="2">
+            <a:schemeClr val="accent1">
+              <a:shade val="50000"/>
+            </a:schemeClr>
+          </a:lnRef>
+          <a:fillRef idx="1">
+            <a:schemeClr val="accent1"/>
+          </a:fillRef>
+          <a:effectRef idx="0">
+            <a:schemeClr val="accent1"/>
+          </a:effectRef>
+          <a:fontRef idx="minor">
+            <a:schemeClr val="lt1"/>
+          </a:fontRef>
+        </p:style>
+      </p:sp>
+      <p:sp useBgFill="1">
+        <p:nvSpPr>
+          <p:cNvPr id="16" name="Rectangle 15">
+            <a:extLst>
+              <a:ext uri="{FF2B5EF4-FFF2-40B4-BE49-F238E27FC236}">
+                <a16:creationId xmlns:a16="http://schemas.microsoft.com/office/drawing/2014/main" id="{EA992460-7FA3-40FE-A958-BCD1981B96FB}"/>
+              </a:ext>
+              <a:ext uri="{C183D7F6-B498-43B3-948B-1728B52AA6E4}">
+                <adec:decorative xmlns:adec="http://schemas.microsoft.com/office/drawing/2017/decorative" val="1"/>
+              </a:ext>
+            </a:extLst>
+          </p:cNvPr>
+          <p:cNvSpPr>
+            <a:spLocks noGrp="1" noRot="1" noChangeAspect="1" noMove="1" noResize="1" noEditPoints="1" noAdjustHandles="1" noChangeArrowheads="1" noChangeShapeType="1" noTextEdit="1"/>
+          </p:cNvSpPr>
+          <p:nvPr>
+            <p:extLst>
+              <p:ext uri="{386F3935-93C4-4BCD-93E2-E3B085C9AB24}">
+                <p16:designElem xmlns:p16="http://schemas.microsoft.com/office/powerpoint/2015/main" val="1"/>
+              </p:ext>
+            </p:extLst>
+          </p:nvPr>
+        </p:nvSpPr>
+        <p:spPr>
+          <a:xfrm>
+            <a:off x="0" y="0"/>
+            <a:ext cx="12191999" cy="6858000"/>
+          </a:xfrm>
+          <a:prstGeom prst="rect">
+            <a:avLst/>
+          </a:prstGeom>
+          <a:ln>
+            <a:noFill/>
+          </a:ln>
+        </p:spPr>
+        <p:style>
+          <a:lnRef idx="2">
+            <a:schemeClr val="accent1">
+              <a:shade val="50000"/>
+            </a:schemeClr>
+          </a:lnRef>
+          <a:fillRef idx="1">
+            <a:schemeClr val="accent1"/>
+          </a:fillRef>
+          <a:effectRef idx="0">
+            <a:schemeClr val="accent1"/>
+          </a:effectRef>
+          <a:fontRef idx="minor">
+            <a:schemeClr val="lt1"/>
+          </a:fontRef>
+        </p:style>
+        <p:txBody>
+          <a:bodyPr rtlCol="0" anchor="ctr"/>
+          <a:lstStyle/>
+          <a:p>
+            <a:pPr algn="ctr"/>
+            <a:endParaRPr lang="en-US"/>
+          </a:p>
+        </p:txBody>
+      </p:sp>
+      <p:sp>
+        <p:nvSpPr>
+          <p:cNvPr id="18" name="Rectangle 17">
+            <a:extLst>
+              <a:ext uri="{FF2B5EF4-FFF2-40B4-BE49-F238E27FC236}">
+                <a16:creationId xmlns:a16="http://schemas.microsoft.com/office/drawing/2014/main" id="{ADF57D5B-380D-48E9-8DAD-DD500FE80A01}"/>
+              </a:ext>
+              <a:ext uri="{C183D7F6-B498-43B3-948B-1728B52AA6E4}">
+                <adec:decorative xmlns:adec="http://schemas.microsoft.com/office/drawing/2017/decorative" val="1"/>
+              </a:ext>
+            </a:extLst>
+          </p:cNvPr>
+          <p:cNvSpPr>
+            <a:spLocks noGrp="1" noRot="1" noChangeAspect="1" noMove="1" noResize="1" noEditPoints="1" noAdjustHandles="1" noChangeArrowheads="1" noChangeShapeType="1" noTextEdit="1"/>
+          </p:cNvSpPr>
+          <p:nvPr>
+            <p:extLst>
+              <p:ext uri="{386F3935-93C4-4BCD-93E2-E3B085C9AB24}">
+                <p16:designElem xmlns:p16="http://schemas.microsoft.com/office/powerpoint/2015/main" val="1"/>
+              </p:ext>
+            </p:extLst>
+          </p:nvPr>
+        </p:nvSpPr>
+        <p:spPr>
+          <a:xfrm>
+            <a:off x="1" y="761999"/>
+            <a:ext cx="4642228" cy="5334001"/>
+          </a:xfrm>
+          <a:prstGeom prst="rect">
+            <a:avLst/>
+          </a:prstGeom>
+          <a:solidFill>
+            <a:schemeClr val="accent1"/>
+          </a:solidFill>
+          <a:ln>
+            <a:noFill/>
+          </a:ln>
+        </p:spPr>
+        <p:style>
+          <a:lnRef idx="2">
+            <a:schemeClr val="accent1">
+              <a:shade val="50000"/>
+            </a:schemeClr>
+          </a:lnRef>
+          <a:fillRef idx="1">
+            <a:schemeClr val="accent1"/>
+          </a:fillRef>
+          <a:effectRef idx="0">
+            <a:schemeClr val="accent1"/>
+          </a:effectRef>
+          <a:fontRef idx="minor">
+            <a:schemeClr val="lt1"/>
+          </a:fontRef>
+        </p:style>
+      </p:sp>
+      <p:sp>
+        <p:nvSpPr>
           <p:cNvPr id="2" name="Title 1">
             <a:extLst>
               <a:ext uri="{FF2B5EF4-FFF2-40B4-BE49-F238E27FC236}">
@@ -3782,13 +4363,20 @@
             <p:ph type="title"/>
           </p:nvPr>
         </p:nvSpPr>
-        <p:spPr/>
-        <p:txBody>
-          <a:bodyPr/>
-          <a:lstStyle/>
-          <a:p>
-            <a:r>
-              <a:rPr lang="en-US" dirty="0"/>
+        <p:spPr>
+          <a:xfrm>
+            <a:off x="289249" y="1123837"/>
+            <a:ext cx="4016116" cy="1255469"/>
+          </a:xfrm>
+        </p:spPr>
+        <p:txBody>
+          <a:bodyPr vert="horz" lIns="91440" tIns="45720" rIns="91440" bIns="45720" rtlCol="0" anchor="ctr">
+            <a:normAutofit/>
+          </a:bodyPr>
+          <a:lstStyle/>
+          <a:p>
+            <a:r>
+              <a:rPr lang="en-US" sz="4000" dirty="0"/>
               <a:t>Background</a:t>
             </a:r>
           </a:p>
@@ -3810,46 +4398,350 @@
             <p:ph sz="half" idx="1"/>
           </p:nvPr>
         </p:nvSpPr>
-        <p:spPr/>
-        <p:txBody>
-          <a:bodyPr/>
-          <a:lstStyle/>
-          <a:p>
-            <a:r>
-              <a:rPr lang="en-US" dirty="0"/>
-              <a:t>Chinook Salmon is on the “endangered species” list that the “state” is actively tracking to protect.</a:t>
-            </a:r>
-          </a:p>
-        </p:txBody>
-      </p:sp>
-      <p:sp>
-        <p:nvSpPr>
-          <p:cNvPr id="4" name="Content Placeholder 3">
+        <p:spPr>
+          <a:xfrm>
+            <a:off x="289249" y="2510395"/>
+            <a:ext cx="4016116" cy="3274586"/>
+          </a:xfrm>
+        </p:spPr>
+        <p:txBody>
+          <a:bodyPr vert="horz" lIns="91440" tIns="45720" rIns="91440" bIns="45720" rtlCol="0" anchor="t">
+            <a:normAutofit/>
+          </a:bodyPr>
+          <a:lstStyle/>
+          <a:p>
+            <a:r>
+              <a:rPr lang="en-US" sz="2800" b="1" dirty="0">
+                <a:solidFill>
+                  <a:srgbClr val="FFFFFF"/>
+                </a:solidFill>
+              </a:rPr>
+              <a:t>Salmon</a:t>
+            </a:r>
+          </a:p>
+          <a:p>
+            <a:r>
+              <a:rPr lang="en-US" sz="2800" b="1" dirty="0">
+                <a:solidFill>
+                  <a:srgbClr val="FFFFFF"/>
+                </a:solidFill>
+              </a:rPr>
+              <a:t>Rivers</a:t>
+            </a:r>
+          </a:p>
+          <a:p>
+            <a:r>
+              <a:rPr lang="en-US" sz="2800" b="1" dirty="0">
+                <a:solidFill>
+                  <a:srgbClr val="FFFFFF"/>
+                </a:solidFill>
+              </a:rPr>
+              <a:t>Cities</a:t>
+            </a:r>
+          </a:p>
+          <a:p>
+            <a:r>
+              <a:rPr lang="en-US" sz="2800" b="1" dirty="0">
+                <a:solidFill>
+                  <a:srgbClr val="FFFFFF"/>
+                </a:solidFill>
+              </a:rPr>
+              <a:t>Dams</a:t>
+            </a:r>
+          </a:p>
+          <a:p>
+            <a:r>
+              <a:rPr lang="en-US" sz="2800" b="1" dirty="0">
+                <a:solidFill>
+                  <a:srgbClr val="FFFFFF"/>
+                </a:solidFill>
+              </a:rPr>
+              <a:t>Oh My!</a:t>
+            </a:r>
+          </a:p>
+          <a:p>
+            <a:endParaRPr lang="en-US" sz="1800" dirty="0">
+              <a:solidFill>
+                <a:srgbClr val="FFFFFF"/>
+              </a:solidFill>
+            </a:endParaRPr>
+          </a:p>
+        </p:txBody>
+      </p:sp>
+      <p:sp>
+        <p:nvSpPr>
+          <p:cNvPr id="20" name="Rectangle 19">
             <a:extLst>
               <a:ext uri="{FF2B5EF4-FFF2-40B4-BE49-F238E27FC236}">
-                <a16:creationId xmlns:a16="http://schemas.microsoft.com/office/drawing/2014/main" id="{EB98CA19-046D-4731-887A-A0D5E76E76A4}"/>
+                <a16:creationId xmlns:a16="http://schemas.microsoft.com/office/drawing/2014/main" id="{065CC8E5-7727-4F29-A17D-114AF339F7DA}"/>
+              </a:ext>
+              <a:ext uri="{C183D7F6-B498-43B3-948B-1728B52AA6E4}">
+                <adec:decorative xmlns:adec="http://schemas.microsoft.com/office/drawing/2017/decorative" val="1"/>
               </a:ext>
             </a:extLst>
           </p:cNvPr>
           <p:cNvSpPr>
-            <a:spLocks noGrp="1"/>
-          </p:cNvSpPr>
+            <a:spLocks noGrp="1" noRot="1" noChangeAspect="1" noMove="1" noResize="1" noEditPoints="1" noAdjustHandles="1" noChangeArrowheads="1" noChangeShapeType="1" noTextEdit="1"/>
+          </p:cNvSpPr>
+          <p:nvPr>
+            <p:extLst>
+              <p:ext uri="{386F3935-93C4-4BCD-93E2-E3B085C9AB24}">
+                <p16:designElem xmlns:p16="http://schemas.microsoft.com/office/powerpoint/2015/main" val="1"/>
+              </p:ext>
+            </p:extLst>
+          </p:nvPr>
+        </p:nvSpPr>
+        <p:spPr>
+          <a:xfrm>
+            <a:off x="9408840" y="758952"/>
+            <a:ext cx="2079069" cy="2344272"/>
+          </a:xfrm>
+          <a:prstGeom prst="rect">
+            <a:avLst/>
+          </a:prstGeom>
+          <a:solidFill>
+            <a:schemeClr val="accent1"/>
+          </a:solidFill>
+          <a:ln>
+            <a:noFill/>
+          </a:ln>
+        </p:spPr>
+        <p:style>
+          <a:lnRef idx="2">
+            <a:schemeClr val="accent1">
+              <a:shade val="50000"/>
+            </a:schemeClr>
+          </a:lnRef>
+          <a:fillRef idx="1">
+            <a:schemeClr val="accent1"/>
+          </a:fillRef>
+          <a:effectRef idx="0">
+            <a:schemeClr val="accent1"/>
+          </a:effectRef>
+          <a:fontRef idx="minor">
+            <a:schemeClr val="lt1"/>
+          </a:fontRef>
+        </p:style>
+        <p:txBody>
+          <a:bodyPr rtlCol="0" anchor="ctr"/>
+          <a:lstStyle/>
+          <a:p>
+            <a:pPr algn="ctr"/>
+            <a:endParaRPr lang="en-US"/>
+          </a:p>
+        </p:txBody>
+      </p:sp>
+      <p:sp>
+        <p:nvSpPr>
+          <p:cNvPr id="22" name="Rectangle 21">
+            <a:extLst>
+              <a:ext uri="{FF2B5EF4-FFF2-40B4-BE49-F238E27FC236}">
+                <a16:creationId xmlns:a16="http://schemas.microsoft.com/office/drawing/2014/main" id="{74600802-151E-4F13-8C35-8D5CEDFF64A4}"/>
+              </a:ext>
+              <a:ext uri="{C183D7F6-B498-43B3-948B-1728B52AA6E4}">
+                <adec:decorative xmlns:adec="http://schemas.microsoft.com/office/drawing/2017/decorative" val="1"/>
+              </a:ext>
+            </a:extLst>
+          </p:cNvPr>
+          <p:cNvSpPr>
+            <a:spLocks noGrp="1" noRot="1" noChangeAspect="1" noMove="1" noResize="1" noEditPoints="1" noAdjustHandles="1" noChangeArrowheads="1" noChangeShapeType="1" noTextEdit="1"/>
+          </p:cNvSpPr>
+          <p:nvPr>
+            <p:extLst>
+              <p:ext uri="{386F3935-93C4-4BCD-93E2-E3B085C9AB24}">
+                <p16:designElem xmlns:p16="http://schemas.microsoft.com/office/powerpoint/2015/main" val="1"/>
+              </p:ext>
+            </p:extLst>
+          </p:nvPr>
+        </p:nvSpPr>
+        <p:spPr>
+          <a:xfrm>
+            <a:off x="5137463" y="4080912"/>
+            <a:ext cx="2157385" cy="2008992"/>
+          </a:xfrm>
+          <a:prstGeom prst="rect">
+            <a:avLst/>
+          </a:prstGeom>
+          <a:solidFill>
+            <a:schemeClr val="tx1">
+              <a:lumMod val="50000"/>
+              <a:lumOff val="50000"/>
+              <a:alpha val="50000"/>
+            </a:schemeClr>
+          </a:solidFill>
+          <a:ln>
+            <a:noFill/>
+          </a:ln>
+        </p:spPr>
+        <p:style>
+          <a:lnRef idx="2">
+            <a:schemeClr val="accent1">
+              <a:shade val="50000"/>
+            </a:schemeClr>
+          </a:lnRef>
+          <a:fillRef idx="1">
+            <a:schemeClr val="accent1"/>
+          </a:fillRef>
+          <a:effectRef idx="0">
+            <a:schemeClr val="accent1"/>
+          </a:effectRef>
+          <a:fontRef idx="minor">
+            <a:schemeClr val="lt1"/>
+          </a:fontRef>
+        </p:style>
+        <p:txBody>
+          <a:bodyPr rtlCol="0" anchor="ctr"/>
+          <a:lstStyle/>
+          <a:p>
+            <a:pPr algn="ctr"/>
+            <a:endParaRPr lang="en-US"/>
+          </a:p>
+        </p:txBody>
+      </p:sp>
+      <p:sp>
+        <p:nvSpPr>
+          <p:cNvPr id="24" name="Rectangle 23">
+            <a:extLst>
+              <a:ext uri="{FF2B5EF4-FFF2-40B4-BE49-F238E27FC236}">
+                <a16:creationId xmlns:a16="http://schemas.microsoft.com/office/drawing/2014/main" id="{F125053E-1062-4FE2-974C-546DC769D9F5}"/>
+              </a:ext>
+              <a:ext uri="{C183D7F6-B498-43B3-948B-1728B52AA6E4}">
+                <adec:decorative xmlns:adec="http://schemas.microsoft.com/office/drawing/2017/decorative" val="1"/>
+              </a:ext>
+            </a:extLst>
+          </p:cNvPr>
+          <p:cNvSpPr>
+            <a:spLocks noGrp="1" noRot="1" noChangeAspect="1" noMove="1" noResize="1" noEditPoints="1" noAdjustHandles="1" noChangeArrowheads="1" noChangeShapeType="1" noTextEdit="1"/>
+          </p:cNvSpPr>
+          <p:nvPr>
+            <p:extLst>
+              <p:ext uri="{386F3935-93C4-4BCD-93E2-E3B085C9AB24}">
+                <p16:designElem xmlns:p16="http://schemas.microsoft.com/office/powerpoint/2015/main" val="1"/>
+              </p:ext>
+            </p:extLst>
+          </p:nvPr>
+        </p:nvSpPr>
+        <p:spPr>
+          <a:xfrm>
+            <a:off x="11815864" y="758952"/>
+            <a:ext cx="384048" cy="5330952"/>
+          </a:xfrm>
+          <a:prstGeom prst="rect">
+            <a:avLst/>
+          </a:prstGeom>
+          <a:solidFill>
+            <a:srgbClr val="C8C8C8">
+              <a:alpha val="49804"/>
+            </a:srgbClr>
+          </a:solidFill>
+          <a:ln>
+            <a:noFill/>
+          </a:ln>
+        </p:spPr>
+        <p:style>
+          <a:lnRef idx="2">
+            <a:schemeClr val="accent1">
+              <a:shade val="50000"/>
+            </a:schemeClr>
+          </a:lnRef>
+          <a:fillRef idx="1">
+            <a:schemeClr val="accent1"/>
+          </a:fillRef>
+          <a:effectRef idx="0">
+            <a:schemeClr val="accent1"/>
+          </a:effectRef>
+          <a:fontRef idx="minor">
+            <a:schemeClr val="lt1"/>
+          </a:fontRef>
+        </p:style>
+      </p:sp>
+      <p:pic>
+        <p:nvPicPr>
+          <p:cNvPr id="5" name="Picture 4" descr="A fish swimming under water&#10;&#10;Description automatically generated">
+            <a:extLst>
+              <a:ext uri="{FF2B5EF4-FFF2-40B4-BE49-F238E27FC236}">
+                <a16:creationId xmlns:a16="http://schemas.microsoft.com/office/drawing/2014/main" id="{AE84B578-F5BB-4905-B7F3-D9504C24B9E7}"/>
+              </a:ext>
+            </a:extLst>
+          </p:cNvPr>
+          <p:cNvPicPr>
+            <a:picLocks noChangeAspect="1"/>
+          </p:cNvPicPr>
+          <p:nvPr/>
+        </p:nvPicPr>
+        <p:blipFill rotWithShape="1">
+          <a:blip r:embed="rId2"/>
+          <a:srcRect l="20787" r="4980" b="1"/>
+          <a:stretch/>
+        </p:blipFill>
+        <p:spPr>
+          <a:xfrm>
+            <a:off x="7460907" y="3264090"/>
+            <a:ext cx="4027002" cy="3593910"/>
+          </a:xfrm>
+          <a:prstGeom prst="rect">
+            <a:avLst/>
+          </a:prstGeom>
+        </p:spPr>
+      </p:pic>
+      <p:pic>
+        <p:nvPicPr>
+          <p:cNvPr id="7" name="Content Placeholder 6" descr="A person riding a horse drawn carriage&#10;&#10;Description automatically generated">
+            <a:extLst>
+              <a:ext uri="{FF2B5EF4-FFF2-40B4-BE49-F238E27FC236}">
+                <a16:creationId xmlns:a16="http://schemas.microsoft.com/office/drawing/2014/main" id="{066C5FDA-FE3B-43A1-BE8B-A58D882AC43D}"/>
+              </a:ext>
+            </a:extLst>
+          </p:cNvPr>
+          <p:cNvPicPr>
+            <a:picLocks noGrp="1" noChangeAspect="1"/>
+          </p:cNvPicPr>
           <p:nvPr>
             <p:ph sz="half" idx="2"/>
           </p:nvPr>
-        </p:nvSpPr>
-        <p:spPr/>
-        <p:txBody>
-          <a:bodyPr/>
-          <a:lstStyle/>
-          <a:p>
-            <a:r>
-              <a:rPr lang="en-US" dirty="0"/>
-              <a:t>Has a keystone species it is of utmost importance to implement  measures for conservation and education.</a:t>
-            </a:r>
-          </a:p>
-        </p:txBody>
-      </p:sp>
+        </p:nvPicPr>
+        <p:blipFill rotWithShape="1">
+          <a:blip r:embed="rId3"/>
+          <a:srcRect l="22631" r="18342" b="-2"/>
+          <a:stretch/>
+        </p:blipFill>
+        <p:spPr>
+          <a:xfrm>
+            <a:off x="5137460" y="10"/>
+            <a:ext cx="4113440" cy="3920034"/>
+          </a:xfrm>
+          <a:custGeom>
+            <a:avLst/>
+            <a:gdLst/>
+            <a:ahLst/>
+            <a:cxnLst/>
+            <a:rect l="l" t="t" r="r" b="b"/>
+            <a:pathLst>
+              <a:path w="4113440" h="3920044">
+                <a:moveTo>
+                  <a:pt x="0" y="0"/>
+                </a:moveTo>
+                <a:lnTo>
+                  <a:pt x="4113440" y="0"/>
+                </a:lnTo>
+                <a:lnTo>
+                  <a:pt x="4113440" y="3103224"/>
+                </a:lnTo>
+                <a:lnTo>
+                  <a:pt x="2157388" y="3103224"/>
+                </a:lnTo>
+                <a:lnTo>
+                  <a:pt x="2157388" y="3920044"/>
+                </a:lnTo>
+                <a:lnTo>
+                  <a:pt x="0" y="3920044"/>
+                </a:lnTo>
+                <a:close/>
+              </a:path>
+            </a:pathLst>
+          </a:custGeom>
+        </p:spPr>
+      </p:pic>
     </p:spTree>
     <p:extLst>
       <p:ext uri="{BB962C8B-B14F-4D97-AF65-F5344CB8AC3E}">

--- a/Spring Chinook Salmon in the Portland Metro Area.pptx
+++ b/Spring Chinook Salmon in the Portland Metro Area.pptx
@@ -4,6 +4,9 @@
   <p:sldMasterIdLst>
     <p:sldMasterId id="2147483840" r:id="rId1"/>
   </p:sldMasterIdLst>
+  <p:notesMasterIdLst>
+    <p:notesMasterId r:id="rId12"/>
+  </p:notesMasterIdLst>
   <p:sldIdLst>
     <p:sldId id="256" r:id="rId2"/>
     <p:sldId id="257" r:id="rId3"/>
@@ -13,8 +16,8 @@
     <p:sldId id="261" r:id="rId7"/>
     <p:sldId id="262" r:id="rId8"/>
     <p:sldId id="263" r:id="rId9"/>
-    <p:sldId id="264" r:id="rId10"/>
-    <p:sldId id="265" r:id="rId11"/>
+    <p:sldId id="265" r:id="rId10"/>
+    <p:sldId id="264" r:id="rId11"/>
   </p:sldIdLst>
   <p:sldSz cx="12192000" cy="6858000"/>
   <p:notesSz cx="6858000" cy="9144000"/>
@@ -119,6 +122,719 @@
     </p:ext>
   </p:extLst>
 </p:presentation>
+</file>
+
+<file path=ppt/notesMasters/notesMaster1.xml><?xml version="1.0" encoding="utf-8"?>
+<p:notesMaster xmlns:a="http://schemas.openxmlformats.org/drawingml/2006/main" xmlns:r="http://schemas.openxmlformats.org/officeDocument/2006/relationships" xmlns:p="http://schemas.openxmlformats.org/presentationml/2006/main">
+  <p:cSld>
+    <p:bg>
+      <p:bgRef idx="1001">
+        <a:schemeClr val="bg1"/>
+      </p:bgRef>
+    </p:bg>
+    <p:spTree>
+      <p:nvGrpSpPr>
+        <p:cNvPr id="1" name=""/>
+        <p:cNvGrpSpPr/>
+        <p:nvPr/>
+      </p:nvGrpSpPr>
+      <p:grpSpPr>
+        <a:xfrm>
+          <a:off x="0" y="0"/>
+          <a:ext cx="0" cy="0"/>
+          <a:chOff x="0" y="0"/>
+          <a:chExt cx="0" cy="0"/>
+        </a:xfrm>
+      </p:grpSpPr>
+      <p:sp>
+        <p:nvSpPr>
+          <p:cNvPr id="2" name="Header Placeholder 1"/>
+          <p:cNvSpPr>
+            <a:spLocks noGrp="1"/>
+          </p:cNvSpPr>
+          <p:nvPr>
+            <p:ph type="hdr" sz="quarter"/>
+          </p:nvPr>
+        </p:nvSpPr>
+        <p:spPr>
+          <a:xfrm>
+            <a:off x="0" y="0"/>
+            <a:ext cx="2971800" cy="458788"/>
+          </a:xfrm>
+          <a:prstGeom prst="rect">
+            <a:avLst/>
+          </a:prstGeom>
+        </p:spPr>
+        <p:txBody>
+          <a:bodyPr vert="horz" lIns="91440" tIns="45720" rIns="91440" bIns="45720" rtlCol="0"/>
+          <a:lstStyle>
+            <a:lvl1pPr algn="l">
+              <a:defRPr sz="1200"/>
+            </a:lvl1pPr>
+          </a:lstStyle>
+          <a:p>
+            <a:endParaRPr lang="en-US"/>
+          </a:p>
+        </p:txBody>
+      </p:sp>
+      <p:sp>
+        <p:nvSpPr>
+          <p:cNvPr id="3" name="Date Placeholder 2"/>
+          <p:cNvSpPr>
+            <a:spLocks noGrp="1"/>
+          </p:cNvSpPr>
+          <p:nvPr>
+            <p:ph type="dt" idx="1"/>
+          </p:nvPr>
+        </p:nvSpPr>
+        <p:spPr>
+          <a:xfrm>
+            <a:off x="3884613" y="0"/>
+            <a:ext cx="2971800" cy="458788"/>
+          </a:xfrm>
+          <a:prstGeom prst="rect">
+            <a:avLst/>
+          </a:prstGeom>
+        </p:spPr>
+        <p:txBody>
+          <a:bodyPr vert="horz" lIns="91440" tIns="45720" rIns="91440" bIns="45720" rtlCol="0"/>
+          <a:lstStyle>
+            <a:lvl1pPr algn="r">
+              <a:defRPr sz="1200"/>
+            </a:lvl1pPr>
+          </a:lstStyle>
+          <a:p>
+            <a:fld id="{58952F50-9AC3-48F1-A657-DC6C258797CF}" type="datetimeFigureOut">
+              <a:rPr lang="en-US" smtClean="0"/>
+              <a:t>11/7/2020</a:t>
+            </a:fld>
+            <a:endParaRPr lang="en-US"/>
+          </a:p>
+        </p:txBody>
+      </p:sp>
+      <p:sp>
+        <p:nvSpPr>
+          <p:cNvPr id="4" name="Slide Image Placeholder 3"/>
+          <p:cNvSpPr>
+            <a:spLocks noGrp="1" noRot="1" noChangeAspect="1"/>
+          </p:cNvSpPr>
+          <p:nvPr>
+            <p:ph type="sldImg" idx="2"/>
+          </p:nvPr>
+        </p:nvSpPr>
+        <p:spPr>
+          <a:xfrm>
+            <a:off x="685800" y="1143000"/>
+            <a:ext cx="5486400" cy="3086100"/>
+          </a:xfrm>
+          <a:prstGeom prst="rect">
+            <a:avLst/>
+          </a:prstGeom>
+          <a:noFill/>
+          <a:ln w="12700">
+            <a:solidFill>
+              <a:prstClr val="black"/>
+            </a:solidFill>
+          </a:ln>
+        </p:spPr>
+        <p:txBody>
+          <a:bodyPr vert="horz" lIns="91440" tIns="45720" rIns="91440" bIns="45720" rtlCol="0" anchor="ctr"/>
+          <a:lstStyle/>
+          <a:p>
+            <a:endParaRPr lang="en-US"/>
+          </a:p>
+        </p:txBody>
+      </p:sp>
+      <p:sp>
+        <p:nvSpPr>
+          <p:cNvPr id="5" name="Notes Placeholder 4"/>
+          <p:cNvSpPr>
+            <a:spLocks noGrp="1"/>
+          </p:cNvSpPr>
+          <p:nvPr>
+            <p:ph type="body" sz="quarter" idx="3"/>
+          </p:nvPr>
+        </p:nvSpPr>
+        <p:spPr>
+          <a:xfrm>
+            <a:off x="685800" y="4400550"/>
+            <a:ext cx="5486400" cy="3600450"/>
+          </a:xfrm>
+          <a:prstGeom prst="rect">
+            <a:avLst/>
+          </a:prstGeom>
+        </p:spPr>
+        <p:txBody>
+          <a:bodyPr vert="horz" lIns="91440" tIns="45720" rIns="91440" bIns="45720" rtlCol="0"/>
+          <a:lstStyle/>
+          <a:p>
+            <a:pPr lvl="0"/>
+            <a:r>
+              <a:rPr lang="en-US"/>
+              <a:t>Click to edit Master text styles</a:t>
+            </a:r>
+          </a:p>
+          <a:p>
+            <a:pPr lvl="1"/>
+            <a:r>
+              <a:rPr lang="en-US"/>
+              <a:t>Second level</a:t>
+            </a:r>
+          </a:p>
+          <a:p>
+            <a:pPr lvl="2"/>
+            <a:r>
+              <a:rPr lang="en-US"/>
+              <a:t>Third level</a:t>
+            </a:r>
+          </a:p>
+          <a:p>
+            <a:pPr lvl="3"/>
+            <a:r>
+              <a:rPr lang="en-US"/>
+              <a:t>Fourth level</a:t>
+            </a:r>
+          </a:p>
+          <a:p>
+            <a:pPr lvl="4"/>
+            <a:r>
+              <a:rPr lang="en-US"/>
+              <a:t>Fifth level</a:t>
+            </a:r>
+          </a:p>
+        </p:txBody>
+      </p:sp>
+      <p:sp>
+        <p:nvSpPr>
+          <p:cNvPr id="6" name="Footer Placeholder 5"/>
+          <p:cNvSpPr>
+            <a:spLocks noGrp="1"/>
+          </p:cNvSpPr>
+          <p:nvPr>
+            <p:ph type="ftr" sz="quarter" idx="4"/>
+          </p:nvPr>
+        </p:nvSpPr>
+        <p:spPr>
+          <a:xfrm>
+            <a:off x="0" y="8685213"/>
+            <a:ext cx="2971800" cy="458787"/>
+          </a:xfrm>
+          <a:prstGeom prst="rect">
+            <a:avLst/>
+          </a:prstGeom>
+        </p:spPr>
+        <p:txBody>
+          <a:bodyPr vert="horz" lIns="91440" tIns="45720" rIns="91440" bIns="45720" rtlCol="0" anchor="b"/>
+          <a:lstStyle>
+            <a:lvl1pPr algn="l">
+              <a:defRPr sz="1200"/>
+            </a:lvl1pPr>
+          </a:lstStyle>
+          <a:p>
+            <a:endParaRPr lang="en-US"/>
+          </a:p>
+        </p:txBody>
+      </p:sp>
+      <p:sp>
+        <p:nvSpPr>
+          <p:cNvPr id="7" name="Slide Number Placeholder 6"/>
+          <p:cNvSpPr>
+            <a:spLocks noGrp="1"/>
+          </p:cNvSpPr>
+          <p:nvPr>
+            <p:ph type="sldNum" sz="quarter" idx="5"/>
+          </p:nvPr>
+        </p:nvSpPr>
+        <p:spPr>
+          <a:xfrm>
+            <a:off x="3884613" y="8685213"/>
+            <a:ext cx="2971800" cy="458787"/>
+          </a:xfrm>
+          <a:prstGeom prst="rect">
+            <a:avLst/>
+          </a:prstGeom>
+        </p:spPr>
+        <p:txBody>
+          <a:bodyPr vert="horz" lIns="91440" tIns="45720" rIns="91440" bIns="45720" rtlCol="0" anchor="b"/>
+          <a:lstStyle>
+            <a:lvl1pPr algn="r">
+              <a:defRPr sz="1200"/>
+            </a:lvl1pPr>
+          </a:lstStyle>
+          <a:p>
+            <a:fld id="{4DF9C49E-566E-4C32-9550-3CFB77E325AD}" type="slidenum">
+              <a:rPr lang="en-US" smtClean="0"/>
+              <a:t>‹#›</a:t>
+            </a:fld>
+            <a:endParaRPr lang="en-US"/>
+          </a:p>
+        </p:txBody>
+      </p:sp>
+    </p:spTree>
+    <p:extLst>
+      <p:ext uri="{BB962C8B-B14F-4D97-AF65-F5344CB8AC3E}">
+        <p14:creationId xmlns:p14="http://schemas.microsoft.com/office/powerpoint/2010/main" val="2978708341"/>
+      </p:ext>
+    </p:extLst>
+  </p:cSld>
+  <p:clrMap bg1="lt1" tx1="dk1" bg2="lt2" tx2="dk2" accent1="accent1" accent2="accent2" accent3="accent3" accent4="accent4" accent5="accent5" accent6="accent6" hlink="hlink" folHlink="folHlink"/>
+  <p:notesStyle>
+    <a:lvl1pPr marL="0" algn="l" defTabSz="914400" rtl="0" eaLnBrk="1" latinLnBrk="0" hangingPunct="1">
+      <a:defRPr sz="1200" kern="1200">
+        <a:solidFill>
+          <a:schemeClr val="tx1"/>
+        </a:solidFill>
+        <a:latin typeface="+mn-lt"/>
+        <a:ea typeface="+mn-ea"/>
+        <a:cs typeface="+mn-cs"/>
+      </a:defRPr>
+    </a:lvl1pPr>
+    <a:lvl2pPr marL="457200" algn="l" defTabSz="914400" rtl="0" eaLnBrk="1" latinLnBrk="0" hangingPunct="1">
+      <a:defRPr sz="1200" kern="1200">
+        <a:solidFill>
+          <a:schemeClr val="tx1"/>
+        </a:solidFill>
+        <a:latin typeface="+mn-lt"/>
+        <a:ea typeface="+mn-ea"/>
+        <a:cs typeface="+mn-cs"/>
+      </a:defRPr>
+    </a:lvl2pPr>
+    <a:lvl3pPr marL="914400" algn="l" defTabSz="914400" rtl="0" eaLnBrk="1" latinLnBrk="0" hangingPunct="1">
+      <a:defRPr sz="1200" kern="1200">
+        <a:solidFill>
+          <a:schemeClr val="tx1"/>
+        </a:solidFill>
+        <a:latin typeface="+mn-lt"/>
+        <a:ea typeface="+mn-ea"/>
+        <a:cs typeface="+mn-cs"/>
+      </a:defRPr>
+    </a:lvl3pPr>
+    <a:lvl4pPr marL="1371600" algn="l" defTabSz="914400" rtl="0" eaLnBrk="1" latinLnBrk="0" hangingPunct="1">
+      <a:defRPr sz="1200" kern="1200">
+        <a:solidFill>
+          <a:schemeClr val="tx1"/>
+        </a:solidFill>
+        <a:latin typeface="+mn-lt"/>
+        <a:ea typeface="+mn-ea"/>
+        <a:cs typeface="+mn-cs"/>
+      </a:defRPr>
+    </a:lvl4pPr>
+    <a:lvl5pPr marL="1828800" algn="l" defTabSz="914400" rtl="0" eaLnBrk="1" latinLnBrk="0" hangingPunct="1">
+      <a:defRPr sz="1200" kern="1200">
+        <a:solidFill>
+          <a:schemeClr val="tx1"/>
+        </a:solidFill>
+        <a:latin typeface="+mn-lt"/>
+        <a:ea typeface="+mn-ea"/>
+        <a:cs typeface="+mn-cs"/>
+      </a:defRPr>
+    </a:lvl5pPr>
+    <a:lvl6pPr marL="2286000" algn="l" defTabSz="914400" rtl="0" eaLnBrk="1" latinLnBrk="0" hangingPunct="1">
+      <a:defRPr sz="1200" kern="1200">
+        <a:solidFill>
+          <a:schemeClr val="tx1"/>
+        </a:solidFill>
+        <a:latin typeface="+mn-lt"/>
+        <a:ea typeface="+mn-ea"/>
+        <a:cs typeface="+mn-cs"/>
+      </a:defRPr>
+    </a:lvl6pPr>
+    <a:lvl7pPr marL="2743200" algn="l" defTabSz="914400" rtl="0" eaLnBrk="1" latinLnBrk="0" hangingPunct="1">
+      <a:defRPr sz="1200" kern="1200">
+        <a:solidFill>
+          <a:schemeClr val="tx1"/>
+        </a:solidFill>
+        <a:latin typeface="+mn-lt"/>
+        <a:ea typeface="+mn-ea"/>
+        <a:cs typeface="+mn-cs"/>
+      </a:defRPr>
+    </a:lvl7pPr>
+    <a:lvl8pPr marL="3200400" algn="l" defTabSz="914400" rtl="0" eaLnBrk="1" latinLnBrk="0" hangingPunct="1">
+      <a:defRPr sz="1200" kern="1200">
+        <a:solidFill>
+          <a:schemeClr val="tx1"/>
+        </a:solidFill>
+        <a:latin typeface="+mn-lt"/>
+        <a:ea typeface="+mn-ea"/>
+        <a:cs typeface="+mn-cs"/>
+      </a:defRPr>
+    </a:lvl8pPr>
+    <a:lvl9pPr marL="3657600" algn="l" defTabSz="914400" rtl="0" eaLnBrk="1" latinLnBrk="0" hangingPunct="1">
+      <a:defRPr sz="1200" kern="1200">
+        <a:solidFill>
+          <a:schemeClr val="tx1"/>
+        </a:solidFill>
+        <a:latin typeface="+mn-lt"/>
+        <a:ea typeface="+mn-ea"/>
+        <a:cs typeface="+mn-cs"/>
+      </a:defRPr>
+    </a:lvl9pPr>
+  </p:notesStyle>
+</p:notesMaster>
+</file>
+
+<file path=ppt/notesSlides/notesSlide1.xml><?xml version="1.0" encoding="utf-8"?>
+<p:notes xmlns:a="http://schemas.openxmlformats.org/drawingml/2006/main" xmlns:r="http://schemas.openxmlformats.org/officeDocument/2006/relationships" xmlns:p="http://schemas.openxmlformats.org/presentationml/2006/main">
+  <p:cSld>
+    <p:spTree>
+      <p:nvGrpSpPr>
+        <p:cNvPr id="1" name=""/>
+        <p:cNvGrpSpPr/>
+        <p:nvPr/>
+      </p:nvGrpSpPr>
+      <p:grpSpPr>
+        <a:xfrm>
+          <a:off x="0" y="0"/>
+          <a:ext cx="0" cy="0"/>
+          <a:chOff x="0" y="0"/>
+          <a:chExt cx="0" cy="0"/>
+        </a:xfrm>
+      </p:grpSpPr>
+      <p:sp>
+        <p:nvSpPr>
+          <p:cNvPr id="2" name="Slide Image Placeholder 1"/>
+          <p:cNvSpPr>
+            <a:spLocks noGrp="1" noRot="1" noChangeAspect="1"/>
+          </p:cNvSpPr>
+          <p:nvPr>
+            <p:ph type="sldImg"/>
+          </p:nvPr>
+        </p:nvSpPr>
+        <p:spPr/>
+      </p:sp>
+      <p:sp>
+        <p:nvSpPr>
+          <p:cNvPr id="3" name="Notes Placeholder 2"/>
+          <p:cNvSpPr>
+            <a:spLocks noGrp="1"/>
+          </p:cNvSpPr>
+          <p:nvPr>
+            <p:ph type="body" idx="1"/>
+          </p:nvPr>
+        </p:nvSpPr>
+        <p:spPr/>
+        <p:txBody>
+          <a:bodyPr/>
+          <a:lstStyle/>
+          <a:p>
+            <a:pPr marL="0" marR="0" lvl="0" indent="0" algn="l" defTabSz="914400" rtl="0" eaLnBrk="1" fontAlgn="auto" latinLnBrk="0" hangingPunct="1">
+              <a:lnSpc>
+                <a:spcPct val="100000"/>
+              </a:lnSpc>
+              <a:spcBef>
+                <a:spcPts val="0"/>
+              </a:spcBef>
+              <a:spcAft>
+                <a:spcPts val="0"/>
+              </a:spcAft>
+              <a:buClrTx/>
+              <a:buSzTx/>
+              <a:buFontTx/>
+              <a:buNone/>
+              <a:tabLst/>
+              <a:defRPr/>
+            </a:pPr>
+            <a:r>
+              <a:rPr lang="en-US" dirty="0"/>
+              <a:t>Our goal is to understand the “2005-2019” water’s </a:t>
+            </a:r>
+            <a:r>
+              <a:rPr lang="en-US" dirty="0" err="1"/>
+              <a:t>effecy</a:t>
+            </a:r>
+            <a:r>
+              <a:rPr lang="en-US" dirty="0"/>
+              <a:t> on the Native Chinook Salmon Populations in he “Lower Columbia” area during their migration cycle to spawn in the “Spring”.</a:t>
+            </a:r>
+          </a:p>
+          <a:p>
+            <a:endParaRPr lang="en-US" dirty="0"/>
+          </a:p>
+        </p:txBody>
+      </p:sp>
+      <p:sp>
+        <p:nvSpPr>
+          <p:cNvPr id="4" name="Slide Number Placeholder 3"/>
+          <p:cNvSpPr>
+            <a:spLocks noGrp="1"/>
+          </p:cNvSpPr>
+          <p:nvPr>
+            <p:ph type="sldNum" sz="quarter" idx="5"/>
+          </p:nvPr>
+        </p:nvSpPr>
+        <p:spPr/>
+        <p:txBody>
+          <a:bodyPr/>
+          <a:lstStyle/>
+          <a:p>
+            <a:fld id="{4DF9C49E-566E-4C32-9550-3CFB77E325AD}" type="slidenum">
+              <a:rPr lang="en-US" smtClean="0"/>
+              <a:t>3</a:t>
+            </a:fld>
+            <a:endParaRPr lang="en-US"/>
+          </a:p>
+        </p:txBody>
+      </p:sp>
+    </p:spTree>
+    <p:extLst>
+      <p:ext uri="{BB962C8B-B14F-4D97-AF65-F5344CB8AC3E}">
+        <p14:creationId xmlns:p14="http://schemas.microsoft.com/office/powerpoint/2010/main" val="4234124978"/>
+      </p:ext>
+    </p:extLst>
+  </p:cSld>
+  <p:clrMapOvr>
+    <a:masterClrMapping/>
+  </p:clrMapOvr>
+</p:notes>
+</file>
+
+<file path=ppt/notesSlides/notesSlide2.xml><?xml version="1.0" encoding="utf-8"?>
+<p:notes xmlns:a="http://schemas.openxmlformats.org/drawingml/2006/main" xmlns:r="http://schemas.openxmlformats.org/officeDocument/2006/relationships" xmlns:p="http://schemas.openxmlformats.org/presentationml/2006/main">
+  <p:cSld>
+    <p:spTree>
+      <p:nvGrpSpPr>
+        <p:cNvPr id="1" name=""/>
+        <p:cNvGrpSpPr/>
+        <p:nvPr/>
+      </p:nvGrpSpPr>
+      <p:grpSpPr>
+        <a:xfrm>
+          <a:off x="0" y="0"/>
+          <a:ext cx="0" cy="0"/>
+          <a:chOff x="0" y="0"/>
+          <a:chExt cx="0" cy="0"/>
+        </a:xfrm>
+      </p:grpSpPr>
+      <p:sp>
+        <p:nvSpPr>
+          <p:cNvPr id="2" name="Slide Image Placeholder 1"/>
+          <p:cNvSpPr>
+            <a:spLocks noGrp="1" noRot="1" noChangeAspect="1"/>
+          </p:cNvSpPr>
+          <p:nvPr>
+            <p:ph type="sldImg"/>
+          </p:nvPr>
+        </p:nvSpPr>
+        <p:spPr/>
+      </p:sp>
+      <p:sp>
+        <p:nvSpPr>
+          <p:cNvPr id="3" name="Notes Placeholder 2"/>
+          <p:cNvSpPr>
+            <a:spLocks noGrp="1"/>
+          </p:cNvSpPr>
+          <p:nvPr>
+            <p:ph type="body" idx="1"/>
+          </p:nvPr>
+        </p:nvSpPr>
+        <p:spPr/>
+        <p:txBody>
+          <a:bodyPr/>
+          <a:lstStyle/>
+          <a:p>
+            <a:r>
+              <a:rPr lang="en-US" sz="1000" dirty="0"/>
+              <a:t> Salmon facts:</a:t>
+            </a:r>
+          </a:p>
+          <a:p>
+            <a:r>
+              <a:rPr lang="en-US" sz="1000" dirty="0"/>
+              <a:t>Salmon like a very narrow range of temperatures</a:t>
+            </a:r>
+          </a:p>
+          <a:p>
+            <a:r>
+              <a:rPr lang="en-US" sz="1000" dirty="0"/>
+              <a:t>The Columbia River is one of the world’s largest hydropower systems</a:t>
+            </a:r>
+          </a:p>
+          <a:p>
+            <a:r>
+              <a:rPr lang="en-US" sz="1000" dirty="0"/>
+              <a:t>There are over 450 dames throughout the entire Columbia River system</a:t>
+            </a:r>
+          </a:p>
+          <a:p>
+            <a:r>
+              <a:rPr lang="en-US" sz="1000" dirty="0"/>
+              <a:t>The Chinook salmon of the Columbia River has been classified as an endangered species</a:t>
+            </a:r>
+          </a:p>
+          <a:p>
+            <a:r>
+              <a:rPr lang="en-US" sz="1000" dirty="0"/>
+              <a:t>Many factors affect the water temperature/Snow pack/Population/Pollution/Gage</a:t>
+            </a:r>
+          </a:p>
+          <a:p>
+            <a:r>
+              <a:rPr lang="en-US" sz="1000" dirty="0"/>
+              <a:t>Young juvenile salmon or smolts seem to like warmer water, unless it is hot outside, then they seek cooler water</a:t>
+            </a:r>
+          </a:p>
+          <a:p>
+            <a:r>
+              <a:rPr lang="en-US" sz="1000" dirty="0"/>
+              <a:t>In the fall juvenile salmon move downstream to avoid colder water upstream</a:t>
+            </a:r>
+          </a:p>
+          <a:p>
+            <a:r>
+              <a:rPr lang="en-US" sz="1000" dirty="0"/>
+              <a:t>Spring chinook are even more sensitive than a lot of other fish</a:t>
+            </a:r>
+          </a:p>
+          <a:p>
+            <a:r>
+              <a:rPr lang="en-US" sz="1000" dirty="0"/>
+              <a:t>During the spawning migration, temperature is a critical environment factor. High water temps can delay or even halt fish migration</a:t>
+            </a:r>
+          </a:p>
+          <a:p>
+            <a:r>
+              <a:rPr lang="en-US" sz="1000" dirty="0"/>
+              <a:t>Spring Chinook like to spawn in May-June and the ideal temp is 40-50 degrees f</a:t>
+            </a:r>
+          </a:p>
+          <a:p>
+            <a:r>
+              <a:rPr lang="en-US" sz="1000" dirty="0"/>
+              <a:t>If the chinook salmon is shocked thermally (unideal temp) it will often be preyed upon by larger fish</a:t>
+            </a:r>
+          </a:p>
+          <a:p>
+            <a:endParaRPr lang="en-US" sz="1000" dirty="0"/>
+          </a:p>
+        </p:txBody>
+      </p:sp>
+      <p:sp>
+        <p:nvSpPr>
+          <p:cNvPr id="4" name="Slide Number Placeholder 3"/>
+          <p:cNvSpPr>
+            <a:spLocks noGrp="1"/>
+          </p:cNvSpPr>
+          <p:nvPr>
+            <p:ph type="sldNum" sz="quarter" idx="5"/>
+          </p:nvPr>
+        </p:nvSpPr>
+        <p:spPr/>
+        <p:txBody>
+          <a:bodyPr/>
+          <a:lstStyle/>
+          <a:p>
+            <a:fld id="{4DF9C49E-566E-4C32-9550-3CFB77E325AD}" type="slidenum">
+              <a:rPr lang="en-US" smtClean="0"/>
+              <a:t>4</a:t>
+            </a:fld>
+            <a:endParaRPr lang="en-US"/>
+          </a:p>
+        </p:txBody>
+      </p:sp>
+    </p:spTree>
+    <p:extLst>
+      <p:ext uri="{BB962C8B-B14F-4D97-AF65-F5344CB8AC3E}">
+        <p14:creationId xmlns:p14="http://schemas.microsoft.com/office/powerpoint/2010/main" val="2899233488"/>
+      </p:ext>
+    </p:extLst>
+  </p:cSld>
+  <p:clrMapOvr>
+    <a:masterClrMapping/>
+  </p:clrMapOvr>
+</p:notes>
+</file>
+
+<file path=ppt/notesSlides/notesSlide3.xml><?xml version="1.0" encoding="utf-8"?>
+<p:notes xmlns:a="http://schemas.openxmlformats.org/drawingml/2006/main" xmlns:r="http://schemas.openxmlformats.org/officeDocument/2006/relationships" xmlns:p="http://schemas.openxmlformats.org/presentationml/2006/main">
+  <p:cSld>
+    <p:spTree>
+      <p:nvGrpSpPr>
+        <p:cNvPr id="1" name=""/>
+        <p:cNvGrpSpPr/>
+        <p:nvPr/>
+      </p:nvGrpSpPr>
+      <p:grpSpPr>
+        <a:xfrm>
+          <a:off x="0" y="0"/>
+          <a:ext cx="0" cy="0"/>
+          <a:chOff x="0" y="0"/>
+          <a:chExt cx="0" cy="0"/>
+        </a:xfrm>
+      </p:grpSpPr>
+      <p:sp>
+        <p:nvSpPr>
+          <p:cNvPr id="2" name="Slide Image Placeholder 1"/>
+          <p:cNvSpPr>
+            <a:spLocks noGrp="1" noRot="1" noChangeAspect="1"/>
+          </p:cNvSpPr>
+          <p:nvPr>
+            <p:ph type="sldImg"/>
+          </p:nvPr>
+        </p:nvSpPr>
+        <p:spPr/>
+      </p:sp>
+      <p:sp>
+        <p:nvSpPr>
+          <p:cNvPr id="3" name="Notes Placeholder 2"/>
+          <p:cNvSpPr>
+            <a:spLocks noGrp="1"/>
+          </p:cNvSpPr>
+          <p:nvPr>
+            <p:ph type="body" idx="1"/>
+          </p:nvPr>
+        </p:nvSpPr>
+        <p:spPr/>
+        <p:txBody>
+          <a:bodyPr/>
+          <a:lstStyle/>
+          <a:p>
+            <a:r>
+              <a:rPr lang="en-US" dirty="0"/>
+              <a:t>Target whether this has been effective</a:t>
+            </a:r>
+          </a:p>
+          <a:p>
+            <a:r>
+              <a:rPr lang="en-US" dirty="0"/>
+              <a:t>What are the ideal water conditions for catching salmon</a:t>
+            </a:r>
+          </a:p>
+        </p:txBody>
+      </p:sp>
+      <p:sp>
+        <p:nvSpPr>
+          <p:cNvPr id="4" name="Slide Number Placeholder 3"/>
+          <p:cNvSpPr>
+            <a:spLocks noGrp="1"/>
+          </p:cNvSpPr>
+          <p:nvPr>
+            <p:ph type="sldNum" sz="quarter" idx="5"/>
+          </p:nvPr>
+        </p:nvSpPr>
+        <p:spPr/>
+        <p:txBody>
+          <a:bodyPr/>
+          <a:lstStyle/>
+          <a:p>
+            <a:fld id="{4DF9C49E-566E-4C32-9550-3CFB77E325AD}" type="slidenum">
+              <a:rPr lang="en-US" smtClean="0"/>
+              <a:t>5</a:t>
+            </a:fld>
+            <a:endParaRPr lang="en-US"/>
+          </a:p>
+        </p:txBody>
+      </p:sp>
+    </p:spTree>
+    <p:extLst>
+      <p:ext uri="{BB962C8B-B14F-4D97-AF65-F5344CB8AC3E}">
+        <p14:creationId xmlns:p14="http://schemas.microsoft.com/office/powerpoint/2010/main" val="3831457140"/>
+      </p:ext>
+    </p:extLst>
+  </p:cSld>
+  <p:clrMapOvr>
+    <a:masterClrMapping/>
+  </p:clrMapOvr>
+</p:notes>
 </file>
 
 <file path=ppt/slideLayouts/slideLayout1.xml><?xml version="1.0" encoding="utf-8"?>
@@ -3439,6 +4155,14 @@
 <file path=ppt/slides/slide10.xml><?xml version="1.0" encoding="utf-8"?>
 <p:sld xmlns:a="http://schemas.openxmlformats.org/drawingml/2006/main" xmlns:r="http://schemas.openxmlformats.org/officeDocument/2006/relationships" xmlns:p="http://schemas.openxmlformats.org/presentationml/2006/main">
   <p:cSld>
+    <p:bg>
+      <p:bgPr>
+        <a:solidFill>
+          <a:schemeClr val="bg1"/>
+        </a:solidFill>
+        <a:effectLst/>
+      </p:bgPr>
+    </p:bg>
     <p:spTree>
       <p:nvGrpSpPr>
         <p:cNvPr id="1" name=""/>
@@ -3455,10 +4179,237 @@
       </p:grpSpPr>
       <p:sp>
         <p:nvSpPr>
+          <p:cNvPr id="21" name="Rectangle 20">
+            <a:extLst>
+              <a:ext uri="{FF2B5EF4-FFF2-40B4-BE49-F238E27FC236}">
+                <a16:creationId xmlns:a16="http://schemas.microsoft.com/office/drawing/2014/main" id="{46D56025-432C-47A6-AE3E-5E57DF3E0B0B}"/>
+              </a:ext>
+              <a:ext uri="{C183D7F6-B498-43B3-948B-1728B52AA6E4}">
+                <adec:decorative xmlns:adec="http://schemas.microsoft.com/office/drawing/2017/decorative" val="1"/>
+              </a:ext>
+            </a:extLst>
+          </p:cNvPr>
+          <p:cNvSpPr>
+            <a:spLocks noGrp="1" noRot="1" noChangeAspect="1" noMove="1" noResize="1" noEditPoints="1" noAdjustHandles="1" noChangeArrowheads="1" noChangeShapeType="1" noTextEdit="1"/>
+          </p:cNvSpPr>
+          <p:nvPr>
+            <p:extLst>
+              <p:ext uri="{386F3935-93C4-4BCD-93E2-E3B085C9AB24}">
+                <p16:designElem xmlns:p16="http://schemas.microsoft.com/office/powerpoint/2015/main" val="1"/>
+              </p:ext>
+            </p:extLst>
+          </p:nvPr>
+        </p:nvSpPr>
+        <p:spPr>
+          <a:xfrm>
+            <a:off x="0" y="761999"/>
+            <a:ext cx="9141619" cy="5334001"/>
+          </a:xfrm>
+          <a:prstGeom prst="rect">
+            <a:avLst/>
+          </a:prstGeom>
+          <a:solidFill>
+            <a:schemeClr val="accent1"/>
+          </a:solidFill>
+          <a:ln>
+            <a:noFill/>
+          </a:ln>
+        </p:spPr>
+        <p:style>
+          <a:lnRef idx="2">
+            <a:schemeClr val="accent1">
+              <a:shade val="50000"/>
+            </a:schemeClr>
+          </a:lnRef>
+          <a:fillRef idx="1">
+            <a:schemeClr val="accent1"/>
+          </a:fillRef>
+          <a:effectRef idx="0">
+            <a:schemeClr val="accent1"/>
+          </a:effectRef>
+          <a:fontRef idx="minor">
+            <a:schemeClr val="lt1"/>
+          </a:fontRef>
+        </p:style>
+      </p:sp>
+      <p:sp>
+        <p:nvSpPr>
+          <p:cNvPr id="23" name="Rectangle 22">
+            <a:extLst>
+              <a:ext uri="{FF2B5EF4-FFF2-40B4-BE49-F238E27FC236}">
+                <a16:creationId xmlns:a16="http://schemas.microsoft.com/office/drawing/2014/main" id="{72D1A8B8-7523-49FA-B7DD-AE0B2271C7F9}"/>
+              </a:ext>
+              <a:ext uri="{C183D7F6-B498-43B3-948B-1728B52AA6E4}">
+                <adec:decorative xmlns:adec="http://schemas.microsoft.com/office/drawing/2017/decorative" val="1"/>
+              </a:ext>
+            </a:extLst>
+          </p:cNvPr>
+          <p:cNvSpPr>
+            <a:spLocks noGrp="1" noRot="1" noChangeAspect="1" noMove="1" noResize="1" noEditPoints="1" noAdjustHandles="1" noChangeArrowheads="1" noChangeShapeType="1" noTextEdit="1"/>
+          </p:cNvSpPr>
+          <p:nvPr>
+            <p:extLst>
+              <p:ext uri="{386F3935-93C4-4BCD-93E2-E3B085C9AB24}">
+                <p16:designElem xmlns:p16="http://schemas.microsoft.com/office/powerpoint/2015/main" val="1"/>
+              </p:ext>
+            </p:extLst>
+          </p:nvPr>
+        </p:nvSpPr>
+        <p:spPr>
+          <a:xfrm>
+            <a:off x="9270263" y="761999"/>
+            <a:ext cx="2925318" cy="5334001"/>
+          </a:xfrm>
+          <a:prstGeom prst="rect">
+            <a:avLst/>
+          </a:prstGeom>
+          <a:solidFill>
+            <a:srgbClr val="C8C8C8">
+              <a:alpha val="50000"/>
+            </a:srgbClr>
+          </a:solidFill>
+          <a:ln>
+            <a:noFill/>
+          </a:ln>
+        </p:spPr>
+        <p:style>
+          <a:lnRef idx="2">
+            <a:schemeClr val="accent1">
+              <a:shade val="50000"/>
+            </a:schemeClr>
+          </a:lnRef>
+          <a:fillRef idx="1">
+            <a:schemeClr val="accent1"/>
+          </a:fillRef>
+          <a:effectRef idx="0">
+            <a:schemeClr val="accent1"/>
+          </a:effectRef>
+          <a:fontRef idx="minor">
+            <a:schemeClr val="lt1"/>
+          </a:fontRef>
+        </p:style>
+      </p:sp>
+      <p:sp useBgFill="1">
+        <p:nvSpPr>
+          <p:cNvPr id="25" name="Rectangle 24">
+            <a:extLst>
+              <a:ext uri="{FF2B5EF4-FFF2-40B4-BE49-F238E27FC236}">
+                <a16:creationId xmlns:a16="http://schemas.microsoft.com/office/drawing/2014/main" id="{6A0CEB20-2839-496C-922D-A386524F398B}"/>
+              </a:ext>
+              <a:ext uri="{C183D7F6-B498-43B3-948B-1728B52AA6E4}">
+                <adec:decorative xmlns:adec="http://schemas.microsoft.com/office/drawing/2017/decorative" val="1"/>
+              </a:ext>
+            </a:extLst>
+          </p:cNvPr>
+          <p:cNvSpPr>
+            <a:spLocks noGrp="1" noRot="1" noChangeAspect="1" noMove="1" noResize="1" noEditPoints="1" noAdjustHandles="1" noChangeArrowheads="1" noChangeShapeType="1" noTextEdit="1"/>
+          </p:cNvSpPr>
+          <p:nvPr>
+            <p:extLst>
+              <p:ext uri="{386F3935-93C4-4BCD-93E2-E3B085C9AB24}">
+                <p16:designElem xmlns:p16="http://schemas.microsoft.com/office/powerpoint/2015/main" val="1"/>
+              </p:ext>
+            </p:extLst>
+          </p:nvPr>
+        </p:nvSpPr>
+        <p:spPr>
+          <a:xfrm>
+            <a:off x="0" y="0"/>
+            <a:ext cx="12191999" cy="6858000"/>
+          </a:xfrm>
+          <a:prstGeom prst="rect">
+            <a:avLst/>
+          </a:prstGeom>
+          <a:ln>
+            <a:noFill/>
+          </a:ln>
+        </p:spPr>
+        <p:style>
+          <a:lnRef idx="2">
+            <a:schemeClr val="accent1">
+              <a:shade val="50000"/>
+            </a:schemeClr>
+          </a:lnRef>
+          <a:fillRef idx="1">
+            <a:schemeClr val="accent1"/>
+          </a:fillRef>
+          <a:effectRef idx="0">
+            <a:schemeClr val="accent1"/>
+          </a:effectRef>
+          <a:fontRef idx="minor">
+            <a:schemeClr val="lt1"/>
+          </a:fontRef>
+        </p:style>
+        <p:txBody>
+          <a:bodyPr rtlCol="0" anchor="ctr"/>
+          <a:lstStyle/>
+          <a:p>
+            <a:pPr algn="ctr"/>
+            <a:endParaRPr lang="en-US"/>
+          </a:p>
+        </p:txBody>
+      </p:sp>
+      <p:sp>
+        <p:nvSpPr>
+          <p:cNvPr id="27" name="Rectangle 26">
+            <a:extLst>
+              <a:ext uri="{FF2B5EF4-FFF2-40B4-BE49-F238E27FC236}">
+                <a16:creationId xmlns:a16="http://schemas.microsoft.com/office/drawing/2014/main" id="{4EE33FA5-2378-4F59-8611-CE0F9CA505A9}"/>
+              </a:ext>
+              <a:ext uri="{C183D7F6-B498-43B3-948B-1728B52AA6E4}">
+                <adec:decorative xmlns:adec="http://schemas.microsoft.com/office/drawing/2017/decorative" val="1"/>
+              </a:ext>
+            </a:extLst>
+          </p:cNvPr>
+          <p:cNvSpPr>
+            <a:spLocks noGrp="1" noRot="1" noChangeAspect="1" noMove="1" noResize="1" noEditPoints="1" noAdjustHandles="1" noChangeArrowheads="1" noChangeShapeType="1" noTextEdit="1"/>
+          </p:cNvSpPr>
+          <p:nvPr>
+            <p:extLst>
+              <p:ext uri="{386F3935-93C4-4BCD-93E2-E3B085C9AB24}">
+                <p16:designElem xmlns:p16="http://schemas.microsoft.com/office/powerpoint/2015/main" val="1"/>
+              </p:ext>
+            </p:extLst>
+          </p:nvPr>
+        </p:nvSpPr>
+        <p:spPr>
+          <a:xfrm>
+            <a:off x="1" y="761999"/>
+            <a:ext cx="4642228" cy="5334001"/>
+          </a:xfrm>
+          <a:prstGeom prst="rect">
+            <a:avLst/>
+          </a:prstGeom>
+          <a:solidFill>
+            <a:schemeClr val="accent1"/>
+          </a:solidFill>
+          <a:ln>
+            <a:noFill/>
+          </a:ln>
+        </p:spPr>
+        <p:style>
+          <a:lnRef idx="2">
+            <a:schemeClr val="accent1">
+              <a:shade val="50000"/>
+            </a:schemeClr>
+          </a:lnRef>
+          <a:fillRef idx="1">
+            <a:schemeClr val="accent1"/>
+          </a:fillRef>
+          <a:effectRef idx="0">
+            <a:schemeClr val="accent1"/>
+          </a:effectRef>
+          <a:fontRef idx="minor">
+            <a:schemeClr val="lt1"/>
+          </a:fontRef>
+        </p:style>
+      </p:sp>
+      <p:sp>
+        <p:nvSpPr>
           <p:cNvPr id="2" name="Title 1">
             <a:extLst>
               <a:ext uri="{FF2B5EF4-FFF2-40B4-BE49-F238E27FC236}">
-                <a16:creationId xmlns:a16="http://schemas.microsoft.com/office/drawing/2014/main" id="{640E3729-20BB-4EE1-897E-BB247ABF741B}"/>
+                <a16:creationId xmlns:a16="http://schemas.microsoft.com/office/drawing/2014/main" id="{85B1DE85-D73C-4DAE-96DA-55909B9C6F98}"/>
               </a:ext>
             </a:extLst>
           </p:cNvPr>
@@ -3469,72 +4420,118 @@
             <p:ph type="title"/>
           </p:nvPr>
         </p:nvSpPr>
-        <p:spPr/>
-        <p:txBody>
-          <a:bodyPr/>
+        <p:spPr>
+          <a:xfrm>
+            <a:off x="1069849" y="1298448"/>
+            <a:ext cx="3258688" cy="3255264"/>
+          </a:xfrm>
+        </p:spPr>
+        <p:txBody>
+          <a:bodyPr vert="horz" lIns="91440" tIns="45720" rIns="91440" bIns="45720" rtlCol="0" anchor="b">
+            <a:normAutofit/>
+          </a:bodyPr>
           <a:lstStyle/>
           <a:p>
             <a:r>
-              <a:rPr lang="en-US" dirty="0"/>
-              <a:t>Post Mortem</a:t>
-            </a:r>
-          </a:p>
-        </p:txBody>
-      </p:sp>
-      <p:sp>
-        <p:nvSpPr>
-          <p:cNvPr id="3" name="Content Placeholder 2">
+              <a:rPr lang="en-US" sz="5000" spc="-100"/>
+              <a:t>Questions?</a:t>
+            </a:r>
+          </a:p>
+        </p:txBody>
+      </p:sp>
+      <p:pic>
+        <p:nvPicPr>
+          <p:cNvPr id="8" name="Content Placeholder 7">
             <a:extLst>
               <a:ext uri="{FF2B5EF4-FFF2-40B4-BE49-F238E27FC236}">
-                <a16:creationId xmlns:a16="http://schemas.microsoft.com/office/drawing/2014/main" id="{5EEA3B5B-7DBB-43D0-B6C9-59625D12CDA3}"/>
+                <a16:creationId xmlns:a16="http://schemas.microsoft.com/office/drawing/2014/main" id="{567A3CAF-EBA8-40BE-AAA1-A740E6D3469F}"/>
               </a:ext>
             </a:extLst>
           </p:cNvPr>
-          <p:cNvSpPr>
-            <a:spLocks noGrp="1"/>
-          </p:cNvSpPr>
-          <p:nvPr>
-            <p:ph sz="half" idx="1"/>
-          </p:nvPr>
-        </p:nvSpPr>
-        <p:spPr/>
-        <p:txBody>
-          <a:bodyPr/>
-          <a:lstStyle/>
-          <a:p>
-            <a:endParaRPr lang="en-US"/>
-          </a:p>
-        </p:txBody>
-      </p:sp>
-      <p:sp>
-        <p:nvSpPr>
-          <p:cNvPr id="4" name="Content Placeholder 3">
+          <p:cNvPicPr>
+            <a:picLocks noGrp="1" noChangeAspect="1"/>
+          </p:cNvPicPr>
+          <p:nvPr>
+            <p:ph sz="half" idx="2"/>
+          </p:nvPr>
+        </p:nvPicPr>
+        <p:blipFill>
+          <a:blip r:embed="rId2"/>
+          <a:stretch>
+            <a:fillRect/>
+          </a:stretch>
+        </p:blipFill>
+        <p:spPr>
+          <a:xfrm>
+            <a:off x="6529931" y="759599"/>
+            <a:ext cx="3548689" cy="5330650"/>
+          </a:xfrm>
+          <a:prstGeom prst="rect">
+            <a:avLst/>
+          </a:prstGeom>
+        </p:spPr>
+      </p:pic>
+      <p:sp>
+        <p:nvSpPr>
+          <p:cNvPr id="29" name="Rectangle 28">
             <a:extLst>
               <a:ext uri="{FF2B5EF4-FFF2-40B4-BE49-F238E27FC236}">
-                <a16:creationId xmlns:a16="http://schemas.microsoft.com/office/drawing/2014/main" id="{9A630F15-E27A-4ACB-BB6D-5B536E5BE435}"/>
+                <a16:creationId xmlns:a16="http://schemas.microsoft.com/office/drawing/2014/main" id="{1C368AEB-D83A-432D-818C-3575285B69C7}"/>
+              </a:ext>
+              <a:ext uri="{C183D7F6-B498-43B3-948B-1728B52AA6E4}">
+                <adec:decorative xmlns:adec="http://schemas.microsoft.com/office/drawing/2017/decorative" val="1"/>
               </a:ext>
             </a:extLst>
           </p:cNvPr>
           <p:cNvSpPr>
-            <a:spLocks noGrp="1"/>
-          </p:cNvSpPr>
-          <p:nvPr>
-            <p:ph sz="half" idx="2"/>
-          </p:nvPr>
-        </p:nvSpPr>
-        <p:spPr/>
-        <p:txBody>
-          <a:bodyPr/>
-          <a:lstStyle/>
-          <a:p>
-            <a:endParaRPr lang="en-US"/>
-          </a:p>
-        </p:txBody>
+            <a:spLocks noGrp="1" noRot="1" noChangeAspect="1" noMove="1" noResize="1" noEditPoints="1" noAdjustHandles="1" noChangeArrowheads="1" noChangeShapeType="1" noTextEdit="1"/>
+          </p:cNvSpPr>
+          <p:nvPr>
+            <p:extLst>
+              <p:ext uri="{386F3935-93C4-4BCD-93E2-E3B085C9AB24}">
+                <p16:designElem xmlns:p16="http://schemas.microsoft.com/office/powerpoint/2015/main" val="1"/>
+              </p:ext>
+            </p:extLst>
+          </p:nvPr>
+        </p:nvSpPr>
+        <p:spPr>
+          <a:xfrm>
+            <a:off x="11815864" y="758952"/>
+            <a:ext cx="384048" cy="5330952"/>
+          </a:xfrm>
+          <a:prstGeom prst="rect">
+            <a:avLst/>
+          </a:prstGeom>
+          <a:solidFill>
+            <a:srgbClr val="C8C8C8">
+              <a:alpha val="49804"/>
+            </a:srgbClr>
+          </a:solidFill>
+          <a:ln>
+            <a:noFill/>
+          </a:ln>
+        </p:spPr>
+        <p:style>
+          <a:lnRef idx="2">
+            <a:schemeClr val="accent1">
+              <a:shade val="50000"/>
+            </a:schemeClr>
+          </a:lnRef>
+          <a:fillRef idx="1">
+            <a:schemeClr val="accent1"/>
+          </a:fillRef>
+          <a:effectRef idx="0">
+            <a:schemeClr val="accent1"/>
+          </a:effectRef>
+          <a:fontRef idx="minor">
+            <a:schemeClr val="lt1"/>
+          </a:fontRef>
+        </p:style>
       </p:sp>
     </p:spTree>
     <p:extLst>
       <p:ext uri="{BB962C8B-B14F-4D97-AF65-F5344CB8AC3E}">
-        <p14:creationId xmlns:p14="http://schemas.microsoft.com/office/powerpoint/2010/main" val="2246778472"/>
+        <p14:creationId xmlns:p14="http://schemas.microsoft.com/office/powerpoint/2010/main" val="374684007"/>
       </p:ext>
     </p:extLst>
   </p:cSld>
@@ -3979,6 +4976,14 @@
 <file path=ppt/slides/slide3.xml><?xml version="1.0" encoding="utf-8"?>
 <p:sld xmlns:a="http://schemas.openxmlformats.org/drawingml/2006/main" xmlns:r="http://schemas.openxmlformats.org/officeDocument/2006/relationships" xmlns:p="http://schemas.openxmlformats.org/presentationml/2006/main">
   <p:cSld>
+    <p:bg>
+      <p:bgPr>
+        <a:solidFill>
+          <a:schemeClr val="bg1"/>
+        </a:solidFill>
+        <a:effectLst/>
+      </p:bgPr>
+    </p:bg>
     <p:spTree>
       <p:nvGrpSpPr>
         <p:cNvPr id="1" name=""/>
@@ -3995,6 +5000,211 @@
       </p:grpSpPr>
       <p:sp>
         <p:nvSpPr>
+          <p:cNvPr id="13" name="Rectangle 12">
+            <a:extLst>
+              <a:ext uri="{FF2B5EF4-FFF2-40B4-BE49-F238E27FC236}">
+                <a16:creationId xmlns:a16="http://schemas.microsoft.com/office/drawing/2014/main" id="{051E3431-CE8A-4FA3-92ED-72D1E007B338}"/>
+              </a:ext>
+              <a:ext uri="{C183D7F6-B498-43B3-948B-1728B52AA6E4}">
+                <adec:decorative xmlns:adec="http://schemas.microsoft.com/office/drawing/2017/decorative" val="1"/>
+              </a:ext>
+            </a:extLst>
+          </p:cNvPr>
+          <p:cNvSpPr>
+            <a:spLocks noGrp="1" noRot="1" noChangeAspect="1" noMove="1" noResize="1" noEditPoints="1" noAdjustHandles="1" noChangeArrowheads="1" noChangeShapeType="1" noTextEdit="1"/>
+          </p:cNvSpPr>
+          <p:nvPr>
+            <p:extLst>
+              <p:ext uri="{386F3935-93C4-4BCD-93E2-E3B085C9AB24}">
+                <p16:designElem xmlns:p16="http://schemas.microsoft.com/office/powerpoint/2015/main" val="1"/>
+              </p:ext>
+            </p:extLst>
+          </p:nvPr>
+        </p:nvSpPr>
+        <p:spPr>
+          <a:xfrm>
+            <a:off x="0" y="761999"/>
+            <a:ext cx="9141619" cy="5334001"/>
+          </a:xfrm>
+          <a:prstGeom prst="rect">
+            <a:avLst/>
+          </a:prstGeom>
+          <a:solidFill>
+            <a:schemeClr val="accent1"/>
+          </a:solidFill>
+          <a:ln>
+            <a:noFill/>
+          </a:ln>
+        </p:spPr>
+        <p:style>
+          <a:lnRef idx="2">
+            <a:schemeClr val="accent1">
+              <a:shade val="50000"/>
+            </a:schemeClr>
+          </a:lnRef>
+          <a:fillRef idx="1">
+            <a:schemeClr val="accent1"/>
+          </a:fillRef>
+          <a:effectRef idx="0">
+            <a:schemeClr val="accent1"/>
+          </a:effectRef>
+          <a:fontRef idx="minor">
+            <a:schemeClr val="lt1"/>
+          </a:fontRef>
+        </p:style>
+      </p:sp>
+      <p:sp>
+        <p:nvSpPr>
+          <p:cNvPr id="15" name="Rectangle 14">
+            <a:extLst>
+              <a:ext uri="{FF2B5EF4-FFF2-40B4-BE49-F238E27FC236}">
+                <a16:creationId xmlns:a16="http://schemas.microsoft.com/office/drawing/2014/main" id="{287ACA9C-6281-4732-9DE5-95D5F9BEA7AD}"/>
+              </a:ext>
+              <a:ext uri="{C183D7F6-B498-43B3-948B-1728B52AA6E4}">
+                <adec:decorative xmlns:adec="http://schemas.microsoft.com/office/drawing/2017/decorative" val="1"/>
+              </a:ext>
+            </a:extLst>
+          </p:cNvPr>
+          <p:cNvSpPr>
+            <a:spLocks noGrp="1" noRot="1" noChangeAspect="1" noMove="1" noResize="1" noEditPoints="1" noAdjustHandles="1" noChangeArrowheads="1" noChangeShapeType="1" noTextEdit="1"/>
+          </p:cNvSpPr>
+          <p:nvPr>
+            <p:extLst>
+              <p:ext uri="{386F3935-93C4-4BCD-93E2-E3B085C9AB24}">
+                <p16:designElem xmlns:p16="http://schemas.microsoft.com/office/powerpoint/2015/main" val="1"/>
+              </p:ext>
+            </p:extLst>
+          </p:nvPr>
+        </p:nvSpPr>
+        <p:spPr>
+          <a:xfrm>
+            <a:off x="9270263" y="761999"/>
+            <a:ext cx="2925318" cy="5334001"/>
+          </a:xfrm>
+          <a:prstGeom prst="rect">
+            <a:avLst/>
+          </a:prstGeom>
+          <a:solidFill>
+            <a:srgbClr val="C8C8C8">
+              <a:alpha val="50000"/>
+            </a:srgbClr>
+          </a:solidFill>
+          <a:ln>
+            <a:noFill/>
+          </a:ln>
+        </p:spPr>
+        <p:style>
+          <a:lnRef idx="2">
+            <a:schemeClr val="accent1">
+              <a:shade val="50000"/>
+            </a:schemeClr>
+          </a:lnRef>
+          <a:fillRef idx="1">
+            <a:schemeClr val="accent1"/>
+          </a:fillRef>
+          <a:effectRef idx="0">
+            <a:schemeClr val="accent1"/>
+          </a:effectRef>
+          <a:fontRef idx="minor">
+            <a:schemeClr val="lt1"/>
+          </a:fontRef>
+        </p:style>
+      </p:sp>
+      <p:sp useBgFill="1">
+        <p:nvSpPr>
+          <p:cNvPr id="17" name="Rectangle 16">
+            <a:extLst>
+              <a:ext uri="{FF2B5EF4-FFF2-40B4-BE49-F238E27FC236}">
+                <a16:creationId xmlns:a16="http://schemas.microsoft.com/office/drawing/2014/main" id="{BC512124-0D13-4ED9-80B7-52AE15B6B41F}"/>
+              </a:ext>
+              <a:ext uri="{C183D7F6-B498-43B3-948B-1728B52AA6E4}">
+                <adec:decorative xmlns:adec="http://schemas.microsoft.com/office/drawing/2017/decorative" val="1"/>
+              </a:ext>
+            </a:extLst>
+          </p:cNvPr>
+          <p:cNvSpPr>
+            <a:spLocks noGrp="1" noRot="1" noChangeAspect="1" noMove="1" noResize="1" noEditPoints="1" noAdjustHandles="1" noChangeArrowheads="1" noChangeShapeType="1" noTextEdit="1"/>
+          </p:cNvSpPr>
+          <p:nvPr>
+            <p:extLst>
+              <p:ext uri="{386F3935-93C4-4BCD-93E2-E3B085C9AB24}">
+                <p16:designElem xmlns:p16="http://schemas.microsoft.com/office/powerpoint/2015/main" val="1"/>
+              </p:ext>
+            </p:extLst>
+          </p:nvPr>
+        </p:nvSpPr>
+        <p:spPr>
+          <a:xfrm>
+            <a:off x="0" y="0"/>
+            <a:ext cx="12192000" cy="6858000"/>
+          </a:xfrm>
+          <a:prstGeom prst="rect">
+            <a:avLst/>
+          </a:prstGeom>
+          <a:ln>
+            <a:noFill/>
+          </a:ln>
+        </p:spPr>
+        <p:style>
+          <a:lnRef idx="2">
+            <a:schemeClr val="accent1">
+              <a:shade val="50000"/>
+            </a:schemeClr>
+          </a:lnRef>
+          <a:fillRef idx="1">
+            <a:schemeClr val="accent1"/>
+          </a:fillRef>
+          <a:effectRef idx="0">
+            <a:schemeClr val="accent1"/>
+          </a:effectRef>
+          <a:fontRef idx="minor">
+            <a:schemeClr val="lt1"/>
+          </a:fontRef>
+        </p:style>
+        <p:txBody>
+          <a:bodyPr rtlCol="0" anchor="ctr"/>
+          <a:lstStyle/>
+          <a:p>
+            <a:pPr algn="ctr"/>
+            <a:endParaRPr lang="en-US"/>
+          </a:p>
+        </p:txBody>
+      </p:sp>
+      <p:pic>
+        <p:nvPicPr>
+          <p:cNvPr id="8" name="Content Placeholder 7" descr="Graph">
+            <a:extLst>
+              <a:ext uri="{FF2B5EF4-FFF2-40B4-BE49-F238E27FC236}">
+                <a16:creationId xmlns:a16="http://schemas.microsoft.com/office/drawing/2014/main" id="{EBD1611A-CF9F-4B0C-B560-D4EDDC0580AA}"/>
+              </a:ext>
+            </a:extLst>
+          </p:cNvPr>
+          <p:cNvPicPr>
+            <a:picLocks noGrp="1" noChangeAspect="1"/>
+          </p:cNvPicPr>
+          <p:nvPr>
+            <p:ph sz="half" idx="2"/>
+          </p:nvPr>
+        </p:nvPicPr>
+        <p:blipFill rotWithShape="1">
+          <a:blip r:embed="rId3">
+            <a:alphaModFix amt="50000"/>
+          </a:blip>
+          <a:srcRect t="3674" b="6326"/>
+          <a:stretch/>
+        </p:blipFill>
+        <p:spPr>
+          <a:xfrm>
+            <a:off x="20" y="10"/>
+            <a:ext cx="12191980" cy="6857990"/>
+          </a:xfrm>
+          <a:prstGeom prst="rect">
+            <a:avLst/>
+          </a:prstGeom>
+        </p:spPr>
+      </p:pic>
+      <p:sp>
+        <p:nvSpPr>
           <p:cNvPr id="2" name="Title 1">
             <a:extLst>
               <a:ext uri="{FF2B5EF4-FFF2-40B4-BE49-F238E27FC236}">
@@ -4009,76 +5219,84 @@
             <p:ph type="title"/>
           </p:nvPr>
         </p:nvSpPr>
-        <p:spPr/>
-        <p:txBody>
-          <a:bodyPr/>
+        <p:spPr>
+          <a:xfrm>
+            <a:off x="2438400" y="343706"/>
+            <a:ext cx="7315200" cy="3255264"/>
+          </a:xfrm>
+        </p:spPr>
+        <p:txBody>
+          <a:bodyPr vert="horz" lIns="91440" tIns="45720" rIns="91440" bIns="45720" rtlCol="0" anchor="b">
+            <a:normAutofit fontScale="90000"/>
+          </a:bodyPr>
           <a:lstStyle/>
           <a:p>
-            <a:r>
-              <a:rPr lang="en-US" dirty="0"/>
-              <a:t>Goal</a:t>
-            </a:r>
-          </a:p>
-        </p:txBody>
-      </p:sp>
-      <p:sp>
-        <p:nvSpPr>
-          <p:cNvPr id="3" name="Content Placeholder 2">
-            <a:extLst>
-              <a:ext uri="{FF2B5EF4-FFF2-40B4-BE49-F238E27FC236}">
-                <a16:creationId xmlns:a16="http://schemas.microsoft.com/office/drawing/2014/main" id="{652FB7F3-9C2A-41D6-927B-C26B05E5D036}"/>
-              </a:ext>
-            </a:extLst>
-          </p:cNvPr>
-          <p:cNvSpPr>
-            <a:spLocks noGrp="1"/>
-          </p:cNvSpPr>
-          <p:nvPr>
-            <p:ph sz="half" idx="1"/>
-          </p:nvPr>
-        </p:nvSpPr>
-        <p:spPr/>
-        <p:txBody>
-          <a:bodyPr/>
-          <a:lstStyle/>
-          <a:p>
-            <a:r>
-              <a:rPr lang="en-US" dirty="0"/>
-              <a:t>Our goal is to understand the “2005-2019” water’s </a:t>
-            </a:r>
-            <a:r>
-              <a:rPr lang="en-US" dirty="0" err="1"/>
-              <a:t>effecy</a:t>
-            </a:r>
-            <a:r>
-              <a:rPr lang="en-US" dirty="0"/>
-              <a:t> on the Native Chinook Salmon Populations in he “Lower Columbia” area during their migration cycle to spawn in the “Spring”.</a:t>
-            </a:r>
-          </a:p>
-        </p:txBody>
-      </p:sp>
-      <p:sp>
-        <p:nvSpPr>
-          <p:cNvPr id="4" name="Content Placeholder 3">
-            <a:extLst>
-              <a:ext uri="{FF2B5EF4-FFF2-40B4-BE49-F238E27FC236}">
-                <a16:creationId xmlns:a16="http://schemas.microsoft.com/office/drawing/2014/main" id="{0901F701-FEBA-4866-8274-2A93CF62B5F4}"/>
-              </a:ext>
-            </a:extLst>
-          </p:cNvPr>
-          <p:cNvSpPr>
-            <a:spLocks noGrp="1"/>
-          </p:cNvSpPr>
-          <p:nvPr>
-            <p:ph sz="half" idx="2"/>
-          </p:nvPr>
-        </p:nvSpPr>
-        <p:spPr/>
-        <p:txBody>
-          <a:bodyPr/>
-          <a:lstStyle/>
-          <a:p>
-            <a:endParaRPr lang="en-US" dirty="0"/>
+            <a:pPr algn="ctr"/>
+            <a:r>
+              <a:rPr lang="en-US" sz="5900" spc="-100" dirty="0">
+                <a:solidFill>
+                  <a:schemeClr val="tx1"/>
+                </a:solidFill>
+              </a:rPr>
+              <a:t>Goal:</a:t>
+            </a:r>
+            <a:br>
+              <a:rPr lang="en-US" sz="5900" spc="-100" dirty="0">
+                <a:solidFill>
+                  <a:schemeClr val="tx1"/>
+                </a:solidFill>
+              </a:rPr>
+            </a:br>
+            <a:r>
+              <a:rPr lang="en-US" sz="4000" spc="-100" dirty="0">
+                <a:solidFill>
+                  <a:schemeClr val="tx1"/>
+                </a:solidFill>
+              </a:rPr>
+              <a:t>Spring Chinook Salmon</a:t>
+            </a:r>
+            <a:br>
+              <a:rPr lang="en-US" sz="4000" spc="-100" dirty="0">
+                <a:solidFill>
+                  <a:schemeClr val="tx1"/>
+                </a:solidFill>
+              </a:rPr>
+            </a:br>
+            <a:r>
+              <a:rPr lang="en-US" sz="4000" spc="-100" dirty="0">
+                <a:solidFill>
+                  <a:schemeClr val="tx1"/>
+                </a:solidFill>
+              </a:rPr>
+              <a:t>vs.</a:t>
+            </a:r>
+            <a:br>
+              <a:rPr lang="en-US" sz="4000" spc="-100" dirty="0">
+                <a:solidFill>
+                  <a:schemeClr val="tx1"/>
+                </a:solidFill>
+              </a:rPr>
+            </a:br>
+            <a:r>
+              <a:rPr lang="en-US" sz="4000" spc="-100" dirty="0">
+                <a:solidFill>
+                  <a:schemeClr val="tx1"/>
+                </a:solidFill>
+              </a:rPr>
+              <a:t>Water Relationship</a:t>
+            </a:r>
+            <a:br>
+              <a:rPr lang="en-US" sz="5900" spc="-100" dirty="0">
+                <a:solidFill>
+                  <a:schemeClr val="tx1"/>
+                </a:solidFill>
+              </a:rPr>
+            </a:br>
+            <a:endParaRPr lang="en-US" sz="5900" spc="-100" dirty="0">
+              <a:solidFill>
+                <a:schemeClr val="tx1"/>
+              </a:solidFill>
+            </a:endParaRPr>
           </a:p>
         </p:txBody>
       </p:sp>
@@ -4090,7 +5308,7 @@
     </p:extLst>
   </p:cSld>
   <p:clrMapOvr>
-    <a:masterClrMapping/>
+    <a:overrideClrMapping bg1="dk1" tx1="lt1" bg2="dk2" tx2="lt2" accent1="accent1" accent2="accent2" accent3="accent3" accent4="accent4" accent5="accent5" accent6="accent6" hlink="hlink" folHlink="folHlink"/>
   </p:clrMapOvr>
 </p:sld>
 </file>
@@ -4670,7 +5888,7 @@
           <p:nvPr/>
         </p:nvPicPr>
         <p:blipFill rotWithShape="1">
-          <a:blip r:embed="rId2"/>
+          <a:blip r:embed="rId3"/>
           <a:srcRect l="20787" r="4980" b="1"/>
           <a:stretch/>
         </p:blipFill>
@@ -4701,7 +5919,7 @@
           </p:nvPr>
         </p:nvPicPr>
         <p:blipFill rotWithShape="1">
-          <a:blip r:embed="rId3"/>
+          <a:blip r:embed="rId4"/>
           <a:srcRect l="22631" r="18342" b="-2"/>
           <a:stretch/>
         </p:blipFill>
@@ -4758,6 +5976,17 @@
 <file path=ppt/slides/slide5.xml><?xml version="1.0" encoding="utf-8"?>
 <p:sld xmlns:a="http://schemas.openxmlformats.org/drawingml/2006/main" xmlns:r="http://schemas.openxmlformats.org/officeDocument/2006/relationships" xmlns:p="http://schemas.openxmlformats.org/presentationml/2006/main">
   <p:cSld>
+    <p:bg>
+      <p:bgPr>
+        <a:solidFill>
+          <a:schemeClr val="bg1">
+            <a:tint val="95000"/>
+            <a:satMod val="170000"/>
+          </a:schemeClr>
+        </a:solidFill>
+        <a:effectLst/>
+      </p:bgPr>
+    </p:bg>
     <p:spTree>
       <p:nvGrpSpPr>
         <p:cNvPr id="1" name=""/>
@@ -4772,6 +6001,123 @@
           <a:chExt cx="0" cy="0"/>
         </a:xfrm>
       </p:grpSpPr>
+      <p:sp useBgFill="1">
+        <p:nvSpPr>
+          <p:cNvPr id="16" name="Rectangle 15">
+            <a:extLst>
+              <a:ext uri="{FF2B5EF4-FFF2-40B4-BE49-F238E27FC236}">
+                <a16:creationId xmlns:a16="http://schemas.microsoft.com/office/drawing/2014/main" id="{A1DFCBE5-52C1-48A9-89CF-E7D68CCA1620}"/>
+              </a:ext>
+              <a:ext uri="{C183D7F6-B498-43B3-948B-1728B52AA6E4}">
+                <adec:decorative xmlns:adec="http://schemas.microsoft.com/office/drawing/2017/decorative" val="1"/>
+              </a:ext>
+            </a:extLst>
+          </p:cNvPr>
+          <p:cNvSpPr>
+            <a:spLocks noGrp="1" noRot="1" noChangeAspect="1" noMove="1" noResize="1" noEditPoints="1" noAdjustHandles="1" noChangeArrowheads="1" noChangeShapeType="1" noTextEdit="1"/>
+          </p:cNvSpPr>
+          <p:nvPr>
+            <p:extLst>
+              <p:ext uri="{386F3935-93C4-4BCD-93E2-E3B085C9AB24}">
+                <p16:designElem xmlns:p16="http://schemas.microsoft.com/office/powerpoint/2015/main" val="1"/>
+              </p:ext>
+            </p:extLst>
+          </p:nvPr>
+        </p:nvSpPr>
+        <p:spPr>
+          <a:xfrm>
+            <a:off x="0" y="0"/>
+            <a:ext cx="12188952" cy="6858000"/>
+          </a:xfrm>
+          <a:prstGeom prst="rect">
+            <a:avLst/>
+          </a:prstGeom>
+          <a:ln>
+            <a:noFill/>
+          </a:ln>
+        </p:spPr>
+        <p:style>
+          <a:lnRef idx="2">
+            <a:schemeClr val="accent1">
+              <a:shade val="50000"/>
+            </a:schemeClr>
+          </a:lnRef>
+          <a:fillRef idx="1">
+            <a:schemeClr val="accent1"/>
+          </a:fillRef>
+          <a:effectRef idx="0">
+            <a:schemeClr val="accent1"/>
+          </a:effectRef>
+          <a:fontRef idx="minor">
+            <a:schemeClr val="lt1"/>
+          </a:fontRef>
+        </p:style>
+        <p:txBody>
+          <a:bodyPr rtlCol="0" anchor="ctr"/>
+          <a:lstStyle/>
+          <a:p>
+            <a:pPr algn="ctr"/>
+            <a:endParaRPr lang="en-US"/>
+          </a:p>
+        </p:txBody>
+      </p:sp>
+      <p:sp>
+        <p:nvSpPr>
+          <p:cNvPr id="18" name="Rectangle 17">
+            <a:extLst>
+              <a:ext uri="{FF2B5EF4-FFF2-40B4-BE49-F238E27FC236}">
+                <a16:creationId xmlns:a16="http://schemas.microsoft.com/office/drawing/2014/main" id="{EB17C8F6-D357-4254-BBAC-96B01EEBE162}"/>
+              </a:ext>
+              <a:ext uri="{C183D7F6-B498-43B3-948B-1728B52AA6E4}">
+                <adec:decorative xmlns:adec="http://schemas.microsoft.com/office/drawing/2017/decorative" val="1"/>
+              </a:ext>
+            </a:extLst>
+          </p:cNvPr>
+          <p:cNvSpPr>
+            <a:spLocks noGrp="1" noRot="1" noChangeAspect="1" noMove="1" noResize="1" noEditPoints="1" noAdjustHandles="1" noChangeArrowheads="1" noChangeShapeType="1" noTextEdit="1"/>
+          </p:cNvSpPr>
+          <p:nvPr>
+            <p:extLst>
+              <p:ext uri="{386F3935-93C4-4BCD-93E2-E3B085C9AB24}">
+                <p16:designElem xmlns:p16="http://schemas.microsoft.com/office/powerpoint/2015/main" val="1"/>
+              </p:ext>
+            </p:extLst>
+          </p:nvPr>
+        </p:nvSpPr>
+        <p:spPr>
+          <a:xfrm>
+            <a:off x="0" y="3647203"/>
+            <a:ext cx="11707367" cy="2572622"/>
+          </a:xfrm>
+          <a:prstGeom prst="rect">
+            <a:avLst/>
+          </a:prstGeom>
+          <a:solidFill>
+            <a:srgbClr val="878A8B">
+              <a:alpha val="90000"/>
+            </a:srgbClr>
+          </a:solidFill>
+          <a:ln>
+            <a:noFill/>
+          </a:ln>
+        </p:spPr>
+        <p:style>
+          <a:lnRef idx="2">
+            <a:schemeClr val="accent1">
+              <a:shade val="50000"/>
+            </a:schemeClr>
+          </a:lnRef>
+          <a:fillRef idx="1">
+            <a:schemeClr val="accent1"/>
+          </a:fillRef>
+          <a:effectRef idx="0">
+            <a:schemeClr val="accent1"/>
+          </a:effectRef>
+          <a:fontRef idx="minor">
+            <a:schemeClr val="lt1"/>
+          </a:fontRef>
+        </p:style>
+      </p:sp>
       <p:sp>
         <p:nvSpPr>
           <p:cNvPr id="2" name="Title 1">
@@ -4788,48 +6134,133 @@
             <p:ph type="title"/>
           </p:nvPr>
         </p:nvSpPr>
-        <p:spPr/>
-        <p:txBody>
-          <a:bodyPr/>
+        <p:spPr>
+          <a:xfrm>
+            <a:off x="317241" y="3991900"/>
+            <a:ext cx="11156964" cy="1883228"/>
+          </a:xfrm>
+        </p:spPr>
+        <p:txBody>
+          <a:bodyPr vert="horz" lIns="91440" tIns="45720" rIns="91440" bIns="45720" rtlCol="0" anchor="ctr">
+            <a:normAutofit/>
+          </a:bodyPr>
           <a:lstStyle/>
           <a:p>
-            <a:r>
-              <a:rPr lang="en-US" dirty="0"/>
+            <a:pPr algn="ctr"/>
+            <a:r>
+              <a:rPr lang="en-US" sz="4400" dirty="0"/>
               <a:t>Proposal</a:t>
             </a:r>
           </a:p>
         </p:txBody>
       </p:sp>
-      <p:sp>
-        <p:nvSpPr>
-          <p:cNvPr id="3" name="Content Placeholder 2">
+      <p:pic>
+        <p:nvPicPr>
+          <p:cNvPr id="11" name="Picture 10">
             <a:extLst>
               <a:ext uri="{FF2B5EF4-FFF2-40B4-BE49-F238E27FC236}">
-                <a16:creationId xmlns:a16="http://schemas.microsoft.com/office/drawing/2014/main" id="{C3F9553C-78F1-4F4D-819C-BD9E404106D4}"/>
+                <a16:creationId xmlns:a16="http://schemas.microsoft.com/office/drawing/2014/main" id="{F170CAFF-9CF5-420F-8DDC-F284A2E3E82A}"/>
               </a:ext>
             </a:extLst>
           </p:cNvPr>
-          <p:cNvSpPr>
-            <a:spLocks noGrp="1"/>
-          </p:cNvSpPr>
+          <p:cNvPicPr>
+            <a:picLocks noChangeAspect="1"/>
+          </p:cNvPicPr>
+          <p:nvPr/>
+        </p:nvPicPr>
+        <p:blipFill>
+          <a:blip r:embed="rId3"/>
+          <a:stretch>
+            <a:fillRect/>
+          </a:stretch>
+        </p:blipFill>
+        <p:spPr>
+          <a:xfrm>
+            <a:off x="858418" y="777481"/>
+            <a:ext cx="3684006" cy="2726165"/>
+          </a:xfrm>
+          <a:prstGeom prst="rect">
+            <a:avLst/>
+          </a:prstGeom>
+        </p:spPr>
+      </p:pic>
+      <p:pic>
+        <p:nvPicPr>
+          <p:cNvPr id="9" name="Content Placeholder 8" descr="A close up of a sign&#10;&#10;Description automatically generated">
+            <a:extLst>
+              <a:ext uri="{FF2B5EF4-FFF2-40B4-BE49-F238E27FC236}">
+                <a16:creationId xmlns:a16="http://schemas.microsoft.com/office/drawing/2014/main" id="{AB07847A-F91B-45D3-A2A8-4A799418A436}"/>
+              </a:ext>
+            </a:extLst>
+          </p:cNvPr>
+          <p:cNvPicPr>
+            <a:picLocks noGrp="1" noChangeAspect="1"/>
+          </p:cNvPicPr>
           <p:nvPr>
             <p:ph idx="1"/>
           </p:nvPr>
-        </p:nvSpPr>
-        <p:spPr/>
-        <p:txBody>
-          <a:bodyPr/>
+        </p:nvPicPr>
+        <p:blipFill>
+          <a:blip r:embed="rId4"/>
+          <a:stretch>
+            <a:fillRect/>
+          </a:stretch>
+        </p:blipFill>
+        <p:spPr>
+          <a:xfrm>
+            <a:off x="8023364" y="777482"/>
+            <a:ext cx="3450841" cy="2726165"/>
+          </a:xfrm>
+          <a:prstGeom prst="rect">
+            <a:avLst/>
+          </a:prstGeom>
+        </p:spPr>
+      </p:pic>
+      <p:sp>
+        <p:nvSpPr>
+          <p:cNvPr id="10" name="TextBox 9">
+            <a:extLst>
+              <a:ext uri="{FF2B5EF4-FFF2-40B4-BE49-F238E27FC236}">
+                <a16:creationId xmlns:a16="http://schemas.microsoft.com/office/drawing/2014/main" id="{87D9563F-594B-43CF-A1E9-B85BE1831A85}"/>
+              </a:ext>
+            </a:extLst>
+          </p:cNvPr>
+          <p:cNvSpPr txBox="1"/>
+          <p:nvPr/>
+        </p:nvSpPr>
+        <p:spPr>
+          <a:xfrm>
+            <a:off x="5768055" y="1880083"/>
+            <a:ext cx="1029678" cy="520959"/>
+          </a:xfrm>
+          <a:prstGeom prst="rect">
+            <a:avLst/>
+          </a:prstGeom>
+        </p:spPr>
+        <p:txBody>
+          <a:bodyPr vert="horz" lIns="91440" tIns="45720" rIns="91440" bIns="45720" rtlCol="0" anchor="ctr">
+            <a:normAutofit fontScale="92500" lnSpcReduction="10000"/>
+          </a:bodyPr>
           <a:lstStyle/>
           <a:p>
-            <a:r>
-              <a:rPr lang="en-US" dirty="0"/>
-              <a:t>Target whether this has been effective</a:t>
-            </a:r>
-          </a:p>
-          <a:p>
-            <a:r>
-              <a:rPr lang="en-US" dirty="0"/>
-              <a:t>What are the ideal water conditions for catching salmon</a:t>
+            <a:pPr defTabSz="914400">
+              <a:lnSpc>
+                <a:spcPct val="90000"/>
+              </a:lnSpc>
+              <a:spcAft>
+                <a:spcPts val="600"/>
+              </a:spcAft>
+              <a:buClr>
+                <a:schemeClr val="accent1"/>
+              </a:buClr>
+            </a:pPr>
+            <a:r>
+              <a:rPr lang="en-US" sz="3600" b="1" dirty="0">
+                <a:solidFill>
+                  <a:srgbClr val="FFFFFF"/>
+                </a:solidFill>
+              </a:rPr>
+              <a:t>Or?</a:t>
             </a:r>
           </a:p>
         </p:txBody>
@@ -4842,7 +6273,7 @@
     </p:extLst>
   </p:cSld>
   <p:clrMapOvr>
-    <a:masterClrMapping/>
+    <a:overrideClrMapping bg1="dk1" tx1="lt1" bg2="dk2" tx2="lt2" accent1="accent1" accent2="accent2" accent3="accent3" accent4="accent4" accent5="accent5" accent6="accent6" hlink="hlink" folHlink="folHlink"/>
   </p:clrMapOvr>
 </p:sld>
 </file>
@@ -4913,8 +6344,26 @@
           <a:bodyPr/>
           <a:lstStyle/>
           <a:p>
-            <a:r>
-              <a:rPr lang="en-US" dirty="0"/>
+            <a:endParaRPr lang="en-US" dirty="0"/>
+          </a:p>
+          <a:p>
+            <a:endParaRPr lang="en-US" dirty="0"/>
+          </a:p>
+          <a:p>
+            <a:endParaRPr lang="en-US" dirty="0"/>
+          </a:p>
+          <a:p>
+            <a:endParaRPr lang="en-US" dirty="0"/>
+          </a:p>
+          <a:p>
+            <a:endParaRPr lang="en-US" dirty="0"/>
+          </a:p>
+          <a:p>
+            <a:endParaRPr lang="en-US" dirty="0"/>
+          </a:p>
+          <a:p>
+            <a:r>
+              <a:rPr lang="en-US" sz="3200" dirty="0"/>
               <a:t>Will Spring Chinook Salmon be here for our grandchildren?</a:t>
             </a:r>
           </a:p>
@@ -4942,12 +6391,96 @@
           <a:lstStyle/>
           <a:p>
             <a:r>
-              <a:rPr lang="en-US" dirty="0"/>
+              <a:rPr lang="en-US" sz="3600" dirty="0"/>
               <a:t>What data do we have?</a:t>
             </a:r>
           </a:p>
-        </p:txBody>
-      </p:sp>
+          <a:p>
+            <a:endParaRPr lang="en-US" dirty="0"/>
+          </a:p>
+          <a:p>
+            <a:endParaRPr lang="en-US" dirty="0"/>
+          </a:p>
+          <a:p>
+            <a:endParaRPr lang="en-US" dirty="0"/>
+          </a:p>
+          <a:p>
+            <a:endParaRPr lang="en-US" dirty="0"/>
+          </a:p>
+          <a:p>
+            <a:endParaRPr lang="en-US" dirty="0"/>
+          </a:p>
+          <a:p>
+            <a:pPr marL="0" indent="0">
+              <a:buNone/>
+            </a:pPr>
+            <a:endParaRPr lang="en-US" dirty="0"/>
+          </a:p>
+          <a:p>
+            <a:endParaRPr lang="en-US" dirty="0"/>
+          </a:p>
+        </p:txBody>
+      </p:sp>
+      <p:pic>
+        <p:nvPicPr>
+          <p:cNvPr id="6" name="Picture 5" descr="Icon&#10;&#10;Description automatically generated">
+            <a:extLst>
+              <a:ext uri="{FF2B5EF4-FFF2-40B4-BE49-F238E27FC236}">
+                <a16:creationId xmlns:a16="http://schemas.microsoft.com/office/drawing/2014/main" id="{33108FD4-9871-464D-8E00-0265B4F2289E}"/>
+              </a:ext>
+            </a:extLst>
+          </p:cNvPr>
+          <p:cNvPicPr>
+            <a:picLocks noChangeAspect="1"/>
+          </p:cNvPicPr>
+          <p:nvPr/>
+        </p:nvPicPr>
+        <p:blipFill>
+          <a:blip r:embed="rId2"/>
+          <a:stretch>
+            <a:fillRect/>
+          </a:stretch>
+        </p:blipFill>
+        <p:spPr>
+          <a:xfrm>
+            <a:off x="8010143" y="2706623"/>
+            <a:ext cx="3282697" cy="3282697"/>
+          </a:xfrm>
+          <a:prstGeom prst="rect">
+            <a:avLst/>
+          </a:prstGeom>
+        </p:spPr>
+      </p:pic>
+      <p:pic>
+        <p:nvPicPr>
+          <p:cNvPr id="8" name="Picture 7">
+            <a:extLst>
+              <a:ext uri="{FF2B5EF4-FFF2-40B4-BE49-F238E27FC236}">
+                <a16:creationId xmlns:a16="http://schemas.microsoft.com/office/drawing/2014/main" id="{BC7EB042-6CF7-442A-8B8F-8891E3704753}"/>
+              </a:ext>
+            </a:extLst>
+          </p:cNvPr>
+          <p:cNvPicPr>
+            <a:picLocks noChangeAspect="1"/>
+          </p:cNvPicPr>
+          <p:nvPr/>
+        </p:nvPicPr>
+        <p:blipFill>
+          <a:blip r:embed="rId3"/>
+          <a:stretch>
+            <a:fillRect/>
+          </a:stretch>
+        </p:blipFill>
+        <p:spPr>
+          <a:xfrm>
+            <a:off x="4479529" y="837214"/>
+            <a:ext cx="2247900" cy="2381250"/>
+          </a:xfrm>
+          <a:prstGeom prst="rect">
+            <a:avLst/>
+          </a:prstGeom>
+        </p:spPr>
+      </p:pic>
     </p:spTree>
     <p:extLst>
       <p:ext uri="{BB962C8B-B14F-4D97-AF65-F5344CB8AC3E}">
@@ -5117,6 +6650,14 @@
 <file path=ppt/slides/slide8.xml><?xml version="1.0" encoding="utf-8"?>
 <p:sld xmlns:a="http://schemas.openxmlformats.org/drawingml/2006/main" xmlns:r="http://schemas.openxmlformats.org/officeDocument/2006/relationships" xmlns:p="http://schemas.openxmlformats.org/presentationml/2006/main">
   <p:cSld>
+    <p:bg>
+      <p:bgPr>
+        <a:solidFill>
+          <a:schemeClr val="bg1"/>
+        </a:solidFill>
+        <a:effectLst/>
+      </p:bgPr>
+    </p:bg>
     <p:spTree>
       <p:nvGrpSpPr>
         <p:cNvPr id="1" name=""/>
@@ -5133,6 +6674,233 @@
       </p:grpSpPr>
       <p:sp>
         <p:nvSpPr>
+          <p:cNvPr id="23" name="Rectangle 22">
+            <a:extLst>
+              <a:ext uri="{FF2B5EF4-FFF2-40B4-BE49-F238E27FC236}">
+                <a16:creationId xmlns:a16="http://schemas.microsoft.com/office/drawing/2014/main" id="{559C4044-6571-4E7D-ACA0-60916A1B19EF}"/>
+              </a:ext>
+              <a:ext uri="{C183D7F6-B498-43B3-948B-1728B52AA6E4}">
+                <adec:decorative xmlns:adec="http://schemas.microsoft.com/office/drawing/2017/decorative" val="1"/>
+              </a:ext>
+            </a:extLst>
+          </p:cNvPr>
+          <p:cNvSpPr>
+            <a:spLocks noGrp="1" noRot="1" noChangeAspect="1" noMove="1" noResize="1" noEditPoints="1" noAdjustHandles="1" noChangeArrowheads="1" noChangeShapeType="1" noTextEdit="1"/>
+          </p:cNvSpPr>
+          <p:nvPr>
+            <p:extLst>
+              <p:ext uri="{386F3935-93C4-4BCD-93E2-E3B085C9AB24}">
+                <p16:designElem xmlns:p16="http://schemas.microsoft.com/office/powerpoint/2015/main" val="1"/>
+              </p:ext>
+            </p:extLst>
+          </p:nvPr>
+        </p:nvSpPr>
+        <p:spPr>
+          <a:xfrm>
+            <a:off x="0" y="761999"/>
+            <a:ext cx="9141619" cy="5334001"/>
+          </a:xfrm>
+          <a:prstGeom prst="rect">
+            <a:avLst/>
+          </a:prstGeom>
+          <a:solidFill>
+            <a:schemeClr val="accent1"/>
+          </a:solidFill>
+          <a:ln>
+            <a:noFill/>
+          </a:ln>
+        </p:spPr>
+        <p:style>
+          <a:lnRef idx="2">
+            <a:schemeClr val="accent1">
+              <a:shade val="50000"/>
+            </a:schemeClr>
+          </a:lnRef>
+          <a:fillRef idx="1">
+            <a:schemeClr val="accent1"/>
+          </a:fillRef>
+          <a:effectRef idx="0">
+            <a:schemeClr val="accent1"/>
+          </a:effectRef>
+          <a:fontRef idx="minor">
+            <a:schemeClr val="lt1"/>
+          </a:fontRef>
+        </p:style>
+      </p:sp>
+      <p:sp>
+        <p:nvSpPr>
+          <p:cNvPr id="25" name="Rectangle 24">
+            <a:extLst>
+              <a:ext uri="{FF2B5EF4-FFF2-40B4-BE49-F238E27FC236}">
+                <a16:creationId xmlns:a16="http://schemas.microsoft.com/office/drawing/2014/main" id="{5759E11B-A631-44D7-BA66-473224BDA570}"/>
+              </a:ext>
+              <a:ext uri="{C183D7F6-B498-43B3-948B-1728B52AA6E4}">
+                <adec:decorative xmlns:adec="http://schemas.microsoft.com/office/drawing/2017/decorative" val="1"/>
+              </a:ext>
+            </a:extLst>
+          </p:cNvPr>
+          <p:cNvSpPr>
+            <a:spLocks noGrp="1" noRot="1" noChangeAspect="1" noMove="1" noResize="1" noEditPoints="1" noAdjustHandles="1" noChangeArrowheads="1" noChangeShapeType="1" noTextEdit="1"/>
+          </p:cNvSpPr>
+          <p:nvPr>
+            <p:extLst>
+              <p:ext uri="{386F3935-93C4-4BCD-93E2-E3B085C9AB24}">
+                <p16:designElem xmlns:p16="http://schemas.microsoft.com/office/powerpoint/2015/main" val="1"/>
+              </p:ext>
+            </p:extLst>
+          </p:nvPr>
+        </p:nvSpPr>
+        <p:spPr>
+          <a:xfrm>
+            <a:off x="9270263" y="761999"/>
+            <a:ext cx="2925318" cy="5334001"/>
+          </a:xfrm>
+          <a:prstGeom prst="rect">
+            <a:avLst/>
+          </a:prstGeom>
+          <a:solidFill>
+            <a:srgbClr val="C8C8C8">
+              <a:alpha val="50000"/>
+            </a:srgbClr>
+          </a:solidFill>
+          <a:ln>
+            <a:noFill/>
+          </a:ln>
+        </p:spPr>
+        <p:style>
+          <a:lnRef idx="2">
+            <a:schemeClr val="accent1">
+              <a:shade val="50000"/>
+            </a:schemeClr>
+          </a:lnRef>
+          <a:fillRef idx="1">
+            <a:schemeClr val="accent1"/>
+          </a:fillRef>
+          <a:effectRef idx="0">
+            <a:schemeClr val="accent1"/>
+          </a:effectRef>
+          <a:fontRef idx="minor">
+            <a:schemeClr val="lt1"/>
+          </a:fontRef>
+        </p:style>
+      </p:sp>
+      <p:sp useBgFill="1">
+        <p:nvSpPr>
+          <p:cNvPr id="27" name="Rectangle 26">
+            <a:extLst>
+              <a:ext uri="{FF2B5EF4-FFF2-40B4-BE49-F238E27FC236}">
+                <a16:creationId xmlns:a16="http://schemas.microsoft.com/office/drawing/2014/main" id="{EB8AA617-0537-4ED7-91B6-66511A647507}"/>
+              </a:ext>
+              <a:ext uri="{C183D7F6-B498-43B3-948B-1728B52AA6E4}">
+                <adec:decorative xmlns:adec="http://schemas.microsoft.com/office/drawing/2017/decorative" val="1"/>
+              </a:ext>
+            </a:extLst>
+          </p:cNvPr>
+          <p:cNvSpPr>
+            <a:spLocks noGrp="1" noRot="1" noChangeAspect="1" noMove="1" noResize="1" noEditPoints="1" noAdjustHandles="1" noChangeArrowheads="1" noChangeShapeType="1" noTextEdit="1"/>
+          </p:cNvSpPr>
+          <p:nvPr>
+            <p:extLst>
+              <p:ext uri="{386F3935-93C4-4BCD-93E2-E3B085C9AB24}">
+                <p16:designElem xmlns:p16="http://schemas.microsoft.com/office/powerpoint/2015/main" val="1"/>
+              </p:ext>
+            </p:extLst>
+          </p:nvPr>
+        </p:nvSpPr>
+        <p:spPr>
+          <a:xfrm>
+            <a:off x="0" y="0"/>
+            <a:ext cx="12191999" cy="6858000"/>
+          </a:xfrm>
+          <a:prstGeom prst="rect">
+            <a:avLst/>
+          </a:prstGeom>
+          <a:ln>
+            <a:noFill/>
+          </a:ln>
+        </p:spPr>
+        <p:style>
+          <a:lnRef idx="2">
+            <a:schemeClr val="accent1">
+              <a:shade val="50000"/>
+            </a:schemeClr>
+          </a:lnRef>
+          <a:fillRef idx="1">
+            <a:schemeClr val="accent1"/>
+          </a:fillRef>
+          <a:effectRef idx="0">
+            <a:schemeClr val="accent1"/>
+          </a:effectRef>
+          <a:fontRef idx="minor">
+            <a:schemeClr val="lt1"/>
+          </a:fontRef>
+        </p:style>
+        <p:txBody>
+          <a:bodyPr rtlCol="0" anchor="ctr"/>
+          <a:lstStyle/>
+          <a:p>
+            <a:pPr algn="ctr"/>
+            <a:endParaRPr lang="en-US" dirty="0"/>
+          </a:p>
+        </p:txBody>
+      </p:sp>
+      <p:sp>
+        <p:nvSpPr>
+          <p:cNvPr id="29" name="Rectangle 28">
+            <a:extLst>
+              <a:ext uri="{FF2B5EF4-FFF2-40B4-BE49-F238E27FC236}">
+                <a16:creationId xmlns:a16="http://schemas.microsoft.com/office/drawing/2014/main" id="{C2E8BF1F-CE61-45C5-92AC-552D23176C03}"/>
+              </a:ext>
+              <a:ext uri="{C183D7F6-B498-43B3-948B-1728B52AA6E4}">
+                <adec:decorative xmlns:adec="http://schemas.microsoft.com/office/drawing/2017/decorative" val="1"/>
+              </a:ext>
+            </a:extLst>
+          </p:cNvPr>
+          <p:cNvSpPr>
+            <a:spLocks noGrp="1" noRot="1" noChangeAspect="1" noMove="1" noResize="1" noEditPoints="1" noAdjustHandles="1" noChangeArrowheads="1" noChangeShapeType="1" noTextEdit="1"/>
+          </p:cNvSpPr>
+          <p:nvPr>
+            <p:extLst>
+              <p:ext uri="{386F3935-93C4-4BCD-93E2-E3B085C9AB24}">
+                <p16:designElem xmlns:p16="http://schemas.microsoft.com/office/powerpoint/2015/main" val="1"/>
+              </p:ext>
+            </p:extLst>
+          </p:nvPr>
+        </p:nvSpPr>
+        <p:spPr>
+          <a:xfrm>
+            <a:off x="0" y="4367639"/>
+            <a:ext cx="11707367" cy="1852186"/>
+          </a:xfrm>
+          <a:prstGeom prst="rect">
+            <a:avLst/>
+          </a:prstGeom>
+          <a:solidFill>
+            <a:schemeClr val="accent1"/>
+          </a:solidFill>
+          <a:ln>
+            <a:noFill/>
+          </a:ln>
+        </p:spPr>
+        <p:style>
+          <a:lnRef idx="2">
+            <a:schemeClr val="accent1">
+              <a:shade val="50000"/>
+            </a:schemeClr>
+          </a:lnRef>
+          <a:fillRef idx="1">
+            <a:schemeClr val="accent1"/>
+          </a:fillRef>
+          <a:effectRef idx="0">
+            <a:schemeClr val="accent1"/>
+          </a:effectRef>
+          <a:fontRef idx="minor">
+            <a:schemeClr val="lt1"/>
+          </a:fontRef>
+        </p:style>
+      </p:sp>
+      <p:sp>
+        <p:nvSpPr>
           <p:cNvPr id="2" name="Title 1">
             <a:extLst>
               <a:ext uri="{FF2B5EF4-FFF2-40B4-BE49-F238E27FC236}">
@@ -5147,68 +6915,85 @@
             <p:ph type="title"/>
           </p:nvPr>
         </p:nvSpPr>
-        <p:spPr/>
-        <p:txBody>
-          <a:bodyPr/>
+        <p:spPr>
+          <a:xfrm>
+            <a:off x="1069848" y="4590661"/>
+            <a:ext cx="10210862" cy="1065690"/>
+          </a:xfrm>
+        </p:spPr>
+        <p:txBody>
+          <a:bodyPr vert="horz" lIns="91440" tIns="45720" rIns="91440" bIns="45720" rtlCol="0" anchor="b">
+            <a:normAutofit/>
+          </a:bodyPr>
           <a:lstStyle/>
           <a:p>
             <a:r>
-              <a:rPr lang="en-US" dirty="0"/>
+              <a:rPr lang="en-US" sz="5900" spc="-100"/>
               <a:t>Data Analysis</a:t>
             </a:r>
           </a:p>
         </p:txBody>
       </p:sp>
-      <p:sp>
-        <p:nvSpPr>
-          <p:cNvPr id="3" name="Content Placeholder 2">
+      <p:pic>
+        <p:nvPicPr>
+          <p:cNvPr id="5" name="Content Placeholder 4">
             <a:extLst>
               <a:ext uri="{FF2B5EF4-FFF2-40B4-BE49-F238E27FC236}">
-                <a16:creationId xmlns:a16="http://schemas.microsoft.com/office/drawing/2014/main" id="{3A2A3B28-8FA9-4C37-A7B9-817B0C1F7544}"/>
+                <a16:creationId xmlns:a16="http://schemas.microsoft.com/office/drawing/2014/main" id="{7211F21C-1D9E-4524-B6E1-BDC2C862A03A}"/>
               </a:ext>
             </a:extLst>
           </p:cNvPr>
-          <p:cNvSpPr>
-            <a:spLocks noGrp="1"/>
-          </p:cNvSpPr>
-          <p:nvPr>
-            <p:ph sz="half" idx="1"/>
-          </p:nvPr>
-        </p:nvSpPr>
-        <p:spPr/>
-        <p:txBody>
-          <a:bodyPr/>
-          <a:lstStyle/>
-          <a:p>
-            <a:endParaRPr lang="en-US"/>
-          </a:p>
-        </p:txBody>
-      </p:sp>
-      <p:sp>
-        <p:nvSpPr>
-          <p:cNvPr id="4" name="Content Placeholder 3">
+          <p:cNvPicPr>
+            <a:picLocks noGrp="1" noChangeAspect="1"/>
+          </p:cNvPicPr>
+          <p:nvPr>
+            <p:ph sz="half" idx="2"/>
+          </p:nvPr>
+        </p:nvPicPr>
+        <p:blipFill rotWithShape="1">
+          <a:blip r:embed="rId2"/>
+          <a:srcRect r="1864" b="2"/>
+          <a:stretch/>
+        </p:blipFill>
+        <p:spPr>
+          <a:xfrm>
+            <a:off x="1069848" y="470170"/>
+            <a:ext cx="5236194" cy="3557016"/>
+          </a:xfrm>
+          <a:prstGeom prst="rect">
+            <a:avLst/>
+          </a:prstGeom>
+        </p:spPr>
+      </p:pic>
+      <p:pic>
+        <p:nvPicPr>
+          <p:cNvPr id="6" name="Picture 5">
             <a:extLst>
               <a:ext uri="{FF2B5EF4-FFF2-40B4-BE49-F238E27FC236}">
-                <a16:creationId xmlns:a16="http://schemas.microsoft.com/office/drawing/2014/main" id="{FA474853-E46A-48A4-B979-CEB295641BB8}"/>
+                <a16:creationId xmlns:a16="http://schemas.microsoft.com/office/drawing/2014/main" id="{92C5E30A-2A76-477F-AD6D-66E674BE7E6A}"/>
               </a:ext>
             </a:extLst>
           </p:cNvPr>
-          <p:cNvSpPr>
-            <a:spLocks noGrp="1"/>
-          </p:cNvSpPr>
-          <p:nvPr>
-            <p:ph sz="half" idx="2"/>
-          </p:nvPr>
-        </p:nvSpPr>
-        <p:spPr/>
-        <p:txBody>
-          <a:bodyPr/>
-          <a:lstStyle/>
-          <a:p>
-            <a:endParaRPr lang="en-US"/>
-          </a:p>
-        </p:txBody>
-      </p:sp>
+          <p:cNvPicPr>
+            <a:picLocks noChangeAspect="1"/>
+          </p:cNvPicPr>
+          <p:nvPr/>
+        </p:nvPicPr>
+        <p:blipFill rotWithShape="1">
+          <a:blip r:embed="rId3"/>
+          <a:srcRect l="1854" r="1" b="1"/>
+          <a:stretch/>
+        </p:blipFill>
+        <p:spPr>
+          <a:xfrm>
+            <a:off x="6466908" y="470172"/>
+            <a:ext cx="5236194" cy="3556755"/>
+          </a:xfrm>
+          <a:prstGeom prst="rect">
+            <a:avLst/>
+          </a:prstGeom>
+        </p:spPr>
+      </p:pic>
     </p:spTree>
     <p:extLst>
       <p:ext uri="{BB962C8B-B14F-4D97-AF65-F5344CB8AC3E}">
@@ -5225,6 +7010,14 @@
 <file path=ppt/slides/slide9.xml><?xml version="1.0" encoding="utf-8"?>
 <p:sld xmlns:a="http://schemas.openxmlformats.org/drawingml/2006/main" xmlns:r="http://schemas.openxmlformats.org/officeDocument/2006/relationships" xmlns:p="http://schemas.openxmlformats.org/presentationml/2006/main">
   <p:cSld>
+    <p:bg>
+      <p:bgPr>
+        <a:solidFill>
+          <a:schemeClr val="bg1"/>
+        </a:solidFill>
+        <a:effectLst/>
+      </p:bgPr>
+    </p:bg>
     <p:spTree>
       <p:nvGrpSpPr>
         <p:cNvPr id="1" name=""/>
@@ -5241,10 +7034,270 @@
       </p:grpSpPr>
       <p:sp>
         <p:nvSpPr>
+          <p:cNvPr id="10" name="Rectangle 9">
+            <a:extLst>
+              <a:ext uri="{FF2B5EF4-FFF2-40B4-BE49-F238E27FC236}">
+                <a16:creationId xmlns:a16="http://schemas.microsoft.com/office/drawing/2014/main" id="{051E3431-CE8A-4FA3-92ED-72D1E007B338}"/>
+              </a:ext>
+              <a:ext uri="{C183D7F6-B498-43B3-948B-1728B52AA6E4}">
+                <adec:decorative xmlns:adec="http://schemas.microsoft.com/office/drawing/2017/decorative" val="1"/>
+              </a:ext>
+            </a:extLst>
+          </p:cNvPr>
+          <p:cNvSpPr>
+            <a:spLocks noGrp="1" noRot="1" noChangeAspect="1" noMove="1" noResize="1" noEditPoints="1" noAdjustHandles="1" noChangeArrowheads="1" noChangeShapeType="1" noTextEdit="1"/>
+          </p:cNvSpPr>
+          <p:nvPr>
+            <p:extLst>
+              <p:ext uri="{386F3935-93C4-4BCD-93E2-E3B085C9AB24}">
+                <p16:designElem xmlns:p16="http://schemas.microsoft.com/office/powerpoint/2015/main" val="1"/>
+              </p:ext>
+            </p:extLst>
+          </p:nvPr>
+        </p:nvSpPr>
+        <p:spPr>
+          <a:xfrm>
+            <a:off x="0" y="761999"/>
+            <a:ext cx="9141619" cy="5334001"/>
+          </a:xfrm>
+          <a:prstGeom prst="rect">
+            <a:avLst/>
+          </a:prstGeom>
+          <a:solidFill>
+            <a:schemeClr val="accent1"/>
+          </a:solidFill>
+          <a:ln>
+            <a:noFill/>
+          </a:ln>
+        </p:spPr>
+        <p:style>
+          <a:lnRef idx="2">
+            <a:schemeClr val="accent1">
+              <a:shade val="50000"/>
+            </a:schemeClr>
+          </a:lnRef>
+          <a:fillRef idx="1">
+            <a:schemeClr val="accent1"/>
+          </a:fillRef>
+          <a:effectRef idx="0">
+            <a:schemeClr val="accent1"/>
+          </a:effectRef>
+          <a:fontRef idx="minor">
+            <a:schemeClr val="lt1"/>
+          </a:fontRef>
+        </p:style>
+      </p:sp>
+      <p:sp>
+        <p:nvSpPr>
+          <p:cNvPr id="12" name="Rectangle 11">
+            <a:extLst>
+              <a:ext uri="{FF2B5EF4-FFF2-40B4-BE49-F238E27FC236}">
+                <a16:creationId xmlns:a16="http://schemas.microsoft.com/office/drawing/2014/main" id="{287ACA9C-6281-4732-9DE5-95D5F9BEA7AD}"/>
+              </a:ext>
+              <a:ext uri="{C183D7F6-B498-43B3-948B-1728B52AA6E4}">
+                <adec:decorative xmlns:adec="http://schemas.microsoft.com/office/drawing/2017/decorative" val="1"/>
+              </a:ext>
+            </a:extLst>
+          </p:cNvPr>
+          <p:cNvSpPr>
+            <a:spLocks noGrp="1" noRot="1" noChangeAspect="1" noMove="1" noResize="1" noEditPoints="1" noAdjustHandles="1" noChangeArrowheads="1" noChangeShapeType="1" noTextEdit="1"/>
+          </p:cNvSpPr>
+          <p:nvPr>
+            <p:extLst>
+              <p:ext uri="{386F3935-93C4-4BCD-93E2-E3B085C9AB24}">
+                <p16:designElem xmlns:p16="http://schemas.microsoft.com/office/powerpoint/2015/main" val="1"/>
+              </p:ext>
+            </p:extLst>
+          </p:nvPr>
+        </p:nvSpPr>
+        <p:spPr>
+          <a:xfrm>
+            <a:off x="9270263" y="761999"/>
+            <a:ext cx="2925318" cy="5334001"/>
+          </a:xfrm>
+          <a:prstGeom prst="rect">
+            <a:avLst/>
+          </a:prstGeom>
+          <a:solidFill>
+            <a:srgbClr val="C8C8C8">
+              <a:alpha val="50000"/>
+            </a:srgbClr>
+          </a:solidFill>
+          <a:ln>
+            <a:noFill/>
+          </a:ln>
+        </p:spPr>
+        <p:style>
+          <a:lnRef idx="2">
+            <a:schemeClr val="accent1">
+              <a:shade val="50000"/>
+            </a:schemeClr>
+          </a:lnRef>
+          <a:fillRef idx="1">
+            <a:schemeClr val="accent1"/>
+          </a:fillRef>
+          <a:effectRef idx="0">
+            <a:schemeClr val="accent1"/>
+          </a:effectRef>
+          <a:fontRef idx="minor">
+            <a:schemeClr val="lt1"/>
+          </a:fontRef>
+        </p:style>
+      </p:sp>
+      <p:sp useBgFill="1">
+        <p:nvSpPr>
+          <p:cNvPr id="14" name="Rectangle 13">
+            <a:extLst>
+              <a:ext uri="{FF2B5EF4-FFF2-40B4-BE49-F238E27FC236}">
+                <a16:creationId xmlns:a16="http://schemas.microsoft.com/office/drawing/2014/main" id="{D1628877-E08F-4E76-A6D9-CAFB570DB8D3}"/>
+              </a:ext>
+              <a:ext uri="{C183D7F6-B498-43B3-948B-1728B52AA6E4}">
+                <adec:decorative xmlns:adec="http://schemas.microsoft.com/office/drawing/2017/decorative" val="1"/>
+              </a:ext>
+            </a:extLst>
+          </p:cNvPr>
+          <p:cNvSpPr>
+            <a:spLocks noGrp="1" noRot="1" noChangeAspect="1" noMove="1" noResize="1" noEditPoints="1" noAdjustHandles="1" noChangeArrowheads="1" noChangeShapeType="1" noTextEdit="1"/>
+          </p:cNvSpPr>
+          <p:nvPr>
+            <p:extLst>
+              <p:ext uri="{386F3935-93C4-4BCD-93E2-E3B085C9AB24}">
+                <p16:designElem xmlns:p16="http://schemas.microsoft.com/office/powerpoint/2015/main" val="1"/>
+              </p:ext>
+            </p:extLst>
+          </p:nvPr>
+        </p:nvSpPr>
+        <p:spPr>
+          <a:xfrm>
+            <a:off x="0" y="0"/>
+            <a:ext cx="12191999" cy="6858000"/>
+          </a:xfrm>
+          <a:prstGeom prst="rect">
+            <a:avLst/>
+          </a:prstGeom>
+          <a:ln>
+            <a:noFill/>
+          </a:ln>
+        </p:spPr>
+        <p:style>
+          <a:lnRef idx="2">
+            <a:schemeClr val="accent1">
+              <a:shade val="50000"/>
+            </a:schemeClr>
+          </a:lnRef>
+          <a:fillRef idx="1">
+            <a:schemeClr val="accent1"/>
+          </a:fillRef>
+          <a:effectRef idx="0">
+            <a:schemeClr val="accent1"/>
+          </a:effectRef>
+          <a:fontRef idx="minor">
+            <a:schemeClr val="lt1"/>
+          </a:fontRef>
+        </p:style>
+        <p:txBody>
+          <a:bodyPr rtlCol="0" anchor="ctr"/>
+          <a:lstStyle/>
+          <a:p>
+            <a:pPr algn="ctr"/>
+            <a:endParaRPr lang="en-US"/>
+          </a:p>
+        </p:txBody>
+      </p:sp>
+      <p:pic>
+        <p:nvPicPr>
+          <p:cNvPr id="5" name="Content Placeholder 4">
+            <a:extLst>
+              <a:ext uri="{FF2B5EF4-FFF2-40B4-BE49-F238E27FC236}">
+                <a16:creationId xmlns:a16="http://schemas.microsoft.com/office/drawing/2014/main" id="{52527624-67C4-43A5-B370-0AC01D0FC58B}"/>
+              </a:ext>
+            </a:extLst>
+          </p:cNvPr>
+          <p:cNvPicPr>
+            <a:picLocks noGrp="1" noChangeAspect="1"/>
+          </p:cNvPicPr>
+          <p:nvPr>
+            <p:ph sz="half" idx="2"/>
+          </p:nvPr>
+        </p:nvPicPr>
+        <p:blipFill rotWithShape="1">
+          <a:blip r:embed="rId2"/>
+          <a:srcRect t="1466" r="25" b="28221"/>
+          <a:stretch/>
+        </p:blipFill>
+        <p:spPr>
+          <a:xfrm>
+            <a:off x="20" y="-1"/>
+            <a:ext cx="12188932" cy="6858000"/>
+          </a:xfrm>
+          <a:prstGeom prst="rect">
+            <a:avLst/>
+          </a:prstGeom>
+        </p:spPr>
+      </p:pic>
+      <p:sp>
+        <p:nvSpPr>
+          <p:cNvPr id="16" name="Rectangle 15">
+            <a:extLst>
+              <a:ext uri="{FF2B5EF4-FFF2-40B4-BE49-F238E27FC236}">
+                <a16:creationId xmlns:a16="http://schemas.microsoft.com/office/drawing/2014/main" id="{57587975-CDAC-4067-A9DD-FF1F73F8494E}"/>
+              </a:ext>
+              <a:ext uri="{C183D7F6-B498-43B3-948B-1728B52AA6E4}">
+                <adec:decorative xmlns:adec="http://schemas.microsoft.com/office/drawing/2017/decorative" val="1"/>
+              </a:ext>
+            </a:extLst>
+          </p:cNvPr>
+          <p:cNvSpPr>
+            <a:spLocks noGrp="1" noRot="1" noChangeAspect="1" noMove="1" noResize="1" noEditPoints="1" noAdjustHandles="1" noChangeArrowheads="1" noChangeShapeType="1" noTextEdit="1"/>
+          </p:cNvSpPr>
+          <p:nvPr>
+            <p:extLst>
+              <p:ext uri="{386F3935-93C4-4BCD-93E2-E3B085C9AB24}">
+                <p16:designElem xmlns:p16="http://schemas.microsoft.com/office/powerpoint/2015/main" val="1"/>
+              </p:ext>
+            </p:extLst>
+          </p:nvPr>
+        </p:nvSpPr>
+        <p:spPr>
+          <a:xfrm>
+            <a:off x="1" y="1300114"/>
+            <a:ext cx="4053525" cy="4257773"/>
+          </a:xfrm>
+          <a:prstGeom prst="rect">
+            <a:avLst/>
+          </a:prstGeom>
+          <a:solidFill>
+            <a:schemeClr val="tx1">
+              <a:alpha val="85000"/>
+            </a:schemeClr>
+          </a:solidFill>
+          <a:ln>
+            <a:noFill/>
+          </a:ln>
+        </p:spPr>
+        <p:style>
+          <a:lnRef idx="2">
+            <a:schemeClr val="accent1">
+              <a:shade val="50000"/>
+            </a:schemeClr>
+          </a:lnRef>
+          <a:fillRef idx="1">
+            <a:schemeClr val="accent1"/>
+          </a:fillRef>
+          <a:effectRef idx="0">
+            <a:schemeClr val="accent1"/>
+          </a:effectRef>
+          <a:fontRef idx="minor">
+            <a:schemeClr val="lt1"/>
+          </a:fontRef>
+        </p:style>
+      </p:sp>
+      <p:sp>
+        <p:nvSpPr>
           <p:cNvPr id="2" name="Title 1">
             <a:extLst>
               <a:ext uri="{FF2B5EF4-FFF2-40B4-BE49-F238E27FC236}">
-                <a16:creationId xmlns:a16="http://schemas.microsoft.com/office/drawing/2014/main" id="{85B1DE85-D73C-4DAE-96DA-55909B9C6F98}"/>
+                <a16:creationId xmlns:a16="http://schemas.microsoft.com/office/drawing/2014/main" id="{640E3729-20BB-4EE1-897E-BB247ABF741B}"/>
               </a:ext>
             </a:extLst>
           </p:cNvPr>
@@ -5255,72 +7308,48 @@
             <p:ph type="title"/>
           </p:nvPr>
         </p:nvSpPr>
-        <p:spPr/>
-        <p:txBody>
-          <a:bodyPr/>
+        <p:spPr>
+          <a:xfrm>
+            <a:off x="334557" y="1653703"/>
+            <a:ext cx="3361953" cy="2470488"/>
+          </a:xfrm>
+        </p:spPr>
+        <p:txBody>
+          <a:bodyPr vert="horz" lIns="91440" tIns="45720" rIns="91440" bIns="45720" rtlCol="0" anchor="b">
+            <a:normAutofit/>
+          </a:bodyPr>
           <a:lstStyle/>
           <a:p>
             <a:r>
-              <a:rPr lang="en-US" dirty="0"/>
-              <a:t>Discussion</a:t>
-            </a:r>
-          </a:p>
-        </p:txBody>
-      </p:sp>
-      <p:sp>
-        <p:nvSpPr>
-          <p:cNvPr id="3" name="Content Placeholder 2">
-            <a:extLst>
-              <a:ext uri="{FF2B5EF4-FFF2-40B4-BE49-F238E27FC236}">
-                <a16:creationId xmlns:a16="http://schemas.microsoft.com/office/drawing/2014/main" id="{B6B38B97-861A-4C7C-85F3-42B9FD790AB1}"/>
-              </a:ext>
-            </a:extLst>
-          </p:cNvPr>
-          <p:cNvSpPr>
-            <a:spLocks noGrp="1"/>
-          </p:cNvSpPr>
-          <p:nvPr>
-            <p:ph sz="half" idx="1"/>
-          </p:nvPr>
-        </p:nvSpPr>
-        <p:spPr/>
-        <p:txBody>
-          <a:bodyPr/>
-          <a:lstStyle/>
-          <a:p>
-            <a:endParaRPr lang="en-US"/>
-          </a:p>
-        </p:txBody>
-      </p:sp>
-      <p:sp>
-        <p:nvSpPr>
-          <p:cNvPr id="4" name="Content Placeholder 3">
-            <a:extLst>
-              <a:ext uri="{FF2B5EF4-FFF2-40B4-BE49-F238E27FC236}">
-                <a16:creationId xmlns:a16="http://schemas.microsoft.com/office/drawing/2014/main" id="{2AB58853-6507-4ABC-A230-97C8C2E46667}"/>
-              </a:ext>
-            </a:extLst>
-          </p:cNvPr>
-          <p:cNvSpPr>
-            <a:spLocks noGrp="1"/>
-          </p:cNvSpPr>
-          <p:nvPr>
-            <p:ph sz="half" idx="2"/>
-          </p:nvPr>
-        </p:nvSpPr>
-        <p:spPr/>
-        <p:txBody>
-          <a:bodyPr/>
-          <a:lstStyle/>
-          <a:p>
-            <a:endParaRPr lang="en-US"/>
+              <a:rPr lang="en-US" sz="4400" spc="-100" dirty="0">
+                <a:solidFill>
+                  <a:schemeClr val="bg1"/>
+                </a:solidFill>
+              </a:rPr>
+              <a:t>Post </a:t>
+            </a:r>
+            <a:br>
+              <a:rPr lang="en-US" sz="4400" spc="-100" dirty="0">
+                <a:solidFill>
+                  <a:schemeClr val="bg1"/>
+                </a:solidFill>
+              </a:rPr>
+            </a:br>
+            <a:r>
+              <a:rPr lang="en-US" sz="4400" spc="-100" dirty="0">
+                <a:solidFill>
+                  <a:schemeClr val="bg1"/>
+                </a:solidFill>
+              </a:rPr>
+              <a:t>Mortem</a:t>
+            </a:r>
           </a:p>
         </p:txBody>
       </p:sp>
     </p:spTree>
     <p:extLst>
       <p:ext uri="{BB962C8B-B14F-4D97-AF65-F5344CB8AC3E}">
-        <p14:creationId xmlns:p14="http://schemas.microsoft.com/office/powerpoint/2010/main" val="374684007"/>
+        <p14:creationId xmlns:p14="http://schemas.microsoft.com/office/powerpoint/2010/main" val="2246778472"/>
       </p:ext>
     </p:extLst>
   </p:cSld>
@@ -5559,4 +7588,299 @@
     </a:ext>
   </a:extLst>
 </a:theme>
+</file>
+
+<file path=ppt/theme/theme2.xml><?xml version="1.0" encoding="utf-8"?>
+<a:theme xmlns:a="http://schemas.openxmlformats.org/drawingml/2006/main" name="Office Theme">
+  <a:themeElements>
+    <a:clrScheme name="Office">
+      <a:dk1>
+        <a:sysClr val="windowText" lastClr="000000"/>
+      </a:dk1>
+      <a:lt1>
+        <a:sysClr val="window" lastClr="FFFFFF"/>
+      </a:lt1>
+      <a:dk2>
+        <a:srgbClr val="44546A"/>
+      </a:dk2>
+      <a:lt2>
+        <a:srgbClr val="E7E6E6"/>
+      </a:lt2>
+      <a:accent1>
+        <a:srgbClr val="4472C4"/>
+      </a:accent1>
+      <a:accent2>
+        <a:srgbClr val="ED7D31"/>
+      </a:accent2>
+      <a:accent3>
+        <a:srgbClr val="A5A5A5"/>
+      </a:accent3>
+      <a:accent4>
+        <a:srgbClr val="FFC000"/>
+      </a:accent4>
+      <a:accent5>
+        <a:srgbClr val="5B9BD5"/>
+      </a:accent5>
+      <a:accent6>
+        <a:srgbClr val="70AD47"/>
+      </a:accent6>
+      <a:hlink>
+        <a:srgbClr val="0563C1"/>
+      </a:hlink>
+      <a:folHlink>
+        <a:srgbClr val="954F72"/>
+      </a:folHlink>
+    </a:clrScheme>
+    <a:fontScheme name="Office">
+      <a:majorFont>
+        <a:latin typeface="Calibri Light" panose="020F0302020204030204"/>
+        <a:ea typeface=""/>
+        <a:cs typeface=""/>
+        <a:font script="Jpan" typeface="游ゴシック Light"/>
+        <a:font script="Hang" typeface="맑은 고딕"/>
+        <a:font script="Hans" typeface="等线 Light"/>
+        <a:font script="Hant" typeface="新細明體"/>
+        <a:font script="Arab" typeface="Times New Roman"/>
+        <a:font script="Hebr" typeface="Times New Roman"/>
+        <a:font script="Thai" typeface="Angsana New"/>
+        <a:font script="Ethi" typeface="Nyala"/>
+        <a:font script="Beng" typeface="Vrinda"/>
+        <a:font script="Gujr" typeface="Shruti"/>
+        <a:font script="Khmr" typeface="MoolBoran"/>
+        <a:font script="Knda" typeface="Tunga"/>
+        <a:font script="Guru" typeface="Raavi"/>
+        <a:font script="Cans" typeface="Euphemia"/>
+        <a:font script="Cher" typeface="Plantagenet Cherokee"/>
+        <a:font script="Yiii" typeface="Microsoft Yi Baiti"/>
+        <a:font script="Tibt" typeface="Microsoft Himalaya"/>
+        <a:font script="Thaa" typeface="MV Boli"/>
+        <a:font script="Deva" typeface="Mangal"/>
+        <a:font script="Telu" typeface="Gautami"/>
+        <a:font script="Taml" typeface="Latha"/>
+        <a:font script="Syrc" typeface="Estrangelo Edessa"/>
+        <a:font script="Orya" typeface="Kalinga"/>
+        <a:font script="Mlym" typeface="Kartika"/>
+        <a:font script="Laoo" typeface="DokChampa"/>
+        <a:font script="Sinh" typeface="Iskoola Pota"/>
+        <a:font script="Mong" typeface="Mongolian Baiti"/>
+        <a:font script="Viet" typeface="Times New Roman"/>
+        <a:font script="Uigh" typeface="Microsoft Uighur"/>
+        <a:font script="Geor" typeface="Sylfaen"/>
+        <a:font script="Armn" typeface="Arial"/>
+        <a:font script="Bugi" typeface="Leelawadee UI"/>
+        <a:font script="Bopo" typeface="Microsoft JhengHei"/>
+        <a:font script="Java" typeface="Javanese Text"/>
+        <a:font script="Lisu" typeface="Segoe UI"/>
+        <a:font script="Mymr" typeface="Myanmar Text"/>
+        <a:font script="Nkoo" typeface="Ebrima"/>
+        <a:font script="Olck" typeface="Nirmala UI"/>
+        <a:font script="Osma" typeface="Ebrima"/>
+        <a:font script="Phag" typeface="Phagspa"/>
+        <a:font script="Syrn" typeface="Estrangelo Edessa"/>
+        <a:font script="Syrj" typeface="Estrangelo Edessa"/>
+        <a:font script="Syre" typeface="Estrangelo Edessa"/>
+        <a:font script="Sora" typeface="Nirmala UI"/>
+        <a:font script="Tale" typeface="Microsoft Tai Le"/>
+        <a:font script="Talu" typeface="Microsoft New Tai Lue"/>
+        <a:font script="Tfng" typeface="Ebrima"/>
+      </a:majorFont>
+      <a:minorFont>
+        <a:latin typeface="Calibri" panose="020F0502020204030204"/>
+        <a:ea typeface=""/>
+        <a:cs typeface=""/>
+        <a:font script="Jpan" typeface="游ゴシック"/>
+        <a:font script="Hang" typeface="맑은 고딕"/>
+        <a:font script="Hans" typeface="等线"/>
+        <a:font script="Hant" typeface="新細明體"/>
+        <a:font script="Arab" typeface="Arial"/>
+        <a:font script="Hebr" typeface="Arial"/>
+        <a:font script="Thai" typeface="Cordia New"/>
+        <a:font script="Ethi" typeface="Nyala"/>
+        <a:font script="Beng" typeface="Vrinda"/>
+        <a:font script="Gujr" typeface="Shruti"/>
+        <a:font script="Khmr" typeface="DaunPenh"/>
+        <a:font script="Knda" typeface="Tunga"/>
+        <a:font script="Guru" typeface="Raavi"/>
+        <a:font script="Cans" typeface="Euphemia"/>
+        <a:font script="Cher" typeface="Plantagenet Cherokee"/>
+        <a:font script="Yiii" typeface="Microsoft Yi Baiti"/>
+        <a:font script="Tibt" typeface="Microsoft Himalaya"/>
+        <a:font script="Thaa" typeface="MV Boli"/>
+        <a:font script="Deva" typeface="Mangal"/>
+        <a:font script="Telu" typeface="Gautami"/>
+        <a:font script="Taml" typeface="Latha"/>
+        <a:font script="Syrc" typeface="Estrangelo Edessa"/>
+        <a:font script="Orya" typeface="Kalinga"/>
+        <a:font script="Mlym" typeface="Kartika"/>
+        <a:font script="Laoo" typeface="DokChampa"/>
+        <a:font script="Sinh" typeface="Iskoola Pota"/>
+        <a:font script="Mong" typeface="Mongolian Baiti"/>
+        <a:font script="Viet" typeface="Arial"/>
+        <a:font script="Uigh" typeface="Microsoft Uighur"/>
+        <a:font script="Geor" typeface="Sylfaen"/>
+        <a:font script="Armn" typeface="Arial"/>
+        <a:font script="Bugi" typeface="Leelawadee UI"/>
+        <a:font script="Bopo" typeface="Microsoft JhengHei"/>
+        <a:font script="Java" typeface="Javanese Text"/>
+        <a:font script="Lisu" typeface="Segoe UI"/>
+        <a:font script="Mymr" typeface="Myanmar Text"/>
+        <a:font script="Nkoo" typeface="Ebrima"/>
+        <a:font script="Olck" typeface="Nirmala UI"/>
+        <a:font script="Osma" typeface="Ebrima"/>
+        <a:font script="Phag" typeface="Phagspa"/>
+        <a:font script="Syrn" typeface="Estrangelo Edessa"/>
+        <a:font script="Syrj" typeface="Estrangelo Edessa"/>
+        <a:font script="Syre" typeface="Estrangelo Edessa"/>
+        <a:font script="Sora" typeface="Nirmala UI"/>
+        <a:font script="Tale" typeface="Microsoft Tai Le"/>
+        <a:font script="Talu" typeface="Microsoft New Tai Lue"/>
+        <a:font script="Tfng" typeface="Ebrima"/>
+      </a:minorFont>
+    </a:fontScheme>
+    <a:fmtScheme name="Office">
+      <a:fillStyleLst>
+        <a:solidFill>
+          <a:schemeClr val="phClr"/>
+        </a:solidFill>
+        <a:gradFill rotWithShape="1">
+          <a:gsLst>
+            <a:gs pos="0">
+              <a:schemeClr val="phClr">
+                <a:lumMod val="110000"/>
+                <a:satMod val="105000"/>
+                <a:tint val="67000"/>
+              </a:schemeClr>
+            </a:gs>
+            <a:gs pos="50000">
+              <a:schemeClr val="phClr">
+                <a:lumMod val="105000"/>
+                <a:satMod val="103000"/>
+                <a:tint val="73000"/>
+              </a:schemeClr>
+            </a:gs>
+            <a:gs pos="100000">
+              <a:schemeClr val="phClr">
+                <a:lumMod val="105000"/>
+                <a:satMod val="109000"/>
+                <a:tint val="81000"/>
+              </a:schemeClr>
+            </a:gs>
+          </a:gsLst>
+          <a:lin ang="5400000" scaled="0"/>
+        </a:gradFill>
+        <a:gradFill rotWithShape="1">
+          <a:gsLst>
+            <a:gs pos="0">
+              <a:schemeClr val="phClr">
+                <a:satMod val="103000"/>
+                <a:lumMod val="102000"/>
+                <a:tint val="94000"/>
+              </a:schemeClr>
+            </a:gs>
+            <a:gs pos="50000">
+              <a:schemeClr val="phClr">
+                <a:satMod val="110000"/>
+                <a:lumMod val="100000"/>
+                <a:shade val="100000"/>
+              </a:schemeClr>
+            </a:gs>
+            <a:gs pos="100000">
+              <a:schemeClr val="phClr">
+                <a:lumMod val="99000"/>
+                <a:satMod val="120000"/>
+                <a:shade val="78000"/>
+              </a:schemeClr>
+            </a:gs>
+          </a:gsLst>
+          <a:lin ang="5400000" scaled="0"/>
+        </a:gradFill>
+      </a:fillStyleLst>
+      <a:lnStyleLst>
+        <a:ln w="6350" cap="flat" cmpd="sng" algn="ctr">
+          <a:solidFill>
+            <a:schemeClr val="phClr"/>
+          </a:solidFill>
+          <a:prstDash val="solid"/>
+          <a:miter lim="800000"/>
+        </a:ln>
+        <a:ln w="12700" cap="flat" cmpd="sng" algn="ctr">
+          <a:solidFill>
+            <a:schemeClr val="phClr"/>
+          </a:solidFill>
+          <a:prstDash val="solid"/>
+          <a:miter lim="800000"/>
+        </a:ln>
+        <a:ln w="19050" cap="flat" cmpd="sng" algn="ctr">
+          <a:solidFill>
+            <a:schemeClr val="phClr"/>
+          </a:solidFill>
+          <a:prstDash val="solid"/>
+          <a:miter lim="800000"/>
+        </a:ln>
+      </a:lnStyleLst>
+      <a:effectStyleLst>
+        <a:effectStyle>
+          <a:effectLst/>
+        </a:effectStyle>
+        <a:effectStyle>
+          <a:effectLst/>
+        </a:effectStyle>
+        <a:effectStyle>
+          <a:effectLst>
+            <a:outerShdw blurRad="57150" dist="19050" dir="5400000" algn="ctr" rotWithShape="0">
+              <a:srgbClr val="000000">
+                <a:alpha val="63000"/>
+              </a:srgbClr>
+            </a:outerShdw>
+          </a:effectLst>
+        </a:effectStyle>
+      </a:effectStyleLst>
+      <a:bgFillStyleLst>
+        <a:solidFill>
+          <a:schemeClr val="phClr"/>
+        </a:solidFill>
+        <a:solidFill>
+          <a:schemeClr val="phClr">
+            <a:tint val="95000"/>
+            <a:satMod val="170000"/>
+          </a:schemeClr>
+        </a:solidFill>
+        <a:gradFill rotWithShape="1">
+          <a:gsLst>
+            <a:gs pos="0">
+              <a:schemeClr val="phClr">
+                <a:tint val="93000"/>
+                <a:satMod val="150000"/>
+                <a:shade val="98000"/>
+                <a:lumMod val="102000"/>
+              </a:schemeClr>
+            </a:gs>
+            <a:gs pos="50000">
+              <a:schemeClr val="phClr">
+                <a:tint val="98000"/>
+                <a:satMod val="130000"/>
+                <a:shade val="90000"/>
+                <a:lumMod val="103000"/>
+              </a:schemeClr>
+            </a:gs>
+            <a:gs pos="100000">
+              <a:schemeClr val="phClr">
+                <a:shade val="63000"/>
+                <a:satMod val="120000"/>
+              </a:schemeClr>
+            </a:gs>
+          </a:gsLst>
+          <a:lin ang="5400000" scaled="0"/>
+        </a:gradFill>
+      </a:bgFillStyleLst>
+    </a:fmtScheme>
+  </a:themeElements>
+  <a:objectDefaults/>
+  <a:extraClrSchemeLst/>
+  <a:extLst>
+    <a:ext uri="{05A4C25C-085E-4340-85A3-A5531E510DB2}">
+      <thm15:themeFamily xmlns:thm15="http://schemas.microsoft.com/office/thememl/2012/main" name="Office Theme" id="{62F939B6-93AF-4DB8-9C6B-D6C7DFDC589F}" vid="{4A3C46E8-61CC-4603-A589-7422A47A8E4A}"/>
+    </a:ext>
+  </a:extLst>
+</a:theme>
 </file>
--- a/Spring Chinook Salmon in the Portland Metro Area.pptx
+++ b/Spring Chinook Salmon in the Portland Metro Area.pptx
@@ -5,19 +5,18 @@
     <p:sldMasterId id="2147483840" r:id="rId1"/>
   </p:sldMasterIdLst>
   <p:notesMasterIdLst>
-    <p:notesMasterId r:id="rId12"/>
+    <p:notesMasterId r:id="rId11"/>
   </p:notesMasterIdLst>
   <p:sldIdLst>
     <p:sldId id="256" r:id="rId2"/>
-    <p:sldId id="257" r:id="rId3"/>
-    <p:sldId id="258" r:id="rId4"/>
-    <p:sldId id="259" r:id="rId5"/>
-    <p:sldId id="260" r:id="rId6"/>
-    <p:sldId id="261" r:id="rId7"/>
-    <p:sldId id="262" r:id="rId8"/>
-    <p:sldId id="263" r:id="rId9"/>
-    <p:sldId id="265" r:id="rId10"/>
-    <p:sldId id="264" r:id="rId11"/>
+    <p:sldId id="259" r:id="rId3"/>
+    <p:sldId id="257" r:id="rId4"/>
+    <p:sldId id="258" r:id="rId5"/>
+    <p:sldId id="261" r:id="rId6"/>
+    <p:sldId id="262" r:id="rId7"/>
+    <p:sldId id="263" r:id="rId8"/>
+    <p:sldId id="265" r:id="rId9"/>
+    <p:sldId id="264" r:id="rId10"/>
   </p:sldIdLst>
   <p:sldSz cx="12192000" cy="6858000"/>
   <p:notesSz cx="6858000" cy="9144000"/>
@@ -124,6 +123,130 @@
 </p:presentation>
 </file>
 
+<file path=ppt/commentAuthors.xml><?xml version="1.0" encoding="utf-8"?>
+<p:cmAuthorLst xmlns:a="http://schemas.openxmlformats.org/drawingml/2006/main" xmlns:r="http://schemas.openxmlformats.org/officeDocument/2006/relationships" xmlns:p="http://schemas.openxmlformats.org/presentationml/2006/main">
+  <p:cmAuthor id="1" name="Courtney Muhlbach" initials="CM" lastIdx="8" clrIdx="0">
+    <p:extLst>
+      <p:ext uri="{19B8F6BF-5375-455C-9EA6-DF929625EA0E}">
+        <p15:presenceInfo xmlns:p15="http://schemas.microsoft.com/office/powerpoint/2012/main" userId="94d33c04faa072ac" providerId="Windows Live"/>
+      </p:ext>
+    </p:extLst>
+  </p:cmAuthor>
+</p:cmAuthorLst>
+</file>
+
+<file path=ppt/comments/comment1.xml><?xml version="1.0" encoding="utf-8"?>
+<p:cmLst xmlns:a="http://schemas.openxmlformats.org/drawingml/2006/main" xmlns:r="http://schemas.openxmlformats.org/officeDocument/2006/relationships" xmlns:p="http://schemas.openxmlformats.org/presentationml/2006/main">
+  <p:cm authorId="1" dt="2020-11-08T17:16:53.980" idx="8">
+    <p:pos x="10" y="10"/>
+    <p:text>Jenny</p:text>
+    <p:extLst>
+      <p:ext uri="{C676402C-5697-4E1C-873F-D02D1690AC5C}">
+        <p15:threadingInfo xmlns:p15="http://schemas.microsoft.com/office/powerpoint/2012/main" timeZoneBias="480"/>
+      </p:ext>
+    </p:extLst>
+  </p:cm>
+</p:cmLst>
+</file>
+
+<file path=ppt/comments/comment2.xml><?xml version="1.0" encoding="utf-8"?>
+<p:cmLst xmlns:a="http://schemas.openxmlformats.org/drawingml/2006/main" xmlns:r="http://schemas.openxmlformats.org/officeDocument/2006/relationships" xmlns:p="http://schemas.openxmlformats.org/presentationml/2006/main">
+  <p:cm authorId="1" dt="2020-11-08T17:10:00.495" idx="4">
+    <p:pos x="10" y="10"/>
+    <p:text>Jenny</p:text>
+    <p:extLst>
+      <p:ext uri="{C676402C-5697-4E1C-873F-D02D1690AC5C}">
+        <p15:threadingInfo xmlns:p15="http://schemas.microsoft.com/office/powerpoint/2012/main" timeZoneBias="480"/>
+      </p:ext>
+    </p:extLst>
+  </p:cm>
+</p:cmLst>
+</file>
+
+<file path=ppt/comments/comment3.xml><?xml version="1.0" encoding="utf-8"?>
+<p:cmLst xmlns:a="http://schemas.openxmlformats.org/drawingml/2006/main" xmlns:r="http://schemas.openxmlformats.org/officeDocument/2006/relationships" xmlns:p="http://schemas.openxmlformats.org/presentationml/2006/main">
+  <p:cm authorId="1" dt="2020-11-08T17:10:25.602" idx="5">
+    <p:pos x="10" y="10"/>
+    <p:text>Erica</p:text>
+    <p:extLst>
+      <p:ext uri="{C676402C-5697-4E1C-873F-D02D1690AC5C}">
+        <p15:threadingInfo xmlns:p15="http://schemas.microsoft.com/office/powerpoint/2012/main" timeZoneBias="480"/>
+      </p:ext>
+    </p:extLst>
+  </p:cm>
+</p:cmLst>
+</file>
+
+<file path=ppt/comments/comment4.xml><?xml version="1.0" encoding="utf-8"?>
+<p:cmLst xmlns:a="http://schemas.openxmlformats.org/drawingml/2006/main" xmlns:r="http://schemas.openxmlformats.org/officeDocument/2006/relationships" xmlns:p="http://schemas.openxmlformats.org/presentationml/2006/main">
+  <p:cm authorId="1" dt="2020-11-08T17:10:33.700" idx="6">
+    <p:pos x="10" y="10"/>
+    <p:text>Erica</p:text>
+    <p:extLst>
+      <p:ext uri="{C676402C-5697-4E1C-873F-D02D1690AC5C}">
+        <p15:threadingInfo xmlns:p15="http://schemas.microsoft.com/office/powerpoint/2012/main" timeZoneBias="480"/>
+      </p:ext>
+    </p:extLst>
+  </p:cm>
+</p:cmLst>
+</file>
+
+<file path=ppt/comments/comment5.xml><?xml version="1.0" encoding="utf-8"?>
+<p:cmLst xmlns:a="http://schemas.openxmlformats.org/drawingml/2006/main" xmlns:r="http://schemas.openxmlformats.org/officeDocument/2006/relationships" xmlns:p="http://schemas.openxmlformats.org/presentationml/2006/main">
+  <p:cm authorId="1" dt="2020-11-08T16:47:27.584" idx="3">
+    <p:pos x="10" y="10"/>
+    <p:text>Joshua</p:text>
+    <p:extLst>
+      <p:ext uri="{C676402C-5697-4E1C-873F-D02D1690AC5C}">
+        <p15:threadingInfo xmlns:p15="http://schemas.microsoft.com/office/powerpoint/2012/main" timeZoneBias="480"/>
+      </p:ext>
+    </p:extLst>
+  </p:cm>
+</p:cmLst>
+</file>
+
+<file path=ppt/comments/comment6.xml><?xml version="1.0" encoding="utf-8"?>
+<p:cmLst xmlns:a="http://schemas.openxmlformats.org/drawingml/2006/main" xmlns:r="http://schemas.openxmlformats.org/officeDocument/2006/relationships" xmlns:p="http://schemas.openxmlformats.org/presentationml/2006/main">
+  <p:cm authorId="1" dt="2020-11-08T16:47:05.976" idx="2">
+    <p:pos x="10" y="10"/>
+    <p:text>Jay</p:text>
+    <p:extLst>
+      <p:ext uri="{C676402C-5697-4E1C-873F-D02D1690AC5C}">
+        <p15:threadingInfo xmlns:p15="http://schemas.microsoft.com/office/powerpoint/2012/main" timeZoneBias="480"/>
+      </p:ext>
+    </p:extLst>
+  </p:cm>
+</p:cmLst>
+</file>
+
+<file path=ppt/comments/comment7.xml><?xml version="1.0" encoding="utf-8"?>
+<p:cmLst xmlns:a="http://schemas.openxmlformats.org/drawingml/2006/main" xmlns:r="http://schemas.openxmlformats.org/officeDocument/2006/relationships" xmlns:p="http://schemas.openxmlformats.org/presentationml/2006/main">
+  <p:cm authorId="1" dt="2020-11-08T17:16:07.919" idx="7">
+    <p:pos x="10" y="10"/>
+    <p:text>All - walk through notebook</p:text>
+    <p:extLst>
+      <p:ext uri="{C676402C-5697-4E1C-873F-D02D1690AC5C}">
+        <p15:threadingInfo xmlns:p15="http://schemas.microsoft.com/office/powerpoint/2012/main" timeZoneBias="480"/>
+      </p:ext>
+    </p:extLst>
+  </p:cm>
+</p:cmLst>
+</file>
+
+<file path=ppt/comments/comment8.xml><?xml version="1.0" encoding="utf-8"?>
+<p:cmLst xmlns:a="http://schemas.openxmlformats.org/drawingml/2006/main" xmlns:r="http://schemas.openxmlformats.org/officeDocument/2006/relationships" xmlns:p="http://schemas.openxmlformats.org/presentationml/2006/main">
+  <p:cm authorId="1" dt="2020-11-08T16:46:20.310" idx="1">
+    <p:pos x="10" y="10"/>
+    <p:text>Courtney</p:text>
+    <p:extLst>
+      <p:ext uri="{C676402C-5697-4E1C-873F-D02D1690AC5C}">
+        <p15:threadingInfo xmlns:p15="http://schemas.microsoft.com/office/powerpoint/2012/main" timeZoneBias="480"/>
+      </p:ext>
+    </p:extLst>
+  </p:cm>
+</p:cmLst>
+</file>
+
 <file path=ppt/notesMasters/notesMaster1.xml><?xml version="1.0" encoding="utf-8"?>
 <p:notesMaster xmlns:a="http://schemas.openxmlformats.org/drawingml/2006/main" xmlns:r="http://schemas.openxmlformats.org/officeDocument/2006/relationships" xmlns:p="http://schemas.openxmlformats.org/presentationml/2006/main">
   <p:cSld>
@@ -206,7 +329,7 @@
           <a:p>
             <a:fld id="{58952F50-9AC3-48F1-A657-DC6C258797CF}" type="datetimeFigureOut">
               <a:rPr lang="en-US" smtClean="0"/>
-              <a:t>11/7/2020</a:t>
+              <a:t>11/8/2020</a:t>
             </a:fld>
             <a:endParaRPr lang="en-US"/>
           </a:p>
@@ -517,37 +640,6 @@
           <a:bodyPr/>
           <a:lstStyle/>
           <a:p>
-            <a:pPr marL="0" marR="0" lvl="0" indent="0" algn="l" defTabSz="914400" rtl="0" eaLnBrk="1" fontAlgn="auto" latinLnBrk="0" hangingPunct="1">
-              <a:lnSpc>
-                <a:spcPct val="100000"/>
-              </a:lnSpc>
-              <a:spcBef>
-                <a:spcPts val="0"/>
-              </a:spcBef>
-              <a:spcAft>
-                <a:spcPts val="0"/>
-              </a:spcAft>
-              <a:buClrTx/>
-              <a:buSzTx/>
-              <a:buFontTx/>
-              <a:buNone/>
-              <a:tabLst/>
-              <a:defRPr/>
-            </a:pPr>
-            <a:r>
-              <a:rPr lang="en-US" dirty="0"/>
-              <a:t>Our goal is to understand the “2005-2019” water’s </a:t>
-            </a:r>
-            <a:r>
-              <a:rPr lang="en-US" dirty="0" err="1"/>
-              <a:t>effecy</a:t>
-            </a:r>
-            <a:r>
-              <a:rPr lang="en-US" dirty="0"/>
-              <a:t> on the Native Chinook Salmon Populations in he “Lower Columbia” area during their migration cycle to spawn in the “Spring”.</a:t>
-            </a:r>
-          </a:p>
-          <a:p>
             <a:endParaRPr lang="en-US" dirty="0"/>
           </a:p>
         </p:txBody>
@@ -569,7 +661,7 @@
           <a:p>
             <a:fld id="{4DF9C49E-566E-4C32-9550-3CFB77E325AD}" type="slidenum">
               <a:rPr lang="en-US" smtClean="0"/>
-              <a:t>3</a:t>
+              <a:t>1</a:t>
             </a:fld>
             <a:endParaRPr lang="en-US"/>
           </a:p>
@@ -578,7 +670,7 @@
     </p:spTree>
     <p:extLst>
       <p:ext uri="{BB962C8B-B14F-4D97-AF65-F5344CB8AC3E}">
-        <p14:creationId xmlns:p14="http://schemas.microsoft.com/office/powerpoint/2010/main" val="4234124978"/>
+        <p14:creationId xmlns:p14="http://schemas.microsoft.com/office/powerpoint/2010/main" val="1048050175"/>
       </p:ext>
     </p:extLst>
   </p:cSld>
@@ -725,7 +817,7 @@
           <a:p>
             <a:fld id="{4DF9C49E-566E-4C32-9550-3CFB77E325AD}" type="slidenum">
               <a:rPr lang="en-US" smtClean="0"/>
-              <a:t>4</a:t>
+              <a:t>2</a:t>
             </a:fld>
             <a:endParaRPr lang="en-US"/>
           </a:p>
@@ -788,15 +880,259 @@
           <a:bodyPr/>
           <a:lstStyle/>
           <a:p>
+            <a:endParaRPr lang="en-US"/>
+          </a:p>
+        </p:txBody>
+      </p:sp>
+      <p:sp>
+        <p:nvSpPr>
+          <p:cNvPr id="4" name="Slide Number Placeholder 3"/>
+          <p:cNvSpPr>
+            <a:spLocks noGrp="1"/>
+          </p:cNvSpPr>
+          <p:nvPr>
+            <p:ph type="sldNum" sz="quarter" idx="5"/>
+          </p:nvPr>
+        </p:nvSpPr>
+        <p:spPr/>
+        <p:txBody>
+          <a:bodyPr/>
+          <a:lstStyle/>
+          <a:p>
+            <a:fld id="{4DF9C49E-566E-4C32-9550-3CFB77E325AD}" type="slidenum">
+              <a:rPr lang="en-US" smtClean="0"/>
+              <a:t>3</a:t>
+            </a:fld>
+            <a:endParaRPr lang="en-US"/>
+          </a:p>
+        </p:txBody>
+      </p:sp>
+    </p:spTree>
+    <p:extLst>
+      <p:ext uri="{BB962C8B-B14F-4D97-AF65-F5344CB8AC3E}">
+        <p14:creationId xmlns:p14="http://schemas.microsoft.com/office/powerpoint/2010/main" val="148529561"/>
+      </p:ext>
+    </p:extLst>
+  </p:cSld>
+  <p:clrMapOvr>
+    <a:masterClrMapping/>
+  </p:clrMapOvr>
+</p:notes>
+</file>
+
+<file path=ppt/notesSlides/notesSlide4.xml><?xml version="1.0" encoding="utf-8"?>
+<p:notes xmlns:a="http://schemas.openxmlformats.org/drawingml/2006/main" xmlns:r="http://schemas.openxmlformats.org/officeDocument/2006/relationships" xmlns:p="http://schemas.openxmlformats.org/presentationml/2006/main">
+  <p:cSld>
+    <p:spTree>
+      <p:nvGrpSpPr>
+        <p:cNvPr id="1" name=""/>
+        <p:cNvGrpSpPr/>
+        <p:nvPr/>
+      </p:nvGrpSpPr>
+      <p:grpSpPr>
+        <a:xfrm>
+          <a:off x="0" y="0"/>
+          <a:ext cx="0" cy="0"/>
+          <a:chOff x="0" y="0"/>
+          <a:chExt cx="0" cy="0"/>
+        </a:xfrm>
+      </p:grpSpPr>
+      <p:sp>
+        <p:nvSpPr>
+          <p:cNvPr id="2" name="Slide Image Placeholder 1"/>
+          <p:cNvSpPr>
+            <a:spLocks noGrp="1" noRot="1" noChangeAspect="1"/>
+          </p:cNvSpPr>
+          <p:nvPr>
+            <p:ph type="sldImg"/>
+          </p:nvPr>
+        </p:nvSpPr>
+        <p:spPr/>
+      </p:sp>
+      <p:sp>
+        <p:nvSpPr>
+          <p:cNvPr id="3" name="Notes Placeholder 2"/>
+          <p:cNvSpPr>
+            <a:spLocks noGrp="1"/>
+          </p:cNvSpPr>
+          <p:nvPr>
+            <p:ph type="body" idx="1"/>
+          </p:nvPr>
+        </p:nvSpPr>
+        <p:spPr/>
+        <p:txBody>
+          <a:bodyPr/>
+          <a:lstStyle/>
+          <a:p>
+            <a:pPr marL="0" marR="0" lvl="0" indent="0" algn="l" defTabSz="914400" rtl="0" eaLnBrk="1" fontAlgn="auto" latinLnBrk="0" hangingPunct="1">
+              <a:lnSpc>
+                <a:spcPct val="100000"/>
+              </a:lnSpc>
+              <a:spcBef>
+                <a:spcPts val="0"/>
+              </a:spcBef>
+              <a:spcAft>
+                <a:spcPts val="0"/>
+              </a:spcAft>
+              <a:buClrTx/>
+              <a:buSzTx/>
+              <a:buFontTx/>
+              <a:buNone/>
+              <a:tabLst/>
+              <a:defRPr/>
+            </a:pPr>
             <a:r>
               <a:rPr lang="en-US" dirty="0"/>
-              <a:t>Target whether this has been effective</a:t>
-            </a:r>
-          </a:p>
-          <a:p>
+              <a:t>Our motivation was to find a correlation between the “2008-2019” water’s effect on the Native Chinook Salmon Populations in the “Lower Columbia” area during their migration cycle to spawn in the “Spring”.</a:t>
+            </a:r>
+          </a:p>
+          <a:p>
+            <a:pPr marL="0" marR="0" lvl="0" indent="0" algn="l" defTabSz="914400" rtl="0" eaLnBrk="1" fontAlgn="auto" latinLnBrk="0" hangingPunct="1">
+              <a:lnSpc>
+                <a:spcPct val="100000"/>
+              </a:lnSpc>
+              <a:spcBef>
+                <a:spcPts val="0"/>
+              </a:spcBef>
+              <a:spcAft>
+                <a:spcPts val="0"/>
+              </a:spcAft>
+              <a:buClrTx/>
+              <a:buSzTx/>
+              <a:buFontTx/>
+              <a:buNone/>
+              <a:tabLst/>
+              <a:defRPr/>
+            </a:pPr>
             <a:r>
               <a:rPr lang="en-US" dirty="0"/>
-              <a:t>What are the ideal water conditions for catching salmon</a:t>
+              <a:t>*Lower Columbia is from the Bonneville and down, Willamette Falls included.</a:t>
+            </a:r>
+          </a:p>
+          <a:p>
+            <a:endParaRPr lang="en-US" dirty="0"/>
+          </a:p>
+        </p:txBody>
+      </p:sp>
+      <p:sp>
+        <p:nvSpPr>
+          <p:cNvPr id="4" name="Slide Number Placeholder 3"/>
+          <p:cNvSpPr>
+            <a:spLocks noGrp="1"/>
+          </p:cNvSpPr>
+          <p:nvPr>
+            <p:ph type="sldNum" sz="quarter" idx="5"/>
+          </p:nvPr>
+        </p:nvSpPr>
+        <p:spPr/>
+        <p:txBody>
+          <a:bodyPr/>
+          <a:lstStyle/>
+          <a:p>
+            <a:fld id="{4DF9C49E-566E-4C32-9550-3CFB77E325AD}" type="slidenum">
+              <a:rPr lang="en-US" smtClean="0"/>
+              <a:t>4</a:t>
+            </a:fld>
+            <a:endParaRPr lang="en-US"/>
+          </a:p>
+        </p:txBody>
+      </p:sp>
+    </p:spTree>
+    <p:extLst>
+      <p:ext uri="{BB962C8B-B14F-4D97-AF65-F5344CB8AC3E}">
+        <p14:creationId xmlns:p14="http://schemas.microsoft.com/office/powerpoint/2010/main" val="4234124978"/>
+      </p:ext>
+    </p:extLst>
+  </p:cSld>
+  <p:clrMapOvr>
+    <a:masterClrMapping/>
+  </p:clrMapOvr>
+</p:notes>
+</file>
+
+<file path=ppt/notesSlides/notesSlide5.xml><?xml version="1.0" encoding="utf-8"?>
+<p:notes xmlns:a="http://schemas.openxmlformats.org/drawingml/2006/main" xmlns:r="http://schemas.openxmlformats.org/officeDocument/2006/relationships" xmlns:p="http://schemas.openxmlformats.org/presentationml/2006/main">
+  <p:cSld>
+    <p:spTree>
+      <p:nvGrpSpPr>
+        <p:cNvPr id="1" name=""/>
+        <p:cNvGrpSpPr/>
+        <p:nvPr/>
+      </p:nvGrpSpPr>
+      <p:grpSpPr>
+        <a:xfrm>
+          <a:off x="0" y="0"/>
+          <a:ext cx="0" cy="0"/>
+          <a:chOff x="0" y="0"/>
+          <a:chExt cx="0" cy="0"/>
+        </a:xfrm>
+      </p:grpSpPr>
+      <p:sp>
+        <p:nvSpPr>
+          <p:cNvPr id="2" name="Slide Image Placeholder 1"/>
+          <p:cNvSpPr>
+            <a:spLocks noGrp="1" noRot="1" noChangeAspect="1"/>
+          </p:cNvSpPr>
+          <p:nvPr>
+            <p:ph type="sldImg"/>
+          </p:nvPr>
+        </p:nvSpPr>
+        <p:spPr/>
+      </p:sp>
+      <p:sp>
+        <p:nvSpPr>
+          <p:cNvPr id="3" name="Notes Placeholder 2"/>
+          <p:cNvSpPr>
+            <a:spLocks noGrp="1"/>
+          </p:cNvSpPr>
+          <p:nvPr>
+            <p:ph type="body" idx="1"/>
+          </p:nvPr>
+        </p:nvSpPr>
+        <p:spPr/>
+        <p:txBody>
+          <a:bodyPr/>
+          <a:lstStyle/>
+          <a:p>
+            <a:r>
+              <a:rPr lang="en-US" dirty="0"/>
+              <a:t>What are the ideal water conditions for Chinook Salmon spring spawning habitat?</a:t>
+            </a:r>
+          </a:p>
+          <a:p>
+            <a:r>
+              <a:rPr lang="en-US" dirty="0"/>
+              <a:t>Were the temperatures met between the years of 2008-2020?</a:t>
+            </a:r>
+          </a:p>
+          <a:p>
+            <a:r>
+              <a:rPr lang="en-US" dirty="0"/>
+              <a:t>Is there a correlation between the Portland Metro population and the number of salmon?</a:t>
+            </a:r>
+          </a:p>
+          <a:p>
+            <a:r>
+              <a:rPr lang="en-US" dirty="0"/>
+              <a:t>We looked at the temperature surrounding the Bonneville dam and Willamette falls as well as the gage height.</a:t>
+            </a:r>
+          </a:p>
+          <a:p>
+            <a:r>
+              <a:rPr lang="en-US" dirty="0"/>
+              <a:t>We also looked at the oxygen levels but weren’t able to pull in more than one location.</a:t>
+            </a:r>
+          </a:p>
+          <a:p>
+            <a:r>
+              <a:rPr lang="en-US" dirty="0"/>
+              <a:t>We took a look at the snow pack as well.</a:t>
+            </a:r>
+          </a:p>
+          <a:p>
+            <a:r>
+              <a:rPr lang="en-US" dirty="0"/>
+              <a:t>The best places that we were able to find the data was the USGS (US Geological Survey), NRCS (Natural Resources Conservation Services), Columbia Basin Research (DART- Data Access in Real Time), and US Census.</a:t>
             </a:r>
           </a:p>
         </p:txBody>
@@ -827,7 +1163,232 @@
     </p:spTree>
     <p:extLst>
       <p:ext uri="{BB962C8B-B14F-4D97-AF65-F5344CB8AC3E}">
-        <p14:creationId xmlns:p14="http://schemas.microsoft.com/office/powerpoint/2010/main" val="3831457140"/>
+        <p14:creationId xmlns:p14="http://schemas.microsoft.com/office/powerpoint/2010/main" val="246470478"/>
+      </p:ext>
+    </p:extLst>
+  </p:cSld>
+  <p:clrMapOvr>
+    <a:masterClrMapping/>
+  </p:clrMapOvr>
+</p:notes>
+</file>
+
+<file path=ppt/notesSlides/notesSlide6.xml><?xml version="1.0" encoding="utf-8"?>
+<p:notes xmlns:a="http://schemas.openxmlformats.org/drawingml/2006/main" xmlns:r="http://schemas.openxmlformats.org/officeDocument/2006/relationships" xmlns:p="http://schemas.openxmlformats.org/presentationml/2006/main">
+  <p:cSld>
+    <p:spTree>
+      <p:nvGrpSpPr>
+        <p:cNvPr id="1" name=""/>
+        <p:cNvGrpSpPr/>
+        <p:nvPr/>
+      </p:nvGrpSpPr>
+      <p:grpSpPr>
+        <a:xfrm>
+          <a:off x="0" y="0"/>
+          <a:ext cx="0" cy="0"/>
+          <a:chOff x="0" y="0"/>
+          <a:chExt cx="0" cy="0"/>
+        </a:xfrm>
+      </p:grpSpPr>
+      <p:sp>
+        <p:nvSpPr>
+          <p:cNvPr id="2" name="Slide Image Placeholder 1"/>
+          <p:cNvSpPr>
+            <a:spLocks noGrp="1" noRot="1" noChangeAspect="1"/>
+          </p:cNvSpPr>
+          <p:nvPr>
+            <p:ph type="sldImg"/>
+          </p:nvPr>
+        </p:nvSpPr>
+        <p:spPr/>
+      </p:sp>
+      <p:sp>
+        <p:nvSpPr>
+          <p:cNvPr id="3" name="Notes Placeholder 2"/>
+          <p:cNvSpPr>
+            <a:spLocks noGrp="1"/>
+          </p:cNvSpPr>
+          <p:nvPr>
+            <p:ph type="body" idx="1"/>
+          </p:nvPr>
+        </p:nvSpPr>
+        <p:spPr/>
+        <p:txBody>
+          <a:bodyPr/>
+          <a:lstStyle/>
+          <a:p>
+            <a:r>
+              <a:rPr lang="en-US" dirty="0"/>
+              <a:t>Salmon Count (Jenny)</a:t>
+            </a:r>
+          </a:p>
+          <a:p>
+            <a:r>
+              <a:rPr lang="en-US" dirty="0"/>
+              <a:t>Bonneville Above Dam (Courtney/Jenny)</a:t>
+            </a:r>
+          </a:p>
+          <a:p>
+            <a:r>
+              <a:rPr lang="en-US" dirty="0"/>
+              <a:t>-Temperature and Gage Height</a:t>
+            </a:r>
+          </a:p>
+          <a:p>
+            <a:r>
+              <a:rPr lang="en-US" dirty="0"/>
+              <a:t>Bonneville Below Dam (Jay)</a:t>
+            </a:r>
+          </a:p>
+          <a:p>
+            <a:r>
+              <a:rPr lang="en-US" dirty="0"/>
+              <a:t>-Temperature and Gage Height</a:t>
+            </a:r>
+          </a:p>
+          <a:p>
+            <a:r>
+              <a:rPr lang="en-US" dirty="0"/>
+              <a:t>Willamette Falls (Josh)</a:t>
+            </a:r>
+          </a:p>
+          <a:p>
+            <a:r>
+              <a:rPr lang="en-US" dirty="0"/>
+              <a:t>-Temperature and Gage Height</a:t>
+            </a:r>
+          </a:p>
+          <a:p>
+            <a:r>
+              <a:rPr lang="en-US" dirty="0"/>
+              <a:t>Portland Metro Population (Erica)</a:t>
+            </a:r>
+          </a:p>
+        </p:txBody>
+      </p:sp>
+      <p:sp>
+        <p:nvSpPr>
+          <p:cNvPr id="4" name="Slide Number Placeholder 3"/>
+          <p:cNvSpPr>
+            <a:spLocks noGrp="1"/>
+          </p:cNvSpPr>
+          <p:nvPr>
+            <p:ph type="sldNum" sz="quarter" idx="5"/>
+          </p:nvPr>
+        </p:nvSpPr>
+        <p:spPr/>
+        <p:txBody>
+          <a:bodyPr/>
+          <a:lstStyle/>
+          <a:p>
+            <a:fld id="{4DF9C49E-566E-4C32-9550-3CFB77E325AD}" type="slidenum">
+              <a:rPr lang="en-US" smtClean="0"/>
+              <a:t>7</a:t>
+            </a:fld>
+            <a:endParaRPr lang="en-US"/>
+          </a:p>
+        </p:txBody>
+      </p:sp>
+    </p:spTree>
+    <p:extLst>
+      <p:ext uri="{BB962C8B-B14F-4D97-AF65-F5344CB8AC3E}">
+        <p14:creationId xmlns:p14="http://schemas.microsoft.com/office/powerpoint/2010/main" val="680565019"/>
+      </p:ext>
+    </p:extLst>
+  </p:cSld>
+  <p:clrMapOvr>
+    <a:masterClrMapping/>
+  </p:clrMapOvr>
+</p:notes>
+</file>
+
+<file path=ppt/notesSlides/notesSlide7.xml><?xml version="1.0" encoding="utf-8"?>
+<p:notes xmlns:a="http://schemas.openxmlformats.org/drawingml/2006/main" xmlns:r="http://schemas.openxmlformats.org/officeDocument/2006/relationships" xmlns:p="http://schemas.openxmlformats.org/presentationml/2006/main">
+  <p:cSld>
+    <p:spTree>
+      <p:nvGrpSpPr>
+        <p:cNvPr id="1" name=""/>
+        <p:cNvGrpSpPr/>
+        <p:nvPr/>
+      </p:nvGrpSpPr>
+      <p:grpSpPr>
+        <a:xfrm>
+          <a:off x="0" y="0"/>
+          <a:ext cx="0" cy="0"/>
+          <a:chOff x="0" y="0"/>
+          <a:chExt cx="0" cy="0"/>
+        </a:xfrm>
+      </p:grpSpPr>
+      <p:sp>
+        <p:nvSpPr>
+          <p:cNvPr id="2" name="Slide Image Placeholder 1"/>
+          <p:cNvSpPr>
+            <a:spLocks noGrp="1" noRot="1" noChangeAspect="1"/>
+          </p:cNvSpPr>
+          <p:nvPr>
+            <p:ph type="sldImg"/>
+          </p:nvPr>
+        </p:nvSpPr>
+        <p:spPr/>
+      </p:sp>
+      <p:sp>
+        <p:nvSpPr>
+          <p:cNvPr id="3" name="Notes Placeholder 2"/>
+          <p:cNvSpPr>
+            <a:spLocks noGrp="1"/>
+          </p:cNvSpPr>
+          <p:nvPr>
+            <p:ph type="body" idx="1"/>
+          </p:nvPr>
+        </p:nvSpPr>
+        <p:spPr/>
+        <p:txBody>
+          <a:bodyPr/>
+          <a:lstStyle/>
+          <a:p>
+            <a:r>
+              <a:rPr lang="en-US" dirty="0"/>
+              <a:t>In all, we would have liked to have more time to research available data for plausible causes to the chinook salmon decline.</a:t>
+            </a:r>
+          </a:p>
+          <a:p>
+            <a:r>
+              <a:rPr lang="en-US" dirty="0"/>
+              <a:t>In consideration for future study, we would recommend comparisons to other dams in different states that the spring chinook salmon populate. We would also like to look into market trends for commercial use of salmon.</a:t>
+            </a:r>
+          </a:p>
+          <a:p>
+            <a:endParaRPr lang="en-US" dirty="0"/>
+          </a:p>
+        </p:txBody>
+      </p:sp>
+      <p:sp>
+        <p:nvSpPr>
+          <p:cNvPr id="4" name="Slide Number Placeholder 3"/>
+          <p:cNvSpPr>
+            <a:spLocks noGrp="1"/>
+          </p:cNvSpPr>
+          <p:nvPr>
+            <p:ph type="sldNum" sz="quarter" idx="5"/>
+          </p:nvPr>
+        </p:nvSpPr>
+        <p:spPr/>
+        <p:txBody>
+          <a:bodyPr/>
+          <a:lstStyle/>
+          <a:p>
+            <a:fld id="{4DF9C49E-566E-4C32-9550-3CFB77E325AD}" type="slidenum">
+              <a:rPr lang="en-US" smtClean="0"/>
+              <a:t>8</a:t>
+            </a:fld>
+            <a:endParaRPr lang="en-US"/>
+          </a:p>
+        </p:txBody>
+      </p:sp>
+    </p:spTree>
+    <p:extLst>
+      <p:ext uri="{BB962C8B-B14F-4D97-AF65-F5344CB8AC3E}">
+        <p14:creationId xmlns:p14="http://schemas.microsoft.com/office/powerpoint/2010/main" val="982507536"/>
       </p:ext>
     </p:extLst>
   </p:cSld>
@@ -1062,7 +1623,7 @@
             <a:fld id="{5586B75A-687E-405C-8A0B-8D00578BA2C3}" type="datetimeFigureOut">
               <a:rPr lang="en-US" dirty="0"/>
               <a:pPr/>
-              <a:t>11/7/2020</a:t>
+              <a:t>11/8/2020</a:t>
             </a:fld>
             <a:endParaRPr lang="en-US" dirty="0"/>
           </a:p>
@@ -1229,7 +1790,7 @@
             <a:fld id="{5586B75A-687E-405C-8A0B-8D00578BA2C3}" type="datetimeFigureOut">
               <a:rPr lang="en-US" dirty="0"/>
               <a:pPr/>
-              <a:t>11/7/2020</a:t>
+              <a:t>11/8/2020</a:t>
             </a:fld>
             <a:endParaRPr lang="en-US" dirty="0"/>
           </a:p>
@@ -1406,7 +1967,7 @@
             <a:fld id="{5586B75A-687E-405C-8A0B-8D00578BA2C3}" type="datetimeFigureOut">
               <a:rPr lang="en-US" dirty="0"/>
               <a:pPr/>
-              <a:t>11/7/2020</a:t>
+              <a:t>11/8/2020</a:t>
             </a:fld>
             <a:endParaRPr lang="en-US" dirty="0"/>
           </a:p>
@@ -1573,7 +2134,7 @@
             <a:fld id="{5586B75A-687E-405C-8A0B-8D00578BA2C3}" type="datetimeFigureOut">
               <a:rPr lang="en-US" dirty="0"/>
               <a:pPr/>
-              <a:t>11/7/2020</a:t>
+              <a:t>11/8/2020</a:t>
             </a:fld>
             <a:endParaRPr lang="en-US" dirty="0"/>
           </a:p>
@@ -1824,7 +2385,7 @@
             <a:fld id="{5586B75A-687E-405C-8A0B-8D00578BA2C3}" type="datetimeFigureOut">
               <a:rPr lang="en-US" dirty="0"/>
               <a:pPr/>
-              <a:t>11/7/2020</a:t>
+              <a:t>11/8/2020</a:t>
             </a:fld>
             <a:endParaRPr lang="en-US" dirty="0"/>
           </a:p>
@@ -2109,7 +2670,7 @@
             <a:fld id="{5586B75A-687E-405C-8A0B-8D00578BA2C3}" type="datetimeFigureOut">
               <a:rPr lang="en-US" dirty="0"/>
               <a:pPr/>
-              <a:t>11/7/2020</a:t>
+              <a:t>11/8/2020</a:t>
             </a:fld>
             <a:endParaRPr lang="en-US" dirty="0"/>
           </a:p>
@@ -2548,7 +3109,7 @@
             <a:fld id="{5586B75A-687E-405C-8A0B-8D00578BA2C3}" type="datetimeFigureOut">
               <a:rPr lang="en-US" dirty="0"/>
               <a:pPr/>
-              <a:t>11/7/2020</a:t>
+              <a:t>11/8/2020</a:t>
             </a:fld>
             <a:endParaRPr lang="en-US" dirty="0"/>
           </a:p>
@@ -2663,7 +3224,7 @@
             <a:fld id="{5586B75A-687E-405C-8A0B-8D00578BA2C3}" type="datetimeFigureOut">
               <a:rPr lang="en-US" dirty="0"/>
               <a:pPr/>
-              <a:t>11/7/2020</a:t>
+              <a:t>11/8/2020</a:t>
             </a:fld>
             <a:endParaRPr lang="en-US" dirty="0"/>
           </a:p>
@@ -2755,7 +3316,7 @@
             <a:fld id="{5586B75A-687E-405C-8A0B-8D00578BA2C3}" type="datetimeFigureOut">
               <a:rPr lang="en-US" dirty="0"/>
               <a:pPr/>
-              <a:t>11/7/2020</a:t>
+              <a:t>11/8/2020</a:t>
             </a:fld>
             <a:endParaRPr lang="en-US" dirty="0"/>
           </a:p>
@@ -3040,7 +3601,7 @@
             <a:fld id="{5586B75A-687E-405C-8A0B-8D00578BA2C3}" type="datetimeFigureOut">
               <a:rPr lang="en-US" dirty="0"/>
               <a:pPr/>
-              <a:t>11/7/2020</a:t>
+              <a:t>11/8/2020</a:t>
             </a:fld>
             <a:endParaRPr lang="en-US" dirty="0"/>
           </a:p>
@@ -3310,7 +3871,7 @@
             <a:fld id="{5586B75A-687E-405C-8A0B-8D00578BA2C3}" type="datetimeFigureOut">
               <a:rPr lang="en-US" dirty="0"/>
               <a:pPr/>
-              <a:t>11/7/2020</a:t>
+              <a:t>11/8/2020</a:t>
             </a:fld>
             <a:endParaRPr lang="en-US" dirty="0"/>
           </a:p>
@@ -3604,7 +4165,7 @@
             <a:fld id="{5586B75A-687E-405C-8A0B-8D00578BA2C3}" type="datetimeFigureOut">
               <a:rPr lang="en-US" dirty="0"/>
               <a:pPr/>
-              <a:t>11/7/2020</a:t>
+              <a:t>11/8/2020</a:t>
             </a:fld>
             <a:endParaRPr lang="en-US" dirty="0"/>
           </a:p>
@@ -4134,7 +4695,7 @@
           <a:p>
             <a:r>
               <a:rPr lang="en-US" dirty="0"/>
-              <a:t>Jenny Kaylor, Josh Williams, Jay Hastings, Erica , and Courtney Muhlbach</a:t>
+              <a:t>Jenny Kaylor, Josh Williams, Jay Hastings, Erica Fisher , and Courtney Muhlbach</a:t>
             </a:r>
           </a:p>
         </p:txBody>
@@ -4143,395 +4704,6 @@
     <p:extLst>
       <p:ext uri="{BB962C8B-B14F-4D97-AF65-F5344CB8AC3E}">
         <p14:creationId xmlns:p14="http://schemas.microsoft.com/office/powerpoint/2010/main" val="2850431510"/>
-      </p:ext>
-    </p:extLst>
-  </p:cSld>
-  <p:clrMapOvr>
-    <a:masterClrMapping/>
-  </p:clrMapOvr>
-</p:sld>
-</file>
-
-<file path=ppt/slides/slide10.xml><?xml version="1.0" encoding="utf-8"?>
-<p:sld xmlns:a="http://schemas.openxmlformats.org/drawingml/2006/main" xmlns:r="http://schemas.openxmlformats.org/officeDocument/2006/relationships" xmlns:p="http://schemas.openxmlformats.org/presentationml/2006/main">
-  <p:cSld>
-    <p:bg>
-      <p:bgPr>
-        <a:solidFill>
-          <a:schemeClr val="bg1"/>
-        </a:solidFill>
-        <a:effectLst/>
-      </p:bgPr>
-    </p:bg>
-    <p:spTree>
-      <p:nvGrpSpPr>
-        <p:cNvPr id="1" name=""/>
-        <p:cNvGrpSpPr/>
-        <p:nvPr/>
-      </p:nvGrpSpPr>
-      <p:grpSpPr>
-        <a:xfrm>
-          <a:off x="0" y="0"/>
-          <a:ext cx="0" cy="0"/>
-          <a:chOff x="0" y="0"/>
-          <a:chExt cx="0" cy="0"/>
-        </a:xfrm>
-      </p:grpSpPr>
-      <p:sp>
-        <p:nvSpPr>
-          <p:cNvPr id="21" name="Rectangle 20">
-            <a:extLst>
-              <a:ext uri="{FF2B5EF4-FFF2-40B4-BE49-F238E27FC236}">
-                <a16:creationId xmlns:a16="http://schemas.microsoft.com/office/drawing/2014/main" id="{46D56025-432C-47A6-AE3E-5E57DF3E0B0B}"/>
-              </a:ext>
-              <a:ext uri="{C183D7F6-B498-43B3-948B-1728B52AA6E4}">
-                <adec:decorative xmlns:adec="http://schemas.microsoft.com/office/drawing/2017/decorative" val="1"/>
-              </a:ext>
-            </a:extLst>
-          </p:cNvPr>
-          <p:cNvSpPr>
-            <a:spLocks noGrp="1" noRot="1" noChangeAspect="1" noMove="1" noResize="1" noEditPoints="1" noAdjustHandles="1" noChangeArrowheads="1" noChangeShapeType="1" noTextEdit="1"/>
-          </p:cNvSpPr>
-          <p:nvPr>
-            <p:extLst>
-              <p:ext uri="{386F3935-93C4-4BCD-93E2-E3B085C9AB24}">
-                <p16:designElem xmlns:p16="http://schemas.microsoft.com/office/powerpoint/2015/main" val="1"/>
-              </p:ext>
-            </p:extLst>
-          </p:nvPr>
-        </p:nvSpPr>
-        <p:spPr>
-          <a:xfrm>
-            <a:off x="0" y="761999"/>
-            <a:ext cx="9141619" cy="5334001"/>
-          </a:xfrm>
-          <a:prstGeom prst="rect">
-            <a:avLst/>
-          </a:prstGeom>
-          <a:solidFill>
-            <a:schemeClr val="accent1"/>
-          </a:solidFill>
-          <a:ln>
-            <a:noFill/>
-          </a:ln>
-        </p:spPr>
-        <p:style>
-          <a:lnRef idx="2">
-            <a:schemeClr val="accent1">
-              <a:shade val="50000"/>
-            </a:schemeClr>
-          </a:lnRef>
-          <a:fillRef idx="1">
-            <a:schemeClr val="accent1"/>
-          </a:fillRef>
-          <a:effectRef idx="0">
-            <a:schemeClr val="accent1"/>
-          </a:effectRef>
-          <a:fontRef idx="minor">
-            <a:schemeClr val="lt1"/>
-          </a:fontRef>
-        </p:style>
-      </p:sp>
-      <p:sp>
-        <p:nvSpPr>
-          <p:cNvPr id="23" name="Rectangle 22">
-            <a:extLst>
-              <a:ext uri="{FF2B5EF4-FFF2-40B4-BE49-F238E27FC236}">
-                <a16:creationId xmlns:a16="http://schemas.microsoft.com/office/drawing/2014/main" id="{72D1A8B8-7523-49FA-B7DD-AE0B2271C7F9}"/>
-              </a:ext>
-              <a:ext uri="{C183D7F6-B498-43B3-948B-1728B52AA6E4}">
-                <adec:decorative xmlns:adec="http://schemas.microsoft.com/office/drawing/2017/decorative" val="1"/>
-              </a:ext>
-            </a:extLst>
-          </p:cNvPr>
-          <p:cNvSpPr>
-            <a:spLocks noGrp="1" noRot="1" noChangeAspect="1" noMove="1" noResize="1" noEditPoints="1" noAdjustHandles="1" noChangeArrowheads="1" noChangeShapeType="1" noTextEdit="1"/>
-          </p:cNvSpPr>
-          <p:nvPr>
-            <p:extLst>
-              <p:ext uri="{386F3935-93C4-4BCD-93E2-E3B085C9AB24}">
-                <p16:designElem xmlns:p16="http://schemas.microsoft.com/office/powerpoint/2015/main" val="1"/>
-              </p:ext>
-            </p:extLst>
-          </p:nvPr>
-        </p:nvSpPr>
-        <p:spPr>
-          <a:xfrm>
-            <a:off x="9270263" y="761999"/>
-            <a:ext cx="2925318" cy="5334001"/>
-          </a:xfrm>
-          <a:prstGeom prst="rect">
-            <a:avLst/>
-          </a:prstGeom>
-          <a:solidFill>
-            <a:srgbClr val="C8C8C8">
-              <a:alpha val="50000"/>
-            </a:srgbClr>
-          </a:solidFill>
-          <a:ln>
-            <a:noFill/>
-          </a:ln>
-        </p:spPr>
-        <p:style>
-          <a:lnRef idx="2">
-            <a:schemeClr val="accent1">
-              <a:shade val="50000"/>
-            </a:schemeClr>
-          </a:lnRef>
-          <a:fillRef idx="1">
-            <a:schemeClr val="accent1"/>
-          </a:fillRef>
-          <a:effectRef idx="0">
-            <a:schemeClr val="accent1"/>
-          </a:effectRef>
-          <a:fontRef idx="minor">
-            <a:schemeClr val="lt1"/>
-          </a:fontRef>
-        </p:style>
-      </p:sp>
-      <p:sp useBgFill="1">
-        <p:nvSpPr>
-          <p:cNvPr id="25" name="Rectangle 24">
-            <a:extLst>
-              <a:ext uri="{FF2B5EF4-FFF2-40B4-BE49-F238E27FC236}">
-                <a16:creationId xmlns:a16="http://schemas.microsoft.com/office/drawing/2014/main" id="{6A0CEB20-2839-496C-922D-A386524F398B}"/>
-              </a:ext>
-              <a:ext uri="{C183D7F6-B498-43B3-948B-1728B52AA6E4}">
-                <adec:decorative xmlns:adec="http://schemas.microsoft.com/office/drawing/2017/decorative" val="1"/>
-              </a:ext>
-            </a:extLst>
-          </p:cNvPr>
-          <p:cNvSpPr>
-            <a:spLocks noGrp="1" noRot="1" noChangeAspect="1" noMove="1" noResize="1" noEditPoints="1" noAdjustHandles="1" noChangeArrowheads="1" noChangeShapeType="1" noTextEdit="1"/>
-          </p:cNvSpPr>
-          <p:nvPr>
-            <p:extLst>
-              <p:ext uri="{386F3935-93C4-4BCD-93E2-E3B085C9AB24}">
-                <p16:designElem xmlns:p16="http://schemas.microsoft.com/office/powerpoint/2015/main" val="1"/>
-              </p:ext>
-            </p:extLst>
-          </p:nvPr>
-        </p:nvSpPr>
-        <p:spPr>
-          <a:xfrm>
-            <a:off x="0" y="0"/>
-            <a:ext cx="12191999" cy="6858000"/>
-          </a:xfrm>
-          <a:prstGeom prst="rect">
-            <a:avLst/>
-          </a:prstGeom>
-          <a:ln>
-            <a:noFill/>
-          </a:ln>
-        </p:spPr>
-        <p:style>
-          <a:lnRef idx="2">
-            <a:schemeClr val="accent1">
-              <a:shade val="50000"/>
-            </a:schemeClr>
-          </a:lnRef>
-          <a:fillRef idx="1">
-            <a:schemeClr val="accent1"/>
-          </a:fillRef>
-          <a:effectRef idx="0">
-            <a:schemeClr val="accent1"/>
-          </a:effectRef>
-          <a:fontRef idx="minor">
-            <a:schemeClr val="lt1"/>
-          </a:fontRef>
-        </p:style>
-        <p:txBody>
-          <a:bodyPr rtlCol="0" anchor="ctr"/>
-          <a:lstStyle/>
-          <a:p>
-            <a:pPr algn="ctr"/>
-            <a:endParaRPr lang="en-US"/>
-          </a:p>
-        </p:txBody>
-      </p:sp>
-      <p:sp>
-        <p:nvSpPr>
-          <p:cNvPr id="27" name="Rectangle 26">
-            <a:extLst>
-              <a:ext uri="{FF2B5EF4-FFF2-40B4-BE49-F238E27FC236}">
-                <a16:creationId xmlns:a16="http://schemas.microsoft.com/office/drawing/2014/main" id="{4EE33FA5-2378-4F59-8611-CE0F9CA505A9}"/>
-              </a:ext>
-              <a:ext uri="{C183D7F6-B498-43B3-948B-1728B52AA6E4}">
-                <adec:decorative xmlns:adec="http://schemas.microsoft.com/office/drawing/2017/decorative" val="1"/>
-              </a:ext>
-            </a:extLst>
-          </p:cNvPr>
-          <p:cNvSpPr>
-            <a:spLocks noGrp="1" noRot="1" noChangeAspect="1" noMove="1" noResize="1" noEditPoints="1" noAdjustHandles="1" noChangeArrowheads="1" noChangeShapeType="1" noTextEdit="1"/>
-          </p:cNvSpPr>
-          <p:nvPr>
-            <p:extLst>
-              <p:ext uri="{386F3935-93C4-4BCD-93E2-E3B085C9AB24}">
-                <p16:designElem xmlns:p16="http://schemas.microsoft.com/office/powerpoint/2015/main" val="1"/>
-              </p:ext>
-            </p:extLst>
-          </p:nvPr>
-        </p:nvSpPr>
-        <p:spPr>
-          <a:xfrm>
-            <a:off x="1" y="761999"/>
-            <a:ext cx="4642228" cy="5334001"/>
-          </a:xfrm>
-          <a:prstGeom prst="rect">
-            <a:avLst/>
-          </a:prstGeom>
-          <a:solidFill>
-            <a:schemeClr val="accent1"/>
-          </a:solidFill>
-          <a:ln>
-            <a:noFill/>
-          </a:ln>
-        </p:spPr>
-        <p:style>
-          <a:lnRef idx="2">
-            <a:schemeClr val="accent1">
-              <a:shade val="50000"/>
-            </a:schemeClr>
-          </a:lnRef>
-          <a:fillRef idx="1">
-            <a:schemeClr val="accent1"/>
-          </a:fillRef>
-          <a:effectRef idx="0">
-            <a:schemeClr val="accent1"/>
-          </a:effectRef>
-          <a:fontRef idx="minor">
-            <a:schemeClr val="lt1"/>
-          </a:fontRef>
-        </p:style>
-      </p:sp>
-      <p:sp>
-        <p:nvSpPr>
-          <p:cNvPr id="2" name="Title 1">
-            <a:extLst>
-              <a:ext uri="{FF2B5EF4-FFF2-40B4-BE49-F238E27FC236}">
-                <a16:creationId xmlns:a16="http://schemas.microsoft.com/office/drawing/2014/main" id="{85B1DE85-D73C-4DAE-96DA-55909B9C6F98}"/>
-              </a:ext>
-            </a:extLst>
-          </p:cNvPr>
-          <p:cNvSpPr>
-            <a:spLocks noGrp="1"/>
-          </p:cNvSpPr>
-          <p:nvPr>
-            <p:ph type="title"/>
-          </p:nvPr>
-        </p:nvSpPr>
-        <p:spPr>
-          <a:xfrm>
-            <a:off x="1069849" y="1298448"/>
-            <a:ext cx="3258688" cy="3255264"/>
-          </a:xfrm>
-        </p:spPr>
-        <p:txBody>
-          <a:bodyPr vert="horz" lIns="91440" tIns="45720" rIns="91440" bIns="45720" rtlCol="0" anchor="b">
-            <a:normAutofit/>
-          </a:bodyPr>
-          <a:lstStyle/>
-          <a:p>
-            <a:r>
-              <a:rPr lang="en-US" sz="5000" spc="-100"/>
-              <a:t>Questions?</a:t>
-            </a:r>
-          </a:p>
-        </p:txBody>
-      </p:sp>
-      <p:pic>
-        <p:nvPicPr>
-          <p:cNvPr id="8" name="Content Placeholder 7">
-            <a:extLst>
-              <a:ext uri="{FF2B5EF4-FFF2-40B4-BE49-F238E27FC236}">
-                <a16:creationId xmlns:a16="http://schemas.microsoft.com/office/drawing/2014/main" id="{567A3CAF-EBA8-40BE-AAA1-A740E6D3469F}"/>
-              </a:ext>
-            </a:extLst>
-          </p:cNvPr>
-          <p:cNvPicPr>
-            <a:picLocks noGrp="1" noChangeAspect="1"/>
-          </p:cNvPicPr>
-          <p:nvPr>
-            <p:ph sz="half" idx="2"/>
-          </p:nvPr>
-        </p:nvPicPr>
-        <p:blipFill>
-          <a:blip r:embed="rId2"/>
-          <a:stretch>
-            <a:fillRect/>
-          </a:stretch>
-        </p:blipFill>
-        <p:spPr>
-          <a:xfrm>
-            <a:off x="6529931" y="759599"/>
-            <a:ext cx="3548689" cy="5330650"/>
-          </a:xfrm>
-          <a:prstGeom prst="rect">
-            <a:avLst/>
-          </a:prstGeom>
-        </p:spPr>
-      </p:pic>
-      <p:sp>
-        <p:nvSpPr>
-          <p:cNvPr id="29" name="Rectangle 28">
-            <a:extLst>
-              <a:ext uri="{FF2B5EF4-FFF2-40B4-BE49-F238E27FC236}">
-                <a16:creationId xmlns:a16="http://schemas.microsoft.com/office/drawing/2014/main" id="{1C368AEB-D83A-432D-818C-3575285B69C7}"/>
-              </a:ext>
-              <a:ext uri="{C183D7F6-B498-43B3-948B-1728B52AA6E4}">
-                <adec:decorative xmlns:adec="http://schemas.microsoft.com/office/drawing/2017/decorative" val="1"/>
-              </a:ext>
-            </a:extLst>
-          </p:cNvPr>
-          <p:cNvSpPr>
-            <a:spLocks noGrp="1" noRot="1" noChangeAspect="1" noMove="1" noResize="1" noEditPoints="1" noAdjustHandles="1" noChangeArrowheads="1" noChangeShapeType="1" noTextEdit="1"/>
-          </p:cNvSpPr>
-          <p:nvPr>
-            <p:extLst>
-              <p:ext uri="{386F3935-93C4-4BCD-93E2-E3B085C9AB24}">
-                <p16:designElem xmlns:p16="http://schemas.microsoft.com/office/powerpoint/2015/main" val="1"/>
-              </p:ext>
-            </p:extLst>
-          </p:nvPr>
-        </p:nvSpPr>
-        <p:spPr>
-          <a:xfrm>
-            <a:off x="11815864" y="758952"/>
-            <a:ext cx="384048" cy="5330952"/>
-          </a:xfrm>
-          <a:prstGeom prst="rect">
-            <a:avLst/>
-          </a:prstGeom>
-          <a:solidFill>
-            <a:srgbClr val="C8C8C8">
-              <a:alpha val="49804"/>
-            </a:srgbClr>
-          </a:solidFill>
-          <a:ln>
-            <a:noFill/>
-          </a:ln>
-        </p:spPr>
-        <p:style>
-          <a:lnRef idx="2">
-            <a:schemeClr val="accent1">
-              <a:shade val="50000"/>
-            </a:schemeClr>
-          </a:lnRef>
-          <a:fillRef idx="1">
-            <a:schemeClr val="accent1"/>
-          </a:fillRef>
-          <a:effectRef idx="0">
-            <a:schemeClr val="accent1"/>
-          </a:effectRef>
-          <a:fontRef idx="minor">
-            <a:schemeClr val="lt1"/>
-          </a:fontRef>
-        </p:style>
-      </p:sp>
-    </p:spTree>
-    <p:extLst>
-      <p:ext uri="{BB962C8B-B14F-4D97-AF65-F5344CB8AC3E}">
-        <p14:creationId xmlns:p14="http://schemas.microsoft.com/office/powerpoint/2010/main" val="374684007"/>
       </p:ext>
     </p:extLst>
   </p:cSld>
@@ -4568,10 +4740,10 @@
       </p:grpSpPr>
       <p:sp>
         <p:nvSpPr>
-          <p:cNvPr id="34" name="Rectangle 23">
+          <p:cNvPr id="12" name="Rectangle 11">
             <a:extLst>
               <a:ext uri="{FF2B5EF4-FFF2-40B4-BE49-F238E27FC236}">
-                <a16:creationId xmlns:a16="http://schemas.microsoft.com/office/drawing/2014/main" id="{46D56025-432C-47A6-AE3E-5E57DF3E0B0B}"/>
+                <a16:creationId xmlns:a16="http://schemas.microsoft.com/office/drawing/2014/main" id="{949535B8-4DCF-4E8F-87FF-E58E9DAED312}"/>
               </a:ext>
               <a:ext uri="{C183D7F6-B498-43B3-948B-1728B52AA6E4}">
                 <adec:decorative xmlns:adec="http://schemas.microsoft.com/office/drawing/2017/decorative" val="1"/>
@@ -4591,8 +4763,8 @@
         </p:nvSpPr>
         <p:spPr>
           <a:xfrm>
-            <a:off x="0" y="761999"/>
-            <a:ext cx="9141619" cy="5334001"/>
+            <a:off x="1" y="758952"/>
+            <a:ext cx="3443590" cy="5330952"/>
           </a:xfrm>
           <a:prstGeom prst="rect">
             <a:avLst/>
@@ -4623,10 +4795,10 @@
       </p:sp>
       <p:sp>
         <p:nvSpPr>
-          <p:cNvPr id="35" name="Rectangle 25">
+          <p:cNvPr id="14" name="Rectangle 13">
             <a:extLst>
               <a:ext uri="{FF2B5EF4-FFF2-40B4-BE49-F238E27FC236}">
-                <a16:creationId xmlns:a16="http://schemas.microsoft.com/office/drawing/2014/main" id="{72D1A8B8-7523-49FA-B7DD-AE0B2271C7F9}"/>
+                <a16:creationId xmlns:a16="http://schemas.microsoft.com/office/drawing/2014/main" id="{D30461F7-251F-45DA-9BB7-200A37354E4C}"/>
               </a:ext>
               <a:ext uri="{C183D7F6-B498-43B3-948B-1728B52AA6E4}">
                 <adec:decorative xmlns:adec="http://schemas.microsoft.com/office/drawing/2017/decorative" val="1"/>
@@ -4646,15 +4818,15 @@
         </p:nvSpPr>
         <p:spPr>
           <a:xfrm>
-            <a:off x="9270263" y="761999"/>
-            <a:ext cx="2925318" cy="5334001"/>
+            <a:off x="11815864" y="758952"/>
+            <a:ext cx="384048" cy="5330952"/>
           </a:xfrm>
           <a:prstGeom prst="rect">
             <a:avLst/>
           </a:prstGeom>
           <a:solidFill>
             <a:srgbClr val="C8C8C8">
-              <a:alpha val="50000"/>
+              <a:alpha val="49804"/>
             </a:srgbClr>
           </a:solidFill>
           <a:ln>
@@ -4680,10 +4852,10 @@
       </p:sp>
       <p:sp useBgFill="1">
         <p:nvSpPr>
-          <p:cNvPr id="36" name="Rectangle 27">
+          <p:cNvPr id="16" name="Rectangle 15">
             <a:extLst>
               <a:ext uri="{FF2B5EF4-FFF2-40B4-BE49-F238E27FC236}">
-                <a16:creationId xmlns:a16="http://schemas.microsoft.com/office/drawing/2014/main" id="{6A0CEB20-2839-496C-922D-A386524F398B}"/>
+                <a16:creationId xmlns:a16="http://schemas.microsoft.com/office/drawing/2014/main" id="{EA992460-7FA3-40FE-A958-BCD1981B96FB}"/>
               </a:ext>
               <a:ext uri="{C183D7F6-B498-43B3-948B-1728B52AA6E4}">
                 <adec:decorative xmlns:adec="http://schemas.microsoft.com/office/drawing/2017/decorative" val="1"/>
@@ -4740,10 +4912,10 @@
       </p:sp>
       <p:sp>
         <p:nvSpPr>
-          <p:cNvPr id="37" name="Rectangle 29">
+          <p:cNvPr id="18" name="Rectangle 17">
             <a:extLst>
               <a:ext uri="{FF2B5EF4-FFF2-40B4-BE49-F238E27FC236}">
-                <a16:creationId xmlns:a16="http://schemas.microsoft.com/office/drawing/2014/main" id="{4EE33FA5-2378-4F59-8611-CE0F9CA505A9}"/>
+                <a16:creationId xmlns:a16="http://schemas.microsoft.com/office/drawing/2014/main" id="{ADF57D5B-380D-48E9-8DAD-DD500FE80A01}"/>
               </a:ext>
               <a:ext uri="{C183D7F6-B498-43B3-948B-1728B52AA6E4}">
                 <adec:decorative xmlns:adec="http://schemas.microsoft.com/office/drawing/2017/decorative" val="1"/>
@@ -4798,7 +4970,7 @@
           <p:cNvPr id="2" name="Title 1">
             <a:extLst>
               <a:ext uri="{FF2B5EF4-FFF2-40B4-BE49-F238E27FC236}">
-                <a16:creationId xmlns:a16="http://schemas.microsoft.com/office/drawing/2014/main" id="{1A684DD4-8C0D-4C52-BCD6-A0D9B7760BBE}"/>
+                <a16:creationId xmlns:a16="http://schemas.microsoft.com/office/drawing/2014/main" id="{0C4C247B-E062-47BF-AB2C-AA959242E9CD}"/>
               </a:ext>
             </a:extLst>
           </p:cNvPr>
@@ -4811,19 +4983,19 @@
         </p:nvSpPr>
         <p:spPr>
           <a:xfrm>
-            <a:off x="1069849" y="1298448"/>
-            <a:ext cx="3258688" cy="3255264"/>
-          </a:xfrm>
-        </p:spPr>
-        <p:txBody>
-          <a:bodyPr vert="horz" lIns="91440" tIns="45720" rIns="91440" bIns="45720" rtlCol="0" anchor="b">
+            <a:off x="289249" y="1123837"/>
+            <a:ext cx="4016116" cy="1255469"/>
+          </a:xfrm>
+        </p:spPr>
+        <p:txBody>
+          <a:bodyPr vert="horz" lIns="91440" tIns="45720" rIns="91440" bIns="45720" rtlCol="0" anchor="ctr">
             <a:normAutofit/>
           </a:bodyPr>
           <a:lstStyle/>
           <a:p>
             <a:r>
-              <a:rPr lang="en-US" sz="5000" spc="-100"/>
-              <a:t>Hypothesis</a:t>
+              <a:rPr lang="en-US" sz="4000" dirty="0"/>
+              <a:t>Background</a:t>
             </a:r>
           </a:p>
         </p:txBody>
@@ -4833,7 +5005,7 @@
           <p:cNvPr id="3" name="Content Placeholder 2">
             <a:extLst>
               <a:ext uri="{FF2B5EF4-FFF2-40B4-BE49-F238E27FC236}">
-                <a16:creationId xmlns:a16="http://schemas.microsoft.com/office/drawing/2014/main" id="{2AE73522-E46F-44D6-832F-CB9A9EDE0637}"/>
+                <a16:creationId xmlns:a16="http://schemas.microsoft.com/office/drawing/2014/main" id="{0D0AF1F9-641C-4680-AAA9-8C639999A1EA}"/>
               </a:ext>
             </a:extLst>
           </p:cNvPr>
@@ -4841,74 +5013,85 @@
             <a:spLocks noGrp="1"/>
           </p:cNvSpPr>
           <p:nvPr>
-            <p:ph idx="1"/>
-          </p:nvPr>
-        </p:nvSpPr>
-        <p:spPr>
-          <a:xfrm>
-            <a:off x="1100015" y="4670246"/>
-            <a:ext cx="3228521" cy="914400"/>
+            <p:ph sz="half" idx="1"/>
+          </p:nvPr>
+        </p:nvSpPr>
+        <p:spPr>
+          <a:xfrm>
+            <a:off x="289249" y="2510395"/>
+            <a:ext cx="4016116" cy="3274586"/>
           </a:xfrm>
         </p:spPr>
         <p:txBody>
           <a:bodyPr vert="horz" lIns="91440" tIns="45720" rIns="91440" bIns="45720" rtlCol="0" anchor="t">
-            <a:normAutofit fontScale="92500" lnSpcReduction="10000"/>
+            <a:normAutofit/>
           </a:bodyPr>
           <a:lstStyle/>
           <a:p>
-            <a:pPr marL="0" indent="0">
-              <a:buNone/>
-            </a:pPr>
-            <a:r>
-              <a:rPr lang="en-US" sz="2400" dirty="0">
+            <a:r>
+              <a:rPr lang="en-US" sz="2800" b="1" dirty="0">
                 <a:solidFill>
-                  <a:schemeClr val="bg2">
-                    <a:lumMod val="20000"/>
-                    <a:lumOff val="80000"/>
-                  </a:schemeClr>
+                  <a:srgbClr val="FFFFFF"/>
                 </a:solidFill>
               </a:rPr>
-              <a:t>Does pollution have an affect on the salmon population?</a:t>
-            </a:r>
-          </a:p>
-        </p:txBody>
-      </p:sp>
-      <p:pic>
-        <p:nvPicPr>
-          <p:cNvPr id="5" name="Picture 4">
+              <a:t>Salmon</a:t>
+            </a:r>
+          </a:p>
+          <a:p>
+            <a:r>
+              <a:rPr lang="en-US" sz="2800" b="1" dirty="0">
+                <a:solidFill>
+                  <a:srgbClr val="FFFFFF"/>
+                </a:solidFill>
+              </a:rPr>
+              <a:t>Rivers</a:t>
+            </a:r>
+          </a:p>
+          <a:p>
+            <a:r>
+              <a:rPr lang="en-US" sz="2800" b="1" dirty="0">
+                <a:solidFill>
+                  <a:srgbClr val="FFFFFF"/>
+                </a:solidFill>
+              </a:rPr>
+              <a:t>Cities</a:t>
+            </a:r>
+          </a:p>
+          <a:p>
+            <a:r>
+              <a:rPr lang="en-US" sz="2800" b="1" dirty="0">
+                <a:solidFill>
+                  <a:srgbClr val="FFFFFF"/>
+                </a:solidFill>
+              </a:rPr>
+              <a:t>Dams</a:t>
+            </a:r>
+          </a:p>
+          <a:p>
+            <a:r>
+              <a:rPr lang="en-US" sz="2800" b="1" dirty="0">
+                <a:solidFill>
+                  <a:srgbClr val="FFFFFF"/>
+                </a:solidFill>
+              </a:rPr>
+              <a:t>Oh My!</a:t>
+            </a:r>
+          </a:p>
+          <a:p>
+            <a:endParaRPr lang="en-US" sz="1800" dirty="0">
+              <a:solidFill>
+                <a:srgbClr val="FFFFFF"/>
+              </a:solidFill>
+            </a:endParaRPr>
+          </a:p>
+        </p:txBody>
+      </p:sp>
+      <p:sp>
+        <p:nvSpPr>
+          <p:cNvPr id="20" name="Rectangle 19">
             <a:extLst>
               <a:ext uri="{FF2B5EF4-FFF2-40B4-BE49-F238E27FC236}">
-                <a16:creationId xmlns:a16="http://schemas.microsoft.com/office/drawing/2014/main" id="{F7E852AA-2BC1-4E03-9002-CAB1154F661A}"/>
-              </a:ext>
-            </a:extLst>
-          </p:cNvPr>
-          <p:cNvPicPr>
-            <a:picLocks noChangeAspect="1"/>
-          </p:cNvPicPr>
-          <p:nvPr/>
-        </p:nvPicPr>
-        <p:blipFill>
-          <a:blip r:embed="rId2"/>
-          <a:stretch>
-            <a:fillRect/>
-          </a:stretch>
-        </p:blipFill>
-        <p:spPr>
-          <a:xfrm>
-            <a:off x="5120640" y="1642088"/>
-            <a:ext cx="6367271" cy="3565671"/>
-          </a:xfrm>
-          <a:prstGeom prst="rect">
-            <a:avLst/>
-          </a:prstGeom>
-        </p:spPr>
-      </p:pic>
-      <p:sp>
-        <p:nvSpPr>
-          <p:cNvPr id="38" name="Rectangle 31">
-            <a:extLst>
-              <a:ext uri="{FF2B5EF4-FFF2-40B4-BE49-F238E27FC236}">
-                <a16:creationId xmlns:a16="http://schemas.microsoft.com/office/drawing/2014/main" id="{1C368AEB-D83A-432D-818C-3575285B69C7}"/>
+                <a16:creationId xmlns:a16="http://schemas.microsoft.com/office/drawing/2014/main" id="{065CC8E5-7727-4F29-A17D-114AF339F7DA}"/>
               </a:ext>
               <a:ext uri="{C183D7F6-B498-43B3-948B-1728B52AA6E4}">
                 <adec:decorative xmlns:adec="http://schemas.microsoft.com/office/drawing/2017/decorative" val="1"/>
@@ -4928,16 +5111,14 @@
         </p:nvSpPr>
         <p:spPr>
           <a:xfrm>
-            <a:off x="11815864" y="758952"/>
-            <a:ext cx="384048" cy="5330952"/>
+            <a:off x="9408840" y="758952"/>
+            <a:ext cx="2079069" cy="2344272"/>
           </a:xfrm>
           <a:prstGeom prst="rect">
             <a:avLst/>
           </a:prstGeom>
           <a:solidFill>
-            <a:srgbClr val="C8C8C8">
-              <a:alpha val="49804"/>
-            </a:srgbClr>
+            <a:schemeClr val="accent1"/>
           </a:solidFill>
           <a:ln>
             <a:noFill/>
@@ -4959,11 +5140,230 @@
             <a:schemeClr val="lt1"/>
           </a:fontRef>
         </p:style>
-      </p:sp>
+        <p:txBody>
+          <a:bodyPr rtlCol="0" anchor="ctr"/>
+          <a:lstStyle/>
+          <a:p>
+            <a:pPr algn="ctr"/>
+            <a:endParaRPr lang="en-US"/>
+          </a:p>
+        </p:txBody>
+      </p:sp>
+      <p:sp>
+        <p:nvSpPr>
+          <p:cNvPr id="22" name="Rectangle 21">
+            <a:extLst>
+              <a:ext uri="{FF2B5EF4-FFF2-40B4-BE49-F238E27FC236}">
+                <a16:creationId xmlns:a16="http://schemas.microsoft.com/office/drawing/2014/main" id="{74600802-151E-4F13-8C35-8D5CEDFF64A4}"/>
+              </a:ext>
+              <a:ext uri="{C183D7F6-B498-43B3-948B-1728B52AA6E4}">
+                <adec:decorative xmlns:adec="http://schemas.microsoft.com/office/drawing/2017/decorative" val="1"/>
+              </a:ext>
+            </a:extLst>
+          </p:cNvPr>
+          <p:cNvSpPr>
+            <a:spLocks noGrp="1" noRot="1" noChangeAspect="1" noMove="1" noResize="1" noEditPoints="1" noAdjustHandles="1" noChangeArrowheads="1" noChangeShapeType="1" noTextEdit="1"/>
+          </p:cNvSpPr>
+          <p:nvPr>
+            <p:extLst>
+              <p:ext uri="{386F3935-93C4-4BCD-93E2-E3B085C9AB24}">
+                <p16:designElem xmlns:p16="http://schemas.microsoft.com/office/powerpoint/2015/main" val="1"/>
+              </p:ext>
+            </p:extLst>
+          </p:nvPr>
+        </p:nvSpPr>
+        <p:spPr>
+          <a:xfrm>
+            <a:off x="5137463" y="4080912"/>
+            <a:ext cx="2157385" cy="2008992"/>
+          </a:xfrm>
+          <a:prstGeom prst="rect">
+            <a:avLst/>
+          </a:prstGeom>
+          <a:solidFill>
+            <a:schemeClr val="tx1">
+              <a:lumMod val="50000"/>
+              <a:lumOff val="50000"/>
+              <a:alpha val="50000"/>
+            </a:schemeClr>
+          </a:solidFill>
+          <a:ln>
+            <a:noFill/>
+          </a:ln>
+        </p:spPr>
+        <p:style>
+          <a:lnRef idx="2">
+            <a:schemeClr val="accent1">
+              <a:shade val="50000"/>
+            </a:schemeClr>
+          </a:lnRef>
+          <a:fillRef idx="1">
+            <a:schemeClr val="accent1"/>
+          </a:fillRef>
+          <a:effectRef idx="0">
+            <a:schemeClr val="accent1"/>
+          </a:effectRef>
+          <a:fontRef idx="minor">
+            <a:schemeClr val="lt1"/>
+          </a:fontRef>
+        </p:style>
+        <p:txBody>
+          <a:bodyPr rtlCol="0" anchor="ctr"/>
+          <a:lstStyle/>
+          <a:p>
+            <a:pPr algn="ctr"/>
+            <a:endParaRPr lang="en-US"/>
+          </a:p>
+        </p:txBody>
+      </p:sp>
+      <p:sp>
+        <p:nvSpPr>
+          <p:cNvPr id="24" name="Rectangle 23">
+            <a:extLst>
+              <a:ext uri="{FF2B5EF4-FFF2-40B4-BE49-F238E27FC236}">
+                <a16:creationId xmlns:a16="http://schemas.microsoft.com/office/drawing/2014/main" id="{F125053E-1062-4FE2-974C-546DC769D9F5}"/>
+              </a:ext>
+              <a:ext uri="{C183D7F6-B498-43B3-948B-1728B52AA6E4}">
+                <adec:decorative xmlns:adec="http://schemas.microsoft.com/office/drawing/2017/decorative" val="1"/>
+              </a:ext>
+            </a:extLst>
+          </p:cNvPr>
+          <p:cNvSpPr>
+            <a:spLocks noGrp="1" noRot="1" noChangeAspect="1" noMove="1" noResize="1" noEditPoints="1" noAdjustHandles="1" noChangeArrowheads="1" noChangeShapeType="1" noTextEdit="1"/>
+          </p:cNvSpPr>
+          <p:nvPr>
+            <p:extLst>
+              <p:ext uri="{386F3935-93C4-4BCD-93E2-E3B085C9AB24}">
+                <p16:designElem xmlns:p16="http://schemas.microsoft.com/office/powerpoint/2015/main" val="1"/>
+              </p:ext>
+            </p:extLst>
+          </p:nvPr>
+        </p:nvSpPr>
+        <p:spPr>
+          <a:xfrm>
+            <a:off x="11815864" y="758952"/>
+            <a:ext cx="384048" cy="5330952"/>
+          </a:xfrm>
+          <a:prstGeom prst="rect">
+            <a:avLst/>
+          </a:prstGeom>
+          <a:solidFill>
+            <a:srgbClr val="C8C8C8">
+              <a:alpha val="49804"/>
+            </a:srgbClr>
+          </a:solidFill>
+          <a:ln>
+            <a:noFill/>
+          </a:ln>
+        </p:spPr>
+        <p:style>
+          <a:lnRef idx="2">
+            <a:schemeClr val="accent1">
+              <a:shade val="50000"/>
+            </a:schemeClr>
+          </a:lnRef>
+          <a:fillRef idx="1">
+            <a:schemeClr val="accent1"/>
+          </a:fillRef>
+          <a:effectRef idx="0">
+            <a:schemeClr val="accent1"/>
+          </a:effectRef>
+          <a:fontRef idx="minor">
+            <a:schemeClr val="lt1"/>
+          </a:fontRef>
+        </p:style>
+      </p:sp>
+      <p:pic>
+        <p:nvPicPr>
+          <p:cNvPr id="5" name="Picture 4" descr="A fish swimming under water&#10;&#10;Description automatically generated">
+            <a:extLst>
+              <a:ext uri="{FF2B5EF4-FFF2-40B4-BE49-F238E27FC236}">
+                <a16:creationId xmlns:a16="http://schemas.microsoft.com/office/drawing/2014/main" id="{AE84B578-F5BB-4905-B7F3-D9504C24B9E7}"/>
+              </a:ext>
+            </a:extLst>
+          </p:cNvPr>
+          <p:cNvPicPr>
+            <a:picLocks noChangeAspect="1"/>
+          </p:cNvPicPr>
+          <p:nvPr/>
+        </p:nvPicPr>
+        <p:blipFill rotWithShape="1">
+          <a:blip r:embed="rId3"/>
+          <a:srcRect l="20787" r="4980" b="1"/>
+          <a:stretch/>
+        </p:blipFill>
+        <p:spPr>
+          <a:xfrm>
+            <a:off x="7460907" y="3264090"/>
+            <a:ext cx="4027002" cy="3593910"/>
+          </a:xfrm>
+          <a:prstGeom prst="rect">
+            <a:avLst/>
+          </a:prstGeom>
+        </p:spPr>
+      </p:pic>
+      <p:pic>
+        <p:nvPicPr>
+          <p:cNvPr id="7" name="Content Placeholder 6" descr="A person riding a horse drawn carriage&#10;&#10;Description automatically generated">
+            <a:extLst>
+              <a:ext uri="{FF2B5EF4-FFF2-40B4-BE49-F238E27FC236}">
+                <a16:creationId xmlns:a16="http://schemas.microsoft.com/office/drawing/2014/main" id="{066C5FDA-FE3B-43A1-BE8B-A58D882AC43D}"/>
+              </a:ext>
+            </a:extLst>
+          </p:cNvPr>
+          <p:cNvPicPr>
+            <a:picLocks noGrp="1" noChangeAspect="1"/>
+          </p:cNvPicPr>
+          <p:nvPr>
+            <p:ph sz="half" idx="2"/>
+          </p:nvPr>
+        </p:nvPicPr>
+        <p:blipFill rotWithShape="1">
+          <a:blip r:embed="rId4"/>
+          <a:srcRect l="22631" r="18342" b="-2"/>
+          <a:stretch/>
+        </p:blipFill>
+        <p:spPr>
+          <a:xfrm>
+            <a:off x="5137460" y="10"/>
+            <a:ext cx="4113440" cy="3920034"/>
+          </a:xfrm>
+          <a:custGeom>
+            <a:avLst/>
+            <a:gdLst/>
+            <a:ahLst/>
+            <a:cxnLst/>
+            <a:rect l="l" t="t" r="r" b="b"/>
+            <a:pathLst>
+              <a:path w="4113440" h="3920044">
+                <a:moveTo>
+                  <a:pt x="0" y="0"/>
+                </a:moveTo>
+                <a:lnTo>
+                  <a:pt x="4113440" y="0"/>
+                </a:lnTo>
+                <a:lnTo>
+                  <a:pt x="4113440" y="3103224"/>
+                </a:lnTo>
+                <a:lnTo>
+                  <a:pt x="2157388" y="3103224"/>
+                </a:lnTo>
+                <a:lnTo>
+                  <a:pt x="2157388" y="3920044"/>
+                </a:lnTo>
+                <a:lnTo>
+                  <a:pt x="0" y="3920044"/>
+                </a:lnTo>
+                <a:close/>
+              </a:path>
+            </a:pathLst>
+          </a:custGeom>
+        </p:spPr>
+      </p:pic>
     </p:spTree>
     <p:extLst>
       <p:ext uri="{BB962C8B-B14F-4D97-AF65-F5344CB8AC3E}">
-        <p14:creationId xmlns:p14="http://schemas.microsoft.com/office/powerpoint/2010/main" val="472971420"/>
+        <p14:creationId xmlns:p14="http://schemas.microsoft.com/office/powerpoint/2010/main" val="784355948"/>
       </p:ext>
     </p:extLst>
   </p:cSld>
@@ -5000,10 +5400,10 @@
       </p:grpSpPr>
       <p:sp>
         <p:nvSpPr>
-          <p:cNvPr id="13" name="Rectangle 12">
+          <p:cNvPr id="34" name="Rectangle 23">
             <a:extLst>
               <a:ext uri="{FF2B5EF4-FFF2-40B4-BE49-F238E27FC236}">
-                <a16:creationId xmlns:a16="http://schemas.microsoft.com/office/drawing/2014/main" id="{051E3431-CE8A-4FA3-92ED-72D1E007B338}"/>
+                <a16:creationId xmlns:a16="http://schemas.microsoft.com/office/drawing/2014/main" id="{46D56025-432C-47A6-AE3E-5E57DF3E0B0B}"/>
               </a:ext>
               <a:ext uri="{C183D7F6-B498-43B3-948B-1728B52AA6E4}">
                 <adec:decorative xmlns:adec="http://schemas.microsoft.com/office/drawing/2017/decorative" val="1"/>
@@ -5055,10 +5455,10 @@
       </p:sp>
       <p:sp>
         <p:nvSpPr>
-          <p:cNvPr id="15" name="Rectangle 14">
+          <p:cNvPr id="35" name="Rectangle 25">
             <a:extLst>
               <a:ext uri="{FF2B5EF4-FFF2-40B4-BE49-F238E27FC236}">
-                <a16:creationId xmlns:a16="http://schemas.microsoft.com/office/drawing/2014/main" id="{287ACA9C-6281-4732-9DE5-95D5F9BEA7AD}"/>
+                <a16:creationId xmlns:a16="http://schemas.microsoft.com/office/drawing/2014/main" id="{72D1A8B8-7523-49FA-B7DD-AE0B2271C7F9}"/>
               </a:ext>
               <a:ext uri="{C183D7F6-B498-43B3-948B-1728B52AA6E4}">
                 <adec:decorative xmlns:adec="http://schemas.microsoft.com/office/drawing/2017/decorative" val="1"/>
@@ -5112,10 +5512,10 @@
       </p:sp>
       <p:sp useBgFill="1">
         <p:nvSpPr>
-          <p:cNvPr id="17" name="Rectangle 16">
+          <p:cNvPr id="36" name="Rectangle 27">
             <a:extLst>
               <a:ext uri="{FF2B5EF4-FFF2-40B4-BE49-F238E27FC236}">
-                <a16:creationId xmlns:a16="http://schemas.microsoft.com/office/drawing/2014/main" id="{BC512124-0D13-4ED9-80B7-52AE15B6B41F}"/>
+                <a16:creationId xmlns:a16="http://schemas.microsoft.com/office/drawing/2014/main" id="{6A0CEB20-2839-496C-922D-A386524F398B}"/>
               </a:ext>
               <a:ext uri="{C183D7F6-B498-43B3-948B-1728B52AA6E4}">
                 <adec:decorative xmlns:adec="http://schemas.microsoft.com/office/drawing/2017/decorative" val="1"/>
@@ -5136,7 +5536,7 @@
         <p:spPr>
           <a:xfrm>
             <a:off x="0" y="0"/>
-            <a:ext cx="12192000" cy="6858000"/>
+            <a:ext cx="12191999" cy="6858000"/>
           </a:xfrm>
           <a:prstGeom prst="rect">
             <a:avLst/>
@@ -5170,33 +5570,165 @@
           </a:p>
         </p:txBody>
       </p:sp>
+      <p:sp>
+        <p:nvSpPr>
+          <p:cNvPr id="37" name="Rectangle 29">
+            <a:extLst>
+              <a:ext uri="{FF2B5EF4-FFF2-40B4-BE49-F238E27FC236}">
+                <a16:creationId xmlns:a16="http://schemas.microsoft.com/office/drawing/2014/main" id="{4EE33FA5-2378-4F59-8611-CE0F9CA505A9}"/>
+              </a:ext>
+              <a:ext uri="{C183D7F6-B498-43B3-948B-1728B52AA6E4}">
+                <adec:decorative xmlns:adec="http://schemas.microsoft.com/office/drawing/2017/decorative" val="1"/>
+              </a:ext>
+            </a:extLst>
+          </p:cNvPr>
+          <p:cNvSpPr>
+            <a:spLocks noGrp="1" noRot="1" noChangeAspect="1" noMove="1" noResize="1" noEditPoints="1" noAdjustHandles="1" noChangeArrowheads="1" noChangeShapeType="1" noTextEdit="1"/>
+          </p:cNvSpPr>
+          <p:nvPr>
+            <p:extLst>
+              <p:ext uri="{386F3935-93C4-4BCD-93E2-E3B085C9AB24}">
+                <p16:designElem xmlns:p16="http://schemas.microsoft.com/office/powerpoint/2015/main" val="1"/>
+              </p:ext>
+            </p:extLst>
+          </p:nvPr>
+        </p:nvSpPr>
+        <p:spPr>
+          <a:xfrm>
+            <a:off x="1" y="761999"/>
+            <a:ext cx="4642228" cy="5334001"/>
+          </a:xfrm>
+          <a:prstGeom prst="rect">
+            <a:avLst/>
+          </a:prstGeom>
+          <a:solidFill>
+            <a:schemeClr val="accent1"/>
+          </a:solidFill>
+          <a:ln>
+            <a:noFill/>
+          </a:ln>
+        </p:spPr>
+        <p:style>
+          <a:lnRef idx="2">
+            <a:schemeClr val="accent1">
+              <a:shade val="50000"/>
+            </a:schemeClr>
+          </a:lnRef>
+          <a:fillRef idx="1">
+            <a:schemeClr val="accent1"/>
+          </a:fillRef>
+          <a:effectRef idx="0">
+            <a:schemeClr val="accent1"/>
+          </a:effectRef>
+          <a:fontRef idx="minor">
+            <a:schemeClr val="lt1"/>
+          </a:fontRef>
+        </p:style>
+      </p:sp>
+      <p:sp>
+        <p:nvSpPr>
+          <p:cNvPr id="2" name="Title 1">
+            <a:extLst>
+              <a:ext uri="{FF2B5EF4-FFF2-40B4-BE49-F238E27FC236}">
+                <a16:creationId xmlns:a16="http://schemas.microsoft.com/office/drawing/2014/main" id="{1A684DD4-8C0D-4C52-BCD6-A0D9B7760BBE}"/>
+              </a:ext>
+            </a:extLst>
+          </p:cNvPr>
+          <p:cNvSpPr>
+            <a:spLocks noGrp="1"/>
+          </p:cNvSpPr>
+          <p:nvPr>
+            <p:ph type="title"/>
+          </p:nvPr>
+        </p:nvSpPr>
+        <p:spPr>
+          <a:xfrm>
+            <a:off x="1069849" y="1298448"/>
+            <a:ext cx="3258688" cy="3255264"/>
+          </a:xfrm>
+        </p:spPr>
+        <p:txBody>
+          <a:bodyPr vert="horz" lIns="91440" tIns="45720" rIns="91440" bIns="45720" rtlCol="0" anchor="b">
+            <a:normAutofit/>
+          </a:bodyPr>
+          <a:lstStyle/>
+          <a:p>
+            <a:r>
+              <a:rPr lang="en-US" sz="5000" spc="-100"/>
+              <a:t>Hypothesis</a:t>
+            </a:r>
+          </a:p>
+        </p:txBody>
+      </p:sp>
+      <p:sp>
+        <p:nvSpPr>
+          <p:cNvPr id="3" name="Content Placeholder 2">
+            <a:extLst>
+              <a:ext uri="{FF2B5EF4-FFF2-40B4-BE49-F238E27FC236}">
+                <a16:creationId xmlns:a16="http://schemas.microsoft.com/office/drawing/2014/main" id="{2AE73522-E46F-44D6-832F-CB9A9EDE0637}"/>
+              </a:ext>
+            </a:extLst>
+          </p:cNvPr>
+          <p:cNvSpPr>
+            <a:spLocks noGrp="1"/>
+          </p:cNvSpPr>
+          <p:nvPr>
+            <p:ph idx="1"/>
+          </p:nvPr>
+        </p:nvSpPr>
+        <p:spPr>
+          <a:xfrm>
+            <a:off x="1100015" y="4670246"/>
+            <a:ext cx="3228521" cy="914400"/>
+          </a:xfrm>
+        </p:spPr>
+        <p:txBody>
+          <a:bodyPr vert="horz" lIns="91440" tIns="45720" rIns="91440" bIns="45720" rtlCol="0" anchor="t">
+            <a:normAutofit fontScale="92500" lnSpcReduction="10000"/>
+          </a:bodyPr>
+          <a:lstStyle/>
+          <a:p>
+            <a:pPr marL="0" indent="0">
+              <a:buNone/>
+            </a:pPr>
+            <a:r>
+              <a:rPr lang="en-US" sz="2400" dirty="0">
+                <a:solidFill>
+                  <a:schemeClr val="bg2">
+                    <a:lumMod val="20000"/>
+                    <a:lumOff val="80000"/>
+                  </a:schemeClr>
+                </a:solidFill>
+              </a:rPr>
+              <a:t>Does urban growth have an affect on the salmon population?</a:t>
+            </a:r>
+          </a:p>
+        </p:txBody>
+      </p:sp>
       <p:pic>
         <p:nvPicPr>
-          <p:cNvPr id="8" name="Content Placeholder 7" descr="Graph">
+          <p:cNvPr id="5" name="Picture 4">
             <a:extLst>
               <a:ext uri="{FF2B5EF4-FFF2-40B4-BE49-F238E27FC236}">
-                <a16:creationId xmlns:a16="http://schemas.microsoft.com/office/drawing/2014/main" id="{EBD1611A-CF9F-4B0C-B560-D4EDDC0580AA}"/>
+                <a16:creationId xmlns:a16="http://schemas.microsoft.com/office/drawing/2014/main" id="{F7E852AA-2BC1-4E03-9002-CAB1154F661A}"/>
               </a:ext>
             </a:extLst>
           </p:cNvPr>
           <p:cNvPicPr>
-            <a:picLocks noGrp="1" noChangeAspect="1"/>
+            <a:picLocks noChangeAspect="1"/>
           </p:cNvPicPr>
-          <p:nvPr>
-            <p:ph sz="half" idx="2"/>
-          </p:nvPr>
+          <p:nvPr/>
         </p:nvPicPr>
-        <p:blipFill rotWithShape="1">
-          <a:blip r:embed="rId3">
-            <a:alphaModFix amt="50000"/>
-          </a:blip>
-          <a:srcRect t="3674" b="6326"/>
-          <a:stretch/>
+        <p:blipFill>
+          <a:blip r:embed="rId3"/>
+          <a:stretch>
+            <a:fillRect/>
+          </a:stretch>
         </p:blipFill>
         <p:spPr>
           <a:xfrm>
-            <a:off x="20" y="10"/>
-            <a:ext cx="12191980" cy="6857990"/>
+            <a:off x="5120640" y="1642088"/>
+            <a:ext cx="6367271" cy="3565671"/>
           </a:xfrm>
           <a:prstGeom prst="rect">
             <a:avLst/>
@@ -5205,110 +5737,70 @@
       </p:pic>
       <p:sp>
         <p:nvSpPr>
-          <p:cNvPr id="2" name="Title 1">
+          <p:cNvPr id="38" name="Rectangle 31">
             <a:extLst>
               <a:ext uri="{FF2B5EF4-FFF2-40B4-BE49-F238E27FC236}">
-                <a16:creationId xmlns:a16="http://schemas.microsoft.com/office/drawing/2014/main" id="{A72D65A4-0A40-4330-8E00-CA2D6532A5F7}"/>
+                <a16:creationId xmlns:a16="http://schemas.microsoft.com/office/drawing/2014/main" id="{1C368AEB-D83A-432D-818C-3575285B69C7}"/>
+              </a:ext>
+              <a:ext uri="{C183D7F6-B498-43B3-948B-1728B52AA6E4}">
+                <adec:decorative xmlns:adec="http://schemas.microsoft.com/office/drawing/2017/decorative" val="1"/>
               </a:ext>
             </a:extLst>
           </p:cNvPr>
           <p:cNvSpPr>
-            <a:spLocks noGrp="1"/>
-          </p:cNvSpPr>
-          <p:nvPr>
-            <p:ph type="title"/>
-          </p:nvPr>
-        </p:nvSpPr>
-        <p:spPr>
-          <a:xfrm>
-            <a:off x="2438400" y="343706"/>
-            <a:ext cx="7315200" cy="3255264"/>
-          </a:xfrm>
-        </p:spPr>
-        <p:txBody>
-          <a:bodyPr vert="horz" lIns="91440" tIns="45720" rIns="91440" bIns="45720" rtlCol="0" anchor="b">
-            <a:normAutofit fontScale="90000"/>
-          </a:bodyPr>
-          <a:lstStyle/>
-          <a:p>
-            <a:pPr algn="ctr"/>
-            <a:r>
-              <a:rPr lang="en-US" sz="5900" spc="-100" dirty="0">
-                <a:solidFill>
-                  <a:schemeClr val="tx1"/>
-                </a:solidFill>
-              </a:rPr>
-              <a:t>Goal:</a:t>
-            </a:r>
-            <a:br>
-              <a:rPr lang="en-US" sz="5900" spc="-100" dirty="0">
-                <a:solidFill>
-                  <a:schemeClr val="tx1"/>
-                </a:solidFill>
-              </a:rPr>
-            </a:br>
-            <a:r>
-              <a:rPr lang="en-US" sz="4000" spc="-100" dirty="0">
-                <a:solidFill>
-                  <a:schemeClr val="tx1"/>
-                </a:solidFill>
-              </a:rPr>
-              <a:t>Spring Chinook Salmon</a:t>
-            </a:r>
-            <a:br>
-              <a:rPr lang="en-US" sz="4000" spc="-100" dirty="0">
-                <a:solidFill>
-                  <a:schemeClr val="tx1"/>
-                </a:solidFill>
-              </a:rPr>
-            </a:br>
-            <a:r>
-              <a:rPr lang="en-US" sz="4000" spc="-100" dirty="0">
-                <a:solidFill>
-                  <a:schemeClr val="tx1"/>
-                </a:solidFill>
-              </a:rPr>
-              <a:t>vs.</a:t>
-            </a:r>
-            <a:br>
-              <a:rPr lang="en-US" sz="4000" spc="-100" dirty="0">
-                <a:solidFill>
-                  <a:schemeClr val="tx1"/>
-                </a:solidFill>
-              </a:rPr>
-            </a:br>
-            <a:r>
-              <a:rPr lang="en-US" sz="4000" spc="-100" dirty="0">
-                <a:solidFill>
-                  <a:schemeClr val="tx1"/>
-                </a:solidFill>
-              </a:rPr>
-              <a:t>Water Relationship</a:t>
-            </a:r>
-            <a:br>
-              <a:rPr lang="en-US" sz="5900" spc="-100" dirty="0">
-                <a:solidFill>
-                  <a:schemeClr val="tx1"/>
-                </a:solidFill>
-              </a:rPr>
-            </a:br>
-            <a:endParaRPr lang="en-US" sz="5900" spc="-100" dirty="0">
-              <a:solidFill>
-                <a:schemeClr val="tx1"/>
-              </a:solidFill>
-            </a:endParaRPr>
-          </a:p>
-        </p:txBody>
+            <a:spLocks noGrp="1" noRot="1" noChangeAspect="1" noMove="1" noResize="1" noEditPoints="1" noAdjustHandles="1" noChangeArrowheads="1" noChangeShapeType="1" noTextEdit="1"/>
+          </p:cNvSpPr>
+          <p:nvPr>
+            <p:extLst>
+              <p:ext uri="{386F3935-93C4-4BCD-93E2-E3B085C9AB24}">
+                <p16:designElem xmlns:p16="http://schemas.microsoft.com/office/powerpoint/2015/main" val="1"/>
+              </p:ext>
+            </p:extLst>
+          </p:nvPr>
+        </p:nvSpPr>
+        <p:spPr>
+          <a:xfrm>
+            <a:off x="11815864" y="758952"/>
+            <a:ext cx="384048" cy="5330952"/>
+          </a:xfrm>
+          <a:prstGeom prst="rect">
+            <a:avLst/>
+          </a:prstGeom>
+          <a:solidFill>
+            <a:srgbClr val="C8C8C8">
+              <a:alpha val="49804"/>
+            </a:srgbClr>
+          </a:solidFill>
+          <a:ln>
+            <a:noFill/>
+          </a:ln>
+        </p:spPr>
+        <p:style>
+          <a:lnRef idx="2">
+            <a:schemeClr val="accent1">
+              <a:shade val="50000"/>
+            </a:schemeClr>
+          </a:lnRef>
+          <a:fillRef idx="1">
+            <a:schemeClr val="accent1"/>
+          </a:fillRef>
+          <a:effectRef idx="0">
+            <a:schemeClr val="accent1"/>
+          </a:effectRef>
+          <a:fontRef idx="minor">
+            <a:schemeClr val="lt1"/>
+          </a:fontRef>
+        </p:style>
       </p:sp>
     </p:spTree>
     <p:extLst>
       <p:ext uri="{BB962C8B-B14F-4D97-AF65-F5344CB8AC3E}">
-        <p14:creationId xmlns:p14="http://schemas.microsoft.com/office/powerpoint/2010/main" val="3046945331"/>
+        <p14:creationId xmlns:p14="http://schemas.microsoft.com/office/powerpoint/2010/main" val="472971420"/>
       </p:ext>
     </p:extLst>
   </p:cSld>
   <p:clrMapOvr>
-    <a:overrideClrMapping bg1="dk1" tx1="lt1" bg2="dk2" tx2="lt2" accent1="accent1" accent2="accent2" accent3="accent3" accent4="accent4" accent5="accent5" accent6="accent6" hlink="hlink" folHlink="folHlink"/>
+    <a:masterClrMapping/>
   </p:clrMapOvr>
 </p:sld>
 </file>
@@ -5340,10 +5832,10 @@
       </p:grpSpPr>
       <p:sp>
         <p:nvSpPr>
-          <p:cNvPr id="12" name="Rectangle 11">
+          <p:cNvPr id="13" name="Rectangle 12">
             <a:extLst>
               <a:ext uri="{FF2B5EF4-FFF2-40B4-BE49-F238E27FC236}">
-                <a16:creationId xmlns:a16="http://schemas.microsoft.com/office/drawing/2014/main" id="{949535B8-4DCF-4E8F-87FF-E58E9DAED312}"/>
+                <a16:creationId xmlns:a16="http://schemas.microsoft.com/office/drawing/2014/main" id="{051E3431-CE8A-4FA3-92ED-72D1E007B338}"/>
               </a:ext>
               <a:ext uri="{C183D7F6-B498-43B3-948B-1728B52AA6E4}">
                 <adec:decorative xmlns:adec="http://schemas.microsoft.com/office/drawing/2017/decorative" val="1"/>
@@ -5363,8 +5855,8 @@
         </p:nvSpPr>
         <p:spPr>
           <a:xfrm>
-            <a:off x="1" y="758952"/>
-            <a:ext cx="3443590" cy="5330952"/>
+            <a:off x="0" y="761999"/>
+            <a:ext cx="9141619" cy="5334001"/>
           </a:xfrm>
           <a:prstGeom prst="rect">
             <a:avLst/>
@@ -5395,10 +5887,10 @@
       </p:sp>
       <p:sp>
         <p:nvSpPr>
-          <p:cNvPr id="14" name="Rectangle 13">
+          <p:cNvPr id="15" name="Rectangle 14">
             <a:extLst>
               <a:ext uri="{FF2B5EF4-FFF2-40B4-BE49-F238E27FC236}">
-                <a16:creationId xmlns:a16="http://schemas.microsoft.com/office/drawing/2014/main" id="{D30461F7-251F-45DA-9BB7-200A37354E4C}"/>
+                <a16:creationId xmlns:a16="http://schemas.microsoft.com/office/drawing/2014/main" id="{287ACA9C-6281-4732-9DE5-95D5F9BEA7AD}"/>
               </a:ext>
               <a:ext uri="{C183D7F6-B498-43B3-948B-1728B52AA6E4}">
                 <adec:decorative xmlns:adec="http://schemas.microsoft.com/office/drawing/2017/decorative" val="1"/>
@@ -5418,15 +5910,15 @@
         </p:nvSpPr>
         <p:spPr>
           <a:xfrm>
-            <a:off x="11815864" y="758952"/>
-            <a:ext cx="384048" cy="5330952"/>
+            <a:off x="9270263" y="761999"/>
+            <a:ext cx="2925318" cy="5334001"/>
           </a:xfrm>
           <a:prstGeom prst="rect">
             <a:avLst/>
           </a:prstGeom>
           <a:solidFill>
             <a:srgbClr val="C8C8C8">
-              <a:alpha val="49804"/>
+              <a:alpha val="50000"/>
             </a:srgbClr>
           </a:solidFill>
           <a:ln>
@@ -5452,10 +5944,10 @@
       </p:sp>
       <p:sp useBgFill="1">
         <p:nvSpPr>
-          <p:cNvPr id="16" name="Rectangle 15">
+          <p:cNvPr id="17" name="Rectangle 16">
             <a:extLst>
               <a:ext uri="{FF2B5EF4-FFF2-40B4-BE49-F238E27FC236}">
-                <a16:creationId xmlns:a16="http://schemas.microsoft.com/office/drawing/2014/main" id="{EA992460-7FA3-40FE-A958-BCD1981B96FB}"/>
+                <a16:creationId xmlns:a16="http://schemas.microsoft.com/office/drawing/2014/main" id="{BC512124-0D13-4ED9-80B7-52AE15B6B41F}"/>
               </a:ext>
               <a:ext uri="{C183D7F6-B498-43B3-948B-1728B52AA6E4}">
                 <adec:decorative xmlns:adec="http://schemas.microsoft.com/office/drawing/2017/decorative" val="1"/>
@@ -5476,7 +5968,7 @@
         <p:spPr>
           <a:xfrm>
             <a:off x="0" y="0"/>
-            <a:ext cx="12191999" cy="6858000"/>
+            <a:ext cx="12192000" cy="6858000"/>
           </a:xfrm>
           <a:prstGeom prst="rect">
             <a:avLst/>
@@ -5510,404 +6002,12 @@
           </a:p>
         </p:txBody>
       </p:sp>
-      <p:sp>
-        <p:nvSpPr>
-          <p:cNvPr id="18" name="Rectangle 17">
+      <p:pic>
+        <p:nvPicPr>
+          <p:cNvPr id="8" name="Content Placeholder 7" descr="Graph">
             <a:extLst>
               <a:ext uri="{FF2B5EF4-FFF2-40B4-BE49-F238E27FC236}">
-                <a16:creationId xmlns:a16="http://schemas.microsoft.com/office/drawing/2014/main" id="{ADF57D5B-380D-48E9-8DAD-DD500FE80A01}"/>
-              </a:ext>
-              <a:ext uri="{C183D7F6-B498-43B3-948B-1728B52AA6E4}">
-                <adec:decorative xmlns:adec="http://schemas.microsoft.com/office/drawing/2017/decorative" val="1"/>
-              </a:ext>
-            </a:extLst>
-          </p:cNvPr>
-          <p:cNvSpPr>
-            <a:spLocks noGrp="1" noRot="1" noChangeAspect="1" noMove="1" noResize="1" noEditPoints="1" noAdjustHandles="1" noChangeArrowheads="1" noChangeShapeType="1" noTextEdit="1"/>
-          </p:cNvSpPr>
-          <p:nvPr>
-            <p:extLst>
-              <p:ext uri="{386F3935-93C4-4BCD-93E2-E3B085C9AB24}">
-                <p16:designElem xmlns:p16="http://schemas.microsoft.com/office/powerpoint/2015/main" val="1"/>
-              </p:ext>
-            </p:extLst>
-          </p:nvPr>
-        </p:nvSpPr>
-        <p:spPr>
-          <a:xfrm>
-            <a:off x="1" y="761999"/>
-            <a:ext cx="4642228" cy="5334001"/>
-          </a:xfrm>
-          <a:prstGeom prst="rect">
-            <a:avLst/>
-          </a:prstGeom>
-          <a:solidFill>
-            <a:schemeClr val="accent1"/>
-          </a:solidFill>
-          <a:ln>
-            <a:noFill/>
-          </a:ln>
-        </p:spPr>
-        <p:style>
-          <a:lnRef idx="2">
-            <a:schemeClr val="accent1">
-              <a:shade val="50000"/>
-            </a:schemeClr>
-          </a:lnRef>
-          <a:fillRef idx="1">
-            <a:schemeClr val="accent1"/>
-          </a:fillRef>
-          <a:effectRef idx="0">
-            <a:schemeClr val="accent1"/>
-          </a:effectRef>
-          <a:fontRef idx="minor">
-            <a:schemeClr val="lt1"/>
-          </a:fontRef>
-        </p:style>
-      </p:sp>
-      <p:sp>
-        <p:nvSpPr>
-          <p:cNvPr id="2" name="Title 1">
-            <a:extLst>
-              <a:ext uri="{FF2B5EF4-FFF2-40B4-BE49-F238E27FC236}">
-                <a16:creationId xmlns:a16="http://schemas.microsoft.com/office/drawing/2014/main" id="{0C4C247B-E062-47BF-AB2C-AA959242E9CD}"/>
-              </a:ext>
-            </a:extLst>
-          </p:cNvPr>
-          <p:cNvSpPr>
-            <a:spLocks noGrp="1"/>
-          </p:cNvSpPr>
-          <p:nvPr>
-            <p:ph type="title"/>
-          </p:nvPr>
-        </p:nvSpPr>
-        <p:spPr>
-          <a:xfrm>
-            <a:off x="289249" y="1123837"/>
-            <a:ext cx="4016116" cy="1255469"/>
-          </a:xfrm>
-        </p:spPr>
-        <p:txBody>
-          <a:bodyPr vert="horz" lIns="91440" tIns="45720" rIns="91440" bIns="45720" rtlCol="0" anchor="ctr">
-            <a:normAutofit/>
-          </a:bodyPr>
-          <a:lstStyle/>
-          <a:p>
-            <a:r>
-              <a:rPr lang="en-US" sz="4000" dirty="0"/>
-              <a:t>Background</a:t>
-            </a:r>
-          </a:p>
-        </p:txBody>
-      </p:sp>
-      <p:sp>
-        <p:nvSpPr>
-          <p:cNvPr id="3" name="Content Placeholder 2">
-            <a:extLst>
-              <a:ext uri="{FF2B5EF4-FFF2-40B4-BE49-F238E27FC236}">
-                <a16:creationId xmlns:a16="http://schemas.microsoft.com/office/drawing/2014/main" id="{0D0AF1F9-641C-4680-AAA9-8C639999A1EA}"/>
-              </a:ext>
-            </a:extLst>
-          </p:cNvPr>
-          <p:cNvSpPr>
-            <a:spLocks noGrp="1"/>
-          </p:cNvSpPr>
-          <p:nvPr>
-            <p:ph sz="half" idx="1"/>
-          </p:nvPr>
-        </p:nvSpPr>
-        <p:spPr>
-          <a:xfrm>
-            <a:off x="289249" y="2510395"/>
-            <a:ext cx="4016116" cy="3274586"/>
-          </a:xfrm>
-        </p:spPr>
-        <p:txBody>
-          <a:bodyPr vert="horz" lIns="91440" tIns="45720" rIns="91440" bIns="45720" rtlCol="0" anchor="t">
-            <a:normAutofit/>
-          </a:bodyPr>
-          <a:lstStyle/>
-          <a:p>
-            <a:r>
-              <a:rPr lang="en-US" sz="2800" b="1" dirty="0">
-                <a:solidFill>
-                  <a:srgbClr val="FFFFFF"/>
-                </a:solidFill>
-              </a:rPr>
-              <a:t>Salmon</a:t>
-            </a:r>
-          </a:p>
-          <a:p>
-            <a:r>
-              <a:rPr lang="en-US" sz="2800" b="1" dirty="0">
-                <a:solidFill>
-                  <a:srgbClr val="FFFFFF"/>
-                </a:solidFill>
-              </a:rPr>
-              <a:t>Rivers</a:t>
-            </a:r>
-          </a:p>
-          <a:p>
-            <a:r>
-              <a:rPr lang="en-US" sz="2800" b="1" dirty="0">
-                <a:solidFill>
-                  <a:srgbClr val="FFFFFF"/>
-                </a:solidFill>
-              </a:rPr>
-              <a:t>Cities</a:t>
-            </a:r>
-          </a:p>
-          <a:p>
-            <a:r>
-              <a:rPr lang="en-US" sz="2800" b="1" dirty="0">
-                <a:solidFill>
-                  <a:srgbClr val="FFFFFF"/>
-                </a:solidFill>
-              </a:rPr>
-              <a:t>Dams</a:t>
-            </a:r>
-          </a:p>
-          <a:p>
-            <a:r>
-              <a:rPr lang="en-US" sz="2800" b="1" dirty="0">
-                <a:solidFill>
-                  <a:srgbClr val="FFFFFF"/>
-                </a:solidFill>
-              </a:rPr>
-              <a:t>Oh My!</a:t>
-            </a:r>
-          </a:p>
-          <a:p>
-            <a:endParaRPr lang="en-US" sz="1800" dirty="0">
-              <a:solidFill>
-                <a:srgbClr val="FFFFFF"/>
-              </a:solidFill>
-            </a:endParaRPr>
-          </a:p>
-        </p:txBody>
-      </p:sp>
-      <p:sp>
-        <p:nvSpPr>
-          <p:cNvPr id="20" name="Rectangle 19">
-            <a:extLst>
-              <a:ext uri="{FF2B5EF4-FFF2-40B4-BE49-F238E27FC236}">
-                <a16:creationId xmlns:a16="http://schemas.microsoft.com/office/drawing/2014/main" id="{065CC8E5-7727-4F29-A17D-114AF339F7DA}"/>
-              </a:ext>
-              <a:ext uri="{C183D7F6-B498-43B3-948B-1728B52AA6E4}">
-                <adec:decorative xmlns:adec="http://schemas.microsoft.com/office/drawing/2017/decorative" val="1"/>
-              </a:ext>
-            </a:extLst>
-          </p:cNvPr>
-          <p:cNvSpPr>
-            <a:spLocks noGrp="1" noRot="1" noChangeAspect="1" noMove="1" noResize="1" noEditPoints="1" noAdjustHandles="1" noChangeArrowheads="1" noChangeShapeType="1" noTextEdit="1"/>
-          </p:cNvSpPr>
-          <p:nvPr>
-            <p:extLst>
-              <p:ext uri="{386F3935-93C4-4BCD-93E2-E3B085C9AB24}">
-                <p16:designElem xmlns:p16="http://schemas.microsoft.com/office/powerpoint/2015/main" val="1"/>
-              </p:ext>
-            </p:extLst>
-          </p:nvPr>
-        </p:nvSpPr>
-        <p:spPr>
-          <a:xfrm>
-            <a:off x="9408840" y="758952"/>
-            <a:ext cx="2079069" cy="2344272"/>
-          </a:xfrm>
-          <a:prstGeom prst="rect">
-            <a:avLst/>
-          </a:prstGeom>
-          <a:solidFill>
-            <a:schemeClr val="accent1"/>
-          </a:solidFill>
-          <a:ln>
-            <a:noFill/>
-          </a:ln>
-        </p:spPr>
-        <p:style>
-          <a:lnRef idx="2">
-            <a:schemeClr val="accent1">
-              <a:shade val="50000"/>
-            </a:schemeClr>
-          </a:lnRef>
-          <a:fillRef idx="1">
-            <a:schemeClr val="accent1"/>
-          </a:fillRef>
-          <a:effectRef idx="0">
-            <a:schemeClr val="accent1"/>
-          </a:effectRef>
-          <a:fontRef idx="minor">
-            <a:schemeClr val="lt1"/>
-          </a:fontRef>
-        </p:style>
-        <p:txBody>
-          <a:bodyPr rtlCol="0" anchor="ctr"/>
-          <a:lstStyle/>
-          <a:p>
-            <a:pPr algn="ctr"/>
-            <a:endParaRPr lang="en-US"/>
-          </a:p>
-        </p:txBody>
-      </p:sp>
-      <p:sp>
-        <p:nvSpPr>
-          <p:cNvPr id="22" name="Rectangle 21">
-            <a:extLst>
-              <a:ext uri="{FF2B5EF4-FFF2-40B4-BE49-F238E27FC236}">
-                <a16:creationId xmlns:a16="http://schemas.microsoft.com/office/drawing/2014/main" id="{74600802-151E-4F13-8C35-8D5CEDFF64A4}"/>
-              </a:ext>
-              <a:ext uri="{C183D7F6-B498-43B3-948B-1728B52AA6E4}">
-                <adec:decorative xmlns:adec="http://schemas.microsoft.com/office/drawing/2017/decorative" val="1"/>
-              </a:ext>
-            </a:extLst>
-          </p:cNvPr>
-          <p:cNvSpPr>
-            <a:spLocks noGrp="1" noRot="1" noChangeAspect="1" noMove="1" noResize="1" noEditPoints="1" noAdjustHandles="1" noChangeArrowheads="1" noChangeShapeType="1" noTextEdit="1"/>
-          </p:cNvSpPr>
-          <p:nvPr>
-            <p:extLst>
-              <p:ext uri="{386F3935-93C4-4BCD-93E2-E3B085C9AB24}">
-                <p16:designElem xmlns:p16="http://schemas.microsoft.com/office/powerpoint/2015/main" val="1"/>
-              </p:ext>
-            </p:extLst>
-          </p:nvPr>
-        </p:nvSpPr>
-        <p:spPr>
-          <a:xfrm>
-            <a:off x="5137463" y="4080912"/>
-            <a:ext cx="2157385" cy="2008992"/>
-          </a:xfrm>
-          <a:prstGeom prst="rect">
-            <a:avLst/>
-          </a:prstGeom>
-          <a:solidFill>
-            <a:schemeClr val="tx1">
-              <a:lumMod val="50000"/>
-              <a:lumOff val="50000"/>
-              <a:alpha val="50000"/>
-            </a:schemeClr>
-          </a:solidFill>
-          <a:ln>
-            <a:noFill/>
-          </a:ln>
-        </p:spPr>
-        <p:style>
-          <a:lnRef idx="2">
-            <a:schemeClr val="accent1">
-              <a:shade val="50000"/>
-            </a:schemeClr>
-          </a:lnRef>
-          <a:fillRef idx="1">
-            <a:schemeClr val="accent1"/>
-          </a:fillRef>
-          <a:effectRef idx="0">
-            <a:schemeClr val="accent1"/>
-          </a:effectRef>
-          <a:fontRef idx="minor">
-            <a:schemeClr val="lt1"/>
-          </a:fontRef>
-        </p:style>
-        <p:txBody>
-          <a:bodyPr rtlCol="0" anchor="ctr"/>
-          <a:lstStyle/>
-          <a:p>
-            <a:pPr algn="ctr"/>
-            <a:endParaRPr lang="en-US"/>
-          </a:p>
-        </p:txBody>
-      </p:sp>
-      <p:sp>
-        <p:nvSpPr>
-          <p:cNvPr id="24" name="Rectangle 23">
-            <a:extLst>
-              <a:ext uri="{FF2B5EF4-FFF2-40B4-BE49-F238E27FC236}">
-                <a16:creationId xmlns:a16="http://schemas.microsoft.com/office/drawing/2014/main" id="{F125053E-1062-4FE2-974C-546DC769D9F5}"/>
-              </a:ext>
-              <a:ext uri="{C183D7F6-B498-43B3-948B-1728B52AA6E4}">
-                <adec:decorative xmlns:adec="http://schemas.microsoft.com/office/drawing/2017/decorative" val="1"/>
-              </a:ext>
-            </a:extLst>
-          </p:cNvPr>
-          <p:cNvSpPr>
-            <a:spLocks noGrp="1" noRot="1" noChangeAspect="1" noMove="1" noResize="1" noEditPoints="1" noAdjustHandles="1" noChangeArrowheads="1" noChangeShapeType="1" noTextEdit="1"/>
-          </p:cNvSpPr>
-          <p:nvPr>
-            <p:extLst>
-              <p:ext uri="{386F3935-93C4-4BCD-93E2-E3B085C9AB24}">
-                <p16:designElem xmlns:p16="http://schemas.microsoft.com/office/powerpoint/2015/main" val="1"/>
-              </p:ext>
-            </p:extLst>
-          </p:nvPr>
-        </p:nvSpPr>
-        <p:spPr>
-          <a:xfrm>
-            <a:off x="11815864" y="758952"/>
-            <a:ext cx="384048" cy="5330952"/>
-          </a:xfrm>
-          <a:prstGeom prst="rect">
-            <a:avLst/>
-          </a:prstGeom>
-          <a:solidFill>
-            <a:srgbClr val="C8C8C8">
-              <a:alpha val="49804"/>
-            </a:srgbClr>
-          </a:solidFill>
-          <a:ln>
-            <a:noFill/>
-          </a:ln>
-        </p:spPr>
-        <p:style>
-          <a:lnRef idx="2">
-            <a:schemeClr val="accent1">
-              <a:shade val="50000"/>
-            </a:schemeClr>
-          </a:lnRef>
-          <a:fillRef idx="1">
-            <a:schemeClr val="accent1"/>
-          </a:fillRef>
-          <a:effectRef idx="0">
-            <a:schemeClr val="accent1"/>
-          </a:effectRef>
-          <a:fontRef idx="minor">
-            <a:schemeClr val="lt1"/>
-          </a:fontRef>
-        </p:style>
-      </p:sp>
-      <p:pic>
-        <p:nvPicPr>
-          <p:cNvPr id="5" name="Picture 4" descr="A fish swimming under water&#10;&#10;Description automatically generated">
-            <a:extLst>
-              <a:ext uri="{FF2B5EF4-FFF2-40B4-BE49-F238E27FC236}">
-                <a16:creationId xmlns:a16="http://schemas.microsoft.com/office/drawing/2014/main" id="{AE84B578-F5BB-4905-B7F3-D9504C24B9E7}"/>
-              </a:ext>
-            </a:extLst>
-          </p:cNvPr>
-          <p:cNvPicPr>
-            <a:picLocks noChangeAspect="1"/>
-          </p:cNvPicPr>
-          <p:nvPr/>
-        </p:nvPicPr>
-        <p:blipFill rotWithShape="1">
-          <a:blip r:embed="rId3"/>
-          <a:srcRect l="20787" r="4980" b="1"/>
-          <a:stretch/>
-        </p:blipFill>
-        <p:spPr>
-          <a:xfrm>
-            <a:off x="7460907" y="3264090"/>
-            <a:ext cx="4027002" cy="3593910"/>
-          </a:xfrm>
-          <a:prstGeom prst="rect">
-            <a:avLst/>
-          </a:prstGeom>
-        </p:spPr>
-      </p:pic>
-      <p:pic>
-        <p:nvPicPr>
-          <p:cNvPr id="7" name="Content Placeholder 6" descr="A person riding a horse drawn carriage&#10;&#10;Description automatically generated">
-            <a:extLst>
-              <a:ext uri="{FF2B5EF4-FFF2-40B4-BE49-F238E27FC236}">
-                <a16:creationId xmlns:a16="http://schemas.microsoft.com/office/drawing/2014/main" id="{066C5FDA-FE3B-43A1-BE8B-A58D882AC43D}"/>
+                <a16:creationId xmlns:a16="http://schemas.microsoft.com/office/drawing/2014/main" id="{EBD1611A-CF9F-4B0C-B560-D4EDDC0580AA}"/>
               </a:ext>
             </a:extLst>
           </p:cNvPr>
@@ -5919,56 +6019,128 @@
           </p:nvPr>
         </p:nvPicPr>
         <p:blipFill rotWithShape="1">
-          <a:blip r:embed="rId4"/>
-          <a:srcRect l="22631" r="18342" b="-2"/>
+          <a:blip r:embed="rId3">
+            <a:alphaModFix amt="50000"/>
+          </a:blip>
+          <a:srcRect t="3674" b="6326"/>
           <a:stretch/>
         </p:blipFill>
         <p:spPr>
           <a:xfrm>
-            <a:off x="5137460" y="10"/>
-            <a:ext cx="4113440" cy="3920034"/>
-          </a:xfrm>
-          <a:custGeom>
+            <a:off x="20" y="10"/>
+            <a:ext cx="12191980" cy="6857990"/>
+          </a:xfrm>
+          <a:prstGeom prst="rect">
             <a:avLst/>
-            <a:gdLst/>
-            <a:ahLst/>
-            <a:cxnLst/>
-            <a:rect l="l" t="t" r="r" b="b"/>
-            <a:pathLst>
-              <a:path w="4113440" h="3920044">
-                <a:moveTo>
-                  <a:pt x="0" y="0"/>
-                </a:moveTo>
-                <a:lnTo>
-                  <a:pt x="4113440" y="0"/>
-                </a:lnTo>
-                <a:lnTo>
-                  <a:pt x="4113440" y="3103224"/>
-                </a:lnTo>
-                <a:lnTo>
-                  <a:pt x="2157388" y="3103224"/>
-                </a:lnTo>
-                <a:lnTo>
-                  <a:pt x="2157388" y="3920044"/>
-                </a:lnTo>
-                <a:lnTo>
-                  <a:pt x="0" y="3920044"/>
-                </a:lnTo>
-                <a:close/>
-              </a:path>
-            </a:pathLst>
-          </a:custGeom>
+          </a:prstGeom>
         </p:spPr>
       </p:pic>
+      <p:sp>
+        <p:nvSpPr>
+          <p:cNvPr id="2" name="Title 1">
+            <a:extLst>
+              <a:ext uri="{FF2B5EF4-FFF2-40B4-BE49-F238E27FC236}">
+                <a16:creationId xmlns:a16="http://schemas.microsoft.com/office/drawing/2014/main" id="{A72D65A4-0A40-4330-8E00-CA2D6532A5F7}"/>
+              </a:ext>
+            </a:extLst>
+          </p:cNvPr>
+          <p:cNvSpPr>
+            <a:spLocks noGrp="1"/>
+          </p:cNvSpPr>
+          <p:nvPr>
+            <p:ph type="title"/>
+          </p:nvPr>
+        </p:nvSpPr>
+        <p:spPr>
+          <a:xfrm>
+            <a:off x="2438400" y="343706"/>
+            <a:ext cx="7315200" cy="3255264"/>
+          </a:xfrm>
+        </p:spPr>
+        <p:txBody>
+          <a:bodyPr vert="horz" lIns="91440" tIns="45720" rIns="91440" bIns="45720" rtlCol="0" anchor="b">
+            <a:normAutofit fontScale="90000"/>
+          </a:bodyPr>
+          <a:lstStyle/>
+          <a:p>
+            <a:pPr algn="ctr"/>
+            <a:r>
+              <a:rPr lang="en-US" sz="5900" spc="-100" dirty="0">
+                <a:solidFill>
+                  <a:schemeClr val="tx1"/>
+                </a:solidFill>
+              </a:rPr>
+              <a:t>Motivation and Summary:</a:t>
+            </a:r>
+            <a:br>
+              <a:rPr lang="en-US" sz="5900" spc="-100" dirty="0">
+                <a:solidFill>
+                  <a:schemeClr val="tx1"/>
+                </a:solidFill>
+              </a:rPr>
+            </a:br>
+            <a:r>
+              <a:rPr lang="en-US" sz="4000" spc="-100" dirty="0">
+                <a:solidFill>
+                  <a:schemeClr val="tx1"/>
+                </a:solidFill>
+              </a:rPr>
+              <a:t>Spring Chinook Salmon</a:t>
+            </a:r>
+            <a:br>
+              <a:rPr lang="en-US" sz="4000" spc="-100" dirty="0">
+                <a:solidFill>
+                  <a:schemeClr val="tx1"/>
+                </a:solidFill>
+              </a:rPr>
+            </a:br>
+            <a:r>
+              <a:rPr lang="en-US" sz="4000" spc="-100" dirty="0">
+                <a:solidFill>
+                  <a:schemeClr val="tx1"/>
+                </a:solidFill>
+              </a:rPr>
+              <a:t>vs.</a:t>
+            </a:r>
+            <a:br>
+              <a:rPr lang="en-US" sz="4000" spc="-100" dirty="0">
+                <a:solidFill>
+                  <a:schemeClr val="tx1"/>
+                </a:solidFill>
+              </a:rPr>
+            </a:br>
+            <a:r>
+              <a:rPr lang="en-US" sz="4000" spc="-100" dirty="0">
+                <a:solidFill>
+                  <a:schemeClr val="tx1"/>
+                </a:solidFill>
+              </a:rPr>
+              <a:t>Water Relationship</a:t>
+            </a:r>
+            <a:br>
+              <a:rPr lang="en-US" sz="5900" spc="-100" dirty="0">
+                <a:solidFill>
+                  <a:schemeClr val="tx1"/>
+                </a:solidFill>
+              </a:rPr>
+            </a:br>
+            <a:endParaRPr lang="en-US" sz="5900" spc="-100" dirty="0">
+              <a:solidFill>
+                <a:schemeClr val="tx1"/>
+              </a:solidFill>
+            </a:endParaRPr>
+          </a:p>
+        </p:txBody>
+      </p:sp>
     </p:spTree>
     <p:extLst>
       <p:ext uri="{BB962C8B-B14F-4D97-AF65-F5344CB8AC3E}">
-        <p14:creationId xmlns:p14="http://schemas.microsoft.com/office/powerpoint/2010/main" val="784355948"/>
+        <p14:creationId xmlns:p14="http://schemas.microsoft.com/office/powerpoint/2010/main" val="3046945331"/>
       </p:ext>
     </p:extLst>
   </p:cSld>
   <p:clrMapOvr>
-    <a:masterClrMapping/>
+    <a:overrideClrMapping bg1="dk1" tx1="lt1" bg2="dk2" tx2="lt2" accent1="accent1" accent2="accent2" accent3="accent3" accent4="accent4" accent5="accent5" accent6="accent6" hlink="hlink" folHlink="folHlink"/>
   </p:clrMapOvr>
 </p:sld>
 </file>
@@ -5976,17 +6148,6 @@
 <file path=ppt/slides/slide5.xml><?xml version="1.0" encoding="utf-8"?>
 <p:sld xmlns:a="http://schemas.openxmlformats.org/drawingml/2006/main" xmlns:r="http://schemas.openxmlformats.org/officeDocument/2006/relationships" xmlns:p="http://schemas.openxmlformats.org/presentationml/2006/main">
   <p:cSld>
-    <p:bg>
-      <p:bgPr>
-        <a:solidFill>
-          <a:schemeClr val="bg1">
-            <a:tint val="95000"/>
-            <a:satMod val="170000"/>
-          </a:schemeClr>
-        </a:solidFill>
-        <a:effectLst/>
-      </p:bgPr>
-    </p:bg>
     <p:spTree>
       <p:nvGrpSpPr>
         <p:cNvPr id="1" name=""/>
@@ -6001,129 +6162,12 @@
           <a:chExt cx="0" cy="0"/>
         </a:xfrm>
       </p:grpSpPr>
-      <p:sp useBgFill="1">
-        <p:nvSpPr>
-          <p:cNvPr id="16" name="Rectangle 15">
-            <a:extLst>
-              <a:ext uri="{FF2B5EF4-FFF2-40B4-BE49-F238E27FC236}">
-                <a16:creationId xmlns:a16="http://schemas.microsoft.com/office/drawing/2014/main" id="{A1DFCBE5-52C1-48A9-89CF-E7D68CCA1620}"/>
-              </a:ext>
-              <a:ext uri="{C183D7F6-B498-43B3-948B-1728B52AA6E4}">
-                <adec:decorative xmlns:adec="http://schemas.microsoft.com/office/drawing/2017/decorative" val="1"/>
-              </a:ext>
-            </a:extLst>
-          </p:cNvPr>
-          <p:cNvSpPr>
-            <a:spLocks noGrp="1" noRot="1" noChangeAspect="1" noMove="1" noResize="1" noEditPoints="1" noAdjustHandles="1" noChangeArrowheads="1" noChangeShapeType="1" noTextEdit="1"/>
-          </p:cNvSpPr>
-          <p:nvPr>
-            <p:extLst>
-              <p:ext uri="{386F3935-93C4-4BCD-93E2-E3B085C9AB24}">
-                <p16:designElem xmlns:p16="http://schemas.microsoft.com/office/powerpoint/2015/main" val="1"/>
-              </p:ext>
-            </p:extLst>
-          </p:nvPr>
-        </p:nvSpPr>
-        <p:spPr>
-          <a:xfrm>
-            <a:off x="0" y="0"/>
-            <a:ext cx="12188952" cy="6858000"/>
-          </a:xfrm>
-          <a:prstGeom prst="rect">
-            <a:avLst/>
-          </a:prstGeom>
-          <a:ln>
-            <a:noFill/>
-          </a:ln>
-        </p:spPr>
-        <p:style>
-          <a:lnRef idx="2">
-            <a:schemeClr val="accent1">
-              <a:shade val="50000"/>
-            </a:schemeClr>
-          </a:lnRef>
-          <a:fillRef idx="1">
-            <a:schemeClr val="accent1"/>
-          </a:fillRef>
-          <a:effectRef idx="0">
-            <a:schemeClr val="accent1"/>
-          </a:effectRef>
-          <a:fontRef idx="minor">
-            <a:schemeClr val="lt1"/>
-          </a:fontRef>
-        </p:style>
-        <p:txBody>
-          <a:bodyPr rtlCol="0" anchor="ctr"/>
-          <a:lstStyle/>
-          <a:p>
-            <a:pPr algn="ctr"/>
-            <a:endParaRPr lang="en-US"/>
-          </a:p>
-        </p:txBody>
-      </p:sp>
-      <p:sp>
-        <p:nvSpPr>
-          <p:cNvPr id="18" name="Rectangle 17">
-            <a:extLst>
-              <a:ext uri="{FF2B5EF4-FFF2-40B4-BE49-F238E27FC236}">
-                <a16:creationId xmlns:a16="http://schemas.microsoft.com/office/drawing/2014/main" id="{EB17C8F6-D357-4254-BBAC-96B01EEBE162}"/>
-              </a:ext>
-              <a:ext uri="{C183D7F6-B498-43B3-948B-1728B52AA6E4}">
-                <adec:decorative xmlns:adec="http://schemas.microsoft.com/office/drawing/2017/decorative" val="1"/>
-              </a:ext>
-            </a:extLst>
-          </p:cNvPr>
-          <p:cNvSpPr>
-            <a:spLocks noGrp="1" noRot="1" noChangeAspect="1" noMove="1" noResize="1" noEditPoints="1" noAdjustHandles="1" noChangeArrowheads="1" noChangeShapeType="1" noTextEdit="1"/>
-          </p:cNvSpPr>
-          <p:nvPr>
-            <p:extLst>
-              <p:ext uri="{386F3935-93C4-4BCD-93E2-E3B085C9AB24}">
-                <p16:designElem xmlns:p16="http://schemas.microsoft.com/office/powerpoint/2015/main" val="1"/>
-              </p:ext>
-            </p:extLst>
-          </p:nvPr>
-        </p:nvSpPr>
-        <p:spPr>
-          <a:xfrm>
-            <a:off x="0" y="3647203"/>
-            <a:ext cx="11707367" cy="2572622"/>
-          </a:xfrm>
-          <a:prstGeom prst="rect">
-            <a:avLst/>
-          </a:prstGeom>
-          <a:solidFill>
-            <a:srgbClr val="878A8B">
-              <a:alpha val="90000"/>
-            </a:srgbClr>
-          </a:solidFill>
-          <a:ln>
-            <a:noFill/>
-          </a:ln>
-        </p:spPr>
-        <p:style>
-          <a:lnRef idx="2">
-            <a:schemeClr val="accent1">
-              <a:shade val="50000"/>
-            </a:schemeClr>
-          </a:lnRef>
-          <a:fillRef idx="1">
-            <a:schemeClr val="accent1"/>
-          </a:fillRef>
-          <a:effectRef idx="0">
-            <a:schemeClr val="accent1"/>
-          </a:effectRef>
-          <a:fontRef idx="minor">
-            <a:schemeClr val="lt1"/>
-          </a:fontRef>
-        </p:style>
-      </p:sp>
       <p:sp>
         <p:nvSpPr>
           <p:cNvPr id="2" name="Title 1">
             <a:extLst>
               <a:ext uri="{FF2B5EF4-FFF2-40B4-BE49-F238E27FC236}">
-                <a16:creationId xmlns:a16="http://schemas.microsoft.com/office/drawing/2014/main" id="{FD92A229-AD4F-406C-9AD3-467F1E3F6315}"/>
+                <a16:creationId xmlns:a16="http://schemas.microsoft.com/office/drawing/2014/main" id="{DB09D1CD-8460-4B52-BA4D-342D6F08C9EE}"/>
               </a:ext>
             </a:extLst>
           </p:cNvPr>
@@ -6134,32 +6178,122 @@
             <p:ph type="title"/>
           </p:nvPr>
         </p:nvSpPr>
-        <p:spPr>
-          <a:xfrm>
-            <a:off x="317241" y="3991900"/>
-            <a:ext cx="11156964" cy="1883228"/>
-          </a:xfrm>
-        </p:spPr>
-        <p:txBody>
-          <a:bodyPr vert="horz" lIns="91440" tIns="45720" rIns="91440" bIns="45720" rtlCol="0" anchor="ctr">
-            <a:normAutofit/>
-          </a:bodyPr>
-          <a:lstStyle/>
-          <a:p>
-            <a:pPr algn="ctr"/>
-            <a:r>
-              <a:rPr lang="en-US" sz="4400" dirty="0"/>
-              <a:t>Proposal</a:t>
-            </a:r>
+        <p:spPr/>
+        <p:txBody>
+          <a:bodyPr/>
+          <a:lstStyle/>
+          <a:p>
+            <a:r>
+              <a:rPr lang="en-US" dirty="0"/>
+              <a:t>Questions Asked</a:t>
+            </a:r>
+          </a:p>
+        </p:txBody>
+      </p:sp>
+      <p:sp>
+        <p:nvSpPr>
+          <p:cNvPr id="3" name="Content Placeholder 2">
+            <a:extLst>
+              <a:ext uri="{FF2B5EF4-FFF2-40B4-BE49-F238E27FC236}">
+                <a16:creationId xmlns:a16="http://schemas.microsoft.com/office/drawing/2014/main" id="{166B4460-EB7B-4BC9-84C0-8F39F2B46036}"/>
+              </a:ext>
+            </a:extLst>
+          </p:cNvPr>
+          <p:cNvSpPr>
+            <a:spLocks noGrp="1"/>
+          </p:cNvSpPr>
+          <p:nvPr>
+            <p:ph sz="half" idx="1"/>
+          </p:nvPr>
+        </p:nvSpPr>
+        <p:spPr/>
+        <p:txBody>
+          <a:bodyPr/>
+          <a:lstStyle/>
+          <a:p>
+            <a:endParaRPr lang="en-US" dirty="0"/>
+          </a:p>
+          <a:p>
+            <a:endParaRPr lang="en-US" dirty="0"/>
+          </a:p>
+          <a:p>
+            <a:endParaRPr lang="en-US" dirty="0"/>
+          </a:p>
+          <a:p>
+            <a:endParaRPr lang="en-US" dirty="0"/>
+          </a:p>
+          <a:p>
+            <a:endParaRPr lang="en-US" dirty="0"/>
+          </a:p>
+          <a:p>
+            <a:endParaRPr lang="en-US" dirty="0"/>
+          </a:p>
+          <a:p>
+            <a:r>
+              <a:rPr lang="en-US" sz="3200" dirty="0"/>
+              <a:t>Will Spring Chinook Salmon be here for our grandchildren?</a:t>
+            </a:r>
+          </a:p>
+        </p:txBody>
+      </p:sp>
+      <p:sp>
+        <p:nvSpPr>
+          <p:cNvPr id="4" name="Content Placeholder 3">
+            <a:extLst>
+              <a:ext uri="{FF2B5EF4-FFF2-40B4-BE49-F238E27FC236}">
+                <a16:creationId xmlns:a16="http://schemas.microsoft.com/office/drawing/2014/main" id="{AD6AD7A2-1C3B-4765-B7E4-D619DFB6378B}"/>
+              </a:ext>
+            </a:extLst>
+          </p:cNvPr>
+          <p:cNvSpPr>
+            <a:spLocks noGrp="1"/>
+          </p:cNvSpPr>
+          <p:nvPr>
+            <p:ph sz="half" idx="2"/>
+          </p:nvPr>
+        </p:nvSpPr>
+        <p:spPr/>
+        <p:txBody>
+          <a:bodyPr/>
+          <a:lstStyle/>
+          <a:p>
+            <a:r>
+              <a:rPr lang="en-US" sz="3600" dirty="0"/>
+              <a:t>What data do we have?</a:t>
+            </a:r>
+          </a:p>
+          <a:p>
+            <a:endParaRPr lang="en-US" dirty="0"/>
+          </a:p>
+          <a:p>
+            <a:endParaRPr lang="en-US" dirty="0"/>
+          </a:p>
+          <a:p>
+            <a:endParaRPr lang="en-US" dirty="0"/>
+          </a:p>
+          <a:p>
+            <a:endParaRPr lang="en-US" dirty="0"/>
+          </a:p>
+          <a:p>
+            <a:endParaRPr lang="en-US" dirty="0"/>
+          </a:p>
+          <a:p>
+            <a:pPr marL="0" indent="0">
+              <a:buNone/>
+            </a:pPr>
+            <a:endParaRPr lang="en-US" dirty="0"/>
+          </a:p>
+          <a:p>
+            <a:endParaRPr lang="en-US" dirty="0"/>
           </a:p>
         </p:txBody>
       </p:sp>
       <p:pic>
         <p:nvPicPr>
-          <p:cNvPr id="11" name="Picture 10">
+          <p:cNvPr id="6" name="Picture 5" descr="Icon&#10;&#10;Description automatically generated">
             <a:extLst>
               <a:ext uri="{FF2B5EF4-FFF2-40B4-BE49-F238E27FC236}">
-                <a16:creationId xmlns:a16="http://schemas.microsoft.com/office/drawing/2014/main" id="{F170CAFF-9CF5-420F-8DDC-F284A2E3E82A}"/>
+                <a16:creationId xmlns:a16="http://schemas.microsoft.com/office/drawing/2014/main" id="{33108FD4-9871-464D-8E00-0265B4F2289E}"/>
               </a:ext>
             </a:extLst>
           </p:cNvPr>
@@ -6176,8 +6310,8 @@
         </p:blipFill>
         <p:spPr>
           <a:xfrm>
-            <a:off x="858418" y="777481"/>
-            <a:ext cx="3684006" cy="2726165"/>
+            <a:off x="8010143" y="2706623"/>
+            <a:ext cx="3282697" cy="3282697"/>
           </a:xfrm>
           <a:prstGeom prst="rect">
             <a:avLst/>
@@ -6186,19 +6320,17 @@
       </p:pic>
       <p:pic>
         <p:nvPicPr>
-          <p:cNvPr id="9" name="Content Placeholder 8" descr="A close up of a sign&#10;&#10;Description automatically generated">
+          <p:cNvPr id="8" name="Picture 7">
             <a:extLst>
               <a:ext uri="{FF2B5EF4-FFF2-40B4-BE49-F238E27FC236}">
-                <a16:creationId xmlns:a16="http://schemas.microsoft.com/office/drawing/2014/main" id="{AB07847A-F91B-45D3-A2A8-4A799418A436}"/>
+                <a16:creationId xmlns:a16="http://schemas.microsoft.com/office/drawing/2014/main" id="{BC7EB042-6CF7-442A-8B8F-8891E3704753}"/>
               </a:ext>
             </a:extLst>
           </p:cNvPr>
           <p:cNvPicPr>
-            <a:picLocks noGrp="1" noChangeAspect="1"/>
+            <a:picLocks noChangeAspect="1"/>
           </p:cNvPicPr>
-          <p:nvPr>
-            <p:ph idx="1"/>
-          </p:nvPr>
+          <p:nvPr/>
         </p:nvPicPr>
         <p:blipFill>
           <a:blip r:embed="rId4"/>
@@ -6208,72 +6340,23 @@
         </p:blipFill>
         <p:spPr>
           <a:xfrm>
-            <a:off x="8023364" y="777482"/>
-            <a:ext cx="3450841" cy="2726165"/>
+            <a:off x="4479529" y="837214"/>
+            <a:ext cx="2247900" cy="2381250"/>
           </a:xfrm>
           <a:prstGeom prst="rect">
             <a:avLst/>
           </a:prstGeom>
         </p:spPr>
       </p:pic>
-      <p:sp>
-        <p:nvSpPr>
-          <p:cNvPr id="10" name="TextBox 9">
-            <a:extLst>
-              <a:ext uri="{FF2B5EF4-FFF2-40B4-BE49-F238E27FC236}">
-                <a16:creationId xmlns:a16="http://schemas.microsoft.com/office/drawing/2014/main" id="{87D9563F-594B-43CF-A1E9-B85BE1831A85}"/>
-              </a:ext>
-            </a:extLst>
-          </p:cNvPr>
-          <p:cNvSpPr txBox="1"/>
-          <p:nvPr/>
-        </p:nvSpPr>
-        <p:spPr>
-          <a:xfrm>
-            <a:off x="5768055" y="1880083"/>
-            <a:ext cx="1029678" cy="520959"/>
-          </a:xfrm>
-          <a:prstGeom prst="rect">
-            <a:avLst/>
-          </a:prstGeom>
-        </p:spPr>
-        <p:txBody>
-          <a:bodyPr vert="horz" lIns="91440" tIns="45720" rIns="91440" bIns="45720" rtlCol="0" anchor="ctr">
-            <a:normAutofit fontScale="92500" lnSpcReduction="10000"/>
-          </a:bodyPr>
-          <a:lstStyle/>
-          <a:p>
-            <a:pPr defTabSz="914400">
-              <a:lnSpc>
-                <a:spcPct val="90000"/>
-              </a:lnSpc>
-              <a:spcAft>
-                <a:spcPts val="600"/>
-              </a:spcAft>
-              <a:buClr>
-                <a:schemeClr val="accent1"/>
-              </a:buClr>
-            </a:pPr>
-            <a:r>
-              <a:rPr lang="en-US" sz="3600" b="1" dirty="0">
-                <a:solidFill>
-                  <a:srgbClr val="FFFFFF"/>
-                </a:solidFill>
-              </a:rPr>
-              <a:t>Or?</a:t>
-            </a:r>
-          </a:p>
-        </p:txBody>
-      </p:sp>
     </p:spTree>
     <p:extLst>
       <p:ext uri="{BB962C8B-B14F-4D97-AF65-F5344CB8AC3E}">
-        <p14:creationId xmlns:p14="http://schemas.microsoft.com/office/powerpoint/2010/main" val="205779025"/>
+        <p14:creationId xmlns:p14="http://schemas.microsoft.com/office/powerpoint/2010/main" val="1033387866"/>
       </p:ext>
     </p:extLst>
   </p:cSld>
   <p:clrMapOvr>
-    <a:overrideClrMapping bg1="dk1" tx1="lt1" bg2="dk2" tx2="lt2" accent1="accent1" accent2="accent2" accent3="accent3" accent4="accent4" accent5="accent5" accent6="accent6" hlink="hlink" folHlink="folHlink"/>
+    <a:masterClrMapping/>
   </p:clrMapOvr>
 </p:sld>
 </file>
@@ -6300,7 +6383,7 @@
           <p:cNvPr id="2" name="Title 1">
             <a:extLst>
               <a:ext uri="{FF2B5EF4-FFF2-40B4-BE49-F238E27FC236}">
-                <a16:creationId xmlns:a16="http://schemas.microsoft.com/office/drawing/2014/main" id="{DB09D1CD-8460-4B52-BA4D-342D6F08C9EE}"/>
+                <a16:creationId xmlns:a16="http://schemas.microsoft.com/office/drawing/2014/main" id="{42E01788-C28A-4005-BE57-E13FD67F5F12}"/>
               </a:ext>
             </a:extLst>
           </p:cNvPr>
@@ -6318,122 +6401,26 @@
           <a:p>
             <a:r>
               <a:rPr lang="en-US" dirty="0"/>
-              <a:t>Questions Asked</a:t>
-            </a:r>
-          </a:p>
-        </p:txBody>
-      </p:sp>
-      <p:sp>
-        <p:nvSpPr>
-          <p:cNvPr id="3" name="Content Placeholder 2">
+              <a:t>Data Clean up and Exploration</a:t>
+            </a:r>
+          </a:p>
+        </p:txBody>
+      </p:sp>
+      <p:pic>
+        <p:nvPicPr>
+          <p:cNvPr id="6" name="Content Placeholder 5">
             <a:extLst>
               <a:ext uri="{FF2B5EF4-FFF2-40B4-BE49-F238E27FC236}">
-                <a16:creationId xmlns:a16="http://schemas.microsoft.com/office/drawing/2014/main" id="{166B4460-EB7B-4BC9-84C0-8F39F2B46036}"/>
-              </a:ext>
-            </a:extLst>
-          </p:cNvPr>
-          <p:cNvSpPr>
-            <a:spLocks noGrp="1"/>
-          </p:cNvSpPr>
-          <p:nvPr>
-            <p:ph sz="half" idx="1"/>
-          </p:nvPr>
-        </p:nvSpPr>
-        <p:spPr/>
-        <p:txBody>
-          <a:bodyPr/>
-          <a:lstStyle/>
-          <a:p>
-            <a:endParaRPr lang="en-US" dirty="0"/>
-          </a:p>
-          <a:p>
-            <a:endParaRPr lang="en-US" dirty="0"/>
-          </a:p>
-          <a:p>
-            <a:endParaRPr lang="en-US" dirty="0"/>
-          </a:p>
-          <a:p>
-            <a:endParaRPr lang="en-US" dirty="0"/>
-          </a:p>
-          <a:p>
-            <a:endParaRPr lang="en-US" dirty="0"/>
-          </a:p>
-          <a:p>
-            <a:endParaRPr lang="en-US" dirty="0"/>
-          </a:p>
-          <a:p>
-            <a:r>
-              <a:rPr lang="en-US" sz="3200" dirty="0"/>
-              <a:t>Will Spring Chinook Salmon be here for our grandchildren?</a:t>
-            </a:r>
-          </a:p>
-        </p:txBody>
-      </p:sp>
-      <p:sp>
-        <p:nvSpPr>
-          <p:cNvPr id="4" name="Content Placeholder 3">
-            <a:extLst>
-              <a:ext uri="{FF2B5EF4-FFF2-40B4-BE49-F238E27FC236}">
-                <a16:creationId xmlns:a16="http://schemas.microsoft.com/office/drawing/2014/main" id="{AD6AD7A2-1C3B-4765-B7E4-D619DFB6378B}"/>
-              </a:ext>
-            </a:extLst>
-          </p:cNvPr>
-          <p:cNvSpPr>
-            <a:spLocks noGrp="1"/>
-          </p:cNvSpPr>
-          <p:nvPr>
-            <p:ph sz="half" idx="2"/>
-          </p:nvPr>
-        </p:nvSpPr>
-        <p:spPr/>
-        <p:txBody>
-          <a:bodyPr/>
-          <a:lstStyle/>
-          <a:p>
-            <a:r>
-              <a:rPr lang="en-US" sz="3600" dirty="0"/>
-              <a:t>What data do we have?</a:t>
-            </a:r>
-          </a:p>
-          <a:p>
-            <a:endParaRPr lang="en-US" dirty="0"/>
-          </a:p>
-          <a:p>
-            <a:endParaRPr lang="en-US" dirty="0"/>
-          </a:p>
-          <a:p>
-            <a:endParaRPr lang="en-US" dirty="0"/>
-          </a:p>
-          <a:p>
-            <a:endParaRPr lang="en-US" dirty="0"/>
-          </a:p>
-          <a:p>
-            <a:endParaRPr lang="en-US" dirty="0"/>
-          </a:p>
-          <a:p>
-            <a:pPr marL="0" indent="0">
-              <a:buNone/>
-            </a:pPr>
-            <a:endParaRPr lang="en-US" dirty="0"/>
-          </a:p>
-          <a:p>
-            <a:endParaRPr lang="en-US" dirty="0"/>
-          </a:p>
-        </p:txBody>
-      </p:sp>
-      <p:pic>
-        <p:nvPicPr>
-          <p:cNvPr id="6" name="Picture 5" descr="Icon&#10;&#10;Description automatically generated">
-            <a:extLst>
-              <a:ext uri="{FF2B5EF4-FFF2-40B4-BE49-F238E27FC236}">
-                <a16:creationId xmlns:a16="http://schemas.microsoft.com/office/drawing/2014/main" id="{33108FD4-9871-464D-8E00-0265B4F2289E}"/>
+                <a16:creationId xmlns:a16="http://schemas.microsoft.com/office/drawing/2014/main" id="{1744CA5C-BE0C-4D9F-8A20-3A11D0AC3D77}"/>
               </a:ext>
             </a:extLst>
           </p:cNvPr>
           <p:cNvPicPr>
-            <a:picLocks noChangeAspect="1"/>
+            <a:picLocks noGrp="1" noChangeAspect="1"/>
           </p:cNvPicPr>
-          <p:nvPr/>
+          <p:nvPr>
+            <p:ph sz="half" idx="2"/>
+          </p:nvPr>
         </p:nvPicPr>
         <p:blipFill>
           <a:blip r:embed="rId2"/>
@@ -6443,48 +6430,81 @@
         </p:blipFill>
         <p:spPr>
           <a:xfrm>
-            <a:off x="8010143" y="2706623"/>
-            <a:ext cx="3282697" cy="3282697"/>
-          </a:xfrm>
-          <a:prstGeom prst="rect">
-            <a:avLst/>
-          </a:prstGeom>
+            <a:off x="5656005" y="236403"/>
+            <a:ext cx="3475037" cy="2916195"/>
+          </a:xfrm>
         </p:spPr>
       </p:pic>
-      <p:pic>
-        <p:nvPicPr>
-          <p:cNvPr id="8" name="Picture 7">
+      <p:sp>
+        <p:nvSpPr>
+          <p:cNvPr id="8" name="Content Placeholder 7">
             <a:extLst>
               <a:ext uri="{FF2B5EF4-FFF2-40B4-BE49-F238E27FC236}">
-                <a16:creationId xmlns:a16="http://schemas.microsoft.com/office/drawing/2014/main" id="{BC7EB042-6CF7-442A-8B8F-8891E3704753}"/>
+                <a16:creationId xmlns:a16="http://schemas.microsoft.com/office/drawing/2014/main" id="{28F99353-330E-4D6D-8D83-21C1AE46C16F}"/>
               </a:ext>
             </a:extLst>
           </p:cNvPr>
-          <p:cNvPicPr>
-            <a:picLocks noChangeAspect="1"/>
-          </p:cNvPicPr>
-          <p:nvPr/>
-        </p:nvPicPr>
-        <p:blipFill>
-          <a:blip r:embed="rId3"/>
-          <a:stretch>
-            <a:fillRect/>
-          </a:stretch>
-        </p:blipFill>
-        <p:spPr>
-          <a:xfrm>
-            <a:off x="4479529" y="837214"/>
-            <a:ext cx="2247900" cy="2381250"/>
-          </a:xfrm>
-          <a:prstGeom prst="rect">
-            <a:avLst/>
-          </a:prstGeom>
-        </p:spPr>
-      </p:pic>
+          <p:cNvSpPr>
+            <a:spLocks noGrp="1"/>
+          </p:cNvSpPr>
+          <p:nvPr>
+            <p:ph sz="half" idx="1"/>
+          </p:nvPr>
+        </p:nvSpPr>
+        <p:spPr>
+          <a:xfrm>
+            <a:off x="3447535" y="3966519"/>
+            <a:ext cx="8279027" cy="2608884"/>
+          </a:xfrm>
+        </p:spPr>
+        <p:txBody>
+          <a:bodyPr/>
+          <a:lstStyle/>
+          <a:p>
+            <a:r>
+              <a:rPr lang="en-US" dirty="0"/>
+              <a:t>Google misery</a:t>
+            </a:r>
+          </a:p>
+          <a:p>
+            <a:r>
+              <a:rPr lang="en-US" dirty="0"/>
+              <a:t>Too many sources – is it relevant data?</a:t>
+            </a:r>
+          </a:p>
+          <a:p>
+            <a:r>
+              <a:rPr lang="en-US" dirty="0"/>
+              <a:t>Data inconsistencies – so many formats</a:t>
+            </a:r>
+          </a:p>
+          <a:p>
+            <a:r>
+              <a:rPr lang="en-US" dirty="0"/>
+              <a:t>Making sure our shapes matched up – working with teams</a:t>
+            </a:r>
+          </a:p>
+          <a:p>
+            <a:r>
+              <a:rPr lang="en-US" dirty="0"/>
+              <a:t>Scrubbing, Scrubbing, Scrubbing</a:t>
+            </a:r>
+          </a:p>
+          <a:p>
+            <a:endParaRPr lang="en-US" dirty="0"/>
+          </a:p>
+          <a:p>
+            <a:endParaRPr lang="en-US" dirty="0"/>
+          </a:p>
+          <a:p>
+            <a:endParaRPr lang="en-US" dirty="0"/>
+          </a:p>
+        </p:txBody>
+      </p:sp>
     </p:spTree>
     <p:extLst>
       <p:ext uri="{BB962C8B-B14F-4D97-AF65-F5344CB8AC3E}">
-        <p14:creationId xmlns:p14="http://schemas.microsoft.com/office/powerpoint/2010/main" val="1033387866"/>
+        <p14:creationId xmlns:p14="http://schemas.microsoft.com/office/powerpoint/2010/main" val="788004489"/>
       </p:ext>
     </p:extLst>
   </p:cSld>
@@ -6497,6 +6517,14 @@
 <file path=ppt/slides/slide7.xml><?xml version="1.0" encoding="utf-8"?>
 <p:sld xmlns:a="http://schemas.openxmlformats.org/drawingml/2006/main" xmlns:r="http://schemas.openxmlformats.org/officeDocument/2006/relationships" xmlns:p="http://schemas.openxmlformats.org/presentationml/2006/main">
   <p:cSld>
+    <p:bg>
+      <p:bgPr>
+        <a:solidFill>
+          <a:schemeClr val="bg1"/>
+        </a:solidFill>
+        <a:effectLst/>
+      </p:bgPr>
+    </p:bg>
     <p:spTree>
       <p:nvGrpSpPr>
         <p:cNvPr id="1" name=""/>
@@ -6513,10 +6541,237 @@
       </p:grpSpPr>
       <p:sp>
         <p:nvSpPr>
+          <p:cNvPr id="45" name="Rectangle 44">
+            <a:extLst>
+              <a:ext uri="{FF2B5EF4-FFF2-40B4-BE49-F238E27FC236}">
+                <a16:creationId xmlns:a16="http://schemas.microsoft.com/office/drawing/2014/main" id="{40CEB5FD-1F68-4966-9C29-5DA5ADCCFE95}"/>
+              </a:ext>
+              <a:ext uri="{C183D7F6-B498-43B3-948B-1728B52AA6E4}">
+                <adec:decorative xmlns:adec="http://schemas.microsoft.com/office/drawing/2017/decorative" val="1"/>
+              </a:ext>
+            </a:extLst>
+          </p:cNvPr>
+          <p:cNvSpPr>
+            <a:spLocks noGrp="1" noRot="1" noChangeAspect="1" noMove="1" noResize="1" noEditPoints="1" noAdjustHandles="1" noChangeArrowheads="1" noChangeShapeType="1" noTextEdit="1"/>
+          </p:cNvSpPr>
+          <p:nvPr>
+            <p:extLst>
+              <p:ext uri="{386F3935-93C4-4BCD-93E2-E3B085C9AB24}">
+                <p16:designElem xmlns:p16="http://schemas.microsoft.com/office/powerpoint/2015/main" val="1"/>
+              </p:ext>
+            </p:extLst>
+          </p:nvPr>
+        </p:nvSpPr>
+        <p:spPr>
+          <a:xfrm>
+            <a:off x="1" y="758952"/>
+            <a:ext cx="3443590" cy="5330952"/>
+          </a:xfrm>
+          <a:prstGeom prst="rect">
+            <a:avLst/>
+          </a:prstGeom>
+          <a:solidFill>
+            <a:schemeClr val="accent1"/>
+          </a:solidFill>
+          <a:ln>
+            <a:noFill/>
+          </a:ln>
+        </p:spPr>
+        <p:style>
+          <a:lnRef idx="2">
+            <a:schemeClr val="accent1">
+              <a:shade val="50000"/>
+            </a:schemeClr>
+          </a:lnRef>
+          <a:fillRef idx="1">
+            <a:schemeClr val="accent1"/>
+          </a:fillRef>
+          <a:effectRef idx="0">
+            <a:schemeClr val="accent1"/>
+          </a:effectRef>
+          <a:fontRef idx="minor">
+            <a:schemeClr val="lt1"/>
+          </a:fontRef>
+        </p:style>
+      </p:sp>
+      <p:sp>
+        <p:nvSpPr>
+          <p:cNvPr id="47" name="Rectangle 46">
+            <a:extLst>
+              <a:ext uri="{FF2B5EF4-FFF2-40B4-BE49-F238E27FC236}">
+                <a16:creationId xmlns:a16="http://schemas.microsoft.com/office/drawing/2014/main" id="{F88154DA-55D8-482D-94C2-81A8A265D328}"/>
+              </a:ext>
+              <a:ext uri="{C183D7F6-B498-43B3-948B-1728B52AA6E4}">
+                <adec:decorative xmlns:adec="http://schemas.microsoft.com/office/drawing/2017/decorative" val="1"/>
+              </a:ext>
+            </a:extLst>
+          </p:cNvPr>
+          <p:cNvSpPr>
+            <a:spLocks noGrp="1" noRot="1" noChangeAspect="1" noMove="1" noResize="1" noEditPoints="1" noAdjustHandles="1" noChangeArrowheads="1" noChangeShapeType="1" noTextEdit="1"/>
+          </p:cNvSpPr>
+          <p:nvPr>
+            <p:extLst>
+              <p:ext uri="{386F3935-93C4-4BCD-93E2-E3B085C9AB24}">
+                <p16:designElem xmlns:p16="http://schemas.microsoft.com/office/powerpoint/2015/main" val="1"/>
+              </p:ext>
+            </p:extLst>
+          </p:nvPr>
+        </p:nvSpPr>
+        <p:spPr>
+          <a:xfrm>
+            <a:off x="11815864" y="758952"/>
+            <a:ext cx="384048" cy="5330952"/>
+          </a:xfrm>
+          <a:prstGeom prst="rect">
+            <a:avLst/>
+          </a:prstGeom>
+          <a:solidFill>
+            <a:srgbClr val="C8C8C8">
+              <a:alpha val="49804"/>
+            </a:srgbClr>
+          </a:solidFill>
+          <a:ln>
+            <a:noFill/>
+          </a:ln>
+        </p:spPr>
+        <p:style>
+          <a:lnRef idx="2">
+            <a:schemeClr val="accent1">
+              <a:shade val="50000"/>
+            </a:schemeClr>
+          </a:lnRef>
+          <a:fillRef idx="1">
+            <a:schemeClr val="accent1"/>
+          </a:fillRef>
+          <a:effectRef idx="0">
+            <a:schemeClr val="accent1"/>
+          </a:effectRef>
+          <a:fontRef idx="minor">
+            <a:schemeClr val="lt1"/>
+          </a:fontRef>
+        </p:style>
+      </p:sp>
+      <p:sp useBgFill="1">
+        <p:nvSpPr>
+          <p:cNvPr id="49" name="Rectangle 48">
+            <a:extLst>
+              <a:ext uri="{FF2B5EF4-FFF2-40B4-BE49-F238E27FC236}">
+                <a16:creationId xmlns:a16="http://schemas.microsoft.com/office/drawing/2014/main" id="{A1DFCBE5-52C1-48A9-89CF-E7D68CCA1620}"/>
+              </a:ext>
+              <a:ext uri="{C183D7F6-B498-43B3-948B-1728B52AA6E4}">
+                <adec:decorative xmlns:adec="http://schemas.microsoft.com/office/drawing/2017/decorative" val="1"/>
+              </a:ext>
+            </a:extLst>
+          </p:cNvPr>
+          <p:cNvSpPr>
+            <a:spLocks noGrp="1" noRot="1" noChangeAspect="1" noMove="1" noResize="1" noEditPoints="1" noAdjustHandles="1" noChangeArrowheads="1" noChangeShapeType="1" noTextEdit="1"/>
+          </p:cNvSpPr>
+          <p:nvPr>
+            <p:extLst>
+              <p:ext uri="{386F3935-93C4-4BCD-93E2-E3B085C9AB24}">
+                <p16:designElem xmlns:p16="http://schemas.microsoft.com/office/powerpoint/2015/main" val="1"/>
+              </p:ext>
+            </p:extLst>
+          </p:nvPr>
+        </p:nvSpPr>
+        <p:spPr>
+          <a:xfrm>
+            <a:off x="0" y="0"/>
+            <a:ext cx="12188952" cy="6858000"/>
+          </a:xfrm>
+          <a:prstGeom prst="rect">
+            <a:avLst/>
+          </a:prstGeom>
+          <a:ln>
+            <a:noFill/>
+          </a:ln>
+        </p:spPr>
+        <p:style>
+          <a:lnRef idx="2">
+            <a:schemeClr val="accent1">
+              <a:shade val="50000"/>
+            </a:schemeClr>
+          </a:lnRef>
+          <a:fillRef idx="1">
+            <a:schemeClr val="accent1"/>
+          </a:fillRef>
+          <a:effectRef idx="0">
+            <a:schemeClr val="accent1"/>
+          </a:effectRef>
+          <a:fontRef idx="minor">
+            <a:schemeClr val="lt1"/>
+          </a:fontRef>
+        </p:style>
+        <p:txBody>
+          <a:bodyPr rtlCol="0" anchor="ctr"/>
+          <a:lstStyle/>
+          <a:p>
+            <a:pPr algn="ctr"/>
+            <a:endParaRPr lang="en-US"/>
+          </a:p>
+        </p:txBody>
+      </p:sp>
+      <p:sp>
+        <p:nvSpPr>
+          <p:cNvPr id="51" name="Rectangle 50">
+            <a:extLst>
+              <a:ext uri="{FF2B5EF4-FFF2-40B4-BE49-F238E27FC236}">
+                <a16:creationId xmlns:a16="http://schemas.microsoft.com/office/drawing/2014/main" id="{EB17C8F6-D357-4254-BBAC-96B01EEBE162}"/>
+              </a:ext>
+              <a:ext uri="{C183D7F6-B498-43B3-948B-1728B52AA6E4}">
+                <adec:decorative xmlns:adec="http://schemas.microsoft.com/office/drawing/2017/decorative" val="1"/>
+              </a:ext>
+            </a:extLst>
+          </p:cNvPr>
+          <p:cNvSpPr>
+            <a:spLocks noGrp="1" noRot="1" noChangeAspect="1" noMove="1" noResize="1" noEditPoints="1" noAdjustHandles="1" noChangeArrowheads="1" noChangeShapeType="1" noTextEdit="1"/>
+          </p:cNvSpPr>
+          <p:nvPr>
+            <p:extLst>
+              <p:ext uri="{386F3935-93C4-4BCD-93E2-E3B085C9AB24}">
+                <p16:designElem xmlns:p16="http://schemas.microsoft.com/office/powerpoint/2015/main" val="1"/>
+              </p:ext>
+            </p:extLst>
+          </p:nvPr>
+        </p:nvSpPr>
+        <p:spPr>
+          <a:xfrm>
+            <a:off x="0" y="3647203"/>
+            <a:ext cx="11707367" cy="2572622"/>
+          </a:xfrm>
+          <a:prstGeom prst="rect">
+            <a:avLst/>
+          </a:prstGeom>
+          <a:solidFill>
+            <a:schemeClr val="accent1"/>
+          </a:solidFill>
+          <a:ln>
+            <a:noFill/>
+          </a:ln>
+        </p:spPr>
+        <p:style>
+          <a:lnRef idx="2">
+            <a:schemeClr val="accent1">
+              <a:shade val="50000"/>
+            </a:schemeClr>
+          </a:lnRef>
+          <a:fillRef idx="1">
+            <a:schemeClr val="accent1"/>
+          </a:fillRef>
+          <a:effectRef idx="0">
+            <a:schemeClr val="accent1"/>
+          </a:effectRef>
+          <a:fontRef idx="minor">
+            <a:schemeClr val="lt1"/>
+          </a:fontRef>
+        </p:style>
+      </p:sp>
+      <p:sp>
+        <p:nvSpPr>
           <p:cNvPr id="2" name="Title 1">
             <a:extLst>
               <a:ext uri="{FF2B5EF4-FFF2-40B4-BE49-F238E27FC236}">
-                <a16:creationId xmlns:a16="http://schemas.microsoft.com/office/drawing/2014/main" id="{42E01788-C28A-4005-BE57-E13FD67F5F12}"/>
+                <a16:creationId xmlns:a16="http://schemas.microsoft.com/office/drawing/2014/main" id="{E01AF0B3-316F-42E9-88C7-3E0DB44D80B8}"/>
               </a:ext>
             </a:extLst>
           </p:cNvPr>
@@ -6527,45 +6782,84 @@
             <p:ph type="title"/>
           </p:nvPr>
         </p:nvSpPr>
-        <p:spPr/>
-        <p:txBody>
-          <a:bodyPr/>
-          <a:lstStyle/>
-          <a:p>
-            <a:r>
-              <a:rPr lang="en-US" dirty="0"/>
-              <a:t>Data Clean up and Exploration</a:t>
+        <p:spPr>
+          <a:xfrm>
+            <a:off x="1063691" y="4049486"/>
+            <a:ext cx="4825480" cy="1883228"/>
+          </a:xfrm>
+        </p:spPr>
+        <p:txBody>
+          <a:bodyPr vert="horz" lIns="91440" tIns="45720" rIns="91440" bIns="45720" rtlCol="0" anchor="ctr">
+            <a:normAutofit/>
+          </a:bodyPr>
+          <a:lstStyle/>
+          <a:p>
+            <a:pPr algn="r"/>
+            <a:r>
+              <a:rPr lang="en-US" sz="4400"/>
+              <a:t>Data Analysis</a:t>
             </a:r>
           </a:p>
         </p:txBody>
       </p:sp>
       <p:pic>
         <p:nvPicPr>
-          <p:cNvPr id="6" name="Content Placeholder 5">
+          <p:cNvPr id="10" name="Picture 9">
             <a:extLst>
               <a:ext uri="{FF2B5EF4-FFF2-40B4-BE49-F238E27FC236}">
-                <a16:creationId xmlns:a16="http://schemas.microsoft.com/office/drawing/2014/main" id="{1744CA5C-BE0C-4D9F-8A20-3A11D0AC3D77}"/>
+                <a16:creationId xmlns:a16="http://schemas.microsoft.com/office/drawing/2014/main" id="{32C395DC-34BF-4C4D-9F3F-B930CEF1FB9C}"/>
               </a:ext>
             </a:extLst>
           </p:cNvPr>
           <p:cNvPicPr>
-            <a:picLocks noGrp="1" noChangeAspect="1"/>
+            <a:picLocks noChangeAspect="1"/>
           </p:cNvPicPr>
-          <p:nvPr>
-            <p:ph sz="half" idx="2"/>
-          </p:nvPr>
+          <p:nvPr/>
         </p:nvPicPr>
         <p:blipFill>
-          <a:blip r:embed="rId2"/>
+          <a:blip r:embed="rId3"/>
           <a:stretch>
             <a:fillRect/>
           </a:stretch>
         </p:blipFill>
         <p:spPr>
           <a:xfrm>
-            <a:off x="5656005" y="296561"/>
-            <a:ext cx="3475037" cy="2916195"/>
-          </a:xfrm>
+            <a:off x="1380219" y="633927"/>
+            <a:ext cx="4130553" cy="2726165"/>
+          </a:xfrm>
+          <a:prstGeom prst="rect">
+            <a:avLst/>
+          </a:prstGeom>
+        </p:spPr>
+      </p:pic>
+      <p:pic>
+        <p:nvPicPr>
+          <p:cNvPr id="4" name="Picture 3">
+            <a:extLst>
+              <a:ext uri="{FF2B5EF4-FFF2-40B4-BE49-F238E27FC236}">
+                <a16:creationId xmlns:a16="http://schemas.microsoft.com/office/drawing/2014/main" id="{774C890D-38A2-4FB3-B6DF-D37CCF137FC0}"/>
+              </a:ext>
+            </a:extLst>
+          </p:cNvPr>
+          <p:cNvPicPr>
+            <a:picLocks noChangeAspect="1"/>
+          </p:cNvPicPr>
+          <p:nvPr/>
+        </p:nvPicPr>
+        <p:blipFill>
+          <a:blip r:embed="rId4"/>
+          <a:stretch>
+            <a:fillRect/>
+          </a:stretch>
+        </p:blipFill>
+        <p:spPr>
+          <a:xfrm>
+            <a:off x="6795530" y="633927"/>
+            <a:ext cx="3734473" cy="2726165"/>
+          </a:xfrm>
+          <a:prstGeom prst="rect">
+            <a:avLst/>
+          </a:prstGeom>
         </p:spPr>
       </p:pic>
       <p:sp>
@@ -6573,7 +6867,7 @@
           <p:cNvPr id="8" name="Content Placeholder 7">
             <a:extLst>
               <a:ext uri="{FF2B5EF4-FFF2-40B4-BE49-F238E27FC236}">
-                <a16:creationId xmlns:a16="http://schemas.microsoft.com/office/drawing/2014/main" id="{28F99353-330E-4D6D-8D83-21C1AE46C16F}"/>
+                <a16:creationId xmlns:a16="http://schemas.microsoft.com/office/drawing/2014/main" id="{068E5E35-C160-43F5-B6A5-34EE58CABA35}"/>
               </a:ext>
             </a:extLst>
           </p:cNvPr>
@@ -6581,63 +6875,33 @@
             <a:spLocks noGrp="1"/>
           </p:cNvSpPr>
           <p:nvPr>
-            <p:ph sz="half" idx="1"/>
-          </p:nvPr>
-        </p:nvSpPr>
-        <p:spPr>
-          <a:xfrm>
-            <a:off x="3447535" y="3966519"/>
-            <a:ext cx="8279027" cy="2608884"/>
-          </a:xfrm>
-        </p:spPr>
-        <p:txBody>
-          <a:bodyPr/>
-          <a:lstStyle/>
-          <a:p>
-            <a:r>
-              <a:rPr lang="en-US" dirty="0"/>
-              <a:t>Google misery</a:t>
-            </a:r>
-          </a:p>
-          <a:p>
-            <a:r>
-              <a:rPr lang="en-US" dirty="0"/>
-              <a:t>Too many sources – is it relevant data?</a:t>
-            </a:r>
-          </a:p>
-          <a:p>
-            <a:r>
-              <a:rPr lang="en-US" dirty="0"/>
-              <a:t>Data inconsistencies – so many formats</a:t>
-            </a:r>
-          </a:p>
-          <a:p>
-            <a:r>
-              <a:rPr lang="en-US" dirty="0"/>
-              <a:t>Making sure our shapes matched up – working with teams</a:t>
-            </a:r>
-          </a:p>
-          <a:p>
-            <a:r>
-              <a:rPr lang="en-US" dirty="0"/>
-              <a:t>Scrubbing, Scrubbing, Scrubbing</a:t>
-            </a:r>
-          </a:p>
-          <a:p>
-            <a:endParaRPr lang="en-US" dirty="0"/>
-          </a:p>
-          <a:p>
-            <a:endParaRPr lang="en-US" dirty="0"/>
-          </a:p>
-          <a:p>
-            <a:endParaRPr lang="en-US" dirty="0"/>
+            <p:ph sz="half" idx="2"/>
+          </p:nvPr>
+        </p:nvSpPr>
+        <p:spPr>
+          <a:xfrm>
+            <a:off x="6338316" y="4049485"/>
+            <a:ext cx="4846151" cy="1883229"/>
+          </a:xfrm>
+        </p:spPr>
+        <p:txBody>
+          <a:bodyPr vert="horz" lIns="91440" tIns="45720" rIns="91440" bIns="45720" rtlCol="0" anchor="ctr">
+            <a:normAutofit/>
+          </a:bodyPr>
+          <a:lstStyle/>
+          <a:p>
+            <a:endParaRPr lang="en-US" sz="1800">
+              <a:solidFill>
+                <a:srgbClr val="FFFFFF"/>
+              </a:solidFill>
+            </a:endParaRPr>
           </a:p>
         </p:txBody>
       </p:sp>
     </p:spTree>
     <p:extLst>
       <p:ext uri="{BB962C8B-B14F-4D97-AF65-F5344CB8AC3E}">
-        <p14:creationId xmlns:p14="http://schemas.microsoft.com/office/powerpoint/2010/main" val="788004489"/>
+        <p14:creationId xmlns:p14="http://schemas.microsoft.com/office/powerpoint/2010/main" val="2888771211"/>
       </p:ext>
     </p:extLst>
   </p:cSld>
@@ -6674,10 +6938,10 @@
       </p:grpSpPr>
       <p:sp>
         <p:nvSpPr>
-          <p:cNvPr id="23" name="Rectangle 22">
+          <p:cNvPr id="10" name="Rectangle 9">
             <a:extLst>
               <a:ext uri="{FF2B5EF4-FFF2-40B4-BE49-F238E27FC236}">
-                <a16:creationId xmlns:a16="http://schemas.microsoft.com/office/drawing/2014/main" id="{559C4044-6571-4E7D-ACA0-60916A1B19EF}"/>
+                <a16:creationId xmlns:a16="http://schemas.microsoft.com/office/drawing/2014/main" id="{051E3431-CE8A-4FA3-92ED-72D1E007B338}"/>
               </a:ext>
               <a:ext uri="{C183D7F6-B498-43B3-948B-1728B52AA6E4}">
                 <adec:decorative xmlns:adec="http://schemas.microsoft.com/office/drawing/2017/decorative" val="1"/>
@@ -6729,10 +6993,10 @@
       </p:sp>
       <p:sp>
         <p:nvSpPr>
-          <p:cNvPr id="25" name="Rectangle 24">
+          <p:cNvPr id="12" name="Rectangle 11">
             <a:extLst>
               <a:ext uri="{FF2B5EF4-FFF2-40B4-BE49-F238E27FC236}">
-                <a16:creationId xmlns:a16="http://schemas.microsoft.com/office/drawing/2014/main" id="{5759E11B-A631-44D7-BA66-473224BDA570}"/>
+                <a16:creationId xmlns:a16="http://schemas.microsoft.com/office/drawing/2014/main" id="{287ACA9C-6281-4732-9DE5-95D5F9BEA7AD}"/>
               </a:ext>
               <a:ext uri="{C183D7F6-B498-43B3-948B-1728B52AA6E4}">
                 <adec:decorative xmlns:adec="http://schemas.microsoft.com/office/drawing/2017/decorative" val="1"/>
@@ -6786,10 +7050,10 @@
       </p:sp>
       <p:sp useBgFill="1">
         <p:nvSpPr>
-          <p:cNvPr id="27" name="Rectangle 26">
+          <p:cNvPr id="14" name="Rectangle 13">
             <a:extLst>
               <a:ext uri="{FF2B5EF4-FFF2-40B4-BE49-F238E27FC236}">
-                <a16:creationId xmlns:a16="http://schemas.microsoft.com/office/drawing/2014/main" id="{EB8AA617-0537-4ED7-91B6-66511A647507}"/>
+                <a16:creationId xmlns:a16="http://schemas.microsoft.com/office/drawing/2014/main" id="{D1628877-E08F-4E76-A6D9-CAFB570DB8D3}"/>
               </a:ext>
               <a:ext uri="{C183D7F6-B498-43B3-948B-1728B52AA6E4}">
                 <adec:decorative xmlns:adec="http://schemas.microsoft.com/office/drawing/2017/decorative" val="1"/>
@@ -6840,16 +7104,47 @@
           <a:lstStyle/>
           <a:p>
             <a:pPr algn="ctr"/>
-            <a:endParaRPr lang="en-US" dirty="0"/>
-          </a:p>
-        </p:txBody>
-      </p:sp>
-      <p:sp>
-        <p:nvSpPr>
-          <p:cNvPr id="29" name="Rectangle 28">
+            <a:endParaRPr lang="en-US"/>
+          </a:p>
+        </p:txBody>
+      </p:sp>
+      <p:pic>
+        <p:nvPicPr>
+          <p:cNvPr id="5" name="Content Placeholder 4">
             <a:extLst>
               <a:ext uri="{FF2B5EF4-FFF2-40B4-BE49-F238E27FC236}">
-                <a16:creationId xmlns:a16="http://schemas.microsoft.com/office/drawing/2014/main" id="{C2E8BF1F-CE61-45C5-92AC-552D23176C03}"/>
+                <a16:creationId xmlns:a16="http://schemas.microsoft.com/office/drawing/2014/main" id="{52527624-67C4-43A5-B370-0AC01D0FC58B}"/>
+              </a:ext>
+            </a:extLst>
+          </p:cNvPr>
+          <p:cNvPicPr>
+            <a:picLocks noGrp="1" noChangeAspect="1"/>
+          </p:cNvPicPr>
+          <p:nvPr>
+            <p:ph sz="half" idx="2"/>
+          </p:nvPr>
+        </p:nvPicPr>
+        <p:blipFill rotWithShape="1">
+          <a:blip r:embed="rId3"/>
+          <a:srcRect t="1466" r="25" b="28221"/>
+          <a:stretch/>
+        </p:blipFill>
+        <p:spPr>
+          <a:xfrm>
+            <a:off x="20" y="-1"/>
+            <a:ext cx="12188932" cy="6858000"/>
+          </a:xfrm>
+          <a:prstGeom prst="rect">
+            <a:avLst/>
+          </a:prstGeom>
+        </p:spPr>
+      </p:pic>
+      <p:sp>
+        <p:nvSpPr>
+          <p:cNvPr id="16" name="Rectangle 15">
+            <a:extLst>
+              <a:ext uri="{FF2B5EF4-FFF2-40B4-BE49-F238E27FC236}">
+                <a16:creationId xmlns:a16="http://schemas.microsoft.com/office/drawing/2014/main" id="{57587975-CDAC-4067-A9DD-FF1F73F8494E}"/>
               </a:ext>
               <a:ext uri="{C183D7F6-B498-43B3-948B-1728B52AA6E4}">
                 <adec:decorative xmlns:adec="http://schemas.microsoft.com/office/drawing/2017/decorative" val="1"/>
@@ -6869,14 +7164,16 @@
         </p:nvSpPr>
         <p:spPr>
           <a:xfrm>
-            <a:off x="0" y="4367639"/>
-            <a:ext cx="11707367" cy="1852186"/>
+            <a:off x="1" y="1300114"/>
+            <a:ext cx="4053525" cy="4257773"/>
           </a:xfrm>
           <a:prstGeom prst="rect">
             <a:avLst/>
           </a:prstGeom>
           <a:solidFill>
-            <a:schemeClr val="accent1"/>
+            <a:schemeClr val="tx1">
+              <a:alpha val="85000"/>
+            </a:schemeClr>
           </a:solidFill>
           <a:ln>
             <a:noFill/>
@@ -6904,7 +7201,7 @@
           <p:cNvPr id="2" name="Title 1">
             <a:extLst>
               <a:ext uri="{FF2B5EF4-FFF2-40B4-BE49-F238E27FC236}">
-                <a16:creationId xmlns:a16="http://schemas.microsoft.com/office/drawing/2014/main" id="{E01AF0B3-316F-42E9-88C7-3E0DB44D80B8}"/>
+                <a16:creationId xmlns:a16="http://schemas.microsoft.com/office/drawing/2014/main" id="{640E3729-20BB-4EE1-897E-BB247ABF741B}"/>
               </a:ext>
             </a:extLst>
           </p:cNvPr>
@@ -6917,8 +7214,8 @@
         </p:nvSpPr>
         <p:spPr>
           <a:xfrm>
-            <a:off x="1069848" y="4590661"/>
-            <a:ext cx="10210862" cy="1065690"/>
+            <a:off x="334557" y="1653703"/>
+            <a:ext cx="3361953" cy="2470488"/>
           </a:xfrm>
         </p:spPr>
         <p:txBody>
@@ -6928,76 +7225,35 @@
           <a:lstStyle/>
           <a:p>
             <a:r>
-              <a:rPr lang="en-US" sz="5900" spc="-100"/>
-              <a:t>Data Analysis</a:t>
-            </a:r>
-          </a:p>
-        </p:txBody>
-      </p:sp>
-      <p:pic>
-        <p:nvPicPr>
-          <p:cNvPr id="5" name="Content Placeholder 4">
-            <a:extLst>
-              <a:ext uri="{FF2B5EF4-FFF2-40B4-BE49-F238E27FC236}">
-                <a16:creationId xmlns:a16="http://schemas.microsoft.com/office/drawing/2014/main" id="{7211F21C-1D9E-4524-B6E1-BDC2C862A03A}"/>
-              </a:ext>
-            </a:extLst>
-          </p:cNvPr>
-          <p:cNvPicPr>
-            <a:picLocks noGrp="1" noChangeAspect="1"/>
-          </p:cNvPicPr>
-          <p:nvPr>
-            <p:ph sz="half" idx="2"/>
-          </p:nvPr>
-        </p:nvPicPr>
-        <p:blipFill rotWithShape="1">
-          <a:blip r:embed="rId2"/>
-          <a:srcRect r="1864" b="2"/>
-          <a:stretch/>
-        </p:blipFill>
-        <p:spPr>
-          <a:xfrm>
-            <a:off x="1069848" y="470170"/>
-            <a:ext cx="5236194" cy="3557016"/>
-          </a:xfrm>
-          <a:prstGeom prst="rect">
-            <a:avLst/>
-          </a:prstGeom>
-        </p:spPr>
-      </p:pic>
-      <p:pic>
-        <p:nvPicPr>
-          <p:cNvPr id="6" name="Picture 5">
-            <a:extLst>
-              <a:ext uri="{FF2B5EF4-FFF2-40B4-BE49-F238E27FC236}">
-                <a16:creationId xmlns:a16="http://schemas.microsoft.com/office/drawing/2014/main" id="{92C5E30A-2A76-477F-AD6D-66E674BE7E6A}"/>
-              </a:ext>
-            </a:extLst>
-          </p:cNvPr>
-          <p:cNvPicPr>
-            <a:picLocks noChangeAspect="1"/>
-          </p:cNvPicPr>
-          <p:nvPr/>
-        </p:nvPicPr>
-        <p:blipFill rotWithShape="1">
-          <a:blip r:embed="rId3"/>
-          <a:srcRect l="1854" r="1" b="1"/>
-          <a:stretch/>
-        </p:blipFill>
-        <p:spPr>
-          <a:xfrm>
-            <a:off x="6466908" y="470172"/>
-            <a:ext cx="5236194" cy="3556755"/>
-          </a:xfrm>
-          <a:prstGeom prst="rect">
-            <a:avLst/>
-          </a:prstGeom>
-        </p:spPr>
-      </p:pic>
+              <a:rPr lang="en-US" sz="4400" spc="-100" dirty="0">
+                <a:solidFill>
+                  <a:schemeClr val="bg1"/>
+                </a:solidFill>
+              </a:rPr>
+              <a:t>Post </a:t>
+            </a:r>
+            <a:br>
+              <a:rPr lang="en-US" sz="4400" spc="-100" dirty="0">
+                <a:solidFill>
+                  <a:schemeClr val="bg1"/>
+                </a:solidFill>
+              </a:rPr>
+            </a:br>
+            <a:r>
+              <a:rPr lang="en-US" sz="4400" spc="-100" dirty="0">
+                <a:solidFill>
+                  <a:schemeClr val="bg1"/>
+                </a:solidFill>
+              </a:rPr>
+              <a:t>Mortem</a:t>
+            </a:r>
+          </a:p>
+        </p:txBody>
+      </p:sp>
     </p:spTree>
     <p:extLst>
       <p:ext uri="{BB962C8B-B14F-4D97-AF65-F5344CB8AC3E}">
-        <p14:creationId xmlns:p14="http://schemas.microsoft.com/office/powerpoint/2010/main" val="2888771211"/>
+        <p14:creationId xmlns:p14="http://schemas.microsoft.com/office/powerpoint/2010/main" val="2246778472"/>
       </p:ext>
     </p:extLst>
   </p:cSld>
@@ -7034,10 +7290,10 @@
       </p:grpSpPr>
       <p:sp>
         <p:nvSpPr>
-          <p:cNvPr id="10" name="Rectangle 9">
+          <p:cNvPr id="21" name="Rectangle 20">
             <a:extLst>
               <a:ext uri="{FF2B5EF4-FFF2-40B4-BE49-F238E27FC236}">
-                <a16:creationId xmlns:a16="http://schemas.microsoft.com/office/drawing/2014/main" id="{051E3431-CE8A-4FA3-92ED-72D1E007B338}"/>
+                <a16:creationId xmlns:a16="http://schemas.microsoft.com/office/drawing/2014/main" id="{46D56025-432C-47A6-AE3E-5E57DF3E0B0B}"/>
               </a:ext>
               <a:ext uri="{C183D7F6-B498-43B3-948B-1728B52AA6E4}">
                 <adec:decorative xmlns:adec="http://schemas.microsoft.com/office/drawing/2017/decorative" val="1"/>
@@ -7089,10 +7345,10 @@
       </p:sp>
       <p:sp>
         <p:nvSpPr>
-          <p:cNvPr id="12" name="Rectangle 11">
+          <p:cNvPr id="23" name="Rectangle 22">
             <a:extLst>
               <a:ext uri="{FF2B5EF4-FFF2-40B4-BE49-F238E27FC236}">
-                <a16:creationId xmlns:a16="http://schemas.microsoft.com/office/drawing/2014/main" id="{287ACA9C-6281-4732-9DE5-95D5F9BEA7AD}"/>
+                <a16:creationId xmlns:a16="http://schemas.microsoft.com/office/drawing/2014/main" id="{72D1A8B8-7523-49FA-B7DD-AE0B2271C7F9}"/>
               </a:ext>
               <a:ext uri="{C183D7F6-B498-43B3-948B-1728B52AA6E4}">
                 <adec:decorative xmlns:adec="http://schemas.microsoft.com/office/drawing/2017/decorative" val="1"/>
@@ -7146,10 +7402,10 @@
       </p:sp>
       <p:sp useBgFill="1">
         <p:nvSpPr>
-          <p:cNvPr id="14" name="Rectangle 13">
+          <p:cNvPr id="25" name="Rectangle 24">
             <a:extLst>
               <a:ext uri="{FF2B5EF4-FFF2-40B4-BE49-F238E27FC236}">
-                <a16:creationId xmlns:a16="http://schemas.microsoft.com/office/drawing/2014/main" id="{D1628877-E08F-4E76-A6D9-CAFB570DB8D3}"/>
+                <a16:creationId xmlns:a16="http://schemas.microsoft.com/office/drawing/2014/main" id="{6A0CEB20-2839-496C-922D-A386524F398B}"/>
               </a:ext>
               <a:ext uri="{C183D7F6-B498-43B3-948B-1728B52AA6E4}">
                 <adec:decorative xmlns:adec="http://schemas.microsoft.com/office/drawing/2017/decorative" val="1"/>
@@ -7204,43 +7460,12 @@
           </a:p>
         </p:txBody>
       </p:sp>
-      <p:pic>
-        <p:nvPicPr>
-          <p:cNvPr id="5" name="Content Placeholder 4">
+      <p:sp>
+        <p:nvSpPr>
+          <p:cNvPr id="27" name="Rectangle 26">
             <a:extLst>
               <a:ext uri="{FF2B5EF4-FFF2-40B4-BE49-F238E27FC236}">
-                <a16:creationId xmlns:a16="http://schemas.microsoft.com/office/drawing/2014/main" id="{52527624-67C4-43A5-B370-0AC01D0FC58B}"/>
-              </a:ext>
-            </a:extLst>
-          </p:cNvPr>
-          <p:cNvPicPr>
-            <a:picLocks noGrp="1" noChangeAspect="1"/>
-          </p:cNvPicPr>
-          <p:nvPr>
-            <p:ph sz="half" idx="2"/>
-          </p:nvPr>
-        </p:nvPicPr>
-        <p:blipFill rotWithShape="1">
-          <a:blip r:embed="rId2"/>
-          <a:srcRect t="1466" r="25" b="28221"/>
-          <a:stretch/>
-        </p:blipFill>
-        <p:spPr>
-          <a:xfrm>
-            <a:off x="20" y="-1"/>
-            <a:ext cx="12188932" cy="6858000"/>
-          </a:xfrm>
-          <a:prstGeom prst="rect">
-            <a:avLst/>
-          </a:prstGeom>
-        </p:spPr>
-      </p:pic>
-      <p:sp>
-        <p:nvSpPr>
-          <p:cNvPr id="16" name="Rectangle 15">
-            <a:extLst>
-              <a:ext uri="{FF2B5EF4-FFF2-40B4-BE49-F238E27FC236}">
-                <a16:creationId xmlns:a16="http://schemas.microsoft.com/office/drawing/2014/main" id="{57587975-CDAC-4067-A9DD-FF1F73F8494E}"/>
+                <a16:creationId xmlns:a16="http://schemas.microsoft.com/office/drawing/2014/main" id="{4EE33FA5-2378-4F59-8611-CE0F9CA505A9}"/>
               </a:ext>
               <a:ext uri="{C183D7F6-B498-43B3-948B-1728B52AA6E4}">
                 <adec:decorative xmlns:adec="http://schemas.microsoft.com/office/drawing/2017/decorative" val="1"/>
@@ -7260,16 +7485,14 @@
         </p:nvSpPr>
         <p:spPr>
           <a:xfrm>
-            <a:off x="1" y="1300114"/>
-            <a:ext cx="4053525" cy="4257773"/>
+            <a:off x="1" y="761999"/>
+            <a:ext cx="4642228" cy="5334001"/>
           </a:xfrm>
           <a:prstGeom prst="rect">
             <a:avLst/>
           </a:prstGeom>
           <a:solidFill>
-            <a:schemeClr val="tx1">
-              <a:alpha val="85000"/>
-            </a:schemeClr>
+            <a:schemeClr val="accent1"/>
           </a:solidFill>
           <a:ln>
             <a:noFill/>
@@ -7297,7 +7520,7 @@
           <p:cNvPr id="2" name="Title 1">
             <a:extLst>
               <a:ext uri="{FF2B5EF4-FFF2-40B4-BE49-F238E27FC236}">
-                <a16:creationId xmlns:a16="http://schemas.microsoft.com/office/drawing/2014/main" id="{640E3729-20BB-4EE1-897E-BB247ABF741B}"/>
+                <a16:creationId xmlns:a16="http://schemas.microsoft.com/office/drawing/2014/main" id="{85B1DE85-D73C-4DAE-96DA-55909B9C6F98}"/>
               </a:ext>
             </a:extLst>
           </p:cNvPr>
@@ -7310,8 +7533,8 @@
         </p:nvSpPr>
         <p:spPr>
           <a:xfrm>
-            <a:off x="334557" y="1653703"/>
-            <a:ext cx="3361953" cy="2470488"/>
+            <a:off x="1069849" y="1298448"/>
+            <a:ext cx="3258688" cy="3255264"/>
           </a:xfrm>
         </p:spPr>
         <p:txBody>
@@ -7321,35 +7544,105 @@
           <a:lstStyle/>
           <a:p>
             <a:r>
-              <a:rPr lang="en-US" sz="4400" spc="-100" dirty="0">
-                <a:solidFill>
-                  <a:schemeClr val="bg1"/>
-                </a:solidFill>
-              </a:rPr>
-              <a:t>Post </a:t>
-            </a:r>
-            <a:br>
-              <a:rPr lang="en-US" sz="4400" spc="-100" dirty="0">
-                <a:solidFill>
-                  <a:schemeClr val="bg1"/>
-                </a:solidFill>
-              </a:rPr>
-            </a:br>
-            <a:r>
-              <a:rPr lang="en-US" sz="4400" spc="-100" dirty="0">
-                <a:solidFill>
-                  <a:schemeClr val="bg1"/>
-                </a:solidFill>
-              </a:rPr>
-              <a:t>Mortem</a:t>
-            </a:r>
-          </a:p>
-        </p:txBody>
+              <a:rPr lang="en-US" sz="5000" spc="-100"/>
+              <a:t>Questions?</a:t>
+            </a:r>
+          </a:p>
+        </p:txBody>
+      </p:sp>
+      <p:pic>
+        <p:nvPicPr>
+          <p:cNvPr id="8" name="Content Placeholder 7">
+            <a:extLst>
+              <a:ext uri="{FF2B5EF4-FFF2-40B4-BE49-F238E27FC236}">
+                <a16:creationId xmlns:a16="http://schemas.microsoft.com/office/drawing/2014/main" id="{567A3CAF-EBA8-40BE-AAA1-A740E6D3469F}"/>
+              </a:ext>
+            </a:extLst>
+          </p:cNvPr>
+          <p:cNvPicPr>
+            <a:picLocks noGrp="1" noChangeAspect="1"/>
+          </p:cNvPicPr>
+          <p:nvPr>
+            <p:ph sz="half" idx="2"/>
+          </p:nvPr>
+        </p:nvPicPr>
+        <p:blipFill>
+          <a:blip r:embed="rId2"/>
+          <a:stretch>
+            <a:fillRect/>
+          </a:stretch>
+        </p:blipFill>
+        <p:spPr>
+          <a:xfrm>
+            <a:off x="6529931" y="759599"/>
+            <a:ext cx="3548689" cy="5330650"/>
+          </a:xfrm>
+          <a:prstGeom prst="rect">
+            <a:avLst/>
+          </a:prstGeom>
+        </p:spPr>
+      </p:pic>
+      <p:sp>
+        <p:nvSpPr>
+          <p:cNvPr id="29" name="Rectangle 28">
+            <a:extLst>
+              <a:ext uri="{FF2B5EF4-FFF2-40B4-BE49-F238E27FC236}">
+                <a16:creationId xmlns:a16="http://schemas.microsoft.com/office/drawing/2014/main" id="{1C368AEB-D83A-432D-818C-3575285B69C7}"/>
+              </a:ext>
+              <a:ext uri="{C183D7F6-B498-43B3-948B-1728B52AA6E4}">
+                <adec:decorative xmlns:adec="http://schemas.microsoft.com/office/drawing/2017/decorative" val="1"/>
+              </a:ext>
+            </a:extLst>
+          </p:cNvPr>
+          <p:cNvSpPr>
+            <a:spLocks noGrp="1" noRot="1" noChangeAspect="1" noMove="1" noResize="1" noEditPoints="1" noAdjustHandles="1" noChangeArrowheads="1" noChangeShapeType="1" noTextEdit="1"/>
+          </p:cNvSpPr>
+          <p:nvPr>
+            <p:extLst>
+              <p:ext uri="{386F3935-93C4-4BCD-93E2-E3B085C9AB24}">
+                <p16:designElem xmlns:p16="http://schemas.microsoft.com/office/powerpoint/2015/main" val="1"/>
+              </p:ext>
+            </p:extLst>
+          </p:nvPr>
+        </p:nvSpPr>
+        <p:spPr>
+          <a:xfrm>
+            <a:off x="11815864" y="758952"/>
+            <a:ext cx="384048" cy="5330952"/>
+          </a:xfrm>
+          <a:prstGeom prst="rect">
+            <a:avLst/>
+          </a:prstGeom>
+          <a:solidFill>
+            <a:srgbClr val="C8C8C8">
+              <a:alpha val="49804"/>
+            </a:srgbClr>
+          </a:solidFill>
+          <a:ln>
+            <a:noFill/>
+          </a:ln>
+        </p:spPr>
+        <p:style>
+          <a:lnRef idx="2">
+            <a:schemeClr val="accent1">
+              <a:shade val="50000"/>
+            </a:schemeClr>
+          </a:lnRef>
+          <a:fillRef idx="1">
+            <a:schemeClr val="accent1"/>
+          </a:fillRef>
+          <a:effectRef idx="0">
+            <a:schemeClr val="accent1"/>
+          </a:effectRef>
+          <a:fontRef idx="minor">
+            <a:schemeClr val="lt1"/>
+          </a:fontRef>
+        </p:style>
       </p:sp>
     </p:spTree>
     <p:extLst>
       <p:ext uri="{BB962C8B-B14F-4D97-AF65-F5344CB8AC3E}">
-        <p14:creationId xmlns:p14="http://schemas.microsoft.com/office/powerpoint/2010/main" val="2246778472"/>
+        <p14:creationId xmlns:p14="http://schemas.microsoft.com/office/powerpoint/2010/main" val="374684007"/>
       </p:ext>
     </p:extLst>
   </p:cSld>

--- a/Spring Chinook Salmon in the Portland Metro Area.pptx
+++ b/Spring Chinook Salmon in the Portland Metro Area.pptx
@@ -5,7 +5,7 @@
     <p:sldMasterId id="2147483840" r:id="rId1"/>
   </p:sldMasterIdLst>
   <p:notesMasterIdLst>
-    <p:notesMasterId r:id="rId11"/>
+    <p:notesMasterId r:id="rId13"/>
   </p:notesMasterIdLst>
   <p:sldIdLst>
     <p:sldId id="256" r:id="rId2"/>
@@ -17,6 +17,8 @@
     <p:sldId id="263" r:id="rId8"/>
     <p:sldId id="265" r:id="rId9"/>
     <p:sldId id="264" r:id="rId10"/>
+    <p:sldId id="266" r:id="rId11"/>
+    <p:sldId id="267" r:id="rId12"/>
   </p:sldIdLst>
   <p:sldSz cx="12192000" cy="6858000"/>
   <p:notesSz cx="6858000" cy="9144000"/>
@@ -329,7 +331,7 @@
           <a:p>
             <a:fld id="{58952F50-9AC3-48F1-A657-DC6C258797CF}" type="datetimeFigureOut">
               <a:rPr lang="en-US" smtClean="0"/>
-              <a:t>11/8/2020</a:t>
+              <a:t>11/9/2020</a:t>
             </a:fld>
             <a:endParaRPr lang="en-US"/>
           </a:p>
@@ -744,7 +746,7 @@
           <a:p>
             <a:r>
               <a:rPr lang="en-US" sz="1000" dirty="0"/>
-              <a:t>There are over 450 dames throughout the entire Columbia River system</a:t>
+              <a:t>There are over 450 dams throughout the entire Columbia River system</a:t>
             </a:r>
           </a:p>
           <a:p>
@@ -1219,49 +1221,160 @@
           <a:p>
             <a:r>
               <a:rPr lang="en-US" dirty="0"/>
-              <a:t>Salmon Count (Jenny)</a:t>
+              <a:t>The nature of the data on the web is there can be several false positives when searching through all the </a:t>
             </a:r>
           </a:p>
           <a:p>
             <a:r>
               <a:rPr lang="en-US" dirty="0"/>
-              <a:t>Bonneville Above Dam (Courtney/Jenny)</a:t>
+              <a:t>different keywords.   </a:t>
             </a:r>
           </a:p>
           <a:p>
             <a:r>
               <a:rPr lang="en-US" dirty="0"/>
-              <a:t>-Temperature and Gage Height</a:t>
-            </a:r>
-          </a:p>
-          <a:p>
+              <a:t>   - Many sites had great </a:t>
+            </a:r>
+            <a:r>
+              <a:rPr lang="en-US" dirty="0" err="1"/>
+              <a:t>narritives</a:t>
+            </a:r>
             <a:r>
               <a:rPr lang="en-US" dirty="0"/>
-              <a:t>Bonneville Below Dam (Jay)</a:t>
-            </a:r>
+              <a:t> but cited data wasn't consumable in the form we needed </a:t>
+            </a:r>
+          </a:p>
+          <a:p>
+            <a:endParaRPr lang="en-US" dirty="0"/>
           </a:p>
           <a:p>
             <a:r>
               <a:rPr lang="en-US" dirty="0"/>
-              <a:t>-Temperature and Gage Height</a:t>
+              <a:t>It was important to us that we could find consistent and reliable data sources. </a:t>
             </a:r>
           </a:p>
           <a:p>
             <a:r>
               <a:rPr lang="en-US" dirty="0"/>
-              <a:t>Willamette Falls (Josh)</a:t>
-            </a:r>
+              <a:t>   - We found many partial sources (like a dam was removed which lead to a partial dataset)</a:t>
+            </a:r>
+          </a:p>
+          <a:p>
+            <a:endParaRPr lang="en-US" dirty="0"/>
           </a:p>
           <a:p>
             <a:r>
               <a:rPr lang="en-US" dirty="0"/>
-              <a:t>-Temperature and Gage Height</a:t>
+              <a:t>There were many sites where data mining would have been cumbersome because of the underlying format </a:t>
             </a:r>
           </a:p>
           <a:p>
             <a:r>
               <a:rPr lang="en-US" dirty="0"/>
-              <a:t>Portland Metro Population (Erica)</a:t>
+              <a:t>(embedded in research papers or some static visualizations).  </a:t>
+            </a:r>
+          </a:p>
+          <a:p>
+            <a:r>
+              <a:rPr lang="en-US" dirty="0"/>
+              <a:t>   - Example Commercial Fishing site, which we decided against</a:t>
+            </a:r>
+          </a:p>
+          <a:p>
+            <a:endParaRPr lang="en-US" dirty="0"/>
+          </a:p>
+          <a:p>
+            <a:r>
+              <a:rPr lang="en-US" dirty="0"/>
+              <a:t>Once we did find data that was easily </a:t>
+            </a:r>
+            <a:r>
+              <a:rPr lang="en-US" dirty="0" err="1"/>
+              <a:t>queryable</a:t>
+            </a:r>
+            <a:r>
+              <a:rPr lang="en-US" dirty="0"/>
+              <a:t> through the user interface working through the </a:t>
+            </a:r>
+          </a:p>
+          <a:p>
+            <a:r>
+              <a:rPr lang="en-US" dirty="0"/>
+              <a:t>shape and grain of data we wanted to select wasn’t made any easier by the 1990’s type web interfaces.  </a:t>
+            </a:r>
+          </a:p>
+          <a:p>
+            <a:r>
+              <a:rPr lang="en-US" dirty="0"/>
+              <a:t>    - Also in the data we found no reliable APIs were found, so we were stuck with CSVs</a:t>
+            </a:r>
+          </a:p>
+          <a:p>
+            <a:endParaRPr lang="en-US" dirty="0"/>
+          </a:p>
+          <a:p>
+            <a:r>
+              <a:rPr lang="en-US" dirty="0"/>
+              <a:t>Then there was the problem who pulled what and what to decide was relevant and not relevant data sources </a:t>
+            </a:r>
+          </a:p>
+          <a:p>
+            <a:r>
+              <a:rPr lang="en-US" dirty="0"/>
+              <a:t>(was the source of the data close enough to the locations we were interested in). </a:t>
+            </a:r>
+          </a:p>
+          <a:p>
+            <a:r>
+              <a:rPr lang="en-US" dirty="0"/>
+              <a:t>    - Josh and I on more than one </a:t>
+            </a:r>
+            <a:r>
+              <a:rPr lang="en-US" dirty="0" err="1"/>
+              <a:t>occassion</a:t>
+            </a:r>
+            <a:r>
+              <a:rPr lang="en-US" dirty="0"/>
+              <a:t> pull data from the wrong location and or for the wrong time period</a:t>
+            </a:r>
+          </a:p>
+          <a:p>
+            <a:endParaRPr lang="en-US" dirty="0"/>
+          </a:p>
+          <a:p>
+            <a:r>
+              <a:rPr lang="en-US" dirty="0"/>
+              <a:t>Lastly, there were plenty of troubles with the data with regards to format and having consistent data points,  </a:t>
+            </a:r>
+          </a:p>
+          <a:p>
+            <a:r>
+              <a:rPr lang="en-US" dirty="0"/>
+              <a:t>this did lead us to dropping a few data points along the way.  </a:t>
+            </a:r>
+          </a:p>
+          <a:p>
+            <a:r>
+              <a:rPr lang="en-US" dirty="0"/>
+              <a:t>    - We were luck in this regard since the number of data points were not significant enough to have any effect on the outcome</a:t>
+            </a:r>
+          </a:p>
+          <a:p>
+            <a:endParaRPr lang="en-US" dirty="0"/>
+          </a:p>
+          <a:p>
+            <a:endParaRPr lang="en-US" dirty="0"/>
+          </a:p>
+          <a:p>
+            <a:r>
+              <a:rPr lang="en-US" dirty="0"/>
+              <a:t>We also needed to be careful since our data way time sensitive in the way salmon migration timings work.</a:t>
+            </a:r>
+          </a:p>
+          <a:p>
+            <a:r>
+              <a:rPr lang="en-US" dirty="0"/>
+              <a:t>    - Since the spring chinook salmon run is from March to April we needed to make sure any data used reflected that time period</a:t>
             </a:r>
           </a:p>
         </p:txBody>
@@ -1283,7 +1396,7 @@
           <a:p>
             <a:fld id="{4DF9C49E-566E-4C32-9550-3CFB77E325AD}" type="slidenum">
               <a:rPr lang="en-US" smtClean="0"/>
-              <a:t>7</a:t>
+              <a:t>6</a:t>
             </a:fld>
             <a:endParaRPr lang="en-US"/>
           </a:p>
@@ -1292,7 +1405,7 @@
     </p:spTree>
     <p:extLst>
       <p:ext uri="{BB962C8B-B14F-4D97-AF65-F5344CB8AC3E}">
-        <p14:creationId xmlns:p14="http://schemas.microsoft.com/office/powerpoint/2010/main" val="680565019"/>
+        <p14:creationId xmlns:p14="http://schemas.microsoft.com/office/powerpoint/2010/main" val="1103883782"/>
       </p:ext>
     </p:extLst>
   </p:cSld>
@@ -1348,6 +1461,135 @@
           <a:p>
             <a:r>
               <a:rPr lang="en-US" dirty="0"/>
+              <a:t>Salmon Count (Jenny)</a:t>
+            </a:r>
+          </a:p>
+          <a:p>
+            <a:r>
+              <a:rPr lang="en-US" dirty="0"/>
+              <a:t>Bonneville Above Dam (Courtney/Jenny)</a:t>
+            </a:r>
+          </a:p>
+          <a:p>
+            <a:r>
+              <a:rPr lang="en-US" dirty="0"/>
+              <a:t>-Temperature and Gage Height</a:t>
+            </a:r>
+          </a:p>
+          <a:p>
+            <a:r>
+              <a:rPr lang="en-US" dirty="0"/>
+              <a:t>Bonneville Below Dam (Jay)</a:t>
+            </a:r>
+          </a:p>
+          <a:p>
+            <a:r>
+              <a:rPr lang="en-US" dirty="0"/>
+              <a:t>-Temperature and Gage Height</a:t>
+            </a:r>
+          </a:p>
+          <a:p>
+            <a:r>
+              <a:rPr lang="en-US" dirty="0"/>
+              <a:t>Willamette Falls (Josh)</a:t>
+            </a:r>
+          </a:p>
+          <a:p>
+            <a:r>
+              <a:rPr lang="en-US" dirty="0"/>
+              <a:t>-Temperature and Gage Height</a:t>
+            </a:r>
+          </a:p>
+          <a:p>
+            <a:r>
+              <a:rPr lang="en-US" dirty="0"/>
+              <a:t>Portland Metro Population (Erica)</a:t>
+            </a:r>
+          </a:p>
+        </p:txBody>
+      </p:sp>
+      <p:sp>
+        <p:nvSpPr>
+          <p:cNvPr id="4" name="Slide Number Placeholder 3"/>
+          <p:cNvSpPr>
+            <a:spLocks noGrp="1"/>
+          </p:cNvSpPr>
+          <p:nvPr>
+            <p:ph type="sldNum" sz="quarter" idx="5"/>
+          </p:nvPr>
+        </p:nvSpPr>
+        <p:spPr/>
+        <p:txBody>
+          <a:bodyPr/>
+          <a:lstStyle/>
+          <a:p>
+            <a:fld id="{4DF9C49E-566E-4C32-9550-3CFB77E325AD}" type="slidenum">
+              <a:rPr lang="en-US" smtClean="0"/>
+              <a:t>7</a:t>
+            </a:fld>
+            <a:endParaRPr lang="en-US"/>
+          </a:p>
+        </p:txBody>
+      </p:sp>
+    </p:spTree>
+    <p:extLst>
+      <p:ext uri="{BB962C8B-B14F-4D97-AF65-F5344CB8AC3E}">
+        <p14:creationId xmlns:p14="http://schemas.microsoft.com/office/powerpoint/2010/main" val="680565019"/>
+      </p:ext>
+    </p:extLst>
+  </p:cSld>
+  <p:clrMapOvr>
+    <a:masterClrMapping/>
+  </p:clrMapOvr>
+</p:notes>
+</file>
+
+<file path=ppt/notesSlides/notesSlide8.xml><?xml version="1.0" encoding="utf-8"?>
+<p:notes xmlns:a="http://schemas.openxmlformats.org/drawingml/2006/main" xmlns:r="http://schemas.openxmlformats.org/officeDocument/2006/relationships" xmlns:p="http://schemas.openxmlformats.org/presentationml/2006/main">
+  <p:cSld>
+    <p:spTree>
+      <p:nvGrpSpPr>
+        <p:cNvPr id="1" name=""/>
+        <p:cNvGrpSpPr/>
+        <p:nvPr/>
+      </p:nvGrpSpPr>
+      <p:grpSpPr>
+        <a:xfrm>
+          <a:off x="0" y="0"/>
+          <a:ext cx="0" cy="0"/>
+          <a:chOff x="0" y="0"/>
+          <a:chExt cx="0" cy="0"/>
+        </a:xfrm>
+      </p:grpSpPr>
+      <p:sp>
+        <p:nvSpPr>
+          <p:cNvPr id="2" name="Slide Image Placeholder 1"/>
+          <p:cNvSpPr>
+            <a:spLocks noGrp="1" noRot="1" noChangeAspect="1"/>
+          </p:cNvSpPr>
+          <p:nvPr>
+            <p:ph type="sldImg"/>
+          </p:nvPr>
+        </p:nvSpPr>
+        <p:spPr/>
+      </p:sp>
+      <p:sp>
+        <p:nvSpPr>
+          <p:cNvPr id="3" name="Notes Placeholder 2"/>
+          <p:cNvSpPr>
+            <a:spLocks noGrp="1"/>
+          </p:cNvSpPr>
+          <p:nvPr>
+            <p:ph type="body" idx="1"/>
+          </p:nvPr>
+        </p:nvSpPr>
+        <p:spPr/>
+        <p:txBody>
+          <a:bodyPr/>
+          <a:lstStyle/>
+          <a:p>
+            <a:r>
+              <a:rPr lang="en-US" dirty="0"/>
               <a:t>In all, we would have liked to have more time to research available data for plausible causes to the chinook salmon decline.</a:t>
             </a:r>
           </a:p>
@@ -1389,6 +1631,90 @@
     <p:extLst>
       <p:ext uri="{BB962C8B-B14F-4D97-AF65-F5344CB8AC3E}">
         <p14:creationId xmlns:p14="http://schemas.microsoft.com/office/powerpoint/2010/main" val="982507536"/>
+      </p:ext>
+    </p:extLst>
+  </p:cSld>
+  <p:clrMapOvr>
+    <a:masterClrMapping/>
+  </p:clrMapOvr>
+</p:notes>
+</file>
+
+<file path=ppt/notesSlides/notesSlide9.xml><?xml version="1.0" encoding="utf-8"?>
+<p:notes xmlns:a="http://schemas.openxmlformats.org/drawingml/2006/main" xmlns:r="http://schemas.openxmlformats.org/officeDocument/2006/relationships" xmlns:p="http://schemas.openxmlformats.org/presentationml/2006/main">
+  <p:cSld>
+    <p:spTree>
+      <p:nvGrpSpPr>
+        <p:cNvPr id="1" name=""/>
+        <p:cNvGrpSpPr/>
+        <p:nvPr/>
+      </p:nvGrpSpPr>
+      <p:grpSpPr>
+        <a:xfrm>
+          <a:off x="0" y="0"/>
+          <a:ext cx="0" cy="0"/>
+          <a:chOff x="0" y="0"/>
+          <a:chExt cx="0" cy="0"/>
+        </a:xfrm>
+      </p:grpSpPr>
+      <p:sp>
+        <p:nvSpPr>
+          <p:cNvPr id="2" name="Slide Image Placeholder 1"/>
+          <p:cNvSpPr>
+            <a:spLocks noGrp="1" noRot="1" noChangeAspect="1"/>
+          </p:cNvSpPr>
+          <p:nvPr>
+            <p:ph type="sldImg"/>
+          </p:nvPr>
+        </p:nvSpPr>
+        <p:spPr/>
+      </p:sp>
+      <p:sp>
+        <p:nvSpPr>
+          <p:cNvPr id="3" name="Notes Placeholder 2"/>
+          <p:cNvSpPr>
+            <a:spLocks noGrp="1"/>
+          </p:cNvSpPr>
+          <p:nvPr>
+            <p:ph type="body" idx="1"/>
+          </p:nvPr>
+        </p:nvSpPr>
+        <p:spPr/>
+        <p:txBody>
+          <a:bodyPr/>
+          <a:lstStyle/>
+          <a:p>
+            <a:endParaRPr lang="en-US"/>
+          </a:p>
+        </p:txBody>
+      </p:sp>
+      <p:sp>
+        <p:nvSpPr>
+          <p:cNvPr id="4" name="Slide Number Placeholder 3"/>
+          <p:cNvSpPr>
+            <a:spLocks noGrp="1"/>
+          </p:cNvSpPr>
+          <p:nvPr>
+            <p:ph type="sldNum" sz="quarter" idx="5"/>
+          </p:nvPr>
+        </p:nvSpPr>
+        <p:spPr/>
+        <p:txBody>
+          <a:bodyPr/>
+          <a:lstStyle/>
+          <a:p>
+            <a:fld id="{4DF9C49E-566E-4C32-9550-3CFB77E325AD}" type="slidenum">
+              <a:rPr lang="en-US" smtClean="0"/>
+              <a:t>11</a:t>
+            </a:fld>
+            <a:endParaRPr lang="en-US"/>
+          </a:p>
+        </p:txBody>
+      </p:sp>
+    </p:spTree>
+    <p:extLst>
+      <p:ext uri="{BB962C8B-B14F-4D97-AF65-F5344CB8AC3E}">
+        <p14:creationId xmlns:p14="http://schemas.microsoft.com/office/powerpoint/2010/main" val="2152460452"/>
       </p:ext>
     </p:extLst>
   </p:cSld>
@@ -1623,7 +1949,7 @@
             <a:fld id="{5586B75A-687E-405C-8A0B-8D00578BA2C3}" type="datetimeFigureOut">
               <a:rPr lang="en-US" dirty="0"/>
               <a:pPr/>
-              <a:t>11/8/2020</a:t>
+              <a:t>11/9/2020</a:t>
             </a:fld>
             <a:endParaRPr lang="en-US" dirty="0"/>
           </a:p>
@@ -1790,7 +2116,7 @@
             <a:fld id="{5586B75A-687E-405C-8A0B-8D00578BA2C3}" type="datetimeFigureOut">
               <a:rPr lang="en-US" dirty="0"/>
               <a:pPr/>
-              <a:t>11/8/2020</a:t>
+              <a:t>11/9/2020</a:t>
             </a:fld>
             <a:endParaRPr lang="en-US" dirty="0"/>
           </a:p>
@@ -1967,7 +2293,7 @@
             <a:fld id="{5586B75A-687E-405C-8A0B-8D00578BA2C3}" type="datetimeFigureOut">
               <a:rPr lang="en-US" dirty="0"/>
               <a:pPr/>
-              <a:t>11/8/2020</a:t>
+              <a:t>11/9/2020</a:t>
             </a:fld>
             <a:endParaRPr lang="en-US" dirty="0"/>
           </a:p>
@@ -2134,7 +2460,7 @@
             <a:fld id="{5586B75A-687E-405C-8A0B-8D00578BA2C3}" type="datetimeFigureOut">
               <a:rPr lang="en-US" dirty="0"/>
               <a:pPr/>
-              <a:t>11/8/2020</a:t>
+              <a:t>11/9/2020</a:t>
             </a:fld>
             <a:endParaRPr lang="en-US" dirty="0"/>
           </a:p>
@@ -2385,7 +2711,7 @@
             <a:fld id="{5586B75A-687E-405C-8A0B-8D00578BA2C3}" type="datetimeFigureOut">
               <a:rPr lang="en-US" dirty="0"/>
               <a:pPr/>
-              <a:t>11/8/2020</a:t>
+              <a:t>11/9/2020</a:t>
             </a:fld>
             <a:endParaRPr lang="en-US" dirty="0"/>
           </a:p>
@@ -2670,7 +2996,7 @@
             <a:fld id="{5586B75A-687E-405C-8A0B-8D00578BA2C3}" type="datetimeFigureOut">
               <a:rPr lang="en-US" dirty="0"/>
               <a:pPr/>
-              <a:t>11/8/2020</a:t>
+              <a:t>11/9/2020</a:t>
             </a:fld>
             <a:endParaRPr lang="en-US" dirty="0"/>
           </a:p>
@@ -3109,7 +3435,7 @@
             <a:fld id="{5586B75A-687E-405C-8A0B-8D00578BA2C3}" type="datetimeFigureOut">
               <a:rPr lang="en-US" dirty="0"/>
               <a:pPr/>
-              <a:t>11/8/2020</a:t>
+              <a:t>11/9/2020</a:t>
             </a:fld>
             <a:endParaRPr lang="en-US" dirty="0"/>
           </a:p>
@@ -3224,7 +3550,7 @@
             <a:fld id="{5586B75A-687E-405C-8A0B-8D00578BA2C3}" type="datetimeFigureOut">
               <a:rPr lang="en-US" dirty="0"/>
               <a:pPr/>
-              <a:t>11/8/2020</a:t>
+              <a:t>11/9/2020</a:t>
             </a:fld>
             <a:endParaRPr lang="en-US" dirty="0"/>
           </a:p>
@@ -3316,7 +3642,7 @@
             <a:fld id="{5586B75A-687E-405C-8A0B-8D00578BA2C3}" type="datetimeFigureOut">
               <a:rPr lang="en-US" dirty="0"/>
               <a:pPr/>
-              <a:t>11/8/2020</a:t>
+              <a:t>11/9/2020</a:t>
             </a:fld>
             <a:endParaRPr lang="en-US" dirty="0"/>
           </a:p>
@@ -3601,7 +3927,7 @@
             <a:fld id="{5586B75A-687E-405C-8A0B-8D00578BA2C3}" type="datetimeFigureOut">
               <a:rPr lang="en-US" dirty="0"/>
               <a:pPr/>
-              <a:t>11/8/2020</a:t>
+              <a:t>11/9/2020</a:t>
             </a:fld>
             <a:endParaRPr lang="en-US" dirty="0"/>
           </a:p>
@@ -3871,7 +4197,7 @@
             <a:fld id="{5586B75A-687E-405C-8A0B-8D00578BA2C3}" type="datetimeFigureOut">
               <a:rPr lang="en-US" dirty="0"/>
               <a:pPr/>
-              <a:t>11/8/2020</a:t>
+              <a:t>11/9/2020</a:t>
             </a:fld>
             <a:endParaRPr lang="en-US" dirty="0"/>
           </a:p>
@@ -4165,7 +4491,7 @@
             <a:fld id="{5586B75A-687E-405C-8A0B-8D00578BA2C3}" type="datetimeFigureOut">
               <a:rPr lang="en-US" dirty="0"/>
               <a:pPr/>
-              <a:t>11/8/2020</a:t>
+              <a:t>11/9/2020</a:t>
             </a:fld>
             <a:endParaRPr lang="en-US" dirty="0"/>
           </a:p>
@@ -4713,6 +5039,737 @@
 </p:sld>
 </file>
 
+<file path=ppt/slides/slide10.xml><?xml version="1.0" encoding="utf-8"?>
+<p:sld xmlns:a="http://schemas.openxmlformats.org/drawingml/2006/main" xmlns:r="http://schemas.openxmlformats.org/officeDocument/2006/relationships" xmlns:p="http://schemas.openxmlformats.org/presentationml/2006/main">
+  <p:cSld>
+    <p:bg>
+      <p:bgPr>
+        <a:solidFill>
+          <a:schemeClr val="bg1"/>
+        </a:solidFill>
+        <a:effectLst/>
+      </p:bgPr>
+    </p:bg>
+    <p:spTree>
+      <p:nvGrpSpPr>
+        <p:cNvPr id="1" name=""/>
+        <p:cNvGrpSpPr/>
+        <p:nvPr/>
+      </p:nvGrpSpPr>
+      <p:grpSpPr>
+        <a:xfrm>
+          <a:off x="0" y="0"/>
+          <a:ext cx="0" cy="0"/>
+          <a:chOff x="0" y="0"/>
+          <a:chExt cx="0" cy="0"/>
+        </a:xfrm>
+      </p:grpSpPr>
+      <p:sp>
+        <p:nvSpPr>
+          <p:cNvPr id="21" name="Rectangle 20">
+            <a:extLst>
+              <a:ext uri="{FF2B5EF4-FFF2-40B4-BE49-F238E27FC236}">
+                <a16:creationId xmlns:a16="http://schemas.microsoft.com/office/drawing/2014/main" id="{46D56025-432C-47A6-AE3E-5E57DF3E0B0B}"/>
+              </a:ext>
+              <a:ext uri="{C183D7F6-B498-43B3-948B-1728B52AA6E4}">
+                <adec:decorative xmlns:adec="http://schemas.microsoft.com/office/drawing/2017/decorative" val="1"/>
+              </a:ext>
+            </a:extLst>
+          </p:cNvPr>
+          <p:cNvSpPr>
+            <a:spLocks noGrp="1" noRot="1" noChangeAspect="1" noMove="1" noResize="1" noEditPoints="1" noAdjustHandles="1" noChangeArrowheads="1" noChangeShapeType="1" noTextEdit="1"/>
+          </p:cNvSpPr>
+          <p:nvPr>
+            <p:extLst>
+              <p:ext uri="{386F3935-93C4-4BCD-93E2-E3B085C9AB24}">
+                <p16:designElem xmlns:p16="http://schemas.microsoft.com/office/powerpoint/2015/main" val="1"/>
+              </p:ext>
+            </p:extLst>
+          </p:nvPr>
+        </p:nvSpPr>
+        <p:spPr>
+          <a:xfrm>
+            <a:off x="0" y="761999"/>
+            <a:ext cx="9141619" cy="5334001"/>
+          </a:xfrm>
+          <a:prstGeom prst="rect">
+            <a:avLst/>
+          </a:prstGeom>
+          <a:solidFill>
+            <a:schemeClr val="accent1"/>
+          </a:solidFill>
+          <a:ln>
+            <a:noFill/>
+          </a:ln>
+        </p:spPr>
+        <p:style>
+          <a:lnRef idx="2">
+            <a:schemeClr val="accent1">
+              <a:shade val="50000"/>
+            </a:schemeClr>
+          </a:lnRef>
+          <a:fillRef idx="1">
+            <a:schemeClr val="accent1"/>
+          </a:fillRef>
+          <a:effectRef idx="0">
+            <a:schemeClr val="accent1"/>
+          </a:effectRef>
+          <a:fontRef idx="minor">
+            <a:schemeClr val="lt1"/>
+          </a:fontRef>
+        </p:style>
+      </p:sp>
+      <p:sp>
+        <p:nvSpPr>
+          <p:cNvPr id="23" name="Rectangle 22">
+            <a:extLst>
+              <a:ext uri="{FF2B5EF4-FFF2-40B4-BE49-F238E27FC236}">
+                <a16:creationId xmlns:a16="http://schemas.microsoft.com/office/drawing/2014/main" id="{72D1A8B8-7523-49FA-B7DD-AE0B2271C7F9}"/>
+              </a:ext>
+              <a:ext uri="{C183D7F6-B498-43B3-948B-1728B52AA6E4}">
+                <adec:decorative xmlns:adec="http://schemas.microsoft.com/office/drawing/2017/decorative" val="1"/>
+              </a:ext>
+            </a:extLst>
+          </p:cNvPr>
+          <p:cNvSpPr>
+            <a:spLocks noGrp="1" noRot="1" noChangeAspect="1" noMove="1" noResize="1" noEditPoints="1" noAdjustHandles="1" noChangeArrowheads="1" noChangeShapeType="1" noTextEdit="1"/>
+          </p:cNvSpPr>
+          <p:nvPr>
+            <p:extLst>
+              <p:ext uri="{386F3935-93C4-4BCD-93E2-E3B085C9AB24}">
+                <p16:designElem xmlns:p16="http://schemas.microsoft.com/office/powerpoint/2015/main" val="1"/>
+              </p:ext>
+            </p:extLst>
+          </p:nvPr>
+        </p:nvSpPr>
+        <p:spPr>
+          <a:xfrm>
+            <a:off x="9270263" y="761999"/>
+            <a:ext cx="2925318" cy="5334001"/>
+          </a:xfrm>
+          <a:prstGeom prst="rect">
+            <a:avLst/>
+          </a:prstGeom>
+          <a:solidFill>
+            <a:srgbClr val="C8C8C8">
+              <a:alpha val="50000"/>
+            </a:srgbClr>
+          </a:solidFill>
+          <a:ln>
+            <a:noFill/>
+          </a:ln>
+        </p:spPr>
+        <p:style>
+          <a:lnRef idx="2">
+            <a:schemeClr val="accent1">
+              <a:shade val="50000"/>
+            </a:schemeClr>
+          </a:lnRef>
+          <a:fillRef idx="1">
+            <a:schemeClr val="accent1"/>
+          </a:fillRef>
+          <a:effectRef idx="0">
+            <a:schemeClr val="accent1"/>
+          </a:effectRef>
+          <a:fontRef idx="minor">
+            <a:schemeClr val="lt1"/>
+          </a:fontRef>
+        </p:style>
+      </p:sp>
+      <p:sp useBgFill="1">
+        <p:nvSpPr>
+          <p:cNvPr id="25" name="Rectangle 24">
+            <a:extLst>
+              <a:ext uri="{FF2B5EF4-FFF2-40B4-BE49-F238E27FC236}">
+                <a16:creationId xmlns:a16="http://schemas.microsoft.com/office/drawing/2014/main" id="{6A0CEB20-2839-496C-922D-A386524F398B}"/>
+              </a:ext>
+              <a:ext uri="{C183D7F6-B498-43B3-948B-1728B52AA6E4}">
+                <adec:decorative xmlns:adec="http://schemas.microsoft.com/office/drawing/2017/decorative" val="1"/>
+              </a:ext>
+            </a:extLst>
+          </p:cNvPr>
+          <p:cNvSpPr>
+            <a:spLocks noGrp="1" noRot="1" noChangeAspect="1" noMove="1" noResize="1" noEditPoints="1" noAdjustHandles="1" noChangeArrowheads="1" noChangeShapeType="1" noTextEdit="1"/>
+          </p:cNvSpPr>
+          <p:nvPr>
+            <p:extLst>
+              <p:ext uri="{386F3935-93C4-4BCD-93E2-E3B085C9AB24}">
+                <p16:designElem xmlns:p16="http://schemas.microsoft.com/office/powerpoint/2015/main" val="1"/>
+              </p:ext>
+            </p:extLst>
+          </p:nvPr>
+        </p:nvSpPr>
+        <p:spPr>
+          <a:xfrm>
+            <a:off x="0" y="0"/>
+            <a:ext cx="12191999" cy="6858000"/>
+          </a:xfrm>
+          <a:prstGeom prst="rect">
+            <a:avLst/>
+          </a:prstGeom>
+          <a:ln>
+            <a:noFill/>
+          </a:ln>
+        </p:spPr>
+        <p:style>
+          <a:lnRef idx="2">
+            <a:schemeClr val="accent1">
+              <a:shade val="50000"/>
+            </a:schemeClr>
+          </a:lnRef>
+          <a:fillRef idx="1">
+            <a:schemeClr val="accent1"/>
+          </a:fillRef>
+          <a:effectRef idx="0">
+            <a:schemeClr val="accent1"/>
+          </a:effectRef>
+          <a:fontRef idx="minor">
+            <a:schemeClr val="lt1"/>
+          </a:fontRef>
+        </p:style>
+        <p:txBody>
+          <a:bodyPr rtlCol="0" anchor="ctr"/>
+          <a:lstStyle/>
+          <a:p>
+            <a:pPr algn="ctr"/>
+            <a:endParaRPr lang="en-US"/>
+          </a:p>
+        </p:txBody>
+      </p:sp>
+      <p:sp>
+        <p:nvSpPr>
+          <p:cNvPr id="27" name="Rectangle 26">
+            <a:extLst>
+              <a:ext uri="{FF2B5EF4-FFF2-40B4-BE49-F238E27FC236}">
+                <a16:creationId xmlns:a16="http://schemas.microsoft.com/office/drawing/2014/main" id="{4EE33FA5-2378-4F59-8611-CE0F9CA505A9}"/>
+              </a:ext>
+              <a:ext uri="{C183D7F6-B498-43B3-948B-1728B52AA6E4}">
+                <adec:decorative xmlns:adec="http://schemas.microsoft.com/office/drawing/2017/decorative" val="1"/>
+              </a:ext>
+            </a:extLst>
+          </p:cNvPr>
+          <p:cNvSpPr>
+            <a:spLocks noGrp="1" noRot="1" noChangeAspect="1" noMove="1" noResize="1" noEditPoints="1" noAdjustHandles="1" noChangeArrowheads="1" noChangeShapeType="1" noTextEdit="1"/>
+          </p:cNvSpPr>
+          <p:nvPr>
+            <p:extLst>
+              <p:ext uri="{386F3935-93C4-4BCD-93E2-E3B085C9AB24}">
+                <p16:designElem xmlns:p16="http://schemas.microsoft.com/office/powerpoint/2015/main" val="1"/>
+              </p:ext>
+            </p:extLst>
+          </p:nvPr>
+        </p:nvSpPr>
+        <p:spPr>
+          <a:xfrm>
+            <a:off x="1" y="761999"/>
+            <a:ext cx="4642228" cy="5334001"/>
+          </a:xfrm>
+          <a:prstGeom prst="rect">
+            <a:avLst/>
+          </a:prstGeom>
+          <a:solidFill>
+            <a:schemeClr val="accent1"/>
+          </a:solidFill>
+          <a:ln>
+            <a:noFill/>
+          </a:ln>
+        </p:spPr>
+        <p:style>
+          <a:lnRef idx="2">
+            <a:schemeClr val="accent1">
+              <a:shade val="50000"/>
+            </a:schemeClr>
+          </a:lnRef>
+          <a:fillRef idx="1">
+            <a:schemeClr val="accent1"/>
+          </a:fillRef>
+          <a:effectRef idx="0">
+            <a:schemeClr val="accent1"/>
+          </a:effectRef>
+          <a:fontRef idx="minor">
+            <a:schemeClr val="lt1"/>
+          </a:fontRef>
+        </p:style>
+      </p:sp>
+      <p:sp>
+        <p:nvSpPr>
+          <p:cNvPr id="2" name="Title 1">
+            <a:extLst>
+              <a:ext uri="{FF2B5EF4-FFF2-40B4-BE49-F238E27FC236}">
+                <a16:creationId xmlns:a16="http://schemas.microsoft.com/office/drawing/2014/main" id="{85B1DE85-D73C-4DAE-96DA-55909B9C6F98}"/>
+              </a:ext>
+            </a:extLst>
+          </p:cNvPr>
+          <p:cNvSpPr>
+            <a:spLocks noGrp="1"/>
+          </p:cNvSpPr>
+          <p:nvPr>
+            <p:ph type="title"/>
+          </p:nvPr>
+        </p:nvSpPr>
+        <p:spPr>
+          <a:xfrm>
+            <a:off x="1069849" y="1298448"/>
+            <a:ext cx="3258688" cy="3255264"/>
+          </a:xfrm>
+        </p:spPr>
+        <p:txBody>
+          <a:bodyPr vert="horz" lIns="91440" tIns="45720" rIns="91440" bIns="45720" rtlCol="0" anchor="b">
+            <a:normAutofit/>
+          </a:bodyPr>
+          <a:lstStyle/>
+          <a:p>
+            <a:r>
+              <a:rPr lang="en-US" sz="5000" spc="-100" dirty="0"/>
+              <a:t>Backup</a:t>
+            </a:r>
+            <a:br>
+              <a:rPr lang="en-US" sz="5000" spc="-100" dirty="0"/>
+            </a:br>
+            <a:r>
+              <a:rPr lang="en-US" sz="5000" spc="-100" dirty="0"/>
+              <a:t>Slides</a:t>
+            </a:r>
+          </a:p>
+        </p:txBody>
+      </p:sp>
+      <p:sp>
+        <p:nvSpPr>
+          <p:cNvPr id="29" name="Rectangle 28">
+            <a:extLst>
+              <a:ext uri="{FF2B5EF4-FFF2-40B4-BE49-F238E27FC236}">
+                <a16:creationId xmlns:a16="http://schemas.microsoft.com/office/drawing/2014/main" id="{1C368AEB-D83A-432D-818C-3575285B69C7}"/>
+              </a:ext>
+              <a:ext uri="{C183D7F6-B498-43B3-948B-1728B52AA6E4}">
+                <adec:decorative xmlns:adec="http://schemas.microsoft.com/office/drawing/2017/decorative" val="1"/>
+              </a:ext>
+            </a:extLst>
+          </p:cNvPr>
+          <p:cNvSpPr>
+            <a:spLocks noGrp="1" noRot="1" noChangeAspect="1" noMove="1" noResize="1" noEditPoints="1" noAdjustHandles="1" noChangeArrowheads="1" noChangeShapeType="1" noTextEdit="1"/>
+          </p:cNvSpPr>
+          <p:nvPr>
+            <p:extLst>
+              <p:ext uri="{386F3935-93C4-4BCD-93E2-E3B085C9AB24}">
+                <p16:designElem xmlns:p16="http://schemas.microsoft.com/office/powerpoint/2015/main" val="1"/>
+              </p:ext>
+            </p:extLst>
+          </p:nvPr>
+        </p:nvSpPr>
+        <p:spPr>
+          <a:xfrm>
+            <a:off x="11815864" y="758952"/>
+            <a:ext cx="384048" cy="5330952"/>
+          </a:xfrm>
+          <a:prstGeom prst="rect">
+            <a:avLst/>
+          </a:prstGeom>
+          <a:solidFill>
+            <a:srgbClr val="C8C8C8">
+              <a:alpha val="49804"/>
+            </a:srgbClr>
+          </a:solidFill>
+          <a:ln>
+            <a:noFill/>
+          </a:ln>
+        </p:spPr>
+        <p:style>
+          <a:lnRef idx="2">
+            <a:schemeClr val="accent1">
+              <a:shade val="50000"/>
+            </a:schemeClr>
+          </a:lnRef>
+          <a:fillRef idx="1">
+            <a:schemeClr val="accent1"/>
+          </a:fillRef>
+          <a:effectRef idx="0">
+            <a:schemeClr val="accent1"/>
+          </a:effectRef>
+          <a:fontRef idx="minor">
+            <a:schemeClr val="lt1"/>
+          </a:fontRef>
+        </p:style>
+      </p:sp>
+      <p:sp>
+        <p:nvSpPr>
+          <p:cNvPr id="4" name="Content Placeholder 3">
+            <a:extLst>
+              <a:ext uri="{FF2B5EF4-FFF2-40B4-BE49-F238E27FC236}">
+                <a16:creationId xmlns:a16="http://schemas.microsoft.com/office/drawing/2014/main" id="{950940AE-E5ED-4616-8324-D960895055F4}"/>
+              </a:ext>
+            </a:extLst>
+          </p:cNvPr>
+          <p:cNvSpPr>
+            <a:spLocks noGrp="1"/>
+          </p:cNvSpPr>
+          <p:nvPr>
+            <p:ph sz="half" idx="2"/>
+          </p:nvPr>
+        </p:nvSpPr>
+        <p:spPr/>
+        <p:txBody>
+          <a:bodyPr/>
+          <a:lstStyle/>
+          <a:p>
+            <a:endParaRPr lang="en-US"/>
+          </a:p>
+        </p:txBody>
+      </p:sp>
+    </p:spTree>
+    <p:extLst>
+      <p:ext uri="{BB962C8B-B14F-4D97-AF65-F5344CB8AC3E}">
+        <p14:creationId xmlns:p14="http://schemas.microsoft.com/office/powerpoint/2010/main" val="176359750"/>
+      </p:ext>
+    </p:extLst>
+  </p:cSld>
+  <p:clrMapOvr>
+    <a:masterClrMapping/>
+  </p:clrMapOvr>
+</p:sld>
+</file>
+
+<file path=ppt/slides/slide11.xml><?xml version="1.0" encoding="utf-8"?>
+<p:sld xmlns:a="http://schemas.openxmlformats.org/drawingml/2006/main" xmlns:r="http://schemas.openxmlformats.org/officeDocument/2006/relationships" xmlns:p="http://schemas.openxmlformats.org/presentationml/2006/main">
+  <p:cSld>
+    <p:spTree>
+      <p:nvGrpSpPr>
+        <p:cNvPr id="1" name=""/>
+        <p:cNvGrpSpPr/>
+        <p:nvPr/>
+      </p:nvGrpSpPr>
+      <p:grpSpPr>
+        <a:xfrm>
+          <a:off x="0" y="0"/>
+          <a:ext cx="0" cy="0"/>
+          <a:chOff x="0" y="0"/>
+          <a:chExt cx="0" cy="0"/>
+        </a:xfrm>
+      </p:grpSpPr>
+      <p:sp>
+        <p:nvSpPr>
+          <p:cNvPr id="2" name="Title 1">
+            <a:extLst>
+              <a:ext uri="{FF2B5EF4-FFF2-40B4-BE49-F238E27FC236}">
+                <a16:creationId xmlns:a16="http://schemas.microsoft.com/office/drawing/2014/main" id="{85B1DE85-D73C-4DAE-96DA-55909B9C6F98}"/>
+              </a:ext>
+            </a:extLst>
+          </p:cNvPr>
+          <p:cNvSpPr>
+            <a:spLocks noGrp="1"/>
+          </p:cNvSpPr>
+          <p:nvPr>
+            <p:ph type="title"/>
+          </p:nvPr>
+        </p:nvSpPr>
+        <p:spPr>
+          <a:xfrm>
+            <a:off x="203200" y="1281514"/>
+            <a:ext cx="2980267" cy="3255264"/>
+          </a:xfrm>
+        </p:spPr>
+        <p:txBody>
+          <a:bodyPr vert="horz" lIns="91440" tIns="45720" rIns="91440" bIns="45720" rtlCol="0" anchor="b">
+            <a:normAutofit/>
+          </a:bodyPr>
+          <a:lstStyle/>
+          <a:p>
+            <a:r>
+              <a:rPr lang="en-US" sz="5000" spc="-100" dirty="0"/>
+              <a:t>Data </a:t>
+            </a:r>
+            <a:br>
+              <a:rPr lang="en-US" sz="5000" spc="-100" dirty="0"/>
+            </a:br>
+            <a:r>
+              <a:rPr lang="en-US" sz="5000" spc="-100" dirty="0"/>
+              <a:t>Sources</a:t>
+            </a:r>
+          </a:p>
+        </p:txBody>
+      </p:sp>
+      <p:sp>
+        <p:nvSpPr>
+          <p:cNvPr id="10" name="TextBox 9">
+            <a:extLst>
+              <a:ext uri="{FF2B5EF4-FFF2-40B4-BE49-F238E27FC236}">
+                <a16:creationId xmlns:a16="http://schemas.microsoft.com/office/drawing/2014/main" id="{6C31EDFF-1188-428C-B052-DE8AA11A6709}"/>
+              </a:ext>
+            </a:extLst>
+          </p:cNvPr>
+          <p:cNvSpPr txBox="1"/>
+          <p:nvPr/>
+        </p:nvSpPr>
+        <p:spPr>
+          <a:xfrm>
+            <a:off x="3788833" y="719667"/>
+            <a:ext cx="7717366" cy="5447645"/>
+          </a:xfrm>
+          <a:prstGeom prst="rect">
+            <a:avLst/>
+          </a:prstGeom>
+          <a:noFill/>
+        </p:spPr>
+        <p:txBody>
+          <a:bodyPr wrap="square">
+            <a:spAutoFit/>
+          </a:bodyPr>
+          <a:lstStyle/>
+          <a:p>
+            <a:pPr marL="342900" indent="-342900">
+              <a:buFont typeface="Arial" panose="020B0604020202020204" pitchFamily="34" charset="0"/>
+              <a:buChar char="•"/>
+            </a:pPr>
+            <a:r>
+              <a:rPr lang="en-US" sz="2400" dirty="0"/>
+              <a:t>USGS (US Geological Survey)</a:t>
+            </a:r>
+          </a:p>
+          <a:p>
+            <a:pPr marL="800100" lvl="1" indent="-342900">
+              <a:buFont typeface="Arial" panose="020B0604020202020204" pitchFamily="34" charset="0"/>
+              <a:buChar char="•"/>
+            </a:pPr>
+            <a:r>
+              <a:rPr lang="en-US" b="0" i="0" u="sng" dirty="0">
+                <a:solidFill>
+                  <a:srgbClr val="1A466C"/>
+                </a:solidFill>
+                <a:effectLst/>
+                <a:hlinkClick r:id="rId3"/>
+              </a:rPr>
+              <a:t>https://maps.waterdata.usgs.gov/mapper/index.html</a:t>
+            </a:r>
+            <a:endParaRPr lang="en-US" b="0" i="0" u="sng" dirty="0">
+              <a:solidFill>
+                <a:srgbClr val="1A466C"/>
+              </a:solidFill>
+              <a:effectLst/>
+            </a:endParaRPr>
+          </a:p>
+          <a:p>
+            <a:pPr marL="800100" lvl="1" indent="-342900">
+              <a:buFont typeface="Arial" panose="020B0604020202020204" pitchFamily="34" charset="0"/>
+              <a:buChar char="•"/>
+            </a:pPr>
+            <a:r>
+              <a:rPr lang="en-US" b="0" i="0" u="sng" dirty="0">
+                <a:solidFill>
+                  <a:srgbClr val="1A466C"/>
+                </a:solidFill>
+                <a:effectLst/>
+                <a:hlinkClick r:id="rId4"/>
+              </a:rPr>
+              <a:t>https://waterdata.usgs.gov/usa/nwis/uv?site_no=453845121562000</a:t>
+            </a:r>
+            <a:endParaRPr lang="en-US" b="0" i="0" u="sng" dirty="0">
+              <a:solidFill>
+                <a:srgbClr val="1A466C"/>
+              </a:solidFill>
+              <a:effectLst/>
+            </a:endParaRPr>
+          </a:p>
+          <a:p>
+            <a:pPr marL="800100" lvl="1" indent="-342900">
+              <a:buFont typeface="Arial" panose="020B0604020202020204" pitchFamily="34" charset="0"/>
+              <a:buChar char="•"/>
+            </a:pPr>
+            <a:r>
+              <a:rPr lang="en-US" b="0" i="0" u="sng" dirty="0">
+                <a:solidFill>
+                  <a:srgbClr val="1A466C"/>
+                </a:solidFill>
+                <a:effectLst/>
+                <a:hlinkClick r:id="rId5"/>
+              </a:rPr>
+              <a:t>https://waterdata.usgs.gov/usa/nwis/uv?site_no=14128600</a:t>
+            </a:r>
+            <a:endParaRPr lang="en-US" b="0" i="0" u="sng" dirty="0">
+              <a:solidFill>
+                <a:srgbClr val="1A466C"/>
+              </a:solidFill>
+              <a:effectLst/>
+            </a:endParaRPr>
+          </a:p>
+          <a:p>
+            <a:pPr marL="800100" lvl="1" indent="-342900">
+              <a:buFont typeface="Arial" panose="020B0604020202020204" pitchFamily="34" charset="0"/>
+              <a:buChar char="•"/>
+            </a:pPr>
+            <a:r>
+              <a:rPr lang="en-US" b="0" i="0" u="sng" dirty="0">
+                <a:solidFill>
+                  <a:srgbClr val="1A466C"/>
+                </a:solidFill>
+                <a:effectLst/>
+                <a:hlinkClick r:id="rId6"/>
+              </a:rPr>
+              <a:t>https://waterdata.usgs.gov/usa/nwis/uv?site_no=14128870</a:t>
+            </a:r>
+            <a:endParaRPr lang="en-US" b="0" i="0" u="sng" dirty="0">
+              <a:solidFill>
+                <a:srgbClr val="1A466C"/>
+              </a:solidFill>
+              <a:effectLst/>
+            </a:endParaRPr>
+          </a:p>
+          <a:p>
+            <a:pPr marL="800100" lvl="1" indent="-342900">
+              <a:buFont typeface="Arial" panose="020B0604020202020204" pitchFamily="34" charset="0"/>
+              <a:buChar char="•"/>
+            </a:pPr>
+            <a:r>
+              <a:rPr lang="en-US" b="0" i="0" u="sng" dirty="0">
+                <a:solidFill>
+                  <a:srgbClr val="296EAA"/>
+                </a:solidFill>
+                <a:effectLst/>
+                <a:hlinkClick r:id="rId7"/>
+              </a:rPr>
+              <a:t>https://waterdata.usgs.gov/usa/nwis/uv?site_no=453630122021400</a:t>
+            </a:r>
+            <a:endParaRPr lang="en-US" u="sng" dirty="0">
+              <a:solidFill>
+                <a:srgbClr val="1A466C"/>
+              </a:solidFill>
+            </a:endParaRPr>
+          </a:p>
+          <a:p>
+            <a:pPr marL="800100" lvl="1" indent="-342900">
+              <a:buFont typeface="Arial" panose="020B0604020202020204" pitchFamily="34" charset="0"/>
+              <a:buChar char="•"/>
+            </a:pPr>
+            <a:r>
+              <a:rPr lang="en-US" u="sng" dirty="0">
+                <a:solidFill>
+                  <a:srgbClr val="296EAA"/>
+                </a:solidFill>
+                <a:hlinkClick r:id="rId8"/>
+              </a:rPr>
+              <a:t>https://waterdata.usgs.gov/usa/nwis/uv?site_no=</a:t>
+            </a:r>
+            <a:r>
+              <a:rPr lang="en-US" b="0" i="0" dirty="0">
+                <a:solidFill>
+                  <a:srgbClr val="000000"/>
+                </a:solidFill>
+                <a:effectLst/>
+                <a:hlinkClick r:id="rId8"/>
+              </a:rPr>
+              <a:t>14211720</a:t>
+            </a:r>
+            <a:endParaRPr lang="en-US" b="0" i="0" dirty="0">
+              <a:solidFill>
+                <a:srgbClr val="000000"/>
+              </a:solidFill>
+              <a:effectLst/>
+            </a:endParaRPr>
+          </a:p>
+          <a:p>
+            <a:pPr marL="800100" lvl="1" indent="-342900">
+              <a:buFont typeface="Arial" panose="020B0604020202020204" pitchFamily="34" charset="0"/>
+              <a:buChar char="•"/>
+            </a:pPr>
+            <a:endParaRPr lang="en-US" sz="2400" dirty="0"/>
+          </a:p>
+          <a:p>
+            <a:pPr marL="342900" indent="-342900">
+              <a:buFont typeface="Arial" panose="020B0604020202020204" pitchFamily="34" charset="0"/>
+              <a:buChar char="•"/>
+            </a:pPr>
+            <a:r>
+              <a:rPr lang="en-US" sz="2400" dirty="0"/>
+              <a:t>NRCS (Natural Resources Conservation Services)</a:t>
+            </a:r>
+          </a:p>
+          <a:p>
+            <a:pPr marL="800100" lvl="1" indent="-342900">
+              <a:buFont typeface="Arial" panose="020B0604020202020204" pitchFamily="34" charset="0"/>
+              <a:buChar char="•"/>
+            </a:pPr>
+            <a:r>
+              <a:rPr lang="en-US" dirty="0">
+                <a:hlinkClick r:id="rId9"/>
+              </a:rPr>
+              <a:t>https://wcc.sc.egov.usda.gov/nwcc/snow-course-sites.jsp?state=OR</a:t>
+            </a:r>
+            <a:endParaRPr lang="en-US" dirty="0"/>
+          </a:p>
+          <a:p>
+            <a:pPr lvl="1"/>
+            <a:endParaRPr lang="en-US" dirty="0"/>
+          </a:p>
+          <a:p>
+            <a:pPr marL="342900" indent="-342900">
+              <a:buFont typeface="Arial" panose="020B0604020202020204" pitchFamily="34" charset="0"/>
+              <a:buChar char="•"/>
+            </a:pPr>
+            <a:r>
+              <a:rPr lang="en-US" sz="2400" dirty="0"/>
+              <a:t>Columbia Basin Research (DART- Data Access in Real Time)</a:t>
+            </a:r>
+          </a:p>
+          <a:p>
+            <a:pPr marL="800100" lvl="1" indent="-342900">
+              <a:buFont typeface="Arial" panose="020B0604020202020204" pitchFamily="34" charset="0"/>
+              <a:buChar char="•"/>
+            </a:pPr>
+            <a:r>
+              <a:rPr lang="en-US" b="0" i="0" u="sng" dirty="0">
+                <a:solidFill>
+                  <a:srgbClr val="296EAA"/>
+                </a:solidFill>
+                <a:effectLst/>
+                <a:hlinkClick r:id="rId10"/>
+              </a:rPr>
+              <a:t>http://www.cbr.washington.edu/dart/query/adult_daily</a:t>
+            </a:r>
+            <a:endParaRPr lang="en-US" dirty="0"/>
+          </a:p>
+          <a:p>
+            <a:pPr marL="342900" indent="-342900">
+              <a:buFont typeface="Arial" panose="020B0604020202020204" pitchFamily="34" charset="0"/>
+              <a:buChar char="•"/>
+            </a:pPr>
+            <a:endParaRPr lang="en-US" sz="2400" dirty="0"/>
+          </a:p>
+          <a:p>
+            <a:pPr marL="342900" indent="-342900">
+              <a:buFont typeface="Arial" panose="020B0604020202020204" pitchFamily="34" charset="0"/>
+              <a:buChar char="•"/>
+            </a:pPr>
+            <a:r>
+              <a:rPr lang="en-US" sz="2400" dirty="0"/>
+              <a:t>US Census</a:t>
+            </a:r>
+          </a:p>
+          <a:p>
+            <a:pPr marL="800100" lvl="1" indent="-342900">
+              <a:buFont typeface="Arial" panose="020B0604020202020204" pitchFamily="34" charset="0"/>
+              <a:buChar char="•"/>
+            </a:pPr>
+            <a:r>
+              <a:rPr lang="en-US" dirty="0">
+                <a:hlinkClick r:id="rId11"/>
+              </a:rPr>
+              <a:t>https://data.census.gov/</a:t>
+            </a:r>
+            <a:endParaRPr lang="en-US" dirty="0"/>
+          </a:p>
+        </p:txBody>
+      </p:sp>
+    </p:spTree>
+    <p:extLst>
+      <p:ext uri="{BB962C8B-B14F-4D97-AF65-F5344CB8AC3E}">
+        <p14:creationId xmlns:p14="http://schemas.microsoft.com/office/powerpoint/2010/main" val="3689763636"/>
+      </p:ext>
+    </p:extLst>
+  </p:cSld>
+  <p:clrMapOvr>
+    <a:masterClrMapping/>
+  </p:clrMapOvr>
+</p:sld>
+</file>
+
 <file path=ppt/slides/slide2.xml><?xml version="1.0" encoding="utf-8"?>
 <p:sld xmlns:a="http://schemas.openxmlformats.org/drawingml/2006/main" xmlns:r="http://schemas.openxmlformats.org/officeDocument/2006/relationships" xmlns:p="http://schemas.openxmlformats.org/presentationml/2006/main">
   <p:cSld>
@@ -6423,7 +7480,7 @@
           </p:nvPr>
         </p:nvPicPr>
         <p:blipFill>
-          <a:blip r:embed="rId2"/>
+          <a:blip r:embed="rId3"/>
           <a:stretch>
             <a:fillRect/>
           </a:stretch>
@@ -7544,7 +8601,7 @@
           <a:lstStyle/>
           <a:p>
             <a:r>
-              <a:rPr lang="en-US" sz="5000" spc="-100"/>
+              <a:rPr lang="en-US" sz="5000" spc="-100" dirty="0"/>
               <a:t>Questions?</a:t>
             </a:r>
           </a:p>
